--- a/docs/lectures/wk5/ML_wk5_Modeleval_tuning-Dimred.pptx
+++ b/docs/lectures/wk5/ML_wk5_Modeleval_tuning-Dimred.pptx
@@ -6,7 +6,7 @@
     <p:sldMasterId id="2147483661" r:id="rId2"/>
   </p:sldMasterIdLst>
   <p:notesMasterIdLst>
-    <p:notesMasterId r:id="rId59"/>
+    <p:notesMasterId r:id="rId61"/>
   </p:notesMasterIdLst>
   <p:sldIdLst>
     <p:sldId id="256" r:id="rId3"/>
@@ -43,28 +43,30 @@
     <p:sldId id="287" r:id="rId34"/>
     <p:sldId id="288" r:id="rId35"/>
     <p:sldId id="289" r:id="rId36"/>
-    <p:sldId id="290" r:id="rId37"/>
-    <p:sldId id="291" r:id="rId38"/>
-    <p:sldId id="292" r:id="rId39"/>
-    <p:sldId id="293" r:id="rId40"/>
-    <p:sldId id="294" r:id="rId41"/>
-    <p:sldId id="295" r:id="rId42"/>
-    <p:sldId id="296" r:id="rId43"/>
-    <p:sldId id="297" r:id="rId44"/>
-    <p:sldId id="298" r:id="rId45"/>
-    <p:sldId id="299" r:id="rId46"/>
-    <p:sldId id="300" r:id="rId47"/>
-    <p:sldId id="301" r:id="rId48"/>
-    <p:sldId id="302" r:id="rId49"/>
-    <p:sldId id="303" r:id="rId50"/>
-    <p:sldId id="304" r:id="rId51"/>
-    <p:sldId id="305" r:id="rId52"/>
-    <p:sldId id="306" r:id="rId53"/>
-    <p:sldId id="307" r:id="rId54"/>
-    <p:sldId id="308" r:id="rId55"/>
-    <p:sldId id="309" r:id="rId56"/>
-    <p:sldId id="310" r:id="rId57"/>
-    <p:sldId id="311" r:id="rId58"/>
+    <p:sldId id="312" r:id="rId37"/>
+    <p:sldId id="313" r:id="rId38"/>
+    <p:sldId id="291" r:id="rId39"/>
+    <p:sldId id="292" r:id="rId40"/>
+    <p:sldId id="293" r:id="rId41"/>
+    <p:sldId id="294" r:id="rId42"/>
+    <p:sldId id="295" r:id="rId43"/>
+    <p:sldId id="296" r:id="rId44"/>
+    <p:sldId id="297" r:id="rId45"/>
+    <p:sldId id="298" r:id="rId46"/>
+    <p:sldId id="299" r:id="rId47"/>
+    <p:sldId id="300" r:id="rId48"/>
+    <p:sldId id="314" r:id="rId49"/>
+    <p:sldId id="301" r:id="rId50"/>
+    <p:sldId id="302" r:id="rId51"/>
+    <p:sldId id="303" r:id="rId52"/>
+    <p:sldId id="304" r:id="rId53"/>
+    <p:sldId id="305" r:id="rId54"/>
+    <p:sldId id="306" r:id="rId55"/>
+    <p:sldId id="307" r:id="rId56"/>
+    <p:sldId id="308" r:id="rId57"/>
+    <p:sldId id="309" r:id="rId58"/>
+    <p:sldId id="310" r:id="rId59"/>
+    <p:sldId id="311" r:id="rId60"/>
   </p:sldIdLst>
   <p:sldSz cx="13004800" cy="9753600"/>
   <p:notesSz cx="6858000" cy="9144000"/>
@@ -366,6 +368,11 @@
       </a:defRPr>
     </a:lvl9pPr>
   </p:defaultTextStyle>
+  <p:extLst>
+    <p:ext uri="{EFAFB233-063F-42B5-8137-9DF3F51BA10A}">
+      <p15:sldGuideLst xmlns:p15="http://schemas.microsoft.com/office/powerpoint/2012/main"/>
+    </p:ext>
+  </p:extLst>
 </p:presentation>
 </file>
 
@@ -998,6 +1005,204 @@
 </file>
 
 <file path=ppt/slideLayouts/slideLayout13.xml><?xml version="1.0" encoding="utf-8"?>
+<p:sldLayout xmlns:a="http://schemas.openxmlformats.org/drawingml/2006/main" xmlns:r="http://schemas.openxmlformats.org/officeDocument/2006/relationships" xmlns:p="http://schemas.openxmlformats.org/presentationml/2006/main" type="obj">
+  <p:cSld name="Titel en object">
+    <p:spTree>
+      <p:nvGrpSpPr>
+        <p:cNvPr id="1" name=""/>
+        <p:cNvGrpSpPr/>
+        <p:nvPr/>
+      </p:nvGrpSpPr>
+      <p:grpSpPr>
+        <a:xfrm>
+          <a:off x="0" y="0"/>
+          <a:ext cx="0" cy="0"/>
+          <a:chOff x="0" y="0"/>
+          <a:chExt cx="0" cy="0"/>
+        </a:xfrm>
+      </p:grpSpPr>
+      <p:sp>
+        <p:nvSpPr>
+          <p:cNvPr id="2" name="Titel 1">
+            <a:extLst>
+              <a:ext uri="{FF2B5EF4-FFF2-40B4-BE49-F238E27FC236}">
+                <a16:creationId xmlns:a16="http://schemas.microsoft.com/office/drawing/2014/main" id="{954CE066-CC2B-BAC4-5EC2-749F2BEDEAC9}"/>
+              </a:ext>
+            </a:extLst>
+          </p:cNvPr>
+          <p:cNvSpPr>
+            <a:spLocks noGrp="1"/>
+          </p:cNvSpPr>
+          <p:nvPr>
+            <p:ph type="title"/>
+          </p:nvPr>
+        </p:nvSpPr>
+        <p:spPr/>
+        <p:txBody>
+          <a:bodyPr/>
+          <a:lstStyle/>
+          <a:p>
+            <a:r>
+              <a:rPr lang="nl-NL"/>
+              <a:t>Klik om stijl te bewerken</a:t>
+            </a:r>
+          </a:p>
+        </p:txBody>
+      </p:sp>
+      <p:sp>
+        <p:nvSpPr>
+          <p:cNvPr id="3" name="Tijdelijke aanduiding voor inhoud 2">
+            <a:extLst>
+              <a:ext uri="{FF2B5EF4-FFF2-40B4-BE49-F238E27FC236}">
+                <a16:creationId xmlns:a16="http://schemas.microsoft.com/office/drawing/2014/main" id="{5DB823C6-0A1C-8DAA-BCCF-373AA5807279}"/>
+              </a:ext>
+            </a:extLst>
+          </p:cNvPr>
+          <p:cNvSpPr>
+            <a:spLocks noGrp="1"/>
+          </p:cNvSpPr>
+          <p:nvPr>
+            <p:ph idx="1"/>
+          </p:nvPr>
+        </p:nvSpPr>
+        <p:spPr/>
+        <p:txBody>
+          <a:bodyPr/>
+          <a:lstStyle/>
+          <a:p>
+            <a:pPr lvl="0"/>
+            <a:r>
+              <a:rPr lang="nl-NL"/>
+              <a:t>Klikken om de tekststijl van het model te bewerken</a:t>
+            </a:r>
+          </a:p>
+          <a:p>
+            <a:pPr lvl="1"/>
+            <a:r>
+              <a:rPr lang="nl-NL"/>
+              <a:t>Tweede niveau</a:t>
+            </a:r>
+          </a:p>
+          <a:p>
+            <a:pPr lvl="2"/>
+            <a:r>
+              <a:rPr lang="nl-NL"/>
+              <a:t>Derde niveau</a:t>
+            </a:r>
+          </a:p>
+          <a:p>
+            <a:pPr lvl="3"/>
+            <a:r>
+              <a:rPr lang="nl-NL"/>
+              <a:t>Vierde niveau</a:t>
+            </a:r>
+          </a:p>
+          <a:p>
+            <a:pPr lvl="4"/>
+            <a:r>
+              <a:rPr lang="nl-NL"/>
+              <a:t>Vijfde niveau</a:t>
+            </a:r>
+          </a:p>
+        </p:txBody>
+      </p:sp>
+      <p:sp>
+        <p:nvSpPr>
+          <p:cNvPr id="4" name="Tijdelijke aanduiding voor datum 3">
+            <a:extLst>
+              <a:ext uri="{FF2B5EF4-FFF2-40B4-BE49-F238E27FC236}">
+                <a16:creationId xmlns:a16="http://schemas.microsoft.com/office/drawing/2014/main" id="{00B13F54-0439-F3CC-469B-A4774EC9CC4B}"/>
+              </a:ext>
+            </a:extLst>
+          </p:cNvPr>
+          <p:cNvSpPr>
+            <a:spLocks noGrp="1"/>
+          </p:cNvSpPr>
+          <p:nvPr>
+            <p:ph type="dt" sz="half" idx="10"/>
+          </p:nvPr>
+        </p:nvSpPr>
+        <p:spPr/>
+        <p:txBody>
+          <a:bodyPr/>
+          <a:lstStyle/>
+          <a:p>
+            <a:fld id="{E43C3D67-E41A-49CD-A81C-4E2A886E7BC5}" type="datetimeFigureOut">
+              <a:rPr lang="nl-NL" smtClean="0"/>
+              <a:t>1-10-2024</a:t>
+            </a:fld>
+            <a:endParaRPr lang="nl-NL"/>
+          </a:p>
+        </p:txBody>
+      </p:sp>
+      <p:sp>
+        <p:nvSpPr>
+          <p:cNvPr id="5" name="Tijdelijke aanduiding voor voettekst 4">
+            <a:extLst>
+              <a:ext uri="{FF2B5EF4-FFF2-40B4-BE49-F238E27FC236}">
+                <a16:creationId xmlns:a16="http://schemas.microsoft.com/office/drawing/2014/main" id="{C15EE730-4DD6-840B-7F71-0BBCA70F3C8D}"/>
+              </a:ext>
+            </a:extLst>
+          </p:cNvPr>
+          <p:cNvSpPr>
+            <a:spLocks noGrp="1"/>
+          </p:cNvSpPr>
+          <p:nvPr>
+            <p:ph type="ftr" sz="quarter" idx="11"/>
+          </p:nvPr>
+        </p:nvSpPr>
+        <p:spPr/>
+        <p:txBody>
+          <a:bodyPr/>
+          <a:lstStyle/>
+          <a:p>
+            <a:endParaRPr lang="nl-NL"/>
+          </a:p>
+        </p:txBody>
+      </p:sp>
+      <p:sp>
+        <p:nvSpPr>
+          <p:cNvPr id="6" name="Tijdelijke aanduiding voor dianummer 5">
+            <a:extLst>
+              <a:ext uri="{FF2B5EF4-FFF2-40B4-BE49-F238E27FC236}">
+                <a16:creationId xmlns:a16="http://schemas.microsoft.com/office/drawing/2014/main" id="{36DC78B3-2795-B7C5-AE0F-D247FBD09DD6}"/>
+              </a:ext>
+            </a:extLst>
+          </p:cNvPr>
+          <p:cNvSpPr>
+            <a:spLocks noGrp="1"/>
+          </p:cNvSpPr>
+          <p:nvPr>
+            <p:ph type="sldNum" sz="quarter" idx="12"/>
+          </p:nvPr>
+        </p:nvSpPr>
+        <p:spPr/>
+        <p:txBody>
+          <a:bodyPr/>
+          <a:lstStyle/>
+          <a:p>
+            <a:fld id="{7532A10F-FBE8-4D71-B1F9-DE5C16BD1C6F}" type="slidenum">
+              <a:rPr lang="nl-NL" smtClean="0"/>
+              <a:t>‹nr.›</a:t>
+            </a:fld>
+            <a:endParaRPr lang="nl-NL"/>
+          </a:p>
+        </p:txBody>
+      </p:sp>
+    </p:spTree>
+    <p:extLst>
+      <p:ext uri="{BB962C8B-B14F-4D97-AF65-F5344CB8AC3E}">
+        <p14:creationId xmlns:p14="http://schemas.microsoft.com/office/powerpoint/2010/main" val="3371205291"/>
+      </p:ext>
+    </p:extLst>
+  </p:cSld>
+  <p:clrMapOvr>
+    <a:masterClrMapping/>
+  </p:clrMapOvr>
+</p:sldLayout>
+</file>
+
+<file path=ppt/slideLayouts/slideLayout14.xml><?xml version="1.0" encoding="utf-8"?>
 <p:sldLayout xmlns:a="http://schemas.openxmlformats.org/drawingml/2006/main" xmlns:r="http://schemas.openxmlformats.org/officeDocument/2006/relationships" xmlns:p="http://schemas.openxmlformats.org/presentationml/2006/main" type="title" preserve="1">
   <p:cSld name="Titeldia">
     <p:spTree>
@@ -1144,7 +1349,7 @@
           <a:p>
             <a:fld id="{E43C3D67-E41A-49CD-A81C-4E2A886E7BC5}" type="datetimeFigureOut">
               <a:rPr lang="nl-NL" smtClean="0"/>
-              <a:t>8-7-2024</a:t>
+              <a:t>1-10-2024</a:t>
             </a:fld>
             <a:endParaRPr lang="nl-NL"/>
           </a:p>
@@ -1217,7 +1422,7 @@
 </p:sldLayout>
 </file>
 
-<file path=ppt/slideLayouts/slideLayout14.xml><?xml version="1.0" encoding="utf-8"?>
+<file path=ppt/slideLayouts/slideLayout15.xml><?xml version="1.0" encoding="utf-8"?>
 <p:sldLayout xmlns:a="http://schemas.openxmlformats.org/drawingml/2006/main" xmlns:r="http://schemas.openxmlformats.org/officeDocument/2006/relationships" xmlns:p="http://schemas.openxmlformats.org/presentationml/2006/main" type="obj" preserve="1">
   <p:cSld name="Titel en object">
     <p:spTree>
@@ -1342,7 +1547,7 @@
           <a:p>
             <a:fld id="{E43C3D67-E41A-49CD-A81C-4E2A886E7BC5}" type="datetimeFigureOut">
               <a:rPr lang="nl-NL" smtClean="0"/>
-              <a:t>8-7-2024</a:t>
+              <a:t>1-10-2024</a:t>
             </a:fld>
             <a:endParaRPr lang="nl-NL"/>
           </a:p>
@@ -1415,7 +1620,7 @@
 </p:sldLayout>
 </file>
 
-<file path=ppt/slideLayouts/slideLayout15.xml><?xml version="1.0" encoding="utf-8"?>
+<file path=ppt/slideLayouts/slideLayout16.xml><?xml version="1.0" encoding="utf-8"?>
 <p:sldLayout xmlns:a="http://schemas.openxmlformats.org/drawingml/2006/main" xmlns:r="http://schemas.openxmlformats.org/officeDocument/2006/relationships" xmlns:p="http://schemas.openxmlformats.org/presentationml/2006/main" type="secHead" preserve="1">
   <p:cSld name="Sectiekop">
     <p:spTree>
@@ -1617,7 +1822,7 @@
           <a:p>
             <a:fld id="{E43C3D67-E41A-49CD-A81C-4E2A886E7BC5}" type="datetimeFigureOut">
               <a:rPr lang="nl-NL" smtClean="0"/>
-              <a:t>8-7-2024</a:t>
+              <a:t>1-10-2024</a:t>
             </a:fld>
             <a:endParaRPr lang="nl-NL"/>
           </a:p>
@@ -1690,7 +1895,7 @@
 </p:sldLayout>
 </file>
 
-<file path=ppt/slideLayouts/slideLayout16.xml><?xml version="1.0" encoding="utf-8"?>
+<file path=ppt/slideLayouts/slideLayout17.xml><?xml version="1.0" encoding="utf-8"?>
 <p:sldLayout xmlns:a="http://schemas.openxmlformats.org/drawingml/2006/main" xmlns:r="http://schemas.openxmlformats.org/officeDocument/2006/relationships" xmlns:p="http://schemas.openxmlformats.org/presentationml/2006/main" type="twoObj" preserve="1">
   <p:cSld name="Inhoud van twee">
     <p:spTree>
@@ -1882,7 +2087,7 @@
           <a:p>
             <a:fld id="{E43C3D67-E41A-49CD-A81C-4E2A886E7BC5}" type="datetimeFigureOut">
               <a:rPr lang="nl-NL" smtClean="0"/>
-              <a:t>8-7-2024</a:t>
+              <a:t>1-10-2024</a:t>
             </a:fld>
             <a:endParaRPr lang="nl-NL"/>
           </a:p>
@@ -1955,7 +2160,7 @@
 </p:sldLayout>
 </file>
 
-<file path=ppt/slideLayouts/slideLayout17.xml><?xml version="1.0" encoding="utf-8"?>
+<file path=ppt/slideLayouts/slideLayout18.xml><?xml version="1.0" encoding="utf-8"?>
 <p:sldLayout xmlns:a="http://schemas.openxmlformats.org/drawingml/2006/main" xmlns:r="http://schemas.openxmlformats.org/officeDocument/2006/relationships" xmlns:p="http://schemas.openxmlformats.org/presentationml/2006/main" type="twoTxTwoObj" preserve="1">
   <p:cSld name="Vergelijking">
     <p:spTree>
@@ -2294,7 +2499,7 @@
           <a:p>
             <a:fld id="{E43C3D67-E41A-49CD-A81C-4E2A886E7BC5}" type="datetimeFigureOut">
               <a:rPr lang="nl-NL" smtClean="0"/>
-              <a:t>8-7-2024</a:t>
+              <a:t>1-10-2024</a:t>
             </a:fld>
             <a:endParaRPr lang="nl-NL"/>
           </a:p>
@@ -2367,7 +2572,7 @@
 </p:sldLayout>
 </file>
 
-<file path=ppt/slideLayouts/slideLayout18.xml><?xml version="1.0" encoding="utf-8"?>
+<file path=ppt/slideLayouts/slideLayout19.xml><?xml version="1.0" encoding="utf-8"?>
 <p:sldLayout xmlns:a="http://schemas.openxmlformats.org/drawingml/2006/main" xmlns:r="http://schemas.openxmlformats.org/officeDocument/2006/relationships" xmlns:p="http://schemas.openxmlformats.org/presentationml/2006/main" type="titleOnly" preserve="1">
   <p:cSld name="Alleen titel">
     <p:spTree>
@@ -2435,7 +2640,7 @@
           <a:p>
             <a:fld id="{E43C3D67-E41A-49CD-A81C-4E2A886E7BC5}" type="datetimeFigureOut">
               <a:rPr lang="nl-NL" smtClean="0"/>
-              <a:t>8-7-2024</a:t>
+              <a:t>1-10-2024</a:t>
             </a:fld>
             <a:endParaRPr lang="nl-NL"/>
           </a:p>
@@ -2499,119 +2704,6 @@
     <p:extLst>
       <p:ext uri="{BB962C8B-B14F-4D97-AF65-F5344CB8AC3E}">
         <p14:creationId xmlns:p14="http://schemas.microsoft.com/office/powerpoint/2010/main" val="219472106"/>
-      </p:ext>
-    </p:extLst>
-  </p:cSld>
-  <p:clrMapOvr>
-    <a:masterClrMapping/>
-  </p:clrMapOvr>
-</p:sldLayout>
-</file>
-
-<file path=ppt/slideLayouts/slideLayout19.xml><?xml version="1.0" encoding="utf-8"?>
-<p:sldLayout xmlns:a="http://schemas.openxmlformats.org/drawingml/2006/main" xmlns:r="http://schemas.openxmlformats.org/officeDocument/2006/relationships" xmlns:p="http://schemas.openxmlformats.org/presentationml/2006/main" type="blank" preserve="1">
-  <p:cSld name="Leeg">
-    <p:spTree>
-      <p:nvGrpSpPr>
-        <p:cNvPr id="1" name=""/>
-        <p:cNvGrpSpPr/>
-        <p:nvPr/>
-      </p:nvGrpSpPr>
-      <p:grpSpPr>
-        <a:xfrm>
-          <a:off x="0" y="0"/>
-          <a:ext cx="0" cy="0"/>
-          <a:chOff x="0" y="0"/>
-          <a:chExt cx="0" cy="0"/>
-        </a:xfrm>
-      </p:grpSpPr>
-      <p:sp>
-        <p:nvSpPr>
-          <p:cNvPr id="2" name="Tijdelijke aanduiding voor datum 1">
-            <a:extLst>
-              <a:ext uri="{FF2B5EF4-FFF2-40B4-BE49-F238E27FC236}">
-                <a16:creationId xmlns:a16="http://schemas.microsoft.com/office/drawing/2014/main" id="{EA58ACB4-C367-A4FD-DB00-0BE4C1B636AB}"/>
-              </a:ext>
-            </a:extLst>
-          </p:cNvPr>
-          <p:cNvSpPr>
-            <a:spLocks noGrp="1"/>
-          </p:cNvSpPr>
-          <p:nvPr>
-            <p:ph type="dt" sz="half" idx="10"/>
-          </p:nvPr>
-        </p:nvSpPr>
-        <p:spPr/>
-        <p:txBody>
-          <a:bodyPr/>
-          <a:lstStyle/>
-          <a:p>
-            <a:fld id="{E43C3D67-E41A-49CD-A81C-4E2A886E7BC5}" type="datetimeFigureOut">
-              <a:rPr lang="nl-NL" smtClean="0"/>
-              <a:t>8-7-2024</a:t>
-            </a:fld>
-            <a:endParaRPr lang="nl-NL"/>
-          </a:p>
-        </p:txBody>
-      </p:sp>
-      <p:sp>
-        <p:nvSpPr>
-          <p:cNvPr id="3" name="Tijdelijke aanduiding voor voettekst 2">
-            <a:extLst>
-              <a:ext uri="{FF2B5EF4-FFF2-40B4-BE49-F238E27FC236}">
-                <a16:creationId xmlns:a16="http://schemas.microsoft.com/office/drawing/2014/main" id="{5BFE7155-0510-9633-B5E5-3FB8F3CA5132}"/>
-              </a:ext>
-            </a:extLst>
-          </p:cNvPr>
-          <p:cNvSpPr>
-            <a:spLocks noGrp="1"/>
-          </p:cNvSpPr>
-          <p:nvPr>
-            <p:ph type="ftr" sz="quarter" idx="11"/>
-          </p:nvPr>
-        </p:nvSpPr>
-        <p:spPr/>
-        <p:txBody>
-          <a:bodyPr/>
-          <a:lstStyle/>
-          <a:p>
-            <a:endParaRPr lang="nl-NL"/>
-          </a:p>
-        </p:txBody>
-      </p:sp>
-      <p:sp>
-        <p:nvSpPr>
-          <p:cNvPr id="4" name="Tijdelijke aanduiding voor dianummer 3">
-            <a:extLst>
-              <a:ext uri="{FF2B5EF4-FFF2-40B4-BE49-F238E27FC236}">
-                <a16:creationId xmlns:a16="http://schemas.microsoft.com/office/drawing/2014/main" id="{30FA6DAA-EC8E-B575-5B01-352C4A69B5F7}"/>
-              </a:ext>
-            </a:extLst>
-          </p:cNvPr>
-          <p:cNvSpPr>
-            <a:spLocks noGrp="1"/>
-          </p:cNvSpPr>
-          <p:nvPr>
-            <p:ph type="sldNum" sz="quarter" idx="12"/>
-          </p:nvPr>
-        </p:nvSpPr>
-        <p:spPr/>
-        <p:txBody>
-          <a:bodyPr/>
-          <a:lstStyle/>
-          <a:p>
-            <a:fld id="{7532A10F-FBE8-4D71-B1F9-DE5C16BD1C6F}" type="slidenum">
-              <a:rPr lang="nl-NL" smtClean="0"/>
-              <a:t>‹nr.›</a:t>
-            </a:fld>
-            <a:endParaRPr lang="nl-NL"/>
-          </a:p>
-        </p:txBody>
-      </p:sp>
-    </p:spTree>
-    <p:extLst>
-      <p:ext uri="{BB962C8B-B14F-4D97-AF65-F5344CB8AC3E}">
-        <p14:creationId xmlns:p14="http://schemas.microsoft.com/office/powerpoint/2010/main" val="2291194352"/>
       </p:ext>
     </p:extLst>
   </p:cSld>
@@ -2830,6 +2922,119 @@
 </file>
 
 <file path=ppt/slideLayouts/slideLayout20.xml><?xml version="1.0" encoding="utf-8"?>
+<p:sldLayout xmlns:a="http://schemas.openxmlformats.org/drawingml/2006/main" xmlns:r="http://schemas.openxmlformats.org/officeDocument/2006/relationships" xmlns:p="http://schemas.openxmlformats.org/presentationml/2006/main" type="blank" preserve="1">
+  <p:cSld name="Leeg">
+    <p:spTree>
+      <p:nvGrpSpPr>
+        <p:cNvPr id="1" name=""/>
+        <p:cNvGrpSpPr/>
+        <p:nvPr/>
+      </p:nvGrpSpPr>
+      <p:grpSpPr>
+        <a:xfrm>
+          <a:off x="0" y="0"/>
+          <a:ext cx="0" cy="0"/>
+          <a:chOff x="0" y="0"/>
+          <a:chExt cx="0" cy="0"/>
+        </a:xfrm>
+      </p:grpSpPr>
+      <p:sp>
+        <p:nvSpPr>
+          <p:cNvPr id="2" name="Tijdelijke aanduiding voor datum 1">
+            <a:extLst>
+              <a:ext uri="{FF2B5EF4-FFF2-40B4-BE49-F238E27FC236}">
+                <a16:creationId xmlns:a16="http://schemas.microsoft.com/office/drawing/2014/main" id="{EA58ACB4-C367-A4FD-DB00-0BE4C1B636AB}"/>
+              </a:ext>
+            </a:extLst>
+          </p:cNvPr>
+          <p:cNvSpPr>
+            <a:spLocks noGrp="1"/>
+          </p:cNvSpPr>
+          <p:nvPr>
+            <p:ph type="dt" sz="half" idx="10"/>
+          </p:nvPr>
+        </p:nvSpPr>
+        <p:spPr/>
+        <p:txBody>
+          <a:bodyPr/>
+          <a:lstStyle/>
+          <a:p>
+            <a:fld id="{E43C3D67-E41A-49CD-A81C-4E2A886E7BC5}" type="datetimeFigureOut">
+              <a:rPr lang="nl-NL" smtClean="0"/>
+              <a:t>1-10-2024</a:t>
+            </a:fld>
+            <a:endParaRPr lang="nl-NL"/>
+          </a:p>
+        </p:txBody>
+      </p:sp>
+      <p:sp>
+        <p:nvSpPr>
+          <p:cNvPr id="3" name="Tijdelijke aanduiding voor voettekst 2">
+            <a:extLst>
+              <a:ext uri="{FF2B5EF4-FFF2-40B4-BE49-F238E27FC236}">
+                <a16:creationId xmlns:a16="http://schemas.microsoft.com/office/drawing/2014/main" id="{5BFE7155-0510-9633-B5E5-3FB8F3CA5132}"/>
+              </a:ext>
+            </a:extLst>
+          </p:cNvPr>
+          <p:cNvSpPr>
+            <a:spLocks noGrp="1"/>
+          </p:cNvSpPr>
+          <p:nvPr>
+            <p:ph type="ftr" sz="quarter" idx="11"/>
+          </p:nvPr>
+        </p:nvSpPr>
+        <p:spPr/>
+        <p:txBody>
+          <a:bodyPr/>
+          <a:lstStyle/>
+          <a:p>
+            <a:endParaRPr lang="nl-NL"/>
+          </a:p>
+        </p:txBody>
+      </p:sp>
+      <p:sp>
+        <p:nvSpPr>
+          <p:cNvPr id="4" name="Tijdelijke aanduiding voor dianummer 3">
+            <a:extLst>
+              <a:ext uri="{FF2B5EF4-FFF2-40B4-BE49-F238E27FC236}">
+                <a16:creationId xmlns:a16="http://schemas.microsoft.com/office/drawing/2014/main" id="{30FA6DAA-EC8E-B575-5B01-352C4A69B5F7}"/>
+              </a:ext>
+            </a:extLst>
+          </p:cNvPr>
+          <p:cNvSpPr>
+            <a:spLocks noGrp="1"/>
+          </p:cNvSpPr>
+          <p:nvPr>
+            <p:ph type="sldNum" sz="quarter" idx="12"/>
+          </p:nvPr>
+        </p:nvSpPr>
+        <p:spPr/>
+        <p:txBody>
+          <a:bodyPr/>
+          <a:lstStyle/>
+          <a:p>
+            <a:fld id="{7532A10F-FBE8-4D71-B1F9-DE5C16BD1C6F}" type="slidenum">
+              <a:rPr lang="nl-NL" smtClean="0"/>
+              <a:t>‹nr.›</a:t>
+            </a:fld>
+            <a:endParaRPr lang="nl-NL"/>
+          </a:p>
+        </p:txBody>
+      </p:sp>
+    </p:spTree>
+    <p:extLst>
+      <p:ext uri="{BB962C8B-B14F-4D97-AF65-F5344CB8AC3E}">
+        <p14:creationId xmlns:p14="http://schemas.microsoft.com/office/powerpoint/2010/main" val="2291194352"/>
+      </p:ext>
+    </p:extLst>
+  </p:cSld>
+  <p:clrMapOvr>
+    <a:masterClrMapping/>
+  </p:clrMapOvr>
+</p:sldLayout>
+</file>
+
+<file path=ppt/slideLayouts/slideLayout21.xml><?xml version="1.0" encoding="utf-8"?>
 <p:sldLayout xmlns:a="http://schemas.openxmlformats.org/drawingml/2006/main" xmlns:r="http://schemas.openxmlformats.org/officeDocument/2006/relationships" xmlns:p="http://schemas.openxmlformats.org/presentationml/2006/main" type="objTx" preserve="1">
   <p:cSld name="Inhoud met bijschrift">
     <p:spTree>
@@ -3067,7 +3272,7 @@
           <a:p>
             <a:fld id="{E43C3D67-E41A-49CD-A81C-4E2A886E7BC5}" type="datetimeFigureOut">
               <a:rPr lang="nl-NL" smtClean="0"/>
-              <a:t>8-7-2024</a:t>
+              <a:t>1-10-2024</a:t>
             </a:fld>
             <a:endParaRPr lang="nl-NL"/>
           </a:p>
@@ -3140,7 +3345,7 @@
 </p:sldLayout>
 </file>
 
-<file path=ppt/slideLayouts/slideLayout21.xml><?xml version="1.0" encoding="utf-8"?>
+<file path=ppt/slideLayouts/slideLayout22.xml><?xml version="1.0" encoding="utf-8"?>
 <p:sldLayout xmlns:a="http://schemas.openxmlformats.org/drawingml/2006/main" xmlns:r="http://schemas.openxmlformats.org/officeDocument/2006/relationships" xmlns:p="http://schemas.openxmlformats.org/presentationml/2006/main" type="picTx" preserve="1">
   <p:cSld name="Afbeelding met bijschrift">
     <p:spTree>
@@ -3355,7 +3560,7 @@
           <a:p>
             <a:fld id="{E43C3D67-E41A-49CD-A81C-4E2A886E7BC5}" type="datetimeFigureOut">
               <a:rPr lang="nl-NL" smtClean="0"/>
-              <a:t>8-7-2024</a:t>
+              <a:t>1-10-2024</a:t>
             </a:fld>
             <a:endParaRPr lang="nl-NL"/>
           </a:p>
@@ -3428,7 +3633,7 @@
 </p:sldLayout>
 </file>
 
-<file path=ppt/slideLayouts/slideLayout22.xml><?xml version="1.0" encoding="utf-8"?>
+<file path=ppt/slideLayouts/slideLayout23.xml><?xml version="1.0" encoding="utf-8"?>
 <p:sldLayout xmlns:a="http://schemas.openxmlformats.org/drawingml/2006/main" xmlns:r="http://schemas.openxmlformats.org/officeDocument/2006/relationships" xmlns:p="http://schemas.openxmlformats.org/presentationml/2006/main" type="vertTx" preserve="1">
   <p:cSld name="Titel en verticale tekst">
     <p:spTree>
@@ -3553,7 +3758,7 @@
           <a:p>
             <a:fld id="{E43C3D67-E41A-49CD-A81C-4E2A886E7BC5}" type="datetimeFigureOut">
               <a:rPr lang="nl-NL" smtClean="0"/>
-              <a:t>8-7-2024</a:t>
+              <a:t>1-10-2024</a:t>
             </a:fld>
             <a:endParaRPr lang="nl-NL"/>
           </a:p>
@@ -3626,7 +3831,7 @@
 </p:sldLayout>
 </file>
 
-<file path=ppt/slideLayouts/slideLayout23.xml><?xml version="1.0" encoding="utf-8"?>
+<file path=ppt/slideLayouts/slideLayout24.xml><?xml version="1.0" encoding="utf-8"?>
 <p:sldLayout xmlns:a="http://schemas.openxmlformats.org/drawingml/2006/main" xmlns:r="http://schemas.openxmlformats.org/officeDocument/2006/relationships" xmlns:p="http://schemas.openxmlformats.org/presentationml/2006/main" type="vertTitleAndTx" preserve="1">
   <p:cSld name="Verticale titel en tekst">
     <p:spTree>
@@ -3761,7 +3966,7 @@
           <a:p>
             <a:fld id="{E43C3D67-E41A-49CD-A81C-4E2A886E7BC5}" type="datetimeFigureOut">
               <a:rPr lang="nl-NL" smtClean="0"/>
-              <a:t>8-7-2024</a:t>
+              <a:t>1-10-2024</a:t>
             </a:fld>
             <a:endParaRPr lang="nl-NL"/>
           </a:p>
@@ -3834,7 +4039,7 @@
 </p:sldLayout>
 </file>
 
-<file path=ppt/slideLayouts/slideLayout24.xml><?xml version="1.0" encoding="utf-8"?>
+<file path=ppt/slideLayouts/slideLayout25.xml><?xml version="1.0" encoding="utf-8"?>
 <p:sldLayout xmlns:a="http://schemas.openxmlformats.org/drawingml/2006/main" xmlns:r="http://schemas.openxmlformats.org/officeDocument/2006/relationships" xmlns:p="http://schemas.openxmlformats.org/presentationml/2006/main" type="tx">
   <p:cSld name="Blank">
     <p:spTree>
@@ -4999,6 +5204,7 @@
     <p:sldLayoutId id="2147483658" r:id="rId10"/>
     <p:sldLayoutId id="2147483659" r:id="rId11"/>
     <p:sldLayoutId id="2147483660" r:id="rId12"/>
+    <p:sldLayoutId id="2147483674" r:id="rId13"/>
   </p:sldLayoutIdLst>
   <p:transition spd="med"/>
   <p:txStyles>
@@ -5882,7 +6088,7 @@
           <a:p>
             <a:fld id="{E43C3D67-E41A-49CD-A81C-4E2A886E7BC5}" type="datetimeFigureOut">
               <a:rPr lang="nl-NL" smtClean="0"/>
-              <a:t>8-7-2024</a:t>
+              <a:t>1-10-2024</a:t>
             </a:fld>
             <a:endParaRPr lang="nl-NL"/>
           </a:p>
@@ -14903,8 +15109,8 @@
           </a:p>
         </p:txBody>
       </p:sp>
-      <mc:AlternateContent xmlns:mc="http://schemas.openxmlformats.org/markup-compatibility/2006">
-        <mc:Choice xmlns:a14="http://schemas.microsoft.com/office/drawing/2010/main" Requires="a14">
+      <mc:AlternateContent xmlns:mc="http://schemas.openxmlformats.org/markup-compatibility/2006" xmlns:a14="http://schemas.microsoft.com/office/drawing/2010/main">
+        <mc:Choice Requires="a14">
           <p:sp>
             <p:nvSpPr>
               <p:cNvPr id="262" name="Vergelijking"/>
@@ -15091,7 +15297,7 @@
             </p:txBody>
           </p:sp>
         </mc:Choice>
-        <mc:Fallback>
+        <mc:Fallback xmlns="">
           <p:sp>
             <p:nvSpPr>
               <p:cNvPr id="262" name="Vergelijking"/>
@@ -15345,7 +15551,7 @@
         </p:nvGraphicFramePr>
         <p:xfrm>
           <a:off x="1270000" y="5660978"/>
-          <a:ext cx="10464800" cy="3529351"/>
+          <a:ext cx="10464800" cy="3529348"/>
         </p:xfrm>
         <a:graphic>
           <a:graphicData uri="http://schemas.openxmlformats.org/drawingml/2006/table">
@@ -15788,8 +15994,8 @@
           </a:graphicData>
         </a:graphic>
       </p:graphicFrame>
-      <mc:AlternateContent xmlns:mc="http://schemas.openxmlformats.org/markup-compatibility/2006">
-        <mc:Choice xmlns:a14="http://schemas.microsoft.com/office/drawing/2010/main" Requires="a14">
+      <mc:AlternateContent xmlns:mc="http://schemas.openxmlformats.org/markup-compatibility/2006" xmlns:a14="http://schemas.microsoft.com/office/drawing/2010/main">
+        <mc:Choice Requires="a14">
           <p:sp>
             <p:nvSpPr>
               <p:cNvPr id="271" name="Vergelijking"/>
@@ -15946,7 +16152,7 @@
             </p:txBody>
           </p:sp>
         </mc:Choice>
-        <mc:Fallback>
+        <mc:Fallback xmlns="">
           <p:sp>
             <p:nvSpPr>
               <p:cNvPr id="271" name="Vergelijking"/>
@@ -16022,8 +16228,8 @@
         </p:nvSpPr>
         <p:spPr>
           <a:xfrm>
-            <a:off x="806487" y="1253579"/>
-            <a:ext cx="11391826" cy="1118296"/>
+            <a:off x="2296922" y="229446"/>
+            <a:ext cx="8410957" cy="1210588"/>
           </a:xfrm>
           <a:prstGeom prst="rect">
             <a:avLst/>
@@ -16052,8 +16258,8 @@
               </a:defRPr>
             </a:pPr>
             <a:r>
-              <a:rPr i="1"/>
-              <a:t>Specificity</a:t>
+              <a:rPr lang="nl-NL" i="1"/>
+              <a:t>Precision</a:t>
             </a:r>
             <a:r>
               <a:t> en </a:t>
@@ -16070,7 +16276,21 @@
               <a:t>zekerheid</a:t>
             </a:r>
             <a:r>
-              <a:t> waarmee we een voorspelling kunnen doen.</a:t>
+              <a:t> </a:t>
+            </a:r>
+            <a:endParaRPr lang="nl-NL"/>
+          </a:p>
+          <a:p>
+            <a:pPr>
+              <a:defRPr>
+                <a:latin typeface="Calibri"/>
+                <a:ea typeface="Calibri"/>
+                <a:cs typeface="Calibri"/>
+                <a:sym typeface="Calibri"/>
+              </a:defRPr>
+            </a:pPr>
+            <a:r>
+              <a:t>waarmee we een voorspelling kunnen doen.</a:t>
             </a:r>
           </a:p>
         </p:txBody>
@@ -16083,7 +16303,7 @@
         </p:nvSpPr>
         <p:spPr>
           <a:xfrm flipV="1">
-            <a:off x="6502400" y="2454708"/>
+            <a:off x="3662212" y="2454708"/>
             <a:ext cx="0" cy="6464152"/>
           </a:xfrm>
           <a:prstGeom prst="line">
@@ -16115,7 +16335,7 @@
         </p:nvSpPr>
         <p:spPr>
           <a:xfrm>
-            <a:off x="6006989" y="8348259"/>
+            <a:off x="3166801" y="8348259"/>
             <a:ext cx="6587976" cy="1"/>
           </a:xfrm>
           <a:prstGeom prst="line">
@@ -16147,7 +16367,7 @@
         </p:nvSpPr>
         <p:spPr>
           <a:xfrm rot="16200000">
-            <a:off x="4862020" y="5046163"/>
+            <a:off x="2021832" y="5046163"/>
             <a:ext cx="2462585" cy="665560"/>
           </a:xfrm>
           <a:prstGeom prst="rect">
@@ -16202,7 +16422,7 @@
         </p:nvSpPr>
         <p:spPr>
           <a:xfrm>
-            <a:off x="9238284" y="8218662"/>
+            <a:off x="6398096" y="8218662"/>
             <a:ext cx="1777456" cy="665561"/>
           </a:xfrm>
           <a:prstGeom prst="rect">
@@ -17318,7 +17538,7 @@
 </file>
 
 <file path=ppt/slides/slide35.xml><?xml version="1.0" encoding="utf-8"?>
-<p:sld xmlns:a="http://schemas.openxmlformats.org/drawingml/2006/main" xmlns:r="http://schemas.openxmlformats.org/officeDocument/2006/relationships" xmlns:p="http://schemas.openxmlformats.org/presentationml/2006/main" show="0">
+<p:sld xmlns:a="http://schemas.openxmlformats.org/drawingml/2006/main" xmlns:r="http://schemas.openxmlformats.org/officeDocument/2006/relationships" xmlns:p="http://schemas.openxmlformats.org/presentationml/2006/main">
   <p:cSld>
     <p:spTree>
       <p:nvGrpSpPr>
@@ -17334,3628 +17554,157 @@
           <a:chExt cx="0" cy="0"/>
         </a:xfrm>
       </p:grpSpPr>
-      <p:grpSp>
-        <p:nvGrpSpPr>
-          <p:cNvPr id="309" name="Groepeer"/>
-          <p:cNvGrpSpPr/>
-          <p:nvPr/>
-        </p:nvGrpSpPr>
-        <p:grpSpPr>
-          <a:xfrm>
-            <a:off x="4019658" y="5974717"/>
-            <a:ext cx="3364390" cy="3193362"/>
-            <a:chOff x="0" y="0"/>
-            <a:chExt cx="3364388" cy="3193361"/>
-          </a:xfrm>
-        </p:grpSpPr>
-        <p:pic>
-          <p:nvPicPr>
-            <p:cNvPr id="306" name="pasted-image.png" descr="pasted-image.png"/>
-            <p:cNvPicPr>
-              <a:picLocks noChangeAspect="1"/>
-            </p:cNvPicPr>
-            <p:nvPr/>
-          </p:nvPicPr>
-          <p:blipFill>
-            <a:blip r:embed="rId2"/>
-            <a:srcRect l="14130" t="17318" r="11961" b="14041"/>
-            <a:stretch>
-              <a:fillRect/>
-            </a:stretch>
-          </p:blipFill>
-          <p:spPr>
-            <a:xfrm>
-              <a:off x="0" y="1559030"/>
-              <a:ext cx="1810941" cy="1634332"/>
-            </a:xfrm>
-            <a:custGeom>
-              <a:avLst/>
-              <a:gdLst/>
-              <a:ahLst/>
-              <a:cxnLst>
-                <a:cxn ang="0">
-                  <a:pos x="wd2" y="hd2"/>
-                </a:cxn>
-                <a:cxn ang="5400000">
-                  <a:pos x="wd2" y="hd2"/>
-                </a:cxn>
-                <a:cxn ang="10800000">
-                  <a:pos x="wd2" y="hd2"/>
-                </a:cxn>
-                <a:cxn ang="16200000">
-                  <a:pos x="wd2" y="hd2"/>
-                </a:cxn>
-              </a:cxnLst>
-              <a:rect l="0" t="0" r="r" b="b"/>
-              <a:pathLst>
-                <a:path w="21600" h="21600" extrusionOk="0">
-                  <a:moveTo>
-                    <a:pt x="16379" y="0"/>
-                  </a:moveTo>
-                  <a:lnTo>
-                    <a:pt x="16331" y="572"/>
-                  </a:lnTo>
-                  <a:cubicBezTo>
-                    <a:pt x="16284" y="1116"/>
-                    <a:pt x="16245" y="1145"/>
-                    <a:pt x="15564" y="1185"/>
-                  </a:cubicBezTo>
-                  <a:cubicBezTo>
-                    <a:pt x="13915" y="1284"/>
-                    <a:pt x="13183" y="1436"/>
-                    <a:pt x="13183" y="1673"/>
-                  </a:cubicBezTo>
-                  <a:cubicBezTo>
-                    <a:pt x="13183" y="1805"/>
-                    <a:pt x="13365" y="1936"/>
-                    <a:pt x="13586" y="1967"/>
-                  </a:cubicBezTo>
-                  <a:cubicBezTo>
-                    <a:pt x="13807" y="1998"/>
-                    <a:pt x="14002" y="2101"/>
-                    <a:pt x="14021" y="2198"/>
-                  </a:cubicBezTo>
-                  <a:cubicBezTo>
-                    <a:pt x="14043" y="2306"/>
-                    <a:pt x="13254" y="2393"/>
-                    <a:pt x="11962" y="2423"/>
-                  </a:cubicBezTo>
-                  <a:lnTo>
-                    <a:pt x="9865" y="2471"/>
-                  </a:lnTo>
-                  <a:lnTo>
-                    <a:pt x="9818" y="3126"/>
-                  </a:lnTo>
-                  <a:cubicBezTo>
-                    <a:pt x="9771" y="3746"/>
-                    <a:pt x="9741" y="3777"/>
-                    <a:pt x="9264" y="3724"/>
-                  </a:cubicBezTo>
-                  <a:lnTo>
-                    <a:pt x="8762" y="3666"/>
-                  </a:lnTo>
-                  <a:lnTo>
-                    <a:pt x="8757" y="4736"/>
-                  </a:lnTo>
-                  <a:cubicBezTo>
-                    <a:pt x="8752" y="6021"/>
-                    <a:pt x="8688" y="6153"/>
-                    <a:pt x="8099" y="6153"/>
-                  </a:cubicBezTo>
-                  <a:cubicBezTo>
-                    <a:pt x="7719" y="6153"/>
-                    <a:pt x="7635" y="6233"/>
-                    <a:pt x="7593" y="6635"/>
-                  </a:cubicBezTo>
-                  <a:cubicBezTo>
-                    <a:pt x="7551" y="7038"/>
-                    <a:pt x="7460" y="7130"/>
-                    <a:pt x="7030" y="7176"/>
-                  </a:cubicBezTo>
-                  <a:lnTo>
-                    <a:pt x="6514" y="7228"/>
-                  </a:lnTo>
-                  <a:lnTo>
-                    <a:pt x="6514" y="8975"/>
-                  </a:lnTo>
-                  <a:lnTo>
-                    <a:pt x="6514" y="10727"/>
-                  </a:lnTo>
-                  <a:lnTo>
-                    <a:pt x="8568" y="10727"/>
-                  </a:lnTo>
-                  <a:lnTo>
-                    <a:pt x="10622" y="10727"/>
-                  </a:lnTo>
-                  <a:lnTo>
-                    <a:pt x="10670" y="10155"/>
-                  </a:lnTo>
-                  <a:lnTo>
-                    <a:pt x="10722" y="9583"/>
-                  </a:lnTo>
-                  <a:lnTo>
-                    <a:pt x="11834" y="9583"/>
-                  </a:lnTo>
-                  <a:lnTo>
-                    <a:pt x="12947" y="9583"/>
-                  </a:lnTo>
-                  <a:lnTo>
-                    <a:pt x="12947" y="12001"/>
-                  </a:lnTo>
-                  <a:cubicBezTo>
-                    <a:pt x="12947" y="13466"/>
-                    <a:pt x="12882" y="14435"/>
-                    <a:pt x="12786" y="14461"/>
-                  </a:cubicBezTo>
-                  <a:cubicBezTo>
-                    <a:pt x="12698" y="14485"/>
-                    <a:pt x="12605" y="14246"/>
-                    <a:pt x="12578" y="13931"/>
-                  </a:cubicBezTo>
-                  <a:cubicBezTo>
-                    <a:pt x="12548" y="13591"/>
-                    <a:pt x="12438" y="13360"/>
-                    <a:pt x="12308" y="13360"/>
-                  </a:cubicBezTo>
-                  <a:cubicBezTo>
-                    <a:pt x="12178" y="13360"/>
-                    <a:pt x="12072" y="13591"/>
-                    <a:pt x="12043" y="13931"/>
-                  </a:cubicBezTo>
-                  <a:cubicBezTo>
-                    <a:pt x="11999" y="14432"/>
-                    <a:pt x="11930" y="14508"/>
-                    <a:pt x="11484" y="14556"/>
-                  </a:cubicBezTo>
-                  <a:cubicBezTo>
-                    <a:pt x="10977" y="14610"/>
-                    <a:pt x="10972" y="14616"/>
-                    <a:pt x="10925" y="15699"/>
-                  </a:cubicBezTo>
-                  <a:lnTo>
-                    <a:pt x="10878" y="16790"/>
-                  </a:lnTo>
-                  <a:lnTo>
-                    <a:pt x="9818" y="16843"/>
-                  </a:lnTo>
-                  <a:lnTo>
-                    <a:pt x="8753" y="16895"/>
-                  </a:lnTo>
-                  <a:lnTo>
-                    <a:pt x="8705" y="17456"/>
-                  </a:lnTo>
-                  <a:lnTo>
-                    <a:pt x="8658" y="18017"/>
-                  </a:lnTo>
-                  <a:lnTo>
-                    <a:pt x="6514" y="18017"/>
-                  </a:lnTo>
-                  <a:lnTo>
-                    <a:pt x="4369" y="18017"/>
-                  </a:lnTo>
-                  <a:lnTo>
-                    <a:pt x="4369" y="16879"/>
-                  </a:lnTo>
-                  <a:cubicBezTo>
-                    <a:pt x="4369" y="15763"/>
-                    <a:pt x="4378" y="15732"/>
-                    <a:pt x="4805" y="15678"/>
-                  </a:cubicBezTo>
-                  <a:cubicBezTo>
-                    <a:pt x="5168" y="15632"/>
-                    <a:pt x="5240" y="15536"/>
-                    <a:pt x="5240" y="15117"/>
-                  </a:cubicBezTo>
-                  <a:cubicBezTo>
-                    <a:pt x="5240" y="14698"/>
-                    <a:pt x="5168" y="14607"/>
-                    <a:pt x="4805" y="14561"/>
-                  </a:cubicBezTo>
-                  <a:cubicBezTo>
-                    <a:pt x="4443" y="14515"/>
-                    <a:pt x="4358" y="14407"/>
-                    <a:pt x="4317" y="13942"/>
-                  </a:cubicBezTo>
-                  <a:cubicBezTo>
-                    <a:pt x="4273" y="13434"/>
-                    <a:pt x="4214" y="13377"/>
-                    <a:pt x="3683" y="13328"/>
-                  </a:cubicBezTo>
-                  <a:cubicBezTo>
-                    <a:pt x="3150" y="13279"/>
-                    <a:pt x="3094" y="13224"/>
-                    <a:pt x="3049" y="12704"/>
-                  </a:cubicBezTo>
-                  <a:lnTo>
-                    <a:pt x="2996" y="12132"/>
-                  </a:lnTo>
-                  <a:lnTo>
-                    <a:pt x="2064" y="12132"/>
-                  </a:lnTo>
-                  <a:lnTo>
-                    <a:pt x="1131" y="12132"/>
-                  </a:lnTo>
-                  <a:lnTo>
-                    <a:pt x="1084" y="12704"/>
-                  </a:lnTo>
-                  <a:cubicBezTo>
-                    <a:pt x="1040" y="13206"/>
-                    <a:pt x="970" y="13280"/>
-                    <a:pt x="516" y="13328"/>
-                  </a:cubicBezTo>
-                  <a:lnTo>
-                    <a:pt x="0" y="13386"/>
-                  </a:lnTo>
-                  <a:lnTo>
-                    <a:pt x="0" y="15647"/>
-                  </a:lnTo>
-                  <a:lnTo>
-                    <a:pt x="0" y="17907"/>
-                  </a:lnTo>
-                  <a:lnTo>
-                    <a:pt x="516" y="17965"/>
-                  </a:lnTo>
-                  <a:lnTo>
-                    <a:pt x="1032" y="18017"/>
-                  </a:lnTo>
-                  <a:lnTo>
-                    <a:pt x="1079" y="19198"/>
-                  </a:lnTo>
-                  <a:lnTo>
-                    <a:pt x="1127" y="20378"/>
-                  </a:lnTo>
-                  <a:lnTo>
-                    <a:pt x="2111" y="20430"/>
-                  </a:lnTo>
-                  <a:cubicBezTo>
-                    <a:pt x="3083" y="20482"/>
-                    <a:pt x="3419" y="20777"/>
-                    <a:pt x="2627" y="20887"/>
-                  </a:cubicBezTo>
-                  <a:cubicBezTo>
-                    <a:pt x="2044" y="20967"/>
-                    <a:pt x="2126" y="21413"/>
-                    <a:pt x="2741" y="21500"/>
-                  </a:cubicBezTo>
-                  <a:cubicBezTo>
-                    <a:pt x="3025" y="21541"/>
-                    <a:pt x="4666" y="21577"/>
-                    <a:pt x="6386" y="21584"/>
-                  </a:cubicBezTo>
-                  <a:lnTo>
-                    <a:pt x="9510" y="21600"/>
-                  </a:lnTo>
-                  <a:lnTo>
-                    <a:pt x="9562" y="21039"/>
-                  </a:lnTo>
-                  <a:lnTo>
-                    <a:pt x="9609" y="20483"/>
-                  </a:lnTo>
-                  <a:lnTo>
-                    <a:pt x="10679" y="20430"/>
-                  </a:lnTo>
-                  <a:cubicBezTo>
-                    <a:pt x="11745" y="20379"/>
-                    <a:pt x="11754" y="20375"/>
-                    <a:pt x="11754" y="19869"/>
-                  </a:cubicBezTo>
-                  <a:cubicBezTo>
-                    <a:pt x="11754" y="19215"/>
-                    <a:pt x="11872" y="19146"/>
-                    <a:pt x="13013" y="19140"/>
-                  </a:cubicBezTo>
-                  <a:cubicBezTo>
-                    <a:pt x="13958" y="19135"/>
-                    <a:pt x="13958" y="19135"/>
-                    <a:pt x="14007" y="18579"/>
-                  </a:cubicBezTo>
-                  <a:cubicBezTo>
-                    <a:pt x="14050" y="18094"/>
-                    <a:pt x="14123" y="18012"/>
-                    <a:pt x="14566" y="17965"/>
-                  </a:cubicBezTo>
-                  <a:cubicBezTo>
-                    <a:pt x="15072" y="17911"/>
-                    <a:pt x="15073" y="17905"/>
-                    <a:pt x="15120" y="16822"/>
-                  </a:cubicBezTo>
-                  <a:cubicBezTo>
-                    <a:pt x="15166" y="15739"/>
-                    <a:pt x="15169" y="15732"/>
-                    <a:pt x="15673" y="15678"/>
-                  </a:cubicBezTo>
-                  <a:cubicBezTo>
-                    <a:pt x="16115" y="15631"/>
-                    <a:pt x="16189" y="15553"/>
-                    <a:pt x="16232" y="15064"/>
-                  </a:cubicBezTo>
-                  <a:cubicBezTo>
-                    <a:pt x="16273" y="14599"/>
-                    <a:pt x="16357" y="14497"/>
-                    <a:pt x="16720" y="14451"/>
-                  </a:cubicBezTo>
-                  <a:cubicBezTo>
-                    <a:pt x="17145" y="14397"/>
-                    <a:pt x="17155" y="14361"/>
-                    <a:pt x="17155" y="13271"/>
-                  </a:cubicBezTo>
-                  <a:cubicBezTo>
-                    <a:pt x="17155" y="12180"/>
-                    <a:pt x="17145" y="12150"/>
-                    <a:pt x="16720" y="12096"/>
-                  </a:cubicBezTo>
-                  <a:lnTo>
-                    <a:pt x="16279" y="12043"/>
-                  </a:lnTo>
-                  <a:lnTo>
-                    <a:pt x="16237" y="9111"/>
-                  </a:lnTo>
-                  <a:lnTo>
-                    <a:pt x="16194" y="6174"/>
-                  </a:lnTo>
-                  <a:lnTo>
-                    <a:pt x="15683" y="6121"/>
-                  </a:lnTo>
-                  <a:cubicBezTo>
-                    <a:pt x="15213" y="6071"/>
-                    <a:pt x="15167" y="6015"/>
-                    <a:pt x="15167" y="5450"/>
-                  </a:cubicBezTo>
-                  <a:lnTo>
-                    <a:pt x="15167" y="4836"/>
-                  </a:lnTo>
-                  <a:lnTo>
-                    <a:pt x="17818" y="4789"/>
-                  </a:lnTo>
-                  <a:lnTo>
-                    <a:pt x="20469" y="4736"/>
-                  </a:lnTo>
-                  <a:lnTo>
-                    <a:pt x="20521" y="4170"/>
-                  </a:lnTo>
-                  <a:cubicBezTo>
-                    <a:pt x="20564" y="3672"/>
-                    <a:pt x="20631" y="3599"/>
-                    <a:pt x="21084" y="3551"/>
-                  </a:cubicBezTo>
-                  <a:lnTo>
-                    <a:pt x="21600" y="3493"/>
-                  </a:lnTo>
-                  <a:lnTo>
-                    <a:pt x="21600" y="1747"/>
-                  </a:lnTo>
-                  <a:lnTo>
-                    <a:pt x="21600" y="0"/>
-                  </a:lnTo>
-                  <a:lnTo>
-                    <a:pt x="18992" y="0"/>
-                  </a:lnTo>
-                  <a:lnTo>
-                    <a:pt x="16379" y="0"/>
-                  </a:lnTo>
-                  <a:close/>
-                </a:path>
-              </a:pathLst>
-            </a:custGeom>
-            <a:ln w="12700" cap="flat">
-              <a:noFill/>
-              <a:miter lim="400000"/>
-            </a:ln>
-            <a:effectLst/>
-          </p:spPr>
-        </p:pic>
-        <p:pic>
-          <p:nvPicPr>
-            <p:cNvPr id="307" name="pasted-image.png" descr="pasted-image.png"/>
-            <p:cNvPicPr>
-              <a:picLocks noChangeAspect="1"/>
-            </p:cNvPicPr>
-            <p:nvPr/>
-          </p:nvPicPr>
-          <p:blipFill>
-            <a:blip r:embed="rId3"/>
-            <a:srcRect l="16783" t="13043" r="9082" b="14591"/>
-            <a:stretch>
-              <a:fillRect/>
-            </a:stretch>
-          </p:blipFill>
-          <p:spPr>
-            <a:xfrm>
-              <a:off x="1958260" y="1121776"/>
-              <a:ext cx="1406129" cy="1329559"/>
-            </a:xfrm>
-            <a:custGeom>
-              <a:avLst/>
-              <a:gdLst/>
-              <a:ahLst/>
-              <a:cxnLst>
-                <a:cxn ang="0">
-                  <a:pos x="wd2" y="hd2"/>
-                </a:cxn>
-                <a:cxn ang="5400000">
-                  <a:pos x="wd2" y="hd2"/>
-                </a:cxn>
-                <a:cxn ang="10800000">
-                  <a:pos x="wd2" y="hd2"/>
-                </a:cxn>
-                <a:cxn ang="16200000">
-                  <a:pos x="wd2" y="hd2"/>
-                </a:cxn>
-              </a:cxnLst>
-              <a:rect l="0" t="0" r="r" b="b"/>
-              <a:pathLst>
-                <a:path w="21600" h="21596" extrusionOk="0">
-                  <a:moveTo>
-                    <a:pt x="18540" y="0"/>
-                  </a:moveTo>
-                  <a:cubicBezTo>
-                    <a:pt x="16611" y="0"/>
-                    <a:pt x="16529" y="16"/>
-                    <a:pt x="16467" y="483"/>
-                  </a:cubicBezTo>
-                  <a:cubicBezTo>
-                    <a:pt x="16410" y="906"/>
-                    <a:pt x="16264" y="981"/>
-                    <a:pt x="15345" y="1038"/>
-                  </a:cubicBezTo>
-                  <a:cubicBezTo>
-                    <a:pt x="14434" y="1094"/>
-                    <a:pt x="14278" y="1169"/>
-                    <a:pt x="14223" y="1579"/>
-                  </a:cubicBezTo>
-                  <a:cubicBezTo>
-                    <a:pt x="14183" y="1877"/>
-                    <a:pt x="13996" y="2079"/>
-                    <a:pt x="13717" y="2121"/>
-                  </a:cubicBezTo>
-                  <a:cubicBezTo>
-                    <a:pt x="13439" y="2163"/>
-                    <a:pt x="13245" y="2368"/>
-                    <a:pt x="13205" y="2662"/>
-                  </a:cubicBezTo>
-                  <a:cubicBezTo>
-                    <a:pt x="13155" y="3033"/>
-                    <a:pt x="12989" y="3148"/>
-                    <a:pt x="12431" y="3191"/>
-                  </a:cubicBezTo>
-                  <a:cubicBezTo>
-                    <a:pt x="10425" y="3345"/>
-                    <a:pt x="10009" y="3472"/>
-                    <a:pt x="9943" y="3958"/>
-                  </a:cubicBezTo>
-                  <a:cubicBezTo>
-                    <a:pt x="9889" y="4368"/>
-                    <a:pt x="9739" y="4444"/>
-                    <a:pt x="8828" y="4500"/>
-                  </a:cubicBezTo>
-                  <a:cubicBezTo>
-                    <a:pt x="7917" y="4556"/>
-                    <a:pt x="7761" y="4631"/>
-                    <a:pt x="7706" y="5041"/>
-                  </a:cubicBezTo>
-                  <a:cubicBezTo>
-                    <a:pt x="7661" y="5375"/>
-                    <a:pt x="7475" y="5535"/>
-                    <a:pt x="7090" y="5583"/>
-                  </a:cubicBezTo>
-                  <a:cubicBezTo>
-                    <a:pt x="6667" y="5634"/>
-                    <a:pt x="6530" y="5778"/>
-                    <a:pt x="6481" y="6227"/>
-                  </a:cubicBezTo>
-                  <a:cubicBezTo>
-                    <a:pt x="6436" y="6635"/>
-                    <a:pt x="6283" y="6831"/>
-                    <a:pt x="5969" y="6878"/>
-                  </a:cubicBezTo>
-                  <a:cubicBezTo>
-                    <a:pt x="5591" y="6935"/>
-                    <a:pt x="5514" y="7106"/>
-                    <a:pt x="5462" y="7961"/>
-                  </a:cubicBezTo>
-                  <a:cubicBezTo>
-                    <a:pt x="5411" y="8815"/>
-                    <a:pt x="5332" y="8988"/>
-                    <a:pt x="4956" y="9044"/>
-                  </a:cubicBezTo>
-                  <a:cubicBezTo>
-                    <a:pt x="4679" y="9086"/>
-                    <a:pt x="4484" y="9284"/>
-                    <a:pt x="4444" y="9579"/>
-                  </a:cubicBezTo>
-                  <a:cubicBezTo>
-                    <a:pt x="4409" y="9840"/>
-                    <a:pt x="4181" y="10150"/>
-                    <a:pt x="3938" y="10263"/>
-                  </a:cubicBezTo>
-                  <a:cubicBezTo>
-                    <a:pt x="3544" y="10446"/>
-                    <a:pt x="3262" y="11182"/>
-                    <a:pt x="3262" y="12016"/>
-                  </a:cubicBezTo>
-                  <a:cubicBezTo>
-                    <a:pt x="3262" y="12172"/>
-                    <a:pt x="3514" y="12327"/>
-                    <a:pt x="3823" y="12364"/>
-                  </a:cubicBezTo>
-                  <a:cubicBezTo>
-                    <a:pt x="4224" y="12413"/>
-                    <a:pt x="4398" y="12570"/>
-                    <a:pt x="4444" y="12919"/>
-                  </a:cubicBezTo>
-                  <a:cubicBezTo>
-                    <a:pt x="4501" y="13341"/>
-                    <a:pt x="4632" y="13408"/>
-                    <a:pt x="5426" y="13408"/>
-                  </a:cubicBezTo>
-                  <a:cubicBezTo>
-                    <a:pt x="6258" y="13408"/>
-                    <a:pt x="6337" y="13361"/>
-                    <a:pt x="6279" y="12919"/>
-                  </a:cubicBezTo>
-                  <a:cubicBezTo>
-                    <a:pt x="6221" y="12469"/>
-                    <a:pt x="6301" y="12430"/>
-                    <a:pt x="7371" y="12371"/>
-                  </a:cubicBezTo>
-                  <a:cubicBezTo>
-                    <a:pt x="8387" y="12314"/>
-                    <a:pt x="8540" y="12247"/>
-                    <a:pt x="8596" y="11829"/>
-                  </a:cubicBezTo>
-                  <a:cubicBezTo>
-                    <a:pt x="8653" y="11404"/>
-                    <a:pt x="8779" y="11352"/>
-                    <a:pt x="9779" y="11352"/>
-                  </a:cubicBezTo>
-                  <a:lnTo>
-                    <a:pt x="10901" y="11352"/>
-                  </a:lnTo>
-                  <a:lnTo>
-                    <a:pt x="10962" y="12364"/>
-                  </a:lnTo>
-                  <a:cubicBezTo>
-                    <a:pt x="11013" y="13219"/>
-                    <a:pt x="11096" y="13390"/>
-                    <a:pt x="11474" y="13447"/>
-                  </a:cubicBezTo>
-                  <a:cubicBezTo>
-                    <a:pt x="12123" y="13545"/>
-                    <a:pt x="12123" y="14780"/>
-                    <a:pt x="11474" y="14878"/>
-                  </a:cubicBezTo>
-                  <a:cubicBezTo>
-                    <a:pt x="11096" y="14935"/>
-                    <a:pt x="11013" y="15106"/>
-                    <a:pt x="10962" y="15961"/>
-                  </a:cubicBezTo>
-                  <a:cubicBezTo>
-                    <a:pt x="10913" y="16764"/>
-                    <a:pt x="10806" y="17020"/>
-                    <a:pt x="10449" y="17186"/>
-                  </a:cubicBezTo>
-                  <a:cubicBezTo>
-                    <a:pt x="10202" y="17301"/>
-                    <a:pt x="9976" y="17596"/>
-                    <a:pt x="9943" y="17837"/>
-                  </a:cubicBezTo>
-                  <a:cubicBezTo>
-                    <a:pt x="9904" y="18132"/>
-                    <a:pt x="9702" y="18295"/>
-                    <a:pt x="9334" y="18340"/>
-                  </a:cubicBezTo>
-                  <a:cubicBezTo>
-                    <a:pt x="8950" y="18387"/>
-                    <a:pt x="8769" y="18550"/>
-                    <a:pt x="8724" y="18881"/>
-                  </a:cubicBezTo>
-                  <a:cubicBezTo>
-                    <a:pt x="8631" y="19573"/>
-                    <a:pt x="7463" y="19567"/>
-                    <a:pt x="7371" y="18875"/>
-                  </a:cubicBezTo>
-                  <a:cubicBezTo>
-                    <a:pt x="7308" y="18410"/>
-                    <a:pt x="7222" y="18392"/>
-                    <a:pt x="4621" y="18334"/>
-                  </a:cubicBezTo>
-                  <a:cubicBezTo>
-                    <a:pt x="2010" y="18275"/>
-                    <a:pt x="1935" y="18258"/>
-                    <a:pt x="1872" y="17786"/>
-                  </a:cubicBezTo>
-                  <a:cubicBezTo>
-                    <a:pt x="1815" y="17365"/>
-                    <a:pt x="1683" y="17302"/>
-                    <a:pt x="902" y="17302"/>
-                  </a:cubicBezTo>
-                  <a:lnTo>
-                    <a:pt x="0" y="17302"/>
-                  </a:lnTo>
-                  <a:lnTo>
-                    <a:pt x="0" y="18798"/>
-                  </a:lnTo>
-                  <a:cubicBezTo>
-                    <a:pt x="0" y="20187"/>
-                    <a:pt x="32" y="20300"/>
-                    <a:pt x="457" y="20364"/>
-                  </a:cubicBezTo>
-                  <a:cubicBezTo>
-                    <a:pt x="709" y="20402"/>
-                    <a:pt x="1007" y="20649"/>
-                    <a:pt x="1116" y="20912"/>
-                  </a:cubicBezTo>
-                  <a:cubicBezTo>
-                    <a:pt x="1224" y="21175"/>
-                    <a:pt x="1498" y="21431"/>
-                    <a:pt x="1725" y="21479"/>
-                  </a:cubicBezTo>
-                  <a:cubicBezTo>
-                    <a:pt x="2059" y="21550"/>
-                    <a:pt x="4197" y="21591"/>
-                    <a:pt x="6334" y="21595"/>
-                  </a:cubicBezTo>
-                  <a:cubicBezTo>
-                    <a:pt x="8472" y="21600"/>
-                    <a:pt x="10611" y="21568"/>
-                    <a:pt x="10937" y="21499"/>
-                  </a:cubicBezTo>
-                  <a:cubicBezTo>
-                    <a:pt x="11276" y="21427"/>
-                    <a:pt x="11613" y="21172"/>
-                    <a:pt x="11724" y="20906"/>
-                  </a:cubicBezTo>
-                  <a:cubicBezTo>
-                    <a:pt x="11830" y="20648"/>
-                    <a:pt x="12119" y="20408"/>
-                    <a:pt x="12364" y="20371"/>
-                  </a:cubicBezTo>
-                  <a:cubicBezTo>
-                    <a:pt x="12633" y="20330"/>
-                    <a:pt x="12838" y="20120"/>
-                    <a:pt x="12876" y="19848"/>
-                  </a:cubicBezTo>
-                  <a:cubicBezTo>
-                    <a:pt x="12911" y="19600"/>
-                    <a:pt x="13121" y="19290"/>
-                    <a:pt x="13345" y="19159"/>
-                  </a:cubicBezTo>
-                  <a:cubicBezTo>
-                    <a:pt x="13569" y="19028"/>
-                    <a:pt x="13793" y="18898"/>
-                    <a:pt x="13839" y="18869"/>
-                  </a:cubicBezTo>
-                  <a:cubicBezTo>
-                    <a:pt x="13886" y="18839"/>
-                    <a:pt x="13975" y="17913"/>
-                    <a:pt x="14040" y="16812"/>
-                  </a:cubicBezTo>
-                  <a:cubicBezTo>
-                    <a:pt x="14151" y="14947"/>
-                    <a:pt x="14192" y="14807"/>
-                    <a:pt x="14619" y="14743"/>
-                  </a:cubicBezTo>
-                  <a:cubicBezTo>
-                    <a:pt x="15047" y="14678"/>
-                    <a:pt x="15077" y="14572"/>
-                    <a:pt x="15077" y="13086"/>
-                  </a:cubicBezTo>
-                  <a:cubicBezTo>
-                    <a:pt x="15077" y="11601"/>
-                    <a:pt x="15046" y="11487"/>
-                    <a:pt x="14619" y="11423"/>
-                  </a:cubicBezTo>
-                  <a:cubicBezTo>
-                    <a:pt x="14251" y="11367"/>
-                    <a:pt x="14132" y="11154"/>
-                    <a:pt x="13992" y="10334"/>
-                  </a:cubicBezTo>
-                  <a:cubicBezTo>
-                    <a:pt x="13802" y="9227"/>
-                    <a:pt x="13764" y="9212"/>
-                    <a:pt x="11413" y="9031"/>
-                  </a:cubicBezTo>
-                  <a:lnTo>
-                    <a:pt x="10699" y="8973"/>
-                  </a:lnTo>
-                  <a:lnTo>
-                    <a:pt x="10699" y="7787"/>
-                  </a:lnTo>
-                  <a:lnTo>
-                    <a:pt x="10699" y="6595"/>
-                  </a:lnTo>
-                  <a:lnTo>
-                    <a:pt x="12260" y="6530"/>
-                  </a:lnTo>
-                  <a:cubicBezTo>
-                    <a:pt x="13699" y="6472"/>
-                    <a:pt x="13835" y="6434"/>
-                    <a:pt x="13894" y="5995"/>
-                  </a:cubicBezTo>
-                  <a:cubicBezTo>
-                    <a:pt x="13949" y="5583"/>
-                    <a:pt x="14103" y="5503"/>
-                    <a:pt x="15016" y="5447"/>
-                  </a:cubicBezTo>
-                  <a:cubicBezTo>
-                    <a:pt x="15927" y="5391"/>
-                    <a:pt x="16076" y="5316"/>
-                    <a:pt x="16131" y="4906"/>
-                  </a:cubicBezTo>
-                  <a:cubicBezTo>
-                    <a:pt x="16181" y="4532"/>
-                    <a:pt x="16352" y="4420"/>
-                    <a:pt x="16912" y="4377"/>
-                  </a:cubicBezTo>
-                  <a:cubicBezTo>
-                    <a:pt x="18918" y="4223"/>
-                    <a:pt x="19328" y="4096"/>
-                    <a:pt x="19393" y="3610"/>
-                  </a:cubicBezTo>
-                  <a:cubicBezTo>
-                    <a:pt x="19448" y="3199"/>
-                    <a:pt x="19603" y="3125"/>
-                    <a:pt x="20527" y="3068"/>
-                  </a:cubicBezTo>
-                  <a:lnTo>
-                    <a:pt x="21600" y="3004"/>
-                  </a:lnTo>
-                  <a:lnTo>
-                    <a:pt x="21600" y="2056"/>
-                  </a:lnTo>
-                  <a:cubicBezTo>
-                    <a:pt x="21600" y="1239"/>
-                    <a:pt x="21532" y="1104"/>
-                    <a:pt x="21137" y="1044"/>
-                  </a:cubicBezTo>
-                  <a:cubicBezTo>
-                    <a:pt x="20842" y="1000"/>
-                    <a:pt x="20660" y="796"/>
-                    <a:pt x="20618" y="483"/>
-                  </a:cubicBezTo>
-                  <a:cubicBezTo>
-                    <a:pt x="20556" y="16"/>
-                    <a:pt x="20468" y="0"/>
-                    <a:pt x="18540" y="0"/>
-                  </a:cubicBezTo>
-                  <a:close/>
-                </a:path>
-              </a:pathLst>
-            </a:custGeom>
-            <a:ln w="12700" cap="flat">
-              <a:noFill/>
-              <a:miter lim="400000"/>
-            </a:ln>
-            <a:effectLst/>
-          </p:spPr>
-        </p:pic>
-        <p:pic>
-          <p:nvPicPr>
-            <p:cNvPr id="308" name="pasted-image.png" descr="pasted-image.png"/>
-            <p:cNvPicPr>
-              <a:picLocks noChangeAspect="1"/>
-            </p:cNvPicPr>
-            <p:nvPr/>
-          </p:nvPicPr>
-          <p:blipFill>
-            <a:blip r:embed="rId4"/>
-            <a:srcRect l="19863" t="13043" r="5478" b="8695"/>
-            <a:stretch>
-              <a:fillRect/>
-            </a:stretch>
-          </p:blipFill>
-          <p:spPr>
-            <a:xfrm>
-              <a:off x="840016" y="0"/>
-              <a:ext cx="1450183" cy="1437879"/>
-            </a:xfrm>
-            <a:custGeom>
-              <a:avLst/>
-              <a:gdLst/>
-              <a:ahLst/>
-              <a:cxnLst>
-                <a:cxn ang="0">
-                  <a:pos x="wd2" y="hd2"/>
-                </a:cxn>
-                <a:cxn ang="5400000">
-                  <a:pos x="wd2" y="hd2"/>
-                </a:cxn>
-                <a:cxn ang="10800000">
-                  <a:pos x="wd2" y="hd2"/>
-                </a:cxn>
-                <a:cxn ang="16200000">
-                  <a:pos x="wd2" y="hd2"/>
-                </a:cxn>
-              </a:cxnLst>
-              <a:rect l="0" t="0" r="r" b="b"/>
-              <a:pathLst>
-                <a:path w="21600" h="21600" extrusionOk="0">
-                  <a:moveTo>
-                    <a:pt x="20855" y="0"/>
-                  </a:moveTo>
-                  <a:cubicBezTo>
-                    <a:pt x="19372" y="4"/>
-                    <a:pt x="18655" y="219"/>
-                    <a:pt x="18591" y="674"/>
-                  </a:cubicBezTo>
-                  <a:cubicBezTo>
-                    <a:pt x="18537" y="1060"/>
-                    <a:pt x="18389" y="1104"/>
-                    <a:pt x="16995" y="1157"/>
-                  </a:cubicBezTo>
-                  <a:cubicBezTo>
-                    <a:pt x="15510" y="1213"/>
-                    <a:pt x="15014" y="1437"/>
-                    <a:pt x="15872" y="1663"/>
-                  </a:cubicBezTo>
-                  <a:cubicBezTo>
-                    <a:pt x="16744" y="1894"/>
-                    <a:pt x="15978" y="2200"/>
-                    <a:pt x="14530" y="2200"/>
-                  </a:cubicBezTo>
-                  <a:cubicBezTo>
-                    <a:pt x="13036" y="2200"/>
-                    <a:pt x="13034" y="2203"/>
-                    <a:pt x="13129" y="2707"/>
-                  </a:cubicBezTo>
-                  <a:cubicBezTo>
-                    <a:pt x="13182" y="2984"/>
-                    <a:pt x="13162" y="3253"/>
-                    <a:pt x="13082" y="3303"/>
-                  </a:cubicBezTo>
-                  <a:cubicBezTo>
-                    <a:pt x="13002" y="3353"/>
-                    <a:pt x="12253" y="3406"/>
-                    <a:pt x="11421" y="3422"/>
-                  </a:cubicBezTo>
-                  <a:cubicBezTo>
-                    <a:pt x="9999" y="3450"/>
-                    <a:pt x="9369" y="3692"/>
-                    <a:pt x="10357" y="3834"/>
-                  </a:cubicBezTo>
-                  <a:cubicBezTo>
-                    <a:pt x="11161" y="3949"/>
-                    <a:pt x="10726" y="4296"/>
-                    <a:pt x="9700" y="4358"/>
-                  </a:cubicBezTo>
-                  <a:cubicBezTo>
-                    <a:pt x="8798" y="4413"/>
-                    <a:pt x="8706" y="4468"/>
-                    <a:pt x="8761" y="4859"/>
-                  </a:cubicBezTo>
-                  <a:cubicBezTo>
-                    <a:pt x="8813" y="5241"/>
-                    <a:pt x="8693" y="5314"/>
-                    <a:pt x="7791" y="5461"/>
-                  </a:cubicBezTo>
-                  <a:cubicBezTo>
-                    <a:pt x="6948" y="5598"/>
-                    <a:pt x="6748" y="5705"/>
-                    <a:pt x="6698" y="6063"/>
-                  </a:cubicBezTo>
-                  <a:cubicBezTo>
-                    <a:pt x="6644" y="6445"/>
-                    <a:pt x="6495" y="6506"/>
-                    <a:pt x="5509" y="6558"/>
-                  </a:cubicBezTo>
-                  <a:cubicBezTo>
-                    <a:pt x="4449" y="6614"/>
-                    <a:pt x="4379" y="6652"/>
-                    <a:pt x="4321" y="7160"/>
-                  </a:cubicBezTo>
-                  <a:cubicBezTo>
-                    <a:pt x="4277" y="7544"/>
-                    <a:pt x="4130" y="7717"/>
-                    <a:pt x="3813" y="7762"/>
-                  </a:cubicBezTo>
-                  <a:cubicBezTo>
-                    <a:pt x="3428" y="7818"/>
-                    <a:pt x="3369" y="7946"/>
-                    <a:pt x="3369" y="8698"/>
-                  </a:cubicBezTo>
-                  <a:cubicBezTo>
-                    <a:pt x="3369" y="9451"/>
-                    <a:pt x="3428" y="9579"/>
-                    <a:pt x="3813" y="9634"/>
-                  </a:cubicBezTo>
-                  <a:cubicBezTo>
-                    <a:pt x="4130" y="9680"/>
-                    <a:pt x="4277" y="9857"/>
-                    <a:pt x="4321" y="10243"/>
-                  </a:cubicBezTo>
-                  <a:cubicBezTo>
-                    <a:pt x="4382" y="10777"/>
-                    <a:pt x="4405" y="10788"/>
-                    <a:pt x="6006" y="10845"/>
-                  </a:cubicBezTo>
-                  <a:cubicBezTo>
-                    <a:pt x="7517" y="10899"/>
-                    <a:pt x="7632" y="10932"/>
-                    <a:pt x="7691" y="11351"/>
-                  </a:cubicBezTo>
-                  <a:cubicBezTo>
-                    <a:pt x="7732" y="11644"/>
-                    <a:pt x="7894" y="11799"/>
-                    <a:pt x="8146" y="11799"/>
-                  </a:cubicBezTo>
-                  <a:cubicBezTo>
-                    <a:pt x="8631" y="11799"/>
-                    <a:pt x="8661" y="11909"/>
-                    <a:pt x="8820" y="14040"/>
-                  </a:cubicBezTo>
-                  <a:cubicBezTo>
-                    <a:pt x="8938" y="15622"/>
-                    <a:pt x="8991" y="15785"/>
-                    <a:pt x="9381" y="15841"/>
-                  </a:cubicBezTo>
-                  <a:cubicBezTo>
-                    <a:pt x="9987" y="15928"/>
-                    <a:pt x="9912" y="16285"/>
-                    <a:pt x="9275" y="16359"/>
-                  </a:cubicBezTo>
-                  <a:cubicBezTo>
-                    <a:pt x="8903" y="16403"/>
-                    <a:pt x="8727" y="16555"/>
-                    <a:pt x="8684" y="16860"/>
-                  </a:cubicBezTo>
-                  <a:cubicBezTo>
-                    <a:pt x="8614" y="17350"/>
-                    <a:pt x="8038" y="17537"/>
-                    <a:pt x="6479" y="17576"/>
-                  </a:cubicBezTo>
-                  <a:cubicBezTo>
-                    <a:pt x="5609" y="17597"/>
-                    <a:pt x="5530" y="17642"/>
-                    <a:pt x="5586" y="18053"/>
-                  </a:cubicBezTo>
-                  <a:cubicBezTo>
-                    <a:pt x="5645" y="18476"/>
-                    <a:pt x="5576" y="18500"/>
-                    <a:pt x="4457" y="18500"/>
-                  </a:cubicBezTo>
-                  <a:cubicBezTo>
-                    <a:pt x="3385" y="18500"/>
-                    <a:pt x="3266" y="18459"/>
-                    <a:pt x="3210" y="18065"/>
-                  </a:cubicBezTo>
-                  <a:cubicBezTo>
-                    <a:pt x="3171" y="17792"/>
-                    <a:pt x="2983" y="17603"/>
-                    <a:pt x="2713" y="17564"/>
-                  </a:cubicBezTo>
-                  <a:cubicBezTo>
-                    <a:pt x="2410" y="17520"/>
-                    <a:pt x="2260" y="17338"/>
-                    <a:pt x="2217" y="16962"/>
-                  </a:cubicBezTo>
-                  <a:cubicBezTo>
-                    <a:pt x="2169" y="16546"/>
-                    <a:pt x="2037" y="16407"/>
-                    <a:pt x="1626" y="16359"/>
-                  </a:cubicBezTo>
-                  <a:cubicBezTo>
-                    <a:pt x="1132" y="16302"/>
-                    <a:pt x="1084" y="16224"/>
-                    <a:pt x="1029" y="15251"/>
-                  </a:cubicBezTo>
-                  <a:cubicBezTo>
-                    <a:pt x="974" y="14286"/>
-                    <a:pt x="930" y="14201"/>
-                    <a:pt x="485" y="14201"/>
-                  </a:cubicBezTo>
-                  <a:cubicBezTo>
-                    <a:pt x="3" y="14201"/>
-                    <a:pt x="0" y="14213"/>
-                    <a:pt x="0" y="16175"/>
-                  </a:cubicBezTo>
-                  <a:cubicBezTo>
-                    <a:pt x="0" y="18745"/>
-                    <a:pt x="127" y="19364"/>
-                    <a:pt x="668" y="19442"/>
-                  </a:cubicBezTo>
-                  <a:cubicBezTo>
-                    <a:pt x="961" y="19484"/>
-                    <a:pt x="1110" y="19664"/>
-                    <a:pt x="1153" y="20038"/>
-                  </a:cubicBezTo>
-                  <a:cubicBezTo>
-                    <a:pt x="1210" y="20538"/>
-                    <a:pt x="1288" y="20585"/>
-                    <a:pt x="2240" y="20640"/>
-                  </a:cubicBezTo>
-                  <a:cubicBezTo>
-                    <a:pt x="3242" y="20699"/>
-                    <a:pt x="3594" y="21037"/>
-                    <a:pt x="2784" y="21165"/>
-                  </a:cubicBezTo>
-                  <a:cubicBezTo>
-                    <a:pt x="2562" y="21200"/>
-                    <a:pt x="2376" y="21313"/>
-                    <a:pt x="2376" y="21415"/>
-                  </a:cubicBezTo>
-                  <a:cubicBezTo>
-                    <a:pt x="2376" y="21518"/>
-                    <a:pt x="2998" y="21600"/>
-                    <a:pt x="3754" y="21600"/>
-                  </a:cubicBezTo>
-                  <a:cubicBezTo>
-                    <a:pt x="5027" y="21600"/>
-                    <a:pt x="5131" y="21570"/>
-                    <a:pt x="5190" y="21153"/>
-                  </a:cubicBezTo>
-                  <a:cubicBezTo>
-                    <a:pt x="5246" y="20755"/>
-                    <a:pt x="5382" y="20693"/>
-                    <a:pt x="6378" y="20640"/>
-                  </a:cubicBezTo>
-                  <a:cubicBezTo>
-                    <a:pt x="7366" y="20588"/>
-                    <a:pt x="7512" y="20524"/>
-                    <a:pt x="7567" y="20139"/>
-                  </a:cubicBezTo>
-                  <a:cubicBezTo>
-                    <a:pt x="7616" y="19789"/>
-                    <a:pt x="7817" y="19668"/>
-                    <a:pt x="8560" y="19531"/>
-                  </a:cubicBezTo>
-                  <a:cubicBezTo>
-                    <a:pt x="9295" y="19396"/>
-                    <a:pt x="9505" y="19269"/>
-                    <a:pt x="9553" y="18929"/>
-                  </a:cubicBezTo>
-                  <a:cubicBezTo>
-                    <a:pt x="9595" y="18630"/>
-                    <a:pt x="9774" y="18483"/>
-                    <a:pt x="10144" y="18440"/>
-                  </a:cubicBezTo>
-                  <a:cubicBezTo>
-                    <a:pt x="10556" y="18392"/>
-                    <a:pt x="10693" y="18254"/>
-                    <a:pt x="10741" y="17838"/>
-                  </a:cubicBezTo>
-                  <a:cubicBezTo>
-                    <a:pt x="10789" y="17419"/>
-                    <a:pt x="10919" y="17285"/>
-                    <a:pt x="11344" y="17236"/>
-                  </a:cubicBezTo>
-                  <a:lnTo>
-                    <a:pt x="11888" y="17176"/>
-                  </a:lnTo>
-                  <a:lnTo>
-                    <a:pt x="11888" y="15203"/>
-                  </a:lnTo>
-                  <a:lnTo>
-                    <a:pt x="11888" y="13229"/>
-                  </a:lnTo>
-                  <a:lnTo>
-                    <a:pt x="11344" y="13164"/>
-                  </a:lnTo>
-                  <a:cubicBezTo>
-                    <a:pt x="10837" y="13105"/>
-                    <a:pt x="10796" y="13027"/>
-                    <a:pt x="10741" y="12061"/>
-                  </a:cubicBezTo>
-                  <a:cubicBezTo>
-                    <a:pt x="10686" y="11100"/>
-                    <a:pt x="10639" y="11022"/>
-                    <a:pt x="10144" y="10964"/>
-                  </a:cubicBezTo>
-                  <a:cubicBezTo>
-                    <a:pt x="9722" y="10915"/>
-                    <a:pt x="9624" y="10806"/>
-                    <a:pt x="9671" y="10463"/>
-                  </a:cubicBezTo>
-                  <a:cubicBezTo>
-                    <a:pt x="9718" y="10116"/>
-                    <a:pt x="9616" y="10013"/>
-                    <a:pt x="9174" y="9962"/>
-                  </a:cubicBezTo>
-                  <a:cubicBezTo>
-                    <a:pt x="8641" y="9901"/>
-                    <a:pt x="8619" y="9856"/>
-                    <a:pt x="8619" y="8800"/>
-                  </a:cubicBezTo>
-                  <a:lnTo>
-                    <a:pt x="8619" y="7703"/>
-                  </a:lnTo>
-                  <a:lnTo>
-                    <a:pt x="9316" y="7649"/>
-                  </a:lnTo>
-                  <a:cubicBezTo>
-                    <a:pt x="11267" y="7506"/>
-                    <a:pt x="11665" y="7389"/>
-                    <a:pt x="11728" y="6940"/>
-                  </a:cubicBezTo>
-                  <a:cubicBezTo>
-                    <a:pt x="11772" y="6631"/>
-                    <a:pt x="11951" y="6482"/>
-                    <a:pt x="12325" y="6439"/>
-                  </a:cubicBezTo>
-                  <a:cubicBezTo>
-                    <a:pt x="12697" y="6395"/>
-                    <a:pt x="12873" y="6243"/>
-                    <a:pt x="12916" y="5938"/>
-                  </a:cubicBezTo>
-                  <a:cubicBezTo>
-                    <a:pt x="12985" y="5451"/>
-                    <a:pt x="13564" y="5262"/>
-                    <a:pt x="15098" y="5223"/>
-                  </a:cubicBezTo>
-                  <a:cubicBezTo>
-                    <a:pt x="15900" y="5202"/>
-                    <a:pt x="16030" y="5141"/>
-                    <a:pt x="16085" y="4752"/>
-                  </a:cubicBezTo>
-                  <a:cubicBezTo>
-                    <a:pt x="16141" y="4352"/>
-                    <a:pt x="16282" y="4292"/>
-                    <a:pt x="17302" y="4239"/>
-                  </a:cubicBezTo>
-                  <a:cubicBezTo>
-                    <a:pt x="18359" y="4184"/>
-                    <a:pt x="18445" y="4142"/>
-                    <a:pt x="18390" y="3738"/>
-                  </a:cubicBezTo>
-                  <a:cubicBezTo>
-                    <a:pt x="18333" y="3320"/>
-                    <a:pt x="18407" y="3299"/>
-                    <a:pt x="19963" y="3243"/>
-                  </a:cubicBezTo>
-                  <a:lnTo>
-                    <a:pt x="21600" y="3184"/>
-                  </a:lnTo>
-                  <a:lnTo>
-                    <a:pt x="21600" y="1592"/>
-                  </a:lnTo>
-                  <a:lnTo>
-                    <a:pt x="21600" y="0"/>
-                  </a:lnTo>
-                  <a:lnTo>
-                    <a:pt x="20855" y="0"/>
-                  </a:lnTo>
-                  <a:close/>
-                </a:path>
-              </a:pathLst>
-            </a:custGeom>
-            <a:ln w="12700" cap="flat">
-              <a:noFill/>
-              <a:miter lim="400000"/>
-            </a:ln>
-            <a:effectLst/>
-          </p:spPr>
-        </p:pic>
-      </p:grpSp>
-      <p:grpSp>
-        <p:nvGrpSpPr>
-          <p:cNvPr id="314" name="Groepeer"/>
-          <p:cNvGrpSpPr/>
-          <p:nvPr/>
-        </p:nvGrpSpPr>
-        <p:grpSpPr>
-          <a:xfrm>
-            <a:off x="8414752" y="6001512"/>
-            <a:ext cx="3423571" cy="3098587"/>
-            <a:chOff x="0" y="0"/>
-            <a:chExt cx="3423570" cy="3098585"/>
-          </a:xfrm>
-        </p:grpSpPr>
-        <p:pic>
-          <p:nvPicPr>
-            <p:cNvPr id="310" name="pasted-image.png" descr="pasted-image.png"/>
-            <p:cNvPicPr>
-              <a:picLocks noChangeAspect="1"/>
-            </p:cNvPicPr>
-            <p:nvPr/>
-          </p:nvPicPr>
-          <p:blipFill>
-            <a:blip r:embed="rId5"/>
-            <a:srcRect l="20000" t="15294" r="14123" b="7650"/>
-            <a:stretch>
-              <a:fillRect/>
-            </a:stretch>
-          </p:blipFill>
-          <p:spPr>
-            <a:xfrm>
-              <a:off x="1811986" y="0"/>
-              <a:ext cx="1487489" cy="1745060"/>
-            </a:xfrm>
-            <a:custGeom>
-              <a:avLst/>
-              <a:gdLst/>
-              <a:ahLst/>
-              <a:cxnLst>
-                <a:cxn ang="0">
-                  <a:pos x="wd2" y="hd2"/>
-                </a:cxn>
-                <a:cxn ang="5400000">
-                  <a:pos x="wd2" y="hd2"/>
-                </a:cxn>
-                <a:cxn ang="10800000">
-                  <a:pos x="wd2" y="hd2"/>
-                </a:cxn>
-                <a:cxn ang="16200000">
-                  <a:pos x="wd2" y="hd2"/>
-                </a:cxn>
-              </a:cxnLst>
-              <a:rect l="0" t="0" r="r" b="b"/>
-              <a:pathLst>
-                <a:path w="21600" h="21600" extrusionOk="0">
-                  <a:moveTo>
-                    <a:pt x="12754" y="0"/>
-                  </a:moveTo>
-                  <a:lnTo>
-                    <a:pt x="12696" y="535"/>
-                  </a:lnTo>
-                  <a:cubicBezTo>
-                    <a:pt x="12636" y="1071"/>
-                    <a:pt x="12632" y="1071"/>
-                    <a:pt x="11440" y="1120"/>
-                  </a:cubicBezTo>
-                  <a:cubicBezTo>
-                    <a:pt x="10303" y="1167"/>
-                    <a:pt x="10241" y="1191"/>
-                    <a:pt x="10183" y="1616"/>
-                  </a:cubicBezTo>
-                  <a:lnTo>
-                    <a:pt x="10126" y="2063"/>
-                  </a:lnTo>
-                  <a:lnTo>
-                    <a:pt x="8253" y="2107"/>
-                  </a:lnTo>
-                  <a:lnTo>
-                    <a:pt x="6374" y="2157"/>
-                  </a:lnTo>
-                  <a:lnTo>
-                    <a:pt x="6322" y="4333"/>
-                  </a:lnTo>
-                  <a:lnTo>
-                    <a:pt x="6270" y="6514"/>
-                  </a:lnTo>
-                  <a:lnTo>
-                    <a:pt x="5654" y="6563"/>
-                  </a:lnTo>
-                  <a:cubicBezTo>
-                    <a:pt x="5118" y="6607"/>
-                    <a:pt x="5031" y="6685"/>
-                    <a:pt x="4979" y="7143"/>
-                  </a:cubicBezTo>
-                  <a:cubicBezTo>
-                    <a:pt x="4930" y="7576"/>
-                    <a:pt x="4824" y="7675"/>
-                    <a:pt x="4397" y="7717"/>
-                  </a:cubicBezTo>
-                  <a:cubicBezTo>
-                    <a:pt x="3996" y="7757"/>
-                    <a:pt x="3867" y="7871"/>
-                    <a:pt x="3821" y="8214"/>
-                  </a:cubicBezTo>
-                  <a:cubicBezTo>
-                    <a:pt x="3771" y="8580"/>
-                    <a:pt x="3654" y="8667"/>
-                    <a:pt x="3135" y="8710"/>
-                  </a:cubicBezTo>
-                  <a:lnTo>
-                    <a:pt x="2507" y="8759"/>
-                  </a:lnTo>
-                  <a:lnTo>
-                    <a:pt x="2507" y="10316"/>
-                  </a:lnTo>
-                  <a:lnTo>
-                    <a:pt x="2507" y="11873"/>
-                  </a:lnTo>
-                  <a:lnTo>
-                    <a:pt x="5031" y="11873"/>
-                  </a:lnTo>
-                  <a:lnTo>
-                    <a:pt x="7550" y="11873"/>
-                  </a:lnTo>
-                  <a:lnTo>
-                    <a:pt x="7486" y="11338"/>
-                  </a:lnTo>
-                  <a:cubicBezTo>
-                    <a:pt x="7425" y="10814"/>
-                    <a:pt x="7440" y="10802"/>
-                    <a:pt x="8195" y="10802"/>
-                  </a:cubicBezTo>
-                  <a:cubicBezTo>
-                    <a:pt x="8946" y="10802"/>
-                    <a:pt x="8969" y="10812"/>
-                    <a:pt x="8910" y="11323"/>
-                  </a:cubicBezTo>
-                  <a:cubicBezTo>
-                    <a:pt x="8853" y="11809"/>
-                    <a:pt x="8893" y="11854"/>
-                    <a:pt x="9486" y="11903"/>
-                  </a:cubicBezTo>
-                  <a:lnTo>
-                    <a:pt x="10126" y="11957"/>
-                  </a:lnTo>
-                  <a:lnTo>
-                    <a:pt x="10126" y="14673"/>
-                  </a:lnTo>
-                  <a:lnTo>
-                    <a:pt x="10126" y="17395"/>
-                  </a:lnTo>
-                  <a:lnTo>
-                    <a:pt x="9486" y="17449"/>
-                  </a:lnTo>
-                  <a:cubicBezTo>
-                    <a:pt x="8893" y="17498"/>
-                    <a:pt x="8853" y="17538"/>
-                    <a:pt x="8910" y="18024"/>
-                  </a:cubicBezTo>
-                  <a:lnTo>
-                    <a:pt x="8967" y="18549"/>
-                  </a:lnTo>
-                  <a:lnTo>
-                    <a:pt x="7619" y="18549"/>
-                  </a:lnTo>
-                  <a:lnTo>
-                    <a:pt x="6270" y="18549"/>
-                  </a:lnTo>
-                  <a:lnTo>
-                    <a:pt x="6207" y="18024"/>
-                  </a:lnTo>
-                  <a:cubicBezTo>
-                    <a:pt x="6155" y="17566"/>
-                    <a:pt x="6068" y="17493"/>
-                    <a:pt x="5533" y="17449"/>
-                  </a:cubicBezTo>
-                  <a:cubicBezTo>
-                    <a:pt x="4964" y="17402"/>
-                    <a:pt x="4921" y="17355"/>
-                    <a:pt x="4979" y="16859"/>
-                  </a:cubicBezTo>
-                  <a:lnTo>
-                    <a:pt x="5043" y="16324"/>
-                  </a:lnTo>
-                  <a:lnTo>
-                    <a:pt x="2524" y="16324"/>
-                  </a:lnTo>
-                  <a:lnTo>
-                    <a:pt x="0" y="16324"/>
-                  </a:lnTo>
-                  <a:lnTo>
-                    <a:pt x="0" y="17881"/>
-                  </a:lnTo>
-                  <a:lnTo>
-                    <a:pt x="0" y="19443"/>
-                  </a:lnTo>
-                  <a:lnTo>
-                    <a:pt x="1204" y="19493"/>
-                  </a:lnTo>
-                  <a:cubicBezTo>
-                    <a:pt x="2406" y="19541"/>
-                    <a:pt x="2413" y="19541"/>
-                    <a:pt x="2472" y="20067"/>
-                  </a:cubicBezTo>
-                  <a:cubicBezTo>
-                    <a:pt x="2532" y="20593"/>
-                    <a:pt x="2534" y="20598"/>
-                    <a:pt x="3723" y="20647"/>
-                  </a:cubicBezTo>
-                  <a:cubicBezTo>
-                    <a:pt x="4866" y="20694"/>
-                    <a:pt x="4921" y="20714"/>
-                    <a:pt x="4979" y="21148"/>
-                  </a:cubicBezTo>
-                  <a:lnTo>
-                    <a:pt x="5043" y="21600"/>
-                  </a:lnTo>
-                  <a:lnTo>
-                    <a:pt x="11405" y="21600"/>
-                  </a:lnTo>
-                  <a:lnTo>
-                    <a:pt x="11347" y="21148"/>
-                  </a:lnTo>
-                  <a:cubicBezTo>
-                    <a:pt x="11292" y="20745"/>
-                    <a:pt x="11354" y="20687"/>
-                    <a:pt x="11901" y="20642"/>
-                  </a:cubicBezTo>
-                  <a:cubicBezTo>
-                    <a:pt x="12437" y="20598"/>
-                    <a:pt x="12523" y="20525"/>
-                    <a:pt x="12575" y="20067"/>
-                  </a:cubicBezTo>
-                  <a:cubicBezTo>
-                    <a:pt x="12627" y="19607"/>
-                    <a:pt x="12712" y="19533"/>
-                    <a:pt x="13261" y="19488"/>
-                  </a:cubicBezTo>
-                  <a:lnTo>
-                    <a:pt x="13889" y="19439"/>
-                  </a:lnTo>
-                  <a:lnTo>
-                    <a:pt x="13889" y="14673"/>
-                  </a:lnTo>
-                  <a:lnTo>
-                    <a:pt x="13889" y="9913"/>
-                  </a:lnTo>
-                  <a:lnTo>
-                    <a:pt x="13261" y="9864"/>
-                  </a:lnTo>
-                  <a:cubicBezTo>
-                    <a:pt x="12712" y="9819"/>
-                    <a:pt x="12627" y="9745"/>
-                    <a:pt x="12575" y="9285"/>
-                  </a:cubicBezTo>
-                  <a:cubicBezTo>
-                    <a:pt x="12526" y="8852"/>
-                    <a:pt x="12420" y="8752"/>
-                    <a:pt x="11993" y="8710"/>
-                  </a:cubicBezTo>
-                  <a:cubicBezTo>
-                    <a:pt x="11592" y="8670"/>
-                    <a:pt x="11463" y="8557"/>
-                    <a:pt x="11417" y="8214"/>
-                  </a:cubicBezTo>
-                  <a:cubicBezTo>
-                    <a:pt x="11367" y="7849"/>
-                    <a:pt x="11248" y="7759"/>
-                    <a:pt x="10742" y="7717"/>
-                  </a:cubicBezTo>
-                  <a:cubicBezTo>
-                    <a:pt x="10179" y="7671"/>
-                    <a:pt x="10126" y="7617"/>
-                    <a:pt x="10126" y="7089"/>
-                  </a:cubicBezTo>
-                  <a:cubicBezTo>
-                    <a:pt x="10126" y="6556"/>
-                    <a:pt x="10174" y="6508"/>
-                    <a:pt x="10765" y="6460"/>
-                  </a:cubicBezTo>
-                  <a:cubicBezTo>
-                    <a:pt x="11359" y="6411"/>
-                    <a:pt x="11399" y="6371"/>
-                    <a:pt x="11342" y="5885"/>
-                  </a:cubicBezTo>
-                  <a:lnTo>
-                    <a:pt x="11284" y="5359"/>
-                  </a:lnTo>
-                  <a:lnTo>
-                    <a:pt x="13889" y="5359"/>
-                  </a:lnTo>
-                  <a:lnTo>
-                    <a:pt x="16488" y="5359"/>
-                  </a:lnTo>
-                  <a:lnTo>
-                    <a:pt x="16546" y="6470"/>
-                  </a:lnTo>
-                  <a:lnTo>
-                    <a:pt x="16603" y="7585"/>
-                  </a:lnTo>
-                  <a:lnTo>
-                    <a:pt x="17756" y="7585"/>
-                  </a:lnTo>
-                  <a:lnTo>
-                    <a:pt x="18903" y="7585"/>
-                  </a:lnTo>
-                  <a:lnTo>
-                    <a:pt x="18903" y="6524"/>
-                  </a:lnTo>
-                  <a:cubicBezTo>
-                    <a:pt x="18903" y="5489"/>
-                    <a:pt x="18890" y="5464"/>
-                    <a:pt x="18373" y="5414"/>
-                  </a:cubicBezTo>
-                  <a:cubicBezTo>
-                    <a:pt x="17925" y="5370"/>
-                    <a:pt x="17842" y="5280"/>
-                    <a:pt x="17842" y="4863"/>
-                  </a:cubicBezTo>
-                  <a:cubicBezTo>
-                    <a:pt x="17842" y="4449"/>
-                    <a:pt x="17926" y="4361"/>
-                    <a:pt x="18361" y="4318"/>
-                  </a:cubicBezTo>
-                  <a:cubicBezTo>
-                    <a:pt x="18788" y="4276"/>
-                    <a:pt x="18888" y="4176"/>
-                    <a:pt x="18937" y="3743"/>
-                  </a:cubicBezTo>
-                  <a:lnTo>
-                    <a:pt x="19001" y="3218"/>
-                  </a:lnTo>
-                  <a:lnTo>
-                    <a:pt x="20298" y="3169"/>
-                  </a:lnTo>
-                  <a:lnTo>
-                    <a:pt x="21600" y="3119"/>
-                  </a:lnTo>
-                  <a:lnTo>
-                    <a:pt x="21600" y="1557"/>
-                  </a:lnTo>
-                  <a:lnTo>
-                    <a:pt x="21600" y="0"/>
-                  </a:lnTo>
-                  <a:lnTo>
-                    <a:pt x="17180" y="0"/>
-                  </a:lnTo>
-                  <a:lnTo>
-                    <a:pt x="12754" y="0"/>
-                  </a:lnTo>
-                  <a:close/>
-                </a:path>
-              </a:pathLst>
-            </a:custGeom>
-            <a:ln w="12700" cap="flat">
-              <a:noFill/>
-              <a:miter lim="400000"/>
-            </a:ln>
-            <a:effectLst/>
-          </p:spPr>
-        </p:pic>
-        <p:pic>
-          <p:nvPicPr>
-            <p:cNvPr id="311" name="pasted-image.png" descr="pasted-image.png"/>
-            <p:cNvPicPr>
-              <a:picLocks noChangeAspect="1"/>
-            </p:cNvPicPr>
-            <p:nvPr/>
-          </p:nvPicPr>
-          <p:blipFill>
-            <a:blip r:embed="rId6"/>
-            <a:srcRect l="16666" t="16981" r="9878" b="8181"/>
-            <a:stretch>
-              <a:fillRect/>
-            </a:stretch>
-          </p:blipFill>
-          <p:spPr>
-            <a:xfrm>
-              <a:off x="0" y="444736"/>
-              <a:ext cx="1584325" cy="1577976"/>
-            </a:xfrm>
-            <a:custGeom>
-              <a:avLst/>
-              <a:gdLst/>
-              <a:ahLst/>
-              <a:cxnLst>
-                <a:cxn ang="0">
-                  <a:pos x="wd2" y="hd2"/>
-                </a:cxn>
-                <a:cxn ang="5400000">
-                  <a:pos x="wd2" y="hd2"/>
-                </a:cxn>
-                <a:cxn ang="10800000">
-                  <a:pos x="wd2" y="hd2"/>
-                </a:cxn>
-                <a:cxn ang="16200000">
-                  <a:pos x="wd2" y="hd2"/>
-                </a:cxn>
-              </a:cxnLst>
-              <a:rect l="0" t="0" r="r" b="b"/>
-              <a:pathLst>
-                <a:path w="21600" h="21599" extrusionOk="0">
-                  <a:moveTo>
-                    <a:pt x="17894" y="0"/>
-                  </a:moveTo>
-                  <a:cubicBezTo>
-                    <a:pt x="14186" y="0"/>
-                    <a:pt x="14186" y="-1"/>
-                    <a:pt x="14128" y="407"/>
-                  </a:cubicBezTo>
-                  <a:cubicBezTo>
-                    <a:pt x="14072" y="802"/>
-                    <a:pt x="13983" y="819"/>
-                    <a:pt x="11525" y="929"/>
-                  </a:cubicBezTo>
-                  <a:cubicBezTo>
-                    <a:pt x="10127" y="992"/>
-                    <a:pt x="8927" y="1052"/>
-                    <a:pt x="8858" y="1065"/>
-                  </a:cubicBezTo>
-                  <a:cubicBezTo>
-                    <a:pt x="8788" y="1077"/>
-                    <a:pt x="8709" y="1561"/>
-                    <a:pt x="8679" y="2135"/>
-                  </a:cubicBezTo>
-                  <a:cubicBezTo>
-                    <a:pt x="8628" y="3117"/>
-                    <a:pt x="8592" y="3179"/>
-                    <a:pt x="8132" y="3232"/>
-                  </a:cubicBezTo>
-                  <a:cubicBezTo>
-                    <a:pt x="7755" y="3276"/>
-                    <a:pt x="7635" y="3398"/>
-                    <a:pt x="7591" y="3775"/>
-                  </a:cubicBezTo>
-                  <a:cubicBezTo>
-                    <a:pt x="7548" y="4153"/>
-                    <a:pt x="7422" y="4281"/>
-                    <a:pt x="7045" y="4324"/>
-                  </a:cubicBezTo>
-                  <a:cubicBezTo>
-                    <a:pt x="6703" y="4364"/>
-                    <a:pt x="6538" y="4497"/>
-                    <a:pt x="6498" y="4775"/>
-                  </a:cubicBezTo>
-                  <a:cubicBezTo>
-                    <a:pt x="6459" y="5053"/>
-                    <a:pt x="6299" y="5192"/>
-                    <a:pt x="5957" y="5231"/>
-                  </a:cubicBezTo>
-                  <a:cubicBezTo>
-                    <a:pt x="5555" y="5278"/>
-                    <a:pt x="5457" y="5391"/>
-                    <a:pt x="5411" y="5867"/>
-                  </a:cubicBezTo>
-                  <a:cubicBezTo>
-                    <a:pt x="5361" y="6381"/>
-                    <a:pt x="5297" y="6435"/>
-                    <a:pt x="4854" y="6383"/>
-                  </a:cubicBezTo>
-                  <a:lnTo>
-                    <a:pt x="4356" y="6329"/>
-                  </a:lnTo>
-                  <a:lnTo>
-                    <a:pt x="4356" y="8512"/>
-                  </a:lnTo>
-                  <a:lnTo>
-                    <a:pt x="4356" y="10696"/>
-                  </a:lnTo>
-                  <a:lnTo>
-                    <a:pt x="6488" y="10751"/>
-                  </a:lnTo>
-                  <a:lnTo>
-                    <a:pt x="8619" y="10799"/>
-                  </a:lnTo>
-                  <a:lnTo>
-                    <a:pt x="8619" y="12435"/>
-                  </a:lnTo>
-                  <a:lnTo>
-                    <a:pt x="8619" y="14070"/>
-                  </a:lnTo>
-                  <a:lnTo>
-                    <a:pt x="8132" y="14124"/>
-                  </a:lnTo>
-                  <a:cubicBezTo>
-                    <a:pt x="7755" y="14168"/>
-                    <a:pt x="7635" y="14290"/>
-                    <a:pt x="7591" y="14667"/>
-                  </a:cubicBezTo>
-                  <a:cubicBezTo>
-                    <a:pt x="7518" y="15305"/>
-                    <a:pt x="7184" y="15297"/>
-                    <a:pt x="7110" y="14656"/>
-                  </a:cubicBezTo>
-                  <a:cubicBezTo>
-                    <a:pt x="7004" y="13741"/>
-                    <a:pt x="6558" y="14075"/>
-                    <a:pt x="6498" y="15113"/>
-                  </a:cubicBezTo>
-                  <a:lnTo>
-                    <a:pt x="6444" y="16063"/>
-                  </a:lnTo>
-                  <a:lnTo>
-                    <a:pt x="4810" y="16063"/>
-                  </a:lnTo>
-                  <a:lnTo>
-                    <a:pt x="3176" y="16063"/>
-                  </a:lnTo>
-                  <a:lnTo>
-                    <a:pt x="3122" y="15124"/>
-                  </a:lnTo>
-                  <a:cubicBezTo>
-                    <a:pt x="3072" y="14251"/>
-                    <a:pt x="3029" y="14176"/>
-                    <a:pt x="2576" y="14124"/>
-                  </a:cubicBezTo>
-                  <a:cubicBezTo>
-                    <a:pt x="2193" y="14080"/>
-                    <a:pt x="2074" y="13959"/>
-                    <a:pt x="2029" y="13570"/>
-                  </a:cubicBezTo>
-                  <a:cubicBezTo>
-                    <a:pt x="1984" y="13182"/>
-                    <a:pt x="1876" y="13070"/>
-                    <a:pt x="1542" y="13070"/>
-                  </a:cubicBezTo>
-                  <a:cubicBezTo>
-                    <a:pt x="1208" y="13070"/>
-                    <a:pt x="1100" y="13182"/>
-                    <a:pt x="1055" y="13570"/>
-                  </a:cubicBezTo>
-                  <a:cubicBezTo>
-                    <a:pt x="1010" y="13962"/>
-                    <a:pt x="890" y="14079"/>
-                    <a:pt x="498" y="14124"/>
-                  </a:cubicBezTo>
-                  <a:lnTo>
-                    <a:pt x="0" y="14184"/>
-                  </a:lnTo>
-                  <a:lnTo>
-                    <a:pt x="0" y="16791"/>
-                  </a:lnTo>
-                  <a:lnTo>
-                    <a:pt x="0" y="19399"/>
-                  </a:lnTo>
-                  <a:lnTo>
-                    <a:pt x="498" y="19453"/>
-                  </a:lnTo>
-                  <a:cubicBezTo>
-                    <a:pt x="887" y="19498"/>
-                    <a:pt x="1011" y="19622"/>
-                    <a:pt x="1055" y="20002"/>
-                  </a:cubicBezTo>
-                  <a:cubicBezTo>
-                    <a:pt x="1099" y="20379"/>
-                    <a:pt x="1224" y="20502"/>
-                    <a:pt x="1602" y="20545"/>
-                  </a:cubicBezTo>
-                  <a:cubicBezTo>
-                    <a:pt x="1982" y="20589"/>
-                    <a:pt x="2098" y="20710"/>
-                    <a:pt x="2143" y="21099"/>
-                  </a:cubicBezTo>
-                  <a:lnTo>
-                    <a:pt x="2202" y="21599"/>
-                  </a:lnTo>
-                  <a:lnTo>
-                    <a:pt x="7418" y="21599"/>
-                  </a:lnTo>
-                  <a:lnTo>
-                    <a:pt x="7478" y="21099"/>
-                  </a:lnTo>
-                  <a:cubicBezTo>
-                    <a:pt x="7523" y="20710"/>
-                    <a:pt x="7638" y="20589"/>
-                    <a:pt x="8019" y="20545"/>
-                  </a:cubicBezTo>
-                  <a:cubicBezTo>
-                    <a:pt x="8382" y="20503"/>
-                    <a:pt x="8523" y="20374"/>
-                    <a:pt x="8565" y="20040"/>
-                  </a:cubicBezTo>
-                  <a:cubicBezTo>
-                    <a:pt x="8637" y="19467"/>
-                    <a:pt x="8965" y="19385"/>
-                    <a:pt x="9041" y="19920"/>
-                  </a:cubicBezTo>
-                  <a:cubicBezTo>
-                    <a:pt x="9151" y="20694"/>
-                    <a:pt x="9576" y="20378"/>
-                    <a:pt x="9593" y="19508"/>
-                  </a:cubicBezTo>
-                  <a:cubicBezTo>
-                    <a:pt x="9614" y="18498"/>
-                    <a:pt x="9705" y="18334"/>
-                    <a:pt x="10259" y="18334"/>
-                  </a:cubicBezTo>
-                  <a:cubicBezTo>
-                    <a:pt x="10660" y="18334"/>
-                    <a:pt x="10696" y="18256"/>
-                    <a:pt x="10746" y="17291"/>
-                  </a:cubicBezTo>
-                  <a:cubicBezTo>
-                    <a:pt x="10797" y="16309"/>
-                    <a:pt x="10828" y="16241"/>
-                    <a:pt x="11287" y="16188"/>
-                  </a:cubicBezTo>
-                  <a:cubicBezTo>
-                    <a:pt x="11664" y="16145"/>
-                    <a:pt x="11790" y="16022"/>
-                    <a:pt x="11833" y="15645"/>
-                  </a:cubicBezTo>
-                  <a:cubicBezTo>
-                    <a:pt x="11877" y="15265"/>
-                    <a:pt x="12002" y="15147"/>
-                    <a:pt x="12391" y="15102"/>
-                  </a:cubicBezTo>
-                  <a:lnTo>
-                    <a:pt x="12889" y="15042"/>
-                  </a:lnTo>
-                  <a:lnTo>
-                    <a:pt x="12889" y="11891"/>
-                  </a:lnTo>
-                  <a:lnTo>
-                    <a:pt x="12889" y="8735"/>
-                  </a:lnTo>
-                  <a:lnTo>
-                    <a:pt x="12391" y="8681"/>
-                  </a:lnTo>
-                  <a:lnTo>
-                    <a:pt x="11888" y="8621"/>
-                  </a:lnTo>
-                  <a:lnTo>
-                    <a:pt x="11888" y="6986"/>
-                  </a:lnTo>
-                  <a:lnTo>
-                    <a:pt x="11888" y="5356"/>
-                  </a:lnTo>
-                  <a:lnTo>
-                    <a:pt x="16633" y="5307"/>
-                  </a:lnTo>
-                  <a:lnTo>
-                    <a:pt x="21373" y="5258"/>
-                  </a:lnTo>
-                  <a:lnTo>
-                    <a:pt x="21486" y="4579"/>
-                  </a:lnTo>
-                  <a:cubicBezTo>
-                    <a:pt x="21548" y="4207"/>
-                    <a:pt x="21599" y="3023"/>
-                    <a:pt x="21600" y="1950"/>
-                  </a:cubicBezTo>
-                  <a:lnTo>
-                    <a:pt x="21600" y="0"/>
-                  </a:lnTo>
-                  <a:lnTo>
-                    <a:pt x="17894" y="0"/>
-                  </a:lnTo>
-                  <a:close/>
-                </a:path>
-              </a:pathLst>
-            </a:custGeom>
-            <a:ln w="12700" cap="flat">
-              <a:noFill/>
-              <a:miter lim="400000"/>
-            </a:ln>
-            <a:effectLst/>
-          </p:spPr>
-        </p:pic>
-        <p:pic>
-          <p:nvPicPr>
-            <p:cNvPr id="312" name="pasted-image.png" descr="pasted-image.png"/>
-            <p:cNvPicPr>
-              <a:picLocks noChangeAspect="1"/>
-            </p:cNvPicPr>
-            <p:nvPr/>
-          </p:nvPicPr>
-          <p:blipFill>
-            <a:blip r:embed="rId7"/>
-            <a:srcRect l="19447" t="25899" r="5484" b="19429"/>
-            <a:stretch>
-              <a:fillRect/>
-            </a:stretch>
-          </p:blipFill>
-          <p:spPr>
-            <a:xfrm>
-              <a:off x="1965427" y="1877202"/>
-              <a:ext cx="1458144" cy="1006873"/>
-            </a:xfrm>
-            <a:custGeom>
-              <a:avLst/>
-              <a:gdLst/>
-              <a:ahLst/>
-              <a:cxnLst>
-                <a:cxn ang="0">
-                  <a:pos x="wd2" y="hd2"/>
-                </a:cxn>
-                <a:cxn ang="5400000">
-                  <a:pos x="wd2" y="hd2"/>
-                </a:cxn>
-                <a:cxn ang="10800000">
-                  <a:pos x="wd2" y="hd2"/>
-                </a:cxn>
-                <a:cxn ang="16200000">
-                  <a:pos x="wd2" y="hd2"/>
-                </a:cxn>
-              </a:cxnLst>
-              <a:rect l="0" t="0" r="r" b="b"/>
-              <a:pathLst>
-                <a:path w="21597" h="21600" extrusionOk="0">
-                  <a:moveTo>
-                    <a:pt x="20133" y="0"/>
-                  </a:moveTo>
-                  <a:cubicBezTo>
-                    <a:pt x="18765" y="0"/>
-                    <a:pt x="18664" y="41"/>
-                    <a:pt x="18605" y="639"/>
-                  </a:cubicBezTo>
-                  <a:cubicBezTo>
-                    <a:pt x="18544" y="1263"/>
-                    <a:pt x="18467" y="1285"/>
-                    <a:pt x="15390" y="1456"/>
-                  </a:cubicBezTo>
-                  <a:cubicBezTo>
-                    <a:pt x="13655" y="1552"/>
-                    <a:pt x="12223" y="1648"/>
-                    <a:pt x="12204" y="1669"/>
-                  </a:cubicBezTo>
-                  <a:cubicBezTo>
-                    <a:pt x="12184" y="1690"/>
-                    <a:pt x="12138" y="1990"/>
-                    <a:pt x="12104" y="2341"/>
-                  </a:cubicBezTo>
-                  <a:cubicBezTo>
-                    <a:pt x="12043" y="2953"/>
-                    <a:pt x="11948" y="2988"/>
-                    <a:pt x="9935" y="3065"/>
-                  </a:cubicBezTo>
-                  <a:cubicBezTo>
-                    <a:pt x="7930" y="3142"/>
-                    <a:pt x="7825" y="3172"/>
-                    <a:pt x="7765" y="3772"/>
-                  </a:cubicBezTo>
-                  <a:cubicBezTo>
-                    <a:pt x="7711" y="4326"/>
-                    <a:pt x="7570" y="4412"/>
-                    <a:pt x="6584" y="4487"/>
-                  </a:cubicBezTo>
-                  <a:cubicBezTo>
-                    <a:pt x="5530" y="4567"/>
-                    <a:pt x="5460" y="4624"/>
-                    <a:pt x="5402" y="5347"/>
-                  </a:cubicBezTo>
-                  <a:cubicBezTo>
-                    <a:pt x="5359" y="5886"/>
-                    <a:pt x="5211" y="6136"/>
-                    <a:pt x="4909" y="6198"/>
-                  </a:cubicBezTo>
-                  <a:cubicBezTo>
-                    <a:pt x="4607" y="6260"/>
-                    <a:pt x="4458" y="6515"/>
-                    <a:pt x="4415" y="7050"/>
-                  </a:cubicBezTo>
-                  <a:cubicBezTo>
-                    <a:pt x="4368" y="7635"/>
-                    <a:pt x="4235" y="7835"/>
-                    <a:pt x="3839" y="7901"/>
-                  </a:cubicBezTo>
-                  <a:cubicBezTo>
-                    <a:pt x="3335" y="7985"/>
-                    <a:pt x="3320" y="8043"/>
-                    <a:pt x="3292" y="10089"/>
-                  </a:cubicBezTo>
-                  <a:lnTo>
-                    <a:pt x="3263" y="12192"/>
-                  </a:lnTo>
-                  <a:lnTo>
-                    <a:pt x="4403" y="12277"/>
-                  </a:lnTo>
-                  <a:cubicBezTo>
-                    <a:pt x="5441" y="12355"/>
-                    <a:pt x="5533" y="12422"/>
-                    <a:pt x="5479" y="12984"/>
-                  </a:cubicBezTo>
-                  <a:cubicBezTo>
-                    <a:pt x="5425" y="13544"/>
-                    <a:pt x="5530" y="13613"/>
-                    <a:pt x="6660" y="13767"/>
-                  </a:cubicBezTo>
-                  <a:cubicBezTo>
-                    <a:pt x="7343" y="13860"/>
-                    <a:pt x="8301" y="13968"/>
-                    <a:pt x="8788" y="14006"/>
-                  </a:cubicBezTo>
-                  <a:cubicBezTo>
-                    <a:pt x="9533" y="14063"/>
-                    <a:pt x="9689" y="14173"/>
-                    <a:pt x="9741" y="14695"/>
-                  </a:cubicBezTo>
-                  <a:cubicBezTo>
-                    <a:pt x="9784" y="15131"/>
-                    <a:pt x="9958" y="15340"/>
-                    <a:pt x="10328" y="15402"/>
-                  </a:cubicBezTo>
-                  <a:cubicBezTo>
-                    <a:pt x="10772" y="15476"/>
-                    <a:pt x="10857" y="15633"/>
-                    <a:pt x="10857" y="16347"/>
-                  </a:cubicBezTo>
-                  <a:cubicBezTo>
-                    <a:pt x="10857" y="17061"/>
-                    <a:pt x="10772" y="17210"/>
-                    <a:pt x="10328" y="17283"/>
-                  </a:cubicBezTo>
-                  <a:cubicBezTo>
-                    <a:pt x="9958" y="17345"/>
-                    <a:pt x="9784" y="17563"/>
-                    <a:pt x="9741" y="17999"/>
-                  </a:cubicBezTo>
-                  <a:cubicBezTo>
-                    <a:pt x="9680" y="18610"/>
-                    <a:pt x="9610" y="18620"/>
-                    <a:pt x="6043" y="18697"/>
-                  </a:cubicBezTo>
-                  <a:cubicBezTo>
-                    <a:pt x="2485" y="18773"/>
-                    <a:pt x="1408" y="18544"/>
-                    <a:pt x="2499" y="17947"/>
-                  </a:cubicBezTo>
-                  <a:cubicBezTo>
-                    <a:pt x="2945" y="17704"/>
-                    <a:pt x="2924" y="17671"/>
-                    <a:pt x="2187" y="17488"/>
-                  </a:cubicBezTo>
-                  <a:cubicBezTo>
-                    <a:pt x="984" y="17188"/>
-                    <a:pt x="906" y="17125"/>
-                    <a:pt x="906" y="16381"/>
-                  </a:cubicBezTo>
-                  <a:cubicBezTo>
-                    <a:pt x="906" y="15842"/>
-                    <a:pt x="824" y="15719"/>
-                    <a:pt x="535" y="15828"/>
-                  </a:cubicBezTo>
-                  <a:cubicBezTo>
-                    <a:pt x="213" y="15949"/>
-                    <a:pt x="10" y="16759"/>
-                    <a:pt x="0" y="17794"/>
-                  </a:cubicBezTo>
-                  <a:cubicBezTo>
-                    <a:pt x="-3" y="18139"/>
-                    <a:pt x="17" y="18516"/>
-                    <a:pt x="59" y="18893"/>
-                  </a:cubicBezTo>
-                  <a:cubicBezTo>
-                    <a:pt x="163" y="19815"/>
-                    <a:pt x="226" y="19886"/>
-                    <a:pt x="1082" y="20050"/>
-                  </a:cubicBezTo>
-                  <a:cubicBezTo>
-                    <a:pt x="2383" y="20301"/>
-                    <a:pt x="2464" y="20359"/>
-                    <a:pt x="2346" y="21013"/>
-                  </a:cubicBezTo>
-                  <a:cubicBezTo>
-                    <a:pt x="2241" y="21589"/>
-                    <a:pt x="2302" y="21600"/>
-                    <a:pt x="5896" y="21600"/>
-                  </a:cubicBezTo>
-                  <a:cubicBezTo>
-                    <a:pt x="9533" y="21600"/>
-                    <a:pt x="9549" y="21596"/>
-                    <a:pt x="9611" y="20961"/>
-                  </a:cubicBezTo>
-                  <a:cubicBezTo>
-                    <a:pt x="9664" y="20431"/>
-                    <a:pt x="9849" y="20287"/>
-                    <a:pt x="10699" y="20093"/>
-                  </a:cubicBezTo>
-                  <a:cubicBezTo>
-                    <a:pt x="11539" y="19901"/>
-                    <a:pt x="11730" y="19751"/>
-                    <a:pt x="11780" y="19242"/>
-                  </a:cubicBezTo>
-                  <a:cubicBezTo>
-                    <a:pt x="11814" y="18900"/>
-                    <a:pt x="12037" y="18498"/>
-                    <a:pt x="12274" y="18348"/>
-                  </a:cubicBezTo>
-                  <a:cubicBezTo>
-                    <a:pt x="13037" y="17865"/>
-                    <a:pt x="13201" y="15727"/>
-                    <a:pt x="12486" y="15581"/>
-                  </a:cubicBezTo>
-                  <a:cubicBezTo>
-                    <a:pt x="12119" y="15505"/>
-                    <a:pt x="12013" y="15239"/>
-                    <a:pt x="11869" y="14014"/>
-                  </a:cubicBezTo>
-                  <a:lnTo>
-                    <a:pt x="11692" y="12533"/>
-                  </a:lnTo>
-                  <a:lnTo>
-                    <a:pt x="10734" y="12447"/>
-                  </a:lnTo>
-                  <a:cubicBezTo>
-                    <a:pt x="9743" y="12360"/>
-                    <a:pt x="9336" y="11868"/>
-                    <a:pt x="10123" y="11707"/>
-                  </a:cubicBezTo>
-                  <a:cubicBezTo>
-                    <a:pt x="10645" y="11600"/>
-                    <a:pt x="10717" y="11094"/>
-                    <a:pt x="10217" y="11060"/>
-                  </a:cubicBezTo>
-                  <a:cubicBezTo>
-                    <a:pt x="9272" y="10994"/>
-                    <a:pt x="7872" y="10779"/>
-                    <a:pt x="7642" y="10660"/>
-                  </a:cubicBezTo>
-                  <a:cubicBezTo>
-                    <a:pt x="7268" y="10464"/>
-                    <a:pt x="7559" y="9950"/>
-                    <a:pt x="8065" y="9910"/>
-                  </a:cubicBezTo>
-                  <a:cubicBezTo>
-                    <a:pt x="8303" y="9892"/>
-                    <a:pt x="8049" y="9729"/>
-                    <a:pt x="7507" y="9544"/>
-                  </a:cubicBezTo>
-                  <a:cubicBezTo>
-                    <a:pt x="6600" y="9234"/>
-                    <a:pt x="6525" y="9140"/>
-                    <a:pt x="6525" y="8369"/>
-                  </a:cubicBezTo>
-                  <a:lnTo>
-                    <a:pt x="6525" y="7535"/>
-                  </a:lnTo>
-                  <a:lnTo>
-                    <a:pt x="8054" y="7450"/>
-                  </a:lnTo>
-                  <a:cubicBezTo>
-                    <a:pt x="9467" y="7373"/>
-                    <a:pt x="10112" y="6980"/>
-                    <a:pt x="9176" y="6769"/>
-                  </a:cubicBezTo>
-                  <a:cubicBezTo>
-                    <a:pt x="8955" y="6719"/>
-                    <a:pt x="8758" y="6550"/>
-                    <a:pt x="8735" y="6394"/>
-                  </a:cubicBezTo>
-                  <a:cubicBezTo>
-                    <a:pt x="8710" y="6222"/>
-                    <a:pt x="9527" y="6077"/>
-                    <a:pt x="10799" y="6028"/>
-                  </a:cubicBezTo>
-                  <a:lnTo>
-                    <a:pt x="12903" y="5951"/>
-                  </a:lnTo>
-                  <a:lnTo>
-                    <a:pt x="12968" y="5177"/>
-                  </a:lnTo>
-                  <a:lnTo>
-                    <a:pt x="13027" y="4402"/>
-                  </a:lnTo>
-                  <a:lnTo>
-                    <a:pt x="16218" y="4325"/>
-                  </a:lnTo>
-                  <a:cubicBezTo>
-                    <a:pt x="19346" y="4249"/>
-                    <a:pt x="19408" y="4239"/>
-                    <a:pt x="19469" y="3618"/>
-                  </a:cubicBezTo>
-                  <a:cubicBezTo>
-                    <a:pt x="19523" y="3070"/>
-                    <a:pt x="19665" y="2969"/>
-                    <a:pt x="20562" y="2895"/>
-                  </a:cubicBezTo>
-                  <a:lnTo>
-                    <a:pt x="21597" y="2810"/>
-                  </a:lnTo>
-                  <a:lnTo>
-                    <a:pt x="21597" y="1405"/>
-                  </a:lnTo>
-                  <a:lnTo>
-                    <a:pt x="21597" y="0"/>
-                  </a:lnTo>
-                  <a:lnTo>
-                    <a:pt x="20133" y="0"/>
-                  </a:lnTo>
-                  <a:close/>
-                  <a:moveTo>
-                    <a:pt x="16636" y="375"/>
-                  </a:moveTo>
-                  <a:cubicBezTo>
-                    <a:pt x="16479" y="465"/>
-                    <a:pt x="16524" y="531"/>
-                    <a:pt x="16753" y="545"/>
-                  </a:cubicBezTo>
-                  <a:cubicBezTo>
-                    <a:pt x="16961" y="557"/>
-                    <a:pt x="17077" y="495"/>
-                    <a:pt x="17012" y="400"/>
-                  </a:cubicBezTo>
-                  <a:cubicBezTo>
-                    <a:pt x="16946" y="306"/>
-                    <a:pt x="16778" y="293"/>
-                    <a:pt x="16636" y="375"/>
-                  </a:cubicBezTo>
-                  <a:close/>
-                  <a:moveTo>
-                    <a:pt x="2593" y="10012"/>
-                  </a:moveTo>
-                  <a:cubicBezTo>
-                    <a:pt x="2562" y="9978"/>
-                    <a:pt x="2540" y="10277"/>
-                    <a:pt x="2540" y="10804"/>
-                  </a:cubicBezTo>
-                  <a:cubicBezTo>
-                    <a:pt x="2540" y="11508"/>
-                    <a:pt x="2575" y="11795"/>
-                    <a:pt x="2622" y="11443"/>
-                  </a:cubicBezTo>
-                  <a:cubicBezTo>
-                    <a:pt x="2669" y="11091"/>
-                    <a:pt x="2669" y="10509"/>
-                    <a:pt x="2622" y="10157"/>
-                  </a:cubicBezTo>
-                  <a:cubicBezTo>
-                    <a:pt x="2610" y="10069"/>
-                    <a:pt x="2603" y="10024"/>
-                    <a:pt x="2593" y="10012"/>
-                  </a:cubicBezTo>
-                  <a:close/>
-                </a:path>
-              </a:pathLst>
-            </a:custGeom>
-            <a:ln w="12700" cap="flat">
-              <a:noFill/>
-              <a:miter lim="400000"/>
-            </a:ln>
-            <a:effectLst/>
-          </p:spPr>
-        </p:pic>
-        <p:pic>
-          <p:nvPicPr>
-            <p:cNvPr id="313" name="pasted-image.png" descr="pasted-image.png"/>
-            <p:cNvPicPr>
-              <a:picLocks noChangeAspect="1"/>
-            </p:cNvPicPr>
-            <p:nvPr/>
-          </p:nvPicPr>
-          <p:blipFill>
-            <a:blip r:embed="rId8"/>
-            <a:srcRect l="16083" t="16312" r="8400" b="7093"/>
-            <a:stretch>
-              <a:fillRect/>
-            </a:stretch>
-          </p:blipFill>
-          <p:spPr>
-            <a:xfrm>
-              <a:off x="453227" y="1662691"/>
-              <a:ext cx="1432322" cy="1435895"/>
-            </a:xfrm>
-            <a:custGeom>
-              <a:avLst/>
-              <a:gdLst/>
-              <a:ahLst/>
-              <a:cxnLst>
-                <a:cxn ang="0">
-                  <a:pos x="wd2" y="hd2"/>
-                </a:cxn>
-                <a:cxn ang="5400000">
-                  <a:pos x="wd2" y="hd2"/>
-                </a:cxn>
-                <a:cxn ang="10800000">
-                  <a:pos x="wd2" y="hd2"/>
-                </a:cxn>
-                <a:cxn ang="16200000">
-                  <a:pos x="wd2" y="hd2"/>
-                </a:cxn>
-              </a:cxnLst>
-              <a:rect l="0" t="0" r="r" b="b"/>
-              <a:pathLst>
-                <a:path w="21600" h="21600" extrusionOk="0">
-                  <a:moveTo>
-                    <a:pt x="18416" y="0"/>
-                  </a:moveTo>
-                  <a:cubicBezTo>
-                    <a:pt x="15264" y="0"/>
-                    <a:pt x="15229" y="3"/>
-                    <a:pt x="15166" y="448"/>
-                  </a:cubicBezTo>
-                  <a:cubicBezTo>
-                    <a:pt x="15107" y="867"/>
-                    <a:pt x="14960" y="910"/>
-                    <a:pt x="13059" y="1075"/>
-                  </a:cubicBezTo>
-                  <a:cubicBezTo>
-                    <a:pt x="11200" y="1235"/>
-                    <a:pt x="11020" y="1292"/>
-                    <a:pt x="10965" y="1678"/>
-                  </a:cubicBezTo>
-                  <a:cubicBezTo>
-                    <a:pt x="10913" y="2038"/>
-                    <a:pt x="10745" y="2110"/>
-                    <a:pt x="9851" y="2161"/>
-                  </a:cubicBezTo>
-                  <a:cubicBezTo>
-                    <a:pt x="9008" y="2210"/>
-                    <a:pt x="8804" y="2292"/>
-                    <a:pt x="8804" y="2573"/>
-                  </a:cubicBezTo>
-                  <a:cubicBezTo>
-                    <a:pt x="8804" y="3214"/>
-                    <a:pt x="8364" y="3403"/>
-                    <a:pt x="6877" y="3403"/>
-                  </a:cubicBezTo>
-                  <a:cubicBezTo>
-                    <a:pt x="5529" y="3403"/>
-                    <a:pt x="5422" y="3431"/>
-                    <a:pt x="5363" y="3851"/>
-                  </a:cubicBezTo>
-                  <a:cubicBezTo>
-                    <a:pt x="5322" y="4136"/>
-                    <a:pt x="5137" y="4325"/>
-                    <a:pt x="4860" y="4364"/>
-                  </a:cubicBezTo>
-                  <a:cubicBezTo>
-                    <a:pt x="4553" y="4408"/>
-                    <a:pt x="4407" y="4585"/>
-                    <a:pt x="4363" y="4961"/>
-                  </a:cubicBezTo>
-                  <a:cubicBezTo>
-                    <a:pt x="4319" y="5343"/>
-                    <a:pt x="4168" y="5519"/>
-                    <a:pt x="3848" y="5564"/>
-                  </a:cubicBezTo>
-                  <a:cubicBezTo>
-                    <a:pt x="3460" y="5619"/>
-                    <a:pt x="3400" y="5749"/>
-                    <a:pt x="3400" y="6501"/>
-                  </a:cubicBezTo>
-                  <a:cubicBezTo>
-                    <a:pt x="3400" y="7254"/>
-                    <a:pt x="3460" y="7384"/>
-                    <a:pt x="3848" y="7439"/>
-                  </a:cubicBezTo>
-                  <a:cubicBezTo>
-                    <a:pt x="4133" y="7479"/>
-                    <a:pt x="4324" y="7663"/>
-                    <a:pt x="4363" y="7940"/>
-                  </a:cubicBezTo>
-                  <a:cubicBezTo>
-                    <a:pt x="4402" y="8213"/>
-                    <a:pt x="4593" y="8397"/>
-                    <a:pt x="4866" y="8436"/>
-                  </a:cubicBezTo>
-                  <a:cubicBezTo>
-                    <a:pt x="5173" y="8480"/>
-                    <a:pt x="5319" y="8660"/>
-                    <a:pt x="5363" y="9039"/>
-                  </a:cubicBezTo>
-                  <a:cubicBezTo>
-                    <a:pt x="5420" y="9535"/>
-                    <a:pt x="5506" y="9587"/>
-                    <a:pt x="6416" y="9642"/>
-                  </a:cubicBezTo>
-                  <a:cubicBezTo>
-                    <a:pt x="7401" y="9701"/>
-                    <a:pt x="7788" y="10039"/>
-                    <a:pt x="7008" y="10161"/>
-                  </a:cubicBezTo>
-                  <a:cubicBezTo>
-                    <a:pt x="6784" y="10196"/>
-                    <a:pt x="6601" y="10306"/>
-                    <a:pt x="6601" y="10400"/>
-                  </a:cubicBezTo>
-                  <a:cubicBezTo>
-                    <a:pt x="6601" y="10546"/>
-                    <a:pt x="7304" y="10665"/>
-                    <a:pt x="9301" y="10860"/>
-                  </a:cubicBezTo>
-                  <a:cubicBezTo>
-                    <a:pt x="9545" y="10884"/>
-                    <a:pt x="9723" y="11069"/>
-                    <a:pt x="9762" y="11337"/>
-                  </a:cubicBezTo>
-                  <a:cubicBezTo>
-                    <a:pt x="9816" y="11717"/>
-                    <a:pt x="9968" y="11787"/>
-                    <a:pt x="10863" y="11839"/>
-                  </a:cubicBezTo>
-                  <a:lnTo>
-                    <a:pt x="11904" y="11899"/>
-                  </a:lnTo>
-                  <a:lnTo>
-                    <a:pt x="11904" y="15200"/>
-                  </a:lnTo>
-                  <a:lnTo>
-                    <a:pt x="11904" y="18501"/>
-                  </a:lnTo>
-                  <a:lnTo>
-                    <a:pt x="11204" y="18549"/>
-                  </a:lnTo>
-                  <a:cubicBezTo>
-                    <a:pt x="9337" y="18685"/>
-                    <a:pt x="8842" y="18822"/>
-                    <a:pt x="8738" y="19218"/>
-                  </a:cubicBezTo>
-                  <a:cubicBezTo>
-                    <a:pt x="8640" y="19593"/>
-                    <a:pt x="8481" y="19611"/>
-                    <a:pt x="5865" y="19558"/>
-                  </a:cubicBezTo>
-                  <a:cubicBezTo>
-                    <a:pt x="3167" y="19504"/>
-                    <a:pt x="3097" y="19490"/>
-                    <a:pt x="3034" y="19051"/>
-                  </a:cubicBezTo>
-                  <a:cubicBezTo>
-                    <a:pt x="2975" y="18630"/>
-                    <a:pt x="2873" y="18603"/>
-                    <a:pt x="1484" y="18603"/>
-                  </a:cubicBezTo>
-                  <a:lnTo>
-                    <a:pt x="0" y="18603"/>
-                  </a:lnTo>
-                  <a:lnTo>
-                    <a:pt x="0" y="19588"/>
-                  </a:lnTo>
-                  <a:lnTo>
-                    <a:pt x="0" y="20579"/>
-                  </a:lnTo>
-                  <a:lnTo>
-                    <a:pt x="1047" y="20639"/>
-                  </a:lnTo>
-                  <a:cubicBezTo>
-                    <a:pt x="1962" y="20691"/>
-                    <a:pt x="2111" y="20760"/>
-                    <a:pt x="2167" y="21152"/>
-                  </a:cubicBezTo>
-                  <a:lnTo>
-                    <a:pt x="2226" y="21600"/>
-                  </a:lnTo>
-                  <a:lnTo>
-                    <a:pt x="11773" y="21600"/>
-                  </a:lnTo>
-                  <a:lnTo>
-                    <a:pt x="11838" y="21152"/>
-                  </a:lnTo>
-                  <a:cubicBezTo>
-                    <a:pt x="11894" y="20761"/>
-                    <a:pt x="12035" y="20691"/>
-                    <a:pt x="12940" y="20639"/>
-                  </a:cubicBezTo>
-                  <a:lnTo>
-                    <a:pt x="13981" y="20579"/>
-                  </a:lnTo>
-                  <a:lnTo>
-                    <a:pt x="14041" y="19540"/>
-                  </a:lnTo>
-                  <a:cubicBezTo>
-                    <a:pt x="14093" y="18636"/>
-                    <a:pt x="14158" y="18491"/>
-                    <a:pt x="14550" y="18436"/>
-                  </a:cubicBezTo>
-                  <a:cubicBezTo>
-                    <a:pt x="14998" y="18372"/>
-                    <a:pt x="15004" y="18354"/>
-                    <a:pt x="15004" y="14699"/>
-                  </a:cubicBezTo>
-                  <a:cubicBezTo>
-                    <a:pt x="15004" y="11043"/>
-                    <a:pt x="14998" y="11025"/>
-                    <a:pt x="14550" y="10961"/>
-                  </a:cubicBezTo>
-                  <a:cubicBezTo>
-                    <a:pt x="14230" y="10916"/>
-                    <a:pt x="14085" y="10746"/>
-                    <a:pt x="14041" y="10364"/>
-                  </a:cubicBezTo>
-                  <a:cubicBezTo>
-                    <a:pt x="13993" y="9948"/>
-                    <a:pt x="13858" y="9809"/>
-                    <a:pt x="13442" y="9761"/>
-                  </a:cubicBezTo>
-                  <a:cubicBezTo>
-                    <a:pt x="13064" y="9718"/>
-                    <a:pt x="12882" y="9570"/>
-                    <a:pt x="12838" y="9260"/>
-                  </a:cubicBezTo>
-                  <a:cubicBezTo>
-                    <a:pt x="12780" y="8854"/>
-                    <a:pt x="12652" y="8812"/>
-                    <a:pt x="11240" y="8758"/>
-                  </a:cubicBezTo>
-                  <a:lnTo>
-                    <a:pt x="9702" y="8699"/>
-                  </a:lnTo>
-                  <a:lnTo>
-                    <a:pt x="9702" y="7499"/>
-                  </a:lnTo>
-                  <a:cubicBezTo>
-                    <a:pt x="9702" y="6416"/>
-                    <a:pt x="9744" y="6295"/>
-                    <a:pt x="10139" y="6239"/>
-                  </a:cubicBezTo>
-                  <a:cubicBezTo>
-                    <a:pt x="10411" y="6200"/>
-                    <a:pt x="10603" y="6010"/>
-                    <a:pt x="10641" y="5737"/>
-                  </a:cubicBezTo>
-                  <a:cubicBezTo>
-                    <a:pt x="10680" y="5465"/>
-                    <a:pt x="10865" y="5275"/>
-                    <a:pt x="11138" y="5236"/>
-                  </a:cubicBezTo>
-                  <a:cubicBezTo>
-                    <a:pt x="11411" y="5197"/>
-                    <a:pt x="11602" y="5013"/>
-                    <a:pt x="11641" y="4740"/>
-                  </a:cubicBezTo>
-                  <a:cubicBezTo>
-                    <a:pt x="11692" y="4384"/>
-                    <a:pt x="11851" y="4292"/>
-                    <a:pt x="12503" y="4251"/>
-                  </a:cubicBezTo>
-                  <a:cubicBezTo>
-                    <a:pt x="14367" y="4134"/>
-                    <a:pt x="14961" y="3985"/>
-                    <a:pt x="15058" y="3612"/>
-                  </a:cubicBezTo>
-                  <a:cubicBezTo>
-                    <a:pt x="15142" y="3293"/>
-                    <a:pt x="15450" y="3223"/>
-                    <a:pt x="17279" y="3099"/>
-                  </a:cubicBezTo>
-                  <a:cubicBezTo>
-                    <a:pt x="19271" y="2963"/>
-                    <a:pt x="20041" y="2704"/>
-                    <a:pt x="18895" y="2561"/>
-                  </a:cubicBezTo>
-                  <a:cubicBezTo>
-                    <a:pt x="18616" y="2526"/>
-                    <a:pt x="18368" y="2409"/>
-                    <a:pt x="18344" y="2299"/>
-                  </a:cubicBezTo>
-                  <a:cubicBezTo>
-                    <a:pt x="18318" y="2181"/>
-                    <a:pt x="18987" y="2076"/>
-                    <a:pt x="19954" y="2042"/>
-                  </a:cubicBezTo>
-                  <a:lnTo>
-                    <a:pt x="21600" y="1982"/>
-                  </a:lnTo>
-                  <a:lnTo>
-                    <a:pt x="21600" y="991"/>
-                  </a:lnTo>
-                  <a:lnTo>
-                    <a:pt x="21600" y="0"/>
-                  </a:lnTo>
-                  <a:lnTo>
-                    <a:pt x="18416" y="0"/>
-                  </a:lnTo>
-                  <a:close/>
-                  <a:moveTo>
-                    <a:pt x="299" y="17600"/>
-                  </a:moveTo>
-                  <a:cubicBezTo>
-                    <a:pt x="134" y="17600"/>
-                    <a:pt x="0" y="17693"/>
-                    <a:pt x="0" y="17803"/>
-                  </a:cubicBezTo>
-                  <a:cubicBezTo>
-                    <a:pt x="0" y="17913"/>
-                    <a:pt x="134" y="18000"/>
-                    <a:pt x="299" y="18000"/>
-                  </a:cubicBezTo>
-                  <a:cubicBezTo>
-                    <a:pt x="464" y="18000"/>
-                    <a:pt x="599" y="17913"/>
-                    <a:pt x="599" y="17803"/>
-                  </a:cubicBezTo>
-                  <a:cubicBezTo>
-                    <a:pt x="599" y="17693"/>
-                    <a:pt x="464" y="17600"/>
-                    <a:pt x="299" y="17600"/>
-                  </a:cubicBezTo>
-                  <a:close/>
-                  <a:moveTo>
-                    <a:pt x="11204" y="17600"/>
-                  </a:moveTo>
-                  <a:cubicBezTo>
-                    <a:pt x="11094" y="17600"/>
-                    <a:pt x="11000" y="17693"/>
-                    <a:pt x="11000" y="17803"/>
-                  </a:cubicBezTo>
-                  <a:cubicBezTo>
-                    <a:pt x="11001" y="17913"/>
-                    <a:pt x="11094" y="18000"/>
-                    <a:pt x="11204" y="18000"/>
-                  </a:cubicBezTo>
-                  <a:cubicBezTo>
-                    <a:pt x="11314" y="18000"/>
-                    <a:pt x="11401" y="17913"/>
-                    <a:pt x="11401" y="17803"/>
-                  </a:cubicBezTo>
-                  <a:cubicBezTo>
-                    <a:pt x="11401" y="17693"/>
-                    <a:pt x="11314" y="17600"/>
-                    <a:pt x="11204" y="17600"/>
-                  </a:cubicBezTo>
-                  <a:close/>
-                </a:path>
-              </a:pathLst>
-            </a:custGeom>
-            <a:ln w="12700" cap="flat">
-              <a:noFill/>
-              <a:miter lim="400000"/>
-            </a:ln>
-            <a:effectLst/>
-          </p:spPr>
-        </p:pic>
-      </p:grpSp>
-      <p:grpSp>
-        <p:nvGrpSpPr>
-          <p:cNvPr id="317" name="Groepeer"/>
-          <p:cNvGrpSpPr/>
-          <p:nvPr/>
-        </p:nvGrpSpPr>
-        <p:grpSpPr>
-          <a:xfrm>
-            <a:off x="8638471" y="1709236"/>
-            <a:ext cx="2908329" cy="2790997"/>
-            <a:chOff x="114" y="0"/>
-            <a:chExt cx="2908328" cy="2790995"/>
-          </a:xfrm>
-        </p:grpSpPr>
-        <p:pic>
-          <p:nvPicPr>
-            <p:cNvPr id="315" name="pasted-image.png" descr="pasted-image.png"/>
-            <p:cNvPicPr>
-              <a:picLocks noChangeAspect="1"/>
-            </p:cNvPicPr>
-            <p:nvPr/>
-          </p:nvPicPr>
-          <p:blipFill>
-            <a:blip r:embed="rId9"/>
-            <a:srcRect l="11144" t="8403" r="10326" b="7735"/>
-            <a:stretch>
-              <a:fillRect/>
-            </a:stretch>
-          </p:blipFill>
-          <p:spPr>
-            <a:xfrm>
-              <a:off x="114" y="0"/>
-              <a:ext cx="1315924" cy="1320113"/>
-            </a:xfrm>
-            <a:custGeom>
-              <a:avLst/>
-              <a:gdLst/>
-              <a:ahLst/>
-              <a:cxnLst>
-                <a:cxn ang="0">
-                  <a:pos x="wd2" y="hd2"/>
-                </a:cxn>
-                <a:cxn ang="5400000">
-                  <a:pos x="wd2" y="hd2"/>
-                </a:cxn>
-                <a:cxn ang="10800000">
-                  <a:pos x="wd2" y="hd2"/>
-                </a:cxn>
-                <a:cxn ang="16200000">
-                  <a:pos x="wd2" y="hd2"/>
-                </a:cxn>
-              </a:cxnLst>
-              <a:rect l="0" t="0" r="r" b="b"/>
-              <a:pathLst>
-                <a:path w="21577" h="21592" extrusionOk="0">
-                  <a:moveTo>
-                    <a:pt x="19085" y="0"/>
-                  </a:moveTo>
-                  <a:cubicBezTo>
-                    <a:pt x="16666" y="0"/>
-                    <a:pt x="16595" y="14"/>
-                    <a:pt x="16527" y="487"/>
-                  </a:cubicBezTo>
-                  <a:cubicBezTo>
-                    <a:pt x="16468" y="903"/>
-                    <a:pt x="16304" y="982"/>
-                    <a:pt x="15408" y="1039"/>
-                  </a:cubicBezTo>
-                  <a:cubicBezTo>
-                    <a:pt x="14471" y="1098"/>
-                    <a:pt x="14366" y="1160"/>
-                    <a:pt x="14425" y="1584"/>
-                  </a:cubicBezTo>
-                  <a:cubicBezTo>
-                    <a:pt x="14480" y="1976"/>
-                    <a:pt x="14369" y="2067"/>
-                    <a:pt x="13794" y="2123"/>
-                  </a:cubicBezTo>
-                  <a:cubicBezTo>
-                    <a:pt x="13271" y="2173"/>
-                    <a:pt x="13084" y="2305"/>
-                    <a:pt x="13033" y="2661"/>
-                  </a:cubicBezTo>
-                  <a:cubicBezTo>
-                    <a:pt x="12975" y="3061"/>
-                    <a:pt x="12807" y="3145"/>
-                    <a:pt x="11946" y="3200"/>
-                  </a:cubicBezTo>
-                  <a:cubicBezTo>
-                    <a:pt x="11084" y="3255"/>
-                    <a:pt x="10910" y="3344"/>
-                    <a:pt x="10853" y="3745"/>
-                  </a:cubicBezTo>
-                  <a:cubicBezTo>
-                    <a:pt x="10809" y="4047"/>
-                    <a:pt x="10604" y="4247"/>
-                    <a:pt x="10293" y="4291"/>
-                  </a:cubicBezTo>
-                  <a:cubicBezTo>
-                    <a:pt x="9838" y="4355"/>
-                    <a:pt x="9805" y="4468"/>
-                    <a:pt x="9805" y="5849"/>
-                  </a:cubicBezTo>
-                  <a:lnTo>
-                    <a:pt x="9805" y="7335"/>
-                  </a:lnTo>
-                  <a:lnTo>
-                    <a:pt x="11386" y="7400"/>
-                  </a:lnTo>
-                  <a:cubicBezTo>
-                    <a:pt x="12837" y="7458"/>
-                    <a:pt x="12969" y="7505"/>
-                    <a:pt x="13033" y="7952"/>
-                  </a:cubicBezTo>
-                  <a:cubicBezTo>
-                    <a:pt x="13083" y="8306"/>
-                    <a:pt x="13254" y="8439"/>
-                    <a:pt x="13644" y="8439"/>
-                  </a:cubicBezTo>
-                  <a:cubicBezTo>
-                    <a:pt x="14316" y="8439"/>
-                    <a:pt x="14484" y="8849"/>
-                    <a:pt x="14236" y="9893"/>
-                  </a:cubicBezTo>
-                  <a:cubicBezTo>
-                    <a:pt x="14096" y="10485"/>
-                    <a:pt x="13915" y="10726"/>
-                    <a:pt x="13573" y="10775"/>
-                  </a:cubicBezTo>
-                  <a:cubicBezTo>
-                    <a:pt x="13283" y="10817"/>
-                    <a:pt x="13074" y="11029"/>
-                    <a:pt x="13033" y="11321"/>
-                  </a:cubicBezTo>
-                  <a:cubicBezTo>
-                    <a:pt x="12990" y="11616"/>
-                    <a:pt x="12783" y="11818"/>
-                    <a:pt x="12486" y="11860"/>
-                  </a:cubicBezTo>
-                  <a:cubicBezTo>
-                    <a:pt x="12189" y="11901"/>
-                    <a:pt x="11988" y="12103"/>
-                    <a:pt x="11946" y="12398"/>
-                  </a:cubicBezTo>
-                  <a:cubicBezTo>
-                    <a:pt x="11879" y="12865"/>
-                    <a:pt x="11802" y="12877"/>
-                    <a:pt x="7078" y="13002"/>
-                  </a:cubicBezTo>
-                  <a:cubicBezTo>
-                    <a:pt x="4439" y="13072"/>
-                    <a:pt x="2260" y="13145"/>
-                    <a:pt x="2237" y="13164"/>
-                  </a:cubicBezTo>
-                  <a:cubicBezTo>
-                    <a:pt x="2213" y="13184"/>
-                    <a:pt x="2162" y="13664"/>
-                    <a:pt x="2126" y="14229"/>
-                  </a:cubicBezTo>
-                  <a:cubicBezTo>
-                    <a:pt x="2070" y="15098"/>
-                    <a:pt x="1991" y="15262"/>
-                    <a:pt x="1586" y="15319"/>
-                  </a:cubicBezTo>
-                  <a:cubicBezTo>
-                    <a:pt x="1182" y="15376"/>
-                    <a:pt x="1095" y="15548"/>
-                    <a:pt x="1039" y="16403"/>
-                  </a:cubicBezTo>
-                  <a:cubicBezTo>
-                    <a:pt x="983" y="17272"/>
-                    <a:pt x="900" y="17427"/>
-                    <a:pt x="473" y="17487"/>
-                  </a:cubicBezTo>
-                  <a:cubicBezTo>
-                    <a:pt x="-7" y="17555"/>
-                    <a:pt x="-23" y="17633"/>
-                    <a:pt x="11" y="19480"/>
-                  </a:cubicBezTo>
-                  <a:cubicBezTo>
-                    <a:pt x="43" y="21252"/>
-                    <a:pt x="77" y="21403"/>
-                    <a:pt x="506" y="21486"/>
-                  </a:cubicBezTo>
-                  <a:cubicBezTo>
-                    <a:pt x="915" y="21566"/>
-                    <a:pt x="2123" y="21600"/>
-                    <a:pt x="3278" y="21590"/>
-                  </a:cubicBezTo>
-                  <a:cubicBezTo>
-                    <a:pt x="4433" y="21580"/>
-                    <a:pt x="5538" y="21526"/>
-                    <a:pt x="5757" y="21441"/>
-                  </a:cubicBezTo>
-                  <a:cubicBezTo>
-                    <a:pt x="6157" y="21285"/>
-                    <a:pt x="6151" y="21271"/>
-                    <a:pt x="5679" y="21148"/>
-                  </a:cubicBezTo>
-                  <a:cubicBezTo>
-                    <a:pt x="4881" y="20941"/>
-                    <a:pt x="5371" y="20551"/>
-                    <a:pt x="6434" y="20551"/>
-                  </a:cubicBezTo>
-                  <a:cubicBezTo>
-                    <a:pt x="7247" y="20551"/>
-                    <a:pt x="7404" y="20488"/>
-                    <a:pt x="7404" y="20136"/>
-                  </a:cubicBezTo>
-                  <a:cubicBezTo>
-                    <a:pt x="7404" y="19535"/>
-                    <a:pt x="7847" y="19342"/>
-                    <a:pt x="7989" y="19883"/>
-                  </a:cubicBezTo>
-                  <a:cubicBezTo>
-                    <a:pt x="8147" y="20481"/>
-                    <a:pt x="8448" y="20463"/>
-                    <a:pt x="8536" y="19850"/>
-                  </a:cubicBezTo>
-                  <a:cubicBezTo>
-                    <a:pt x="8579" y="19545"/>
-                    <a:pt x="8783" y="19340"/>
-                    <a:pt x="9076" y="19298"/>
-                  </a:cubicBezTo>
-                  <a:cubicBezTo>
-                    <a:pt x="9334" y="19262"/>
-                    <a:pt x="9594" y="19043"/>
-                    <a:pt x="9655" y="18812"/>
-                  </a:cubicBezTo>
-                  <a:cubicBezTo>
-                    <a:pt x="9747" y="18463"/>
-                    <a:pt x="9955" y="18390"/>
-                    <a:pt x="10892" y="18390"/>
-                  </a:cubicBezTo>
-                  <a:cubicBezTo>
-                    <a:pt x="11870" y="18390"/>
-                    <a:pt x="12040" y="18456"/>
-                    <a:pt x="12148" y="18864"/>
-                  </a:cubicBezTo>
-                  <a:lnTo>
-                    <a:pt x="12271" y="19331"/>
-                  </a:lnTo>
-                  <a:lnTo>
-                    <a:pt x="12453" y="18851"/>
-                  </a:lnTo>
-                  <a:cubicBezTo>
-                    <a:pt x="12701" y="18187"/>
-                    <a:pt x="12993" y="18430"/>
-                    <a:pt x="13156" y="19441"/>
-                  </a:cubicBezTo>
-                  <a:cubicBezTo>
-                    <a:pt x="13318" y="20444"/>
-                    <a:pt x="13646" y="20551"/>
-                    <a:pt x="16469" y="20551"/>
-                  </a:cubicBezTo>
-                  <a:lnTo>
-                    <a:pt x="18278" y="20551"/>
-                  </a:lnTo>
-                  <a:lnTo>
-                    <a:pt x="18349" y="19961"/>
-                  </a:lnTo>
-                  <a:cubicBezTo>
-                    <a:pt x="18399" y="19535"/>
-                    <a:pt x="18558" y="19341"/>
-                    <a:pt x="18909" y="19292"/>
-                  </a:cubicBezTo>
-                  <a:cubicBezTo>
-                    <a:pt x="19322" y="19234"/>
-                    <a:pt x="19397" y="19092"/>
-                    <a:pt x="19397" y="18383"/>
-                  </a:cubicBezTo>
-                  <a:lnTo>
-                    <a:pt x="19397" y="17539"/>
-                  </a:lnTo>
-                  <a:lnTo>
-                    <a:pt x="17380" y="17481"/>
-                  </a:lnTo>
-                  <a:cubicBezTo>
-                    <a:pt x="15577" y="17425"/>
-                    <a:pt x="15346" y="17371"/>
-                    <a:pt x="15167" y="16968"/>
-                  </a:cubicBezTo>
-                  <a:cubicBezTo>
-                    <a:pt x="15057" y="16720"/>
-                    <a:pt x="14760" y="16428"/>
-                    <a:pt x="14510" y="16319"/>
-                  </a:cubicBezTo>
-                  <a:cubicBezTo>
-                    <a:pt x="13895" y="16051"/>
-                    <a:pt x="13914" y="15271"/>
-                    <a:pt x="14536" y="15183"/>
-                  </a:cubicBezTo>
-                  <a:cubicBezTo>
-                    <a:pt x="14870" y="15136"/>
-                    <a:pt x="15029" y="14941"/>
-                    <a:pt x="15076" y="14534"/>
-                  </a:cubicBezTo>
-                  <a:cubicBezTo>
-                    <a:pt x="15123" y="14127"/>
-                    <a:pt x="15289" y="13932"/>
-                    <a:pt x="15623" y="13885"/>
-                  </a:cubicBezTo>
-                  <a:cubicBezTo>
-                    <a:pt x="15920" y="13843"/>
-                    <a:pt x="16127" y="13641"/>
-                    <a:pt x="16169" y="13346"/>
-                  </a:cubicBezTo>
-                  <a:cubicBezTo>
-                    <a:pt x="16212" y="13051"/>
-                    <a:pt x="16419" y="12849"/>
-                    <a:pt x="16716" y="12807"/>
-                  </a:cubicBezTo>
-                  <a:cubicBezTo>
-                    <a:pt x="17013" y="12765"/>
-                    <a:pt x="17214" y="12557"/>
-                    <a:pt x="17256" y="12262"/>
-                  </a:cubicBezTo>
-                  <a:cubicBezTo>
-                    <a:pt x="17298" y="11966"/>
-                    <a:pt x="17510" y="11765"/>
-                    <a:pt x="17809" y="11723"/>
-                  </a:cubicBezTo>
-                  <a:cubicBezTo>
-                    <a:pt x="18213" y="11666"/>
-                    <a:pt x="18294" y="11498"/>
-                    <a:pt x="18349" y="10646"/>
-                  </a:cubicBezTo>
-                  <a:cubicBezTo>
-                    <a:pt x="18409" y="9730"/>
-                    <a:pt x="18467" y="9636"/>
-                    <a:pt x="18961" y="9633"/>
-                  </a:cubicBezTo>
-                  <a:cubicBezTo>
-                    <a:pt x="19394" y="9631"/>
-                    <a:pt x="19511" y="9520"/>
-                    <a:pt x="19514" y="9094"/>
-                  </a:cubicBezTo>
-                  <a:cubicBezTo>
-                    <a:pt x="19517" y="8754"/>
-                    <a:pt x="19700" y="8465"/>
-                    <a:pt x="20015" y="8309"/>
-                  </a:cubicBezTo>
-                  <a:lnTo>
-                    <a:pt x="20510" y="8062"/>
-                  </a:lnTo>
-                  <a:lnTo>
-                    <a:pt x="20041" y="7939"/>
-                  </a:lnTo>
-                  <a:cubicBezTo>
-                    <a:pt x="19481" y="7793"/>
-                    <a:pt x="19671" y="7355"/>
-                    <a:pt x="20295" y="7355"/>
-                  </a:cubicBezTo>
-                  <a:cubicBezTo>
-                    <a:pt x="20623" y="7355"/>
-                    <a:pt x="20717" y="7233"/>
-                    <a:pt x="20666" y="6868"/>
-                  </a:cubicBezTo>
-                  <a:cubicBezTo>
-                    <a:pt x="20615" y="6502"/>
-                    <a:pt x="20720" y="6368"/>
-                    <a:pt x="21089" y="6316"/>
-                  </a:cubicBezTo>
-                  <a:cubicBezTo>
-                    <a:pt x="21572" y="6248"/>
-                    <a:pt x="21577" y="6195"/>
-                    <a:pt x="21577" y="3122"/>
-                  </a:cubicBezTo>
-                  <a:lnTo>
-                    <a:pt x="21577" y="0"/>
-                  </a:lnTo>
-                  <a:lnTo>
-                    <a:pt x="19085" y="0"/>
-                  </a:lnTo>
-                  <a:close/>
-                  <a:moveTo>
-                    <a:pt x="7130" y="12178"/>
-                  </a:moveTo>
-                  <a:cubicBezTo>
-                    <a:pt x="6860" y="12229"/>
-                    <a:pt x="7085" y="12275"/>
-                    <a:pt x="7625" y="12275"/>
-                  </a:cubicBezTo>
-                  <a:cubicBezTo>
-                    <a:pt x="8165" y="12275"/>
-                    <a:pt x="8383" y="12229"/>
-                    <a:pt x="8113" y="12178"/>
-                  </a:cubicBezTo>
-                  <a:cubicBezTo>
-                    <a:pt x="7843" y="12126"/>
-                    <a:pt x="7400" y="12126"/>
-                    <a:pt x="7130" y="12178"/>
-                  </a:cubicBezTo>
-                  <a:close/>
-                </a:path>
-              </a:pathLst>
-            </a:custGeom>
-            <a:ln w="12700" cap="flat">
-              <a:noFill/>
-              <a:miter lim="400000"/>
-            </a:ln>
-            <a:effectLst/>
-          </p:spPr>
-        </p:pic>
-        <p:pic>
-          <p:nvPicPr>
-            <p:cNvPr id="316" name="pasted-image.png" descr="pasted-image.png"/>
-            <p:cNvPicPr>
-              <a:picLocks noChangeAspect="1"/>
-            </p:cNvPicPr>
-            <p:nvPr/>
-          </p:nvPicPr>
-          <p:blipFill>
-            <a:blip r:embed="rId10"/>
-            <a:srcRect l="16250" t="11538" r="5822" b="8338"/>
-            <a:stretch>
-              <a:fillRect/>
-            </a:stretch>
-          </p:blipFill>
-          <p:spPr>
-            <a:xfrm>
-              <a:off x="1246726" y="1128486"/>
-              <a:ext cx="1661718" cy="1662510"/>
-            </a:xfrm>
-            <a:custGeom>
-              <a:avLst/>
-              <a:gdLst/>
-              <a:ahLst/>
-              <a:cxnLst>
-                <a:cxn ang="0">
-                  <a:pos x="wd2" y="hd2"/>
-                </a:cxn>
-                <a:cxn ang="5400000">
-                  <a:pos x="wd2" y="hd2"/>
-                </a:cxn>
-                <a:cxn ang="10800000">
-                  <a:pos x="wd2" y="hd2"/>
-                </a:cxn>
-                <a:cxn ang="16200000">
-                  <a:pos x="wd2" y="hd2"/>
-                </a:cxn>
-              </a:cxnLst>
-              <a:rect l="0" t="0" r="r" b="b"/>
-              <a:pathLst>
-                <a:path w="21599" h="21600" extrusionOk="0">
-                  <a:moveTo>
-                    <a:pt x="1063" y="0"/>
-                  </a:moveTo>
-                  <a:lnTo>
-                    <a:pt x="1006" y="474"/>
-                  </a:lnTo>
-                  <a:cubicBezTo>
-                    <a:pt x="963" y="848"/>
-                    <a:pt x="849" y="963"/>
-                    <a:pt x="475" y="1005"/>
-                  </a:cubicBezTo>
-                  <a:cubicBezTo>
-                    <a:pt x="15" y="1058"/>
-                    <a:pt x="0" y="1093"/>
-                    <a:pt x="0" y="2083"/>
-                  </a:cubicBezTo>
-                  <a:lnTo>
-                    <a:pt x="0" y="3109"/>
-                  </a:lnTo>
-                  <a:lnTo>
-                    <a:pt x="944" y="3109"/>
-                  </a:lnTo>
-                  <a:cubicBezTo>
-                    <a:pt x="1880" y="3109"/>
-                    <a:pt x="1886" y="3105"/>
-                    <a:pt x="1940" y="2547"/>
-                  </a:cubicBezTo>
-                  <a:cubicBezTo>
-                    <a:pt x="1990" y="2031"/>
-                    <a:pt x="2043" y="1985"/>
-                    <a:pt x="2600" y="1985"/>
-                  </a:cubicBezTo>
-                  <a:cubicBezTo>
-                    <a:pt x="3157" y="1985"/>
-                    <a:pt x="3210" y="2031"/>
-                    <a:pt x="3260" y="2547"/>
-                  </a:cubicBezTo>
-                  <a:lnTo>
-                    <a:pt x="3312" y="3109"/>
-                  </a:lnTo>
-                  <a:lnTo>
-                    <a:pt x="5293" y="3109"/>
-                  </a:lnTo>
-                  <a:cubicBezTo>
-                    <a:pt x="7263" y="3109"/>
-                    <a:pt x="7274" y="3111"/>
-                    <a:pt x="7274" y="2702"/>
-                  </a:cubicBezTo>
-                  <a:cubicBezTo>
-                    <a:pt x="7274" y="2019"/>
-                    <a:pt x="7633" y="1884"/>
-                    <a:pt x="9296" y="1939"/>
-                  </a:cubicBezTo>
-                  <a:lnTo>
-                    <a:pt x="10828" y="1985"/>
-                  </a:lnTo>
-                  <a:lnTo>
-                    <a:pt x="10880" y="2537"/>
-                  </a:lnTo>
-                  <a:cubicBezTo>
-                    <a:pt x="10924" y="2990"/>
-                    <a:pt x="11017" y="3101"/>
-                    <a:pt x="11401" y="3145"/>
-                  </a:cubicBezTo>
-                  <a:lnTo>
-                    <a:pt x="11865" y="3197"/>
-                  </a:lnTo>
-                  <a:lnTo>
-                    <a:pt x="11865" y="4837"/>
-                  </a:lnTo>
-                  <a:lnTo>
-                    <a:pt x="11865" y="6482"/>
-                  </a:lnTo>
-                  <a:lnTo>
-                    <a:pt x="11401" y="6533"/>
-                  </a:lnTo>
-                  <a:cubicBezTo>
-                    <a:pt x="11017" y="6577"/>
-                    <a:pt x="10924" y="6683"/>
-                    <a:pt x="10880" y="7136"/>
-                  </a:cubicBezTo>
-                  <a:cubicBezTo>
-                    <a:pt x="10836" y="7590"/>
-                    <a:pt x="10747" y="7701"/>
-                    <a:pt x="10364" y="7745"/>
-                  </a:cubicBezTo>
-                  <a:cubicBezTo>
-                    <a:pt x="10004" y="7786"/>
-                    <a:pt x="9884" y="7901"/>
-                    <a:pt x="9843" y="8260"/>
-                  </a:cubicBezTo>
-                  <a:cubicBezTo>
-                    <a:pt x="9798" y="8643"/>
-                    <a:pt x="9688" y="8737"/>
-                    <a:pt x="9234" y="8781"/>
-                  </a:cubicBezTo>
-                  <a:cubicBezTo>
-                    <a:pt x="8779" y="8825"/>
-                    <a:pt x="8675" y="8914"/>
-                    <a:pt x="8630" y="9297"/>
-                  </a:cubicBezTo>
-                  <a:cubicBezTo>
-                    <a:pt x="8589" y="9656"/>
-                    <a:pt x="8470" y="9776"/>
-                    <a:pt x="8109" y="9818"/>
-                  </a:cubicBezTo>
-                  <a:cubicBezTo>
-                    <a:pt x="7749" y="9859"/>
-                    <a:pt x="7630" y="9974"/>
-                    <a:pt x="7588" y="10333"/>
-                  </a:cubicBezTo>
-                  <a:cubicBezTo>
-                    <a:pt x="7544" y="10716"/>
-                    <a:pt x="7439" y="10810"/>
-                    <a:pt x="6985" y="10854"/>
-                  </a:cubicBezTo>
-                  <a:cubicBezTo>
-                    <a:pt x="6530" y="10898"/>
-                    <a:pt x="6420" y="10992"/>
-                    <a:pt x="6376" y="11375"/>
-                  </a:cubicBezTo>
-                  <a:cubicBezTo>
-                    <a:pt x="6327" y="11800"/>
-                    <a:pt x="6237" y="11851"/>
-                    <a:pt x="5319" y="11989"/>
-                  </a:cubicBezTo>
-                  <a:cubicBezTo>
-                    <a:pt x="4366" y="12131"/>
-                    <a:pt x="4314" y="12162"/>
-                    <a:pt x="4364" y="12592"/>
-                  </a:cubicBezTo>
-                  <a:cubicBezTo>
-                    <a:pt x="4411" y="12989"/>
-                    <a:pt x="4348" y="13056"/>
-                    <a:pt x="3864" y="13102"/>
-                  </a:cubicBezTo>
-                  <a:cubicBezTo>
-                    <a:pt x="3409" y="13146"/>
-                    <a:pt x="3305" y="13235"/>
-                    <a:pt x="3260" y="13618"/>
-                  </a:cubicBezTo>
-                  <a:cubicBezTo>
-                    <a:pt x="3209" y="14061"/>
-                    <a:pt x="3152" y="14085"/>
-                    <a:pt x="2120" y="14134"/>
-                  </a:cubicBezTo>
-                  <a:lnTo>
-                    <a:pt x="1037" y="14185"/>
-                  </a:lnTo>
-                  <a:lnTo>
-                    <a:pt x="1037" y="15206"/>
-                  </a:lnTo>
-                  <a:cubicBezTo>
-                    <a:pt x="1037" y="16187"/>
-                    <a:pt x="1057" y="16221"/>
-                    <a:pt x="1517" y="16273"/>
-                  </a:cubicBezTo>
-                  <a:cubicBezTo>
-                    <a:pt x="2061" y="16336"/>
-                    <a:pt x="2097" y="16650"/>
-                    <a:pt x="1568" y="16732"/>
-                  </a:cubicBezTo>
-                  <a:cubicBezTo>
-                    <a:pt x="932" y="16832"/>
-                    <a:pt x="1193" y="17071"/>
-                    <a:pt x="2069" y="17191"/>
-                  </a:cubicBezTo>
-                  <a:cubicBezTo>
-                    <a:pt x="2541" y="17256"/>
-                    <a:pt x="2994" y="17273"/>
-                    <a:pt x="3069" y="17227"/>
-                  </a:cubicBezTo>
-                  <a:cubicBezTo>
-                    <a:pt x="3145" y="17182"/>
-                    <a:pt x="4219" y="17198"/>
-                    <a:pt x="5458" y="17258"/>
-                  </a:cubicBezTo>
-                  <a:lnTo>
-                    <a:pt x="7707" y="17367"/>
-                  </a:lnTo>
-                  <a:lnTo>
-                    <a:pt x="7655" y="17826"/>
-                  </a:lnTo>
-                  <a:cubicBezTo>
-                    <a:pt x="7598" y="18321"/>
-                    <a:pt x="7512" y="18299"/>
-                    <a:pt x="10307" y="18532"/>
-                  </a:cubicBezTo>
-                  <a:cubicBezTo>
-                    <a:pt x="10730" y="18567"/>
-                    <a:pt x="10836" y="18666"/>
-                    <a:pt x="10880" y="19048"/>
-                  </a:cubicBezTo>
-                  <a:cubicBezTo>
-                    <a:pt x="10934" y="19515"/>
-                    <a:pt x="10937" y="19514"/>
-                    <a:pt x="12525" y="19563"/>
-                  </a:cubicBezTo>
-                  <a:cubicBezTo>
-                    <a:pt x="14112" y="19613"/>
-                    <a:pt x="14117" y="19613"/>
-                    <a:pt x="14171" y="20079"/>
-                  </a:cubicBezTo>
-                  <a:cubicBezTo>
-                    <a:pt x="14222" y="20524"/>
-                    <a:pt x="14279" y="20551"/>
-                    <a:pt x="15301" y="20600"/>
-                  </a:cubicBezTo>
-                  <a:cubicBezTo>
-                    <a:pt x="16358" y="20650"/>
-                    <a:pt x="16372" y="20657"/>
-                    <a:pt x="16317" y="21126"/>
-                  </a:cubicBezTo>
-                  <a:lnTo>
-                    <a:pt x="16260" y="21600"/>
-                  </a:lnTo>
-                  <a:lnTo>
-                    <a:pt x="21434" y="21600"/>
-                  </a:lnTo>
-                  <a:lnTo>
-                    <a:pt x="21553" y="20883"/>
-                  </a:lnTo>
-                  <a:cubicBezTo>
-                    <a:pt x="21585" y="20686"/>
-                    <a:pt x="21599" y="20421"/>
-                    <a:pt x="21599" y="20156"/>
-                  </a:cubicBezTo>
-                  <a:cubicBezTo>
-                    <a:pt x="21600" y="19891"/>
-                    <a:pt x="21584" y="19623"/>
-                    <a:pt x="21553" y="19419"/>
-                  </a:cubicBezTo>
-                  <a:lnTo>
-                    <a:pt x="21445" y="18676"/>
-                  </a:lnTo>
-                  <a:lnTo>
-                    <a:pt x="19949" y="18625"/>
-                  </a:lnTo>
-                  <a:lnTo>
-                    <a:pt x="18447" y="18578"/>
-                  </a:lnTo>
-                  <a:lnTo>
-                    <a:pt x="18396" y="18021"/>
-                  </a:lnTo>
-                  <a:lnTo>
-                    <a:pt x="18344" y="17465"/>
-                  </a:lnTo>
-                  <a:lnTo>
-                    <a:pt x="16750" y="17418"/>
-                  </a:lnTo>
-                  <a:cubicBezTo>
-                    <a:pt x="15163" y="17369"/>
-                    <a:pt x="15158" y="17368"/>
-                    <a:pt x="15105" y="16903"/>
-                  </a:cubicBezTo>
-                  <a:cubicBezTo>
-                    <a:pt x="15053" y="16457"/>
-                    <a:pt x="15001" y="16431"/>
-                    <a:pt x="13980" y="16382"/>
-                  </a:cubicBezTo>
-                  <a:cubicBezTo>
-                    <a:pt x="12968" y="16333"/>
-                    <a:pt x="12905" y="16304"/>
-                    <a:pt x="12855" y="15876"/>
-                  </a:cubicBezTo>
-                  <a:cubicBezTo>
-                    <a:pt x="12803" y="15426"/>
-                    <a:pt x="12794" y="15425"/>
-                    <a:pt x="10689" y="15273"/>
-                  </a:cubicBezTo>
-                  <a:lnTo>
-                    <a:pt x="8574" y="15118"/>
-                  </a:lnTo>
-                  <a:lnTo>
-                    <a:pt x="8522" y="14123"/>
-                  </a:lnTo>
-                  <a:cubicBezTo>
-                    <a:pt x="8465" y="13024"/>
-                    <a:pt x="8442" y="13053"/>
-                    <a:pt x="9734" y="12881"/>
-                  </a:cubicBezTo>
-                  <a:cubicBezTo>
-                    <a:pt x="10455" y="12784"/>
-                    <a:pt x="10553" y="12717"/>
-                    <a:pt x="10601" y="12303"/>
-                  </a:cubicBezTo>
-                  <a:cubicBezTo>
-                    <a:pt x="10643" y="11939"/>
-                    <a:pt x="10761" y="11825"/>
-                    <a:pt x="11132" y="11782"/>
-                  </a:cubicBezTo>
-                  <a:cubicBezTo>
-                    <a:pt x="11704" y="11717"/>
-                    <a:pt x="11766" y="11278"/>
-                    <a:pt x="11215" y="11200"/>
-                  </a:cubicBezTo>
-                  <a:cubicBezTo>
-                    <a:pt x="11001" y="11169"/>
-                    <a:pt x="10828" y="11068"/>
-                    <a:pt x="10828" y="10973"/>
-                  </a:cubicBezTo>
-                  <a:cubicBezTo>
-                    <a:pt x="10828" y="10875"/>
-                    <a:pt x="11475" y="10779"/>
-                    <a:pt x="12324" y="10751"/>
-                  </a:cubicBezTo>
-                  <a:lnTo>
-                    <a:pt x="13820" y="10699"/>
-                  </a:lnTo>
-                  <a:lnTo>
-                    <a:pt x="13970" y="9715"/>
-                  </a:lnTo>
-                  <a:cubicBezTo>
-                    <a:pt x="14105" y="8815"/>
-                    <a:pt x="14159" y="8722"/>
-                    <a:pt x="14584" y="8673"/>
-                  </a:cubicBezTo>
-                  <a:cubicBezTo>
-                    <a:pt x="14967" y="8629"/>
-                    <a:pt x="15061" y="8523"/>
-                    <a:pt x="15105" y="8070"/>
-                  </a:cubicBezTo>
-                  <a:cubicBezTo>
-                    <a:pt x="15152" y="7580"/>
-                    <a:pt x="15213" y="7525"/>
-                    <a:pt x="15636" y="7575"/>
-                  </a:cubicBezTo>
-                  <a:lnTo>
-                    <a:pt x="16111" y="7626"/>
-                  </a:lnTo>
-                  <a:lnTo>
-                    <a:pt x="16111" y="5466"/>
-                  </a:lnTo>
-                  <a:lnTo>
-                    <a:pt x="16111" y="3305"/>
-                  </a:lnTo>
-                  <a:lnTo>
-                    <a:pt x="15636" y="3254"/>
-                  </a:lnTo>
-                  <a:cubicBezTo>
-                    <a:pt x="15241" y="3208"/>
-                    <a:pt x="15149" y="3102"/>
-                    <a:pt x="15105" y="2645"/>
-                  </a:cubicBezTo>
-                  <a:cubicBezTo>
-                    <a:pt x="15061" y="2192"/>
-                    <a:pt x="14967" y="2086"/>
-                    <a:pt x="14584" y="2042"/>
-                  </a:cubicBezTo>
-                  <a:cubicBezTo>
-                    <a:pt x="14222" y="2000"/>
-                    <a:pt x="14104" y="1883"/>
-                    <a:pt x="14063" y="1521"/>
-                  </a:cubicBezTo>
-                  <a:cubicBezTo>
-                    <a:pt x="14011" y="1076"/>
-                    <a:pt x="13959" y="1049"/>
-                    <a:pt x="12938" y="1000"/>
-                  </a:cubicBezTo>
-                  <a:cubicBezTo>
-                    <a:pt x="11912" y="951"/>
-                    <a:pt x="11866" y="929"/>
-                    <a:pt x="11813" y="474"/>
-                  </a:cubicBezTo>
-                  <a:lnTo>
-                    <a:pt x="11757" y="0"/>
-                  </a:lnTo>
-                  <a:lnTo>
-                    <a:pt x="6407" y="0"/>
-                  </a:lnTo>
-                  <a:lnTo>
-                    <a:pt x="1063" y="0"/>
-                  </a:lnTo>
-                  <a:close/>
-                  <a:moveTo>
-                    <a:pt x="11174" y="3630"/>
-                  </a:moveTo>
-                  <a:cubicBezTo>
-                    <a:pt x="11031" y="3630"/>
-                    <a:pt x="10916" y="3705"/>
-                    <a:pt x="10916" y="3800"/>
-                  </a:cubicBezTo>
-                  <a:cubicBezTo>
-                    <a:pt x="10916" y="3895"/>
-                    <a:pt x="11031" y="3976"/>
-                    <a:pt x="11174" y="3976"/>
-                  </a:cubicBezTo>
-                  <a:cubicBezTo>
-                    <a:pt x="11317" y="3976"/>
-                    <a:pt x="11432" y="3895"/>
-                    <a:pt x="11432" y="3800"/>
-                  </a:cubicBezTo>
-                  <a:cubicBezTo>
-                    <a:pt x="11432" y="3705"/>
-                    <a:pt x="11317" y="3630"/>
-                    <a:pt x="11174" y="3630"/>
-                  </a:cubicBezTo>
-                  <a:close/>
-                  <a:moveTo>
-                    <a:pt x="15765" y="8121"/>
-                  </a:moveTo>
-                  <a:cubicBezTo>
-                    <a:pt x="15670" y="8121"/>
-                    <a:pt x="15590" y="8202"/>
-                    <a:pt x="15590" y="8297"/>
-                  </a:cubicBezTo>
-                  <a:cubicBezTo>
-                    <a:pt x="15590" y="8392"/>
-                    <a:pt x="15670" y="8467"/>
-                    <a:pt x="15765" y="8467"/>
-                  </a:cubicBezTo>
-                  <a:cubicBezTo>
-                    <a:pt x="15860" y="8467"/>
-                    <a:pt x="15935" y="8392"/>
-                    <a:pt x="15935" y="8297"/>
-                  </a:cubicBezTo>
-                  <a:cubicBezTo>
-                    <a:pt x="15935" y="8202"/>
-                    <a:pt x="15860" y="8121"/>
-                    <a:pt x="15765" y="8121"/>
-                  </a:cubicBezTo>
-                  <a:close/>
-                  <a:moveTo>
-                    <a:pt x="14723" y="9158"/>
-                  </a:moveTo>
-                  <a:cubicBezTo>
-                    <a:pt x="14628" y="9158"/>
-                    <a:pt x="14553" y="9238"/>
-                    <a:pt x="14553" y="9333"/>
-                  </a:cubicBezTo>
-                  <a:cubicBezTo>
-                    <a:pt x="14553" y="9428"/>
-                    <a:pt x="14628" y="9503"/>
-                    <a:pt x="14723" y="9503"/>
-                  </a:cubicBezTo>
-                  <a:cubicBezTo>
-                    <a:pt x="14818" y="9503"/>
-                    <a:pt x="14898" y="9428"/>
-                    <a:pt x="14898" y="9333"/>
-                  </a:cubicBezTo>
-                  <a:cubicBezTo>
-                    <a:pt x="14898" y="9238"/>
-                    <a:pt x="14818" y="9158"/>
-                    <a:pt x="14723" y="9158"/>
-                  </a:cubicBezTo>
-                  <a:close/>
-                  <a:moveTo>
-                    <a:pt x="9270" y="13479"/>
-                  </a:moveTo>
-                  <a:cubicBezTo>
-                    <a:pt x="9089" y="13479"/>
-                    <a:pt x="9007" y="13660"/>
-                    <a:pt x="9007" y="14082"/>
-                  </a:cubicBezTo>
-                  <a:cubicBezTo>
-                    <a:pt x="9007" y="14504"/>
-                    <a:pt x="9089" y="14690"/>
-                    <a:pt x="9270" y="14690"/>
-                  </a:cubicBezTo>
-                  <a:cubicBezTo>
-                    <a:pt x="9452" y="14690"/>
-                    <a:pt x="9528" y="14504"/>
-                    <a:pt x="9528" y="14082"/>
-                  </a:cubicBezTo>
-                  <a:cubicBezTo>
-                    <a:pt x="9528" y="13660"/>
-                    <a:pt x="9452" y="13479"/>
-                    <a:pt x="9270" y="13479"/>
-                  </a:cubicBezTo>
-                  <a:close/>
-                </a:path>
-              </a:pathLst>
-            </a:custGeom>
-            <a:ln w="12700" cap="flat">
-              <a:noFill/>
-              <a:miter lim="400000"/>
-            </a:ln>
-            <a:effectLst/>
-          </p:spPr>
-        </p:pic>
-      </p:grpSp>
       <p:sp>
         <p:nvSpPr>
-          <p:cNvPr id="318" name="Lijn"/>
-          <p:cNvSpPr/>
-          <p:nvPr/>
+          <p:cNvPr id="2" name="Titel 1">
+            <a:extLst>
+              <a:ext uri="{FF2B5EF4-FFF2-40B4-BE49-F238E27FC236}">
+                <a16:creationId xmlns:a16="http://schemas.microsoft.com/office/drawing/2014/main" id="{C2666C07-C5E4-6621-6695-051C40E575F3}"/>
+              </a:ext>
+            </a:extLst>
+          </p:cNvPr>
+          <p:cNvSpPr>
+            <a:spLocks noGrp="1"/>
+          </p:cNvSpPr>
+          <p:nvPr>
+            <p:ph type="title"/>
+          </p:nvPr>
         </p:nvSpPr>
-        <p:spPr>
-          <a:xfrm flipV="1">
-            <a:off x="7899400" y="837809"/>
-            <a:ext cx="0" cy="8789182"/>
-          </a:xfrm>
-          <a:prstGeom prst="line">
-            <a:avLst/>
-          </a:prstGeom>
-          <a:ln w="63500">
-            <a:solidFill>
-              <a:schemeClr val="accent6">
-                <a:satOff val="24555"/>
-                <a:lumOff val="22232"/>
-              </a:schemeClr>
-            </a:solidFill>
-            <a:miter lim="400000"/>
-          </a:ln>
-        </p:spPr>
+        <p:spPr/>
         <p:txBody>
-          <a:bodyPr lIns="50800" tIns="50800" rIns="50800" bIns="50800" anchor="ctr"/>
+          <a:bodyPr/>
           <a:lstStyle/>
           <a:p>
-            <a:pPr>
-              <a:defRPr sz="2400"/>
-            </a:pPr>
-            <a:endParaRPr/>
+            <a:r>
+              <a:rPr lang="nl-NL"/>
+              <a:t>Intermezzo: live coding</a:t>
+            </a:r>
           </a:p>
         </p:txBody>
       </p:sp>
       <p:sp>
         <p:nvSpPr>
-          <p:cNvPr id="319" name="Lijn"/>
-          <p:cNvSpPr/>
-          <p:nvPr/>
+          <p:cNvPr id="3" name="Tijdelijke aanduiding voor inhoud 2">
+            <a:extLst>
+              <a:ext uri="{FF2B5EF4-FFF2-40B4-BE49-F238E27FC236}">
+                <a16:creationId xmlns:a16="http://schemas.microsoft.com/office/drawing/2014/main" id="{1E900621-D636-23B8-651C-B20206A2ADF4}"/>
+              </a:ext>
+            </a:extLst>
+          </p:cNvPr>
+          <p:cNvSpPr>
+            <a:spLocks noGrp="1"/>
+          </p:cNvSpPr>
+          <p:nvPr>
+            <p:ph idx="1"/>
+          </p:nvPr>
         </p:nvSpPr>
         <p:spPr>
           <a:xfrm>
-            <a:off x="3504809" y="5250872"/>
-            <a:ext cx="8789182" cy="1"/>
+            <a:off x="894080" y="3166534"/>
+            <a:ext cx="11216640" cy="798826"/>
           </a:xfrm>
-          <a:prstGeom prst="line">
+        </p:spPr>
+        <p:txBody>
+          <a:bodyPr/>
+          <a:lstStyle/>
+          <a:p>
+            <a:pPr marL="0" indent="0" algn="ctr">
+              <a:buNone/>
+            </a:pPr>
+            <a:r>
+              <a:rPr lang="nl-NL"/>
+              <a:t>Notebook over Modelevaluatie</a:t>
+            </a:r>
+          </a:p>
+        </p:txBody>
+      </p:sp>
+      <p:pic>
+        <p:nvPicPr>
+          <p:cNvPr id="2050" name="Picture 2" descr="Technology - Logos Download">
+            <a:extLst>
+              <a:ext uri="{FF2B5EF4-FFF2-40B4-BE49-F238E27FC236}">
+                <a16:creationId xmlns:a16="http://schemas.microsoft.com/office/drawing/2014/main" id="{5541AD79-57AF-EB5C-7DD7-04948C4525D7}"/>
+              </a:ext>
+            </a:extLst>
+          </p:cNvPr>
+          <p:cNvPicPr>
+            <a:picLocks noChangeAspect="1" noChangeArrowheads="1"/>
+          </p:cNvPicPr>
+          <p:nvPr/>
+        </p:nvPicPr>
+        <p:blipFill>
+          <a:blip r:embed="rId2" cstate="print">
+            <a:extLst>
+              <a:ext uri="{28A0092B-C50C-407E-A947-70E740481C1C}">
+                <a14:useLocalDpi xmlns:a14="http://schemas.microsoft.com/office/drawing/2010/main" val="0"/>
+              </a:ext>
+            </a:extLst>
+          </a:blip>
+          <a:srcRect/>
+          <a:stretch>
+            <a:fillRect/>
+          </a:stretch>
+        </p:blipFill>
+        <p:spPr bwMode="auto">
+          <a:xfrm>
+            <a:off x="5465608" y="4876801"/>
+            <a:ext cx="2073585" cy="2428929"/>
+          </a:xfrm>
+          <a:prstGeom prst="rect">
             <a:avLst/>
           </a:prstGeom>
-          <a:ln w="63500">
-            <a:solidFill>
-              <a:schemeClr val="accent6">
-                <a:satOff val="24555"/>
-                <a:lumOff val="22232"/>
-              </a:schemeClr>
-            </a:solidFill>
-            <a:miter lim="400000"/>
-          </a:ln>
+          <a:noFill/>
+          <a:extLst>
+            <a:ext uri="{909E8E84-426E-40DD-AFC4-6F175D3DCCD1}">
+              <a14:hiddenFill xmlns:a14="http://schemas.microsoft.com/office/drawing/2010/main">
+                <a:solidFill>
+                  <a:srgbClr val="FFFFFF"/>
+                </a:solidFill>
+              </a14:hiddenFill>
+            </a:ext>
+          </a:extLst>
         </p:spPr>
-        <p:txBody>
-          <a:bodyPr lIns="50800" tIns="50800" rIns="50800" bIns="50800" anchor="ctr"/>
-          <a:lstStyle/>
-          <a:p>
-            <a:pPr>
-              <a:defRPr sz="2400"/>
-            </a:pPr>
-            <a:endParaRPr/>
-          </a:p>
-        </p:txBody>
-      </p:sp>
+      </p:pic>
+    </p:spTree>
+    <p:extLst>
+      <p:ext uri="{BB962C8B-B14F-4D97-AF65-F5344CB8AC3E}">
+        <p14:creationId xmlns:p14="http://schemas.microsoft.com/office/powerpoint/2010/main" val="2260764535"/>
+      </p:ext>
+    </p:extLst>
+  </p:cSld>
+  <p:clrMapOvr>
+    <a:masterClrMapping/>
+  </p:clrMapOvr>
+</p:sld>
+</file>
+
+<file path=ppt/slides/slide36.xml><?xml version="1.0" encoding="utf-8"?>
+<p:sld xmlns:a="http://schemas.openxmlformats.org/drawingml/2006/main" xmlns:r="http://schemas.openxmlformats.org/officeDocument/2006/relationships" xmlns:p="http://schemas.openxmlformats.org/presentationml/2006/main">
+  <p:cSld>
+    <p:spTree>
+      <p:nvGrpSpPr>
+        <p:cNvPr id="1" name=""/>
+        <p:cNvGrpSpPr/>
+        <p:nvPr/>
+      </p:nvGrpSpPr>
+      <p:grpSpPr>
+        <a:xfrm>
+          <a:off x="0" y="0"/>
+          <a:ext cx="0" cy="0"/>
+          <a:chOff x="0" y="0"/>
+          <a:chExt cx="0" cy="0"/>
+        </a:xfrm>
+      </p:grpSpPr>
       <p:sp>
         <p:nvSpPr>
-          <p:cNvPr id="320" name="– voorspeld –"/>
+          <p:cNvPr id="122" name="ml:polynomial"/>
           <p:cNvSpPr txBox="1"/>
           <p:nvPr/>
         </p:nvSpPr>
         <p:spPr>
           <a:xfrm>
-            <a:off x="6601801" y="191120"/>
-            <a:ext cx="2604121" cy="559495"/>
+            <a:off x="1465770" y="4271506"/>
+            <a:ext cx="10073270" cy="1210588"/>
           </a:xfrm>
           <a:prstGeom prst="rect">
             <a:avLst/>
@@ -20973,1270 +17722,34 @@
           <a:bodyPr wrap="none" lIns="50800" tIns="50800" rIns="50800" bIns="50800" anchor="ctr">
             <a:spAutoFit/>
           </a:bodyPr>
-          <a:lstStyle/>
-          <a:p>
-            <a:pPr>
-              <a:defRPr i="1">
-                <a:latin typeface="Calibri"/>
-                <a:ea typeface="Calibri"/>
-                <a:cs typeface="Calibri"/>
-                <a:sym typeface="Calibri"/>
+          <a:lstStyle>
+            <a:lvl1pPr>
+              <a:defRPr sz="7200">
+                <a:latin typeface="Menlo Regular"/>
+                <a:ea typeface="Menlo Regular"/>
+                <a:cs typeface="Menlo Regular"/>
+                <a:sym typeface="Menlo Regular"/>
               </a:defRPr>
-            </a:pPr>
-            <a:r>
-              <a:t>– </a:t>
-            </a:r>
-            <a:r>
-              <a:rPr i="0"/>
-              <a:t>voorspeld –</a:t>
-            </a:r>
-          </a:p>
-        </p:txBody>
-      </p:sp>
-      <p:sp>
-        <p:nvSpPr>
-          <p:cNvPr id="321" name="– werkelijk –"/>
-          <p:cNvSpPr txBox="1"/>
-          <p:nvPr/>
-        </p:nvSpPr>
-        <p:spPr>
-          <a:xfrm rot="16200000">
-            <a:off x="1754790" y="4971125"/>
-            <a:ext cx="2433787" cy="559495"/>
-          </a:xfrm>
-          <a:prstGeom prst="rect">
-            <a:avLst/>
-          </a:prstGeom>
-          <a:ln w="12700">
-            <a:miter lim="400000"/>
-          </a:ln>
-          <a:extLst>
-            <a:ext uri="{C572A759-6A51-4108-AA02-DFA0A04FC94B}">
-              <ma14:wrappingTextBoxFlag xmlns:ma14="http://schemas.microsoft.com/office/mac/drawingml/2011/main" xmlns:a14="http://schemas.microsoft.com/office/drawing/2010/main" xmlns:m="http://schemas.openxmlformats.org/officeDocument/2006/math" xmlns="" val="1"/>
-            </a:ext>
-          </a:extLst>
-        </p:spPr>
-        <p:txBody>
-          <a:bodyPr wrap="none" lIns="50800" tIns="50800" rIns="50800" bIns="50800" anchor="ctr">
-            <a:spAutoFit/>
-          </a:bodyPr>
-          <a:lstStyle/>
-          <a:p>
-            <a:pPr>
-              <a:defRPr i="1">
-                <a:latin typeface="Calibri"/>
-                <a:ea typeface="Calibri"/>
-                <a:cs typeface="Calibri"/>
-                <a:sym typeface="Calibri"/>
-              </a:defRPr>
-            </a:pPr>
-            <a:r>
-              <a:t>– </a:t>
-            </a:r>
-            <a:r>
-              <a:rPr i="0"/>
-              <a:t>werkelijk –</a:t>
-            </a:r>
-          </a:p>
-        </p:txBody>
-      </p:sp>
-      <p:grpSp>
-        <p:nvGrpSpPr>
-          <p:cNvPr id="325" name="Groepeer"/>
-          <p:cNvGrpSpPr/>
-          <p:nvPr/>
-        </p:nvGrpSpPr>
-        <p:grpSpPr>
-          <a:xfrm>
-            <a:off x="4045939" y="1702417"/>
-            <a:ext cx="3337920" cy="2951762"/>
-            <a:chOff x="0" y="0"/>
-            <a:chExt cx="3337918" cy="2951760"/>
-          </a:xfrm>
-        </p:grpSpPr>
-        <p:pic>
-          <p:nvPicPr>
-            <p:cNvPr id="322" name="pasted-image.png" descr="pasted-image.png"/>
-            <p:cNvPicPr>
-              <a:picLocks noChangeAspect="1"/>
-            </p:cNvPicPr>
-            <p:nvPr/>
-          </p:nvPicPr>
-          <p:blipFill>
-            <a:blip r:embed="rId11"/>
-            <a:srcRect l="32608" t="5586" r="14135" b="15639"/>
-            <a:stretch>
-              <a:fillRect/>
-            </a:stretch>
-          </p:blipFill>
-          <p:spPr>
-            <a:xfrm>
-              <a:off x="0" y="790608"/>
-              <a:ext cx="1306116" cy="1875632"/>
-            </a:xfrm>
-            <a:custGeom>
-              <a:avLst/>
-              <a:gdLst/>
-              <a:ahLst/>
-              <a:cxnLst>
-                <a:cxn ang="0">
-                  <a:pos x="wd2" y="hd2"/>
-                </a:cxn>
-                <a:cxn ang="5400000">
-                  <a:pos x="wd2" y="hd2"/>
-                </a:cxn>
-                <a:cxn ang="10800000">
-                  <a:pos x="wd2" y="hd2"/>
-                </a:cxn>
-                <a:cxn ang="16200000">
-                  <a:pos x="wd2" y="hd2"/>
-                </a:cxn>
-              </a:cxnLst>
-              <a:rect l="0" t="0" r="r" b="b"/>
-              <a:pathLst>
-                <a:path w="21600" h="21600" extrusionOk="0">
-                  <a:moveTo>
-                    <a:pt x="6183" y="0"/>
-                  </a:moveTo>
-                  <a:lnTo>
-                    <a:pt x="6124" y="2070"/>
-                  </a:lnTo>
-                  <a:cubicBezTo>
-                    <a:pt x="6087" y="3315"/>
-                    <a:pt x="5974" y="4138"/>
-                    <a:pt x="5841" y="4141"/>
-                  </a:cubicBezTo>
-                  <a:cubicBezTo>
-                    <a:pt x="5720" y="4143"/>
-                    <a:pt x="5591" y="3970"/>
-                    <a:pt x="5553" y="3757"/>
-                  </a:cubicBezTo>
-                  <a:cubicBezTo>
-                    <a:pt x="5507" y="3501"/>
-                    <a:pt x="5346" y="3368"/>
-                    <a:pt x="5080" y="3368"/>
-                  </a:cubicBezTo>
-                  <a:cubicBezTo>
-                    <a:pt x="4719" y="3368"/>
-                    <a:pt x="4671" y="3524"/>
-                    <a:pt x="4647" y="4845"/>
-                  </a:cubicBezTo>
-                  <a:cubicBezTo>
-                    <a:pt x="4632" y="5656"/>
-                    <a:pt x="4568" y="6380"/>
-                    <a:pt x="4502" y="6453"/>
-                  </a:cubicBezTo>
-                  <a:cubicBezTo>
-                    <a:pt x="4437" y="6527"/>
-                    <a:pt x="4048" y="6586"/>
-                    <a:pt x="3636" y="6586"/>
-                  </a:cubicBezTo>
-                  <a:lnTo>
-                    <a:pt x="2888" y="6586"/>
-                  </a:lnTo>
-                  <a:lnTo>
-                    <a:pt x="2822" y="7619"/>
-                  </a:lnTo>
-                  <a:cubicBezTo>
-                    <a:pt x="2759" y="8620"/>
-                    <a:pt x="2733" y="8655"/>
-                    <a:pt x="2146" y="8702"/>
-                  </a:cubicBezTo>
-                  <a:cubicBezTo>
-                    <a:pt x="1508" y="8753"/>
-                    <a:pt x="1514" y="8750"/>
-                    <a:pt x="1437" y="10338"/>
-                  </a:cubicBezTo>
-                  <a:cubicBezTo>
-                    <a:pt x="1418" y="10739"/>
-                    <a:pt x="1325" y="10804"/>
-                    <a:pt x="709" y="10846"/>
-                  </a:cubicBezTo>
-                  <a:lnTo>
-                    <a:pt x="0" y="10896"/>
-                  </a:lnTo>
-                  <a:lnTo>
-                    <a:pt x="0" y="15087"/>
-                  </a:lnTo>
-                  <a:lnTo>
-                    <a:pt x="0" y="19283"/>
-                  </a:lnTo>
-                  <a:lnTo>
-                    <a:pt x="715" y="19328"/>
-                  </a:lnTo>
-                  <a:cubicBezTo>
-                    <a:pt x="1342" y="19370"/>
-                    <a:pt x="1443" y="19440"/>
-                    <a:pt x="1503" y="19868"/>
-                  </a:cubicBezTo>
-                  <a:cubicBezTo>
-                    <a:pt x="1562" y="20293"/>
-                    <a:pt x="1658" y="20361"/>
-                    <a:pt x="2271" y="20403"/>
-                  </a:cubicBezTo>
-                  <a:cubicBezTo>
-                    <a:pt x="2910" y="20446"/>
-                    <a:pt x="2983" y="20502"/>
-                    <a:pt x="3045" y="21024"/>
-                  </a:cubicBezTo>
-                  <a:lnTo>
-                    <a:pt x="3111" y="21600"/>
-                  </a:lnTo>
-                  <a:lnTo>
-                    <a:pt x="13639" y="21600"/>
-                  </a:lnTo>
-                  <a:lnTo>
-                    <a:pt x="13711" y="21102"/>
-                  </a:lnTo>
-                  <a:cubicBezTo>
-                    <a:pt x="13779" y="20610"/>
-                    <a:pt x="13794" y="20603"/>
-                    <a:pt x="15253" y="20467"/>
-                  </a:cubicBezTo>
-                  <a:lnTo>
-                    <a:pt x="16737" y="20325"/>
-                  </a:lnTo>
-                  <a:lnTo>
-                    <a:pt x="16796" y="19392"/>
-                  </a:lnTo>
-                  <a:cubicBezTo>
-                    <a:pt x="16860" y="18465"/>
-                    <a:pt x="16865" y="18457"/>
-                    <a:pt x="17564" y="18410"/>
-                  </a:cubicBezTo>
-                  <a:cubicBezTo>
-                    <a:pt x="18176" y="18369"/>
-                    <a:pt x="18279" y="18301"/>
-                    <a:pt x="18338" y="17875"/>
-                  </a:cubicBezTo>
-                  <a:cubicBezTo>
-                    <a:pt x="18400" y="17432"/>
-                    <a:pt x="18481" y="17383"/>
-                    <a:pt x="19218" y="17340"/>
-                  </a:cubicBezTo>
-                  <a:cubicBezTo>
-                    <a:pt x="19954" y="17298"/>
-                    <a:pt x="20042" y="17249"/>
-                    <a:pt x="20104" y="16806"/>
-                  </a:cubicBezTo>
-                  <a:cubicBezTo>
-                    <a:pt x="20163" y="16377"/>
-                    <a:pt x="20258" y="16308"/>
-                    <a:pt x="20885" y="16266"/>
-                  </a:cubicBezTo>
-                  <a:lnTo>
-                    <a:pt x="21600" y="16221"/>
-                  </a:lnTo>
-                  <a:lnTo>
-                    <a:pt x="21600" y="14630"/>
-                  </a:lnTo>
-                  <a:lnTo>
-                    <a:pt x="21600" y="13040"/>
-                  </a:lnTo>
-                  <a:lnTo>
-                    <a:pt x="20773" y="12994"/>
-                  </a:lnTo>
-                  <a:cubicBezTo>
-                    <a:pt x="19987" y="12949"/>
-                    <a:pt x="19951" y="12922"/>
-                    <a:pt x="20018" y="12455"/>
-                  </a:cubicBezTo>
-                  <a:lnTo>
-                    <a:pt x="20090" y="11961"/>
-                  </a:lnTo>
-                  <a:lnTo>
-                    <a:pt x="18476" y="11915"/>
-                  </a:lnTo>
-                  <a:lnTo>
-                    <a:pt x="16861" y="11874"/>
-                  </a:lnTo>
-                  <a:lnTo>
-                    <a:pt x="16796" y="11376"/>
-                  </a:lnTo>
-                  <a:lnTo>
-                    <a:pt x="16723" y="10878"/>
-                  </a:lnTo>
-                  <a:lnTo>
-                    <a:pt x="14518" y="10878"/>
-                  </a:lnTo>
-                  <a:lnTo>
-                    <a:pt x="12313" y="10878"/>
-                  </a:lnTo>
-                  <a:lnTo>
-                    <a:pt x="12385" y="11376"/>
-                  </a:lnTo>
-                  <a:lnTo>
-                    <a:pt x="12457" y="11874"/>
-                  </a:lnTo>
-                  <a:lnTo>
-                    <a:pt x="10029" y="11874"/>
-                  </a:lnTo>
-                  <a:lnTo>
-                    <a:pt x="7607" y="11874"/>
-                  </a:lnTo>
-                  <a:lnTo>
-                    <a:pt x="7607" y="10722"/>
-                  </a:lnTo>
-                  <a:lnTo>
-                    <a:pt x="7607" y="9575"/>
-                  </a:lnTo>
-                  <a:lnTo>
-                    <a:pt x="8316" y="9625"/>
-                  </a:lnTo>
-                  <a:lnTo>
-                    <a:pt x="9025" y="9671"/>
-                  </a:lnTo>
-                  <a:lnTo>
-                    <a:pt x="9084" y="7477"/>
-                  </a:lnTo>
-                  <a:lnTo>
-                    <a:pt x="9149" y="5283"/>
-                  </a:lnTo>
-                  <a:lnTo>
-                    <a:pt x="9852" y="5238"/>
-                  </a:lnTo>
-                  <a:lnTo>
-                    <a:pt x="10560" y="5192"/>
-                  </a:lnTo>
-                  <a:lnTo>
-                    <a:pt x="10626" y="4164"/>
-                  </a:lnTo>
-                  <a:lnTo>
-                    <a:pt x="10692" y="3140"/>
-                  </a:lnTo>
-                  <a:lnTo>
-                    <a:pt x="11407" y="3094"/>
-                  </a:lnTo>
-                  <a:lnTo>
-                    <a:pt x="12123" y="3044"/>
-                  </a:lnTo>
-                  <a:lnTo>
-                    <a:pt x="12123" y="1522"/>
-                  </a:lnTo>
-                  <a:lnTo>
-                    <a:pt x="12123" y="0"/>
-                  </a:lnTo>
-                  <a:lnTo>
-                    <a:pt x="9156" y="0"/>
-                  </a:lnTo>
-                  <a:lnTo>
-                    <a:pt x="6183" y="0"/>
-                  </a:lnTo>
-                  <a:close/>
-                </a:path>
-              </a:pathLst>
-            </a:custGeom>
-            <a:ln w="12700" cap="flat">
-              <a:noFill/>
-              <a:miter lim="400000"/>
-            </a:ln>
-            <a:effectLst/>
-          </p:spPr>
-        </p:pic>
-        <p:pic>
-          <p:nvPicPr>
-            <p:cNvPr id="323" name="pasted-image.png" descr="pasted-image.png"/>
-            <p:cNvPicPr>
-              <a:picLocks noChangeAspect="1"/>
-            </p:cNvPicPr>
-            <p:nvPr/>
-          </p:nvPicPr>
-          <p:blipFill>
-            <a:blip r:embed="rId12"/>
-            <a:srcRect l="28233" t="16568" r="17067" b="4777"/>
-            <a:stretch>
-              <a:fillRect/>
-            </a:stretch>
-          </p:blipFill>
-          <p:spPr>
-            <a:xfrm>
-              <a:off x="2102799" y="1181031"/>
-              <a:ext cx="1235120" cy="1770730"/>
-            </a:xfrm>
-            <a:custGeom>
-              <a:avLst/>
-              <a:gdLst/>
-              <a:ahLst/>
-              <a:cxnLst>
-                <a:cxn ang="0">
-                  <a:pos x="wd2" y="hd2"/>
-                </a:cxn>
-                <a:cxn ang="5400000">
-                  <a:pos x="wd2" y="hd2"/>
-                </a:cxn>
-                <a:cxn ang="10800000">
-                  <a:pos x="wd2" y="hd2"/>
-                </a:cxn>
-                <a:cxn ang="16200000">
-                  <a:pos x="wd2" y="hd2"/>
-                </a:cxn>
-              </a:cxnLst>
-              <a:rect l="0" t="0" r="r" b="b"/>
-              <a:pathLst>
-                <a:path w="21566" h="21500" extrusionOk="0">
-                  <a:moveTo>
-                    <a:pt x="6293" y="0"/>
-                  </a:moveTo>
-                  <a:lnTo>
-                    <a:pt x="6217" y="526"/>
-                  </a:lnTo>
-                  <a:cubicBezTo>
-                    <a:pt x="6157" y="961"/>
-                    <a:pt x="6040" y="1062"/>
-                    <a:pt x="5524" y="1104"/>
-                  </a:cubicBezTo>
-                  <a:cubicBezTo>
-                    <a:pt x="5011" y="1145"/>
-                    <a:pt x="4883" y="1243"/>
-                    <a:pt x="4824" y="1668"/>
-                  </a:cubicBezTo>
-                  <a:cubicBezTo>
-                    <a:pt x="4761" y="2119"/>
-                    <a:pt x="4659" y="2192"/>
-                    <a:pt x="4000" y="2236"/>
-                  </a:cubicBezTo>
-                  <a:cubicBezTo>
-                    <a:pt x="3395" y="2277"/>
-                    <a:pt x="3251" y="2356"/>
-                    <a:pt x="3251" y="2646"/>
-                  </a:cubicBezTo>
-                  <a:cubicBezTo>
-                    <a:pt x="3251" y="3108"/>
-                    <a:pt x="2834" y="3398"/>
-                    <a:pt x="2170" y="3398"/>
-                  </a:cubicBezTo>
-                  <a:cubicBezTo>
-                    <a:pt x="1698" y="3398"/>
-                    <a:pt x="1644" y="3485"/>
-                    <a:pt x="1581" y="4328"/>
-                  </a:cubicBezTo>
-                  <a:cubicBezTo>
-                    <a:pt x="1512" y="5247"/>
-                    <a:pt x="1502" y="5256"/>
-                    <a:pt x="756" y="5306"/>
-                  </a:cubicBezTo>
-                  <a:lnTo>
-                    <a:pt x="1" y="5359"/>
-                  </a:lnTo>
-                  <a:lnTo>
-                    <a:pt x="1" y="6877"/>
-                  </a:lnTo>
-                  <a:lnTo>
-                    <a:pt x="1" y="8390"/>
-                  </a:lnTo>
-                  <a:lnTo>
-                    <a:pt x="756" y="8443"/>
-                  </a:lnTo>
-                  <a:cubicBezTo>
-                    <a:pt x="1417" y="8487"/>
-                    <a:pt x="1518" y="8557"/>
-                    <a:pt x="1581" y="9012"/>
-                  </a:cubicBezTo>
-                  <a:lnTo>
-                    <a:pt x="1650" y="9527"/>
-                  </a:lnTo>
-                  <a:lnTo>
-                    <a:pt x="3203" y="9575"/>
-                  </a:lnTo>
-                  <a:cubicBezTo>
-                    <a:pt x="4802" y="9624"/>
-                    <a:pt x="5336" y="9910"/>
-                    <a:pt x="4000" y="9999"/>
-                  </a:cubicBezTo>
-                  <a:cubicBezTo>
-                    <a:pt x="3546" y="10030"/>
-                    <a:pt x="3251" y="10139"/>
-                    <a:pt x="3251" y="10274"/>
-                  </a:cubicBezTo>
-                  <a:cubicBezTo>
-                    <a:pt x="3251" y="10437"/>
-                    <a:pt x="3650" y="10514"/>
-                    <a:pt x="4699" y="10549"/>
-                  </a:cubicBezTo>
-                  <a:lnTo>
-                    <a:pt x="6148" y="10597"/>
-                  </a:lnTo>
-                  <a:lnTo>
-                    <a:pt x="6148" y="11725"/>
-                  </a:lnTo>
-                  <a:lnTo>
-                    <a:pt x="6148" y="12857"/>
-                  </a:lnTo>
-                  <a:lnTo>
-                    <a:pt x="4699" y="13002"/>
-                  </a:lnTo>
-                  <a:cubicBezTo>
-                    <a:pt x="3181" y="13152"/>
-                    <a:pt x="2696" y="13523"/>
-                    <a:pt x="3889" y="13618"/>
-                  </a:cubicBezTo>
-                  <a:cubicBezTo>
-                    <a:pt x="4699" y="13683"/>
-                    <a:pt x="4717" y="13978"/>
-                    <a:pt x="3916" y="14042"/>
-                  </a:cubicBezTo>
-                  <a:cubicBezTo>
-                    <a:pt x="3361" y="14087"/>
-                    <a:pt x="3293" y="14175"/>
-                    <a:pt x="3106" y="15093"/>
-                  </a:cubicBezTo>
-                  <a:cubicBezTo>
-                    <a:pt x="2916" y="16020"/>
-                    <a:pt x="2855" y="16097"/>
-                    <a:pt x="2274" y="16143"/>
-                  </a:cubicBezTo>
-                  <a:cubicBezTo>
-                    <a:pt x="1670" y="16192"/>
-                    <a:pt x="1640" y="16234"/>
-                    <a:pt x="1574" y="17276"/>
-                  </a:cubicBezTo>
-                  <a:cubicBezTo>
-                    <a:pt x="1509" y="18309"/>
-                    <a:pt x="1484" y="18361"/>
-                    <a:pt x="902" y="18408"/>
-                  </a:cubicBezTo>
-                  <a:cubicBezTo>
-                    <a:pt x="208" y="18464"/>
-                    <a:pt x="6" y="18941"/>
-                    <a:pt x="1" y="20581"/>
-                  </a:cubicBezTo>
-                  <a:cubicBezTo>
-                    <a:pt x="-1" y="21349"/>
-                    <a:pt x="-34" y="21528"/>
-                    <a:pt x="694" y="21497"/>
-                  </a:cubicBezTo>
-                  <a:cubicBezTo>
-                    <a:pt x="937" y="21487"/>
-                    <a:pt x="1265" y="21452"/>
-                    <a:pt x="1706" y="21410"/>
-                  </a:cubicBezTo>
-                  <a:cubicBezTo>
-                    <a:pt x="2645" y="21321"/>
-                    <a:pt x="2787" y="21257"/>
-                    <a:pt x="2787" y="20919"/>
-                  </a:cubicBezTo>
-                  <a:cubicBezTo>
-                    <a:pt x="2787" y="20475"/>
-                    <a:pt x="2892" y="20442"/>
-                    <a:pt x="4686" y="20302"/>
-                  </a:cubicBezTo>
-                  <a:cubicBezTo>
-                    <a:pt x="5901" y="20207"/>
-                    <a:pt x="6012" y="20162"/>
-                    <a:pt x="6078" y="19762"/>
-                  </a:cubicBezTo>
-                  <a:cubicBezTo>
-                    <a:pt x="6133" y="19430"/>
-                    <a:pt x="6293" y="19318"/>
-                    <a:pt x="6757" y="19280"/>
-                  </a:cubicBezTo>
-                  <a:cubicBezTo>
-                    <a:pt x="7313" y="19235"/>
-                    <a:pt x="7381" y="19147"/>
-                    <a:pt x="7568" y="18230"/>
-                  </a:cubicBezTo>
-                  <a:cubicBezTo>
-                    <a:pt x="7780" y="17194"/>
-                    <a:pt x="8181" y="16891"/>
-                    <a:pt x="8310" y="17671"/>
-                  </a:cubicBezTo>
-                  <a:cubicBezTo>
-                    <a:pt x="8350" y="17916"/>
-                    <a:pt x="8520" y="18114"/>
-                    <a:pt x="8691" y="18114"/>
-                  </a:cubicBezTo>
-                  <a:cubicBezTo>
-                    <a:pt x="8932" y="18114"/>
-                    <a:pt x="9009" y="17676"/>
-                    <a:pt x="9030" y="16153"/>
-                  </a:cubicBezTo>
-                  <a:cubicBezTo>
-                    <a:pt x="9046" y="15073"/>
-                    <a:pt x="9115" y="14129"/>
-                    <a:pt x="9183" y="14052"/>
-                  </a:cubicBezTo>
-                  <a:cubicBezTo>
-                    <a:pt x="9251" y="13975"/>
-                    <a:pt x="9612" y="13912"/>
-                    <a:pt x="9987" y="13912"/>
-                  </a:cubicBezTo>
-                  <a:cubicBezTo>
-                    <a:pt x="10587" y="13912"/>
-                    <a:pt x="10673" y="13854"/>
-                    <a:pt x="10673" y="13435"/>
-                  </a:cubicBezTo>
-                  <a:cubicBezTo>
-                    <a:pt x="10673" y="13174"/>
-                    <a:pt x="10757" y="12919"/>
-                    <a:pt x="10867" y="12871"/>
-                  </a:cubicBezTo>
-                  <a:cubicBezTo>
-                    <a:pt x="10977" y="12824"/>
-                    <a:pt x="12327" y="12776"/>
-                    <a:pt x="13860" y="12765"/>
-                  </a:cubicBezTo>
-                  <a:lnTo>
-                    <a:pt x="16646" y="12746"/>
-                  </a:lnTo>
-                  <a:lnTo>
-                    <a:pt x="16792" y="11985"/>
-                  </a:lnTo>
-                  <a:cubicBezTo>
-                    <a:pt x="16871" y="11566"/>
-                    <a:pt x="16866" y="10885"/>
-                    <a:pt x="16785" y="10472"/>
-                  </a:cubicBezTo>
-                  <a:cubicBezTo>
-                    <a:pt x="16655" y="9813"/>
-                    <a:pt x="16562" y="9715"/>
-                    <a:pt x="16029" y="9672"/>
-                  </a:cubicBezTo>
-                  <a:cubicBezTo>
-                    <a:pt x="15512" y="9630"/>
-                    <a:pt x="15426" y="9545"/>
-                    <a:pt x="15426" y="9098"/>
-                  </a:cubicBezTo>
-                  <a:cubicBezTo>
-                    <a:pt x="15426" y="8523"/>
-                    <a:pt x="15841" y="8362"/>
-                    <a:pt x="15960" y="8891"/>
-                  </a:cubicBezTo>
-                  <a:cubicBezTo>
-                    <a:pt x="16001" y="9073"/>
-                    <a:pt x="16180" y="9219"/>
-                    <a:pt x="16355" y="9219"/>
-                  </a:cubicBezTo>
-                  <a:cubicBezTo>
-                    <a:pt x="16678" y="9219"/>
-                    <a:pt x="16879" y="8560"/>
-                    <a:pt x="16992" y="7118"/>
-                  </a:cubicBezTo>
-                  <a:cubicBezTo>
-                    <a:pt x="17044" y="6459"/>
-                    <a:pt x="17103" y="6383"/>
-                    <a:pt x="17672" y="6337"/>
-                  </a:cubicBezTo>
-                  <a:cubicBezTo>
-                    <a:pt x="18276" y="6289"/>
-                    <a:pt x="18306" y="6246"/>
-                    <a:pt x="18371" y="5205"/>
-                  </a:cubicBezTo>
-                  <a:lnTo>
-                    <a:pt x="18441" y="4125"/>
-                  </a:lnTo>
-                  <a:lnTo>
-                    <a:pt x="19175" y="4178"/>
-                  </a:lnTo>
-                  <a:cubicBezTo>
-                    <a:pt x="19859" y="4226"/>
-                    <a:pt x="19918" y="4189"/>
-                    <a:pt x="19986" y="3692"/>
-                  </a:cubicBezTo>
-                  <a:cubicBezTo>
-                    <a:pt x="20051" y="3217"/>
-                    <a:pt x="20151" y="3149"/>
-                    <a:pt x="20818" y="3104"/>
-                  </a:cubicBezTo>
-                  <a:lnTo>
-                    <a:pt x="21566" y="3051"/>
-                  </a:lnTo>
-                  <a:lnTo>
-                    <a:pt x="21566" y="2101"/>
-                  </a:lnTo>
-                  <a:lnTo>
-                    <a:pt x="21566" y="1147"/>
-                  </a:lnTo>
-                  <a:lnTo>
-                    <a:pt x="20007" y="1099"/>
-                  </a:lnTo>
-                  <a:lnTo>
-                    <a:pt x="18441" y="1051"/>
-                  </a:lnTo>
-                  <a:lnTo>
-                    <a:pt x="18365" y="526"/>
-                  </a:lnTo>
-                  <a:cubicBezTo>
-                    <a:pt x="18286" y="-41"/>
-                    <a:pt x="18165" y="-72"/>
-                    <a:pt x="16660" y="102"/>
-                  </a:cubicBezTo>
-                  <a:cubicBezTo>
-                    <a:pt x="15812" y="199"/>
-                    <a:pt x="15803" y="205"/>
-                    <a:pt x="15613" y="1191"/>
-                  </a:cubicBezTo>
-                  <a:cubicBezTo>
-                    <a:pt x="15409" y="2256"/>
-                    <a:pt x="15005" y="2516"/>
-                    <a:pt x="14886" y="1658"/>
-                  </a:cubicBezTo>
-                  <a:cubicBezTo>
-                    <a:pt x="14789" y="960"/>
-                    <a:pt x="14199" y="960"/>
-                    <a:pt x="14103" y="1658"/>
-                  </a:cubicBezTo>
-                  <a:cubicBezTo>
-                    <a:pt x="14036" y="2141"/>
-                    <a:pt x="13969" y="2183"/>
-                    <a:pt x="13223" y="2183"/>
-                  </a:cubicBezTo>
-                  <a:lnTo>
-                    <a:pt x="12412" y="2183"/>
-                  </a:lnTo>
-                  <a:lnTo>
-                    <a:pt x="12343" y="1094"/>
-                  </a:lnTo>
-                  <a:lnTo>
-                    <a:pt x="12273" y="0"/>
-                  </a:lnTo>
-                  <a:lnTo>
-                    <a:pt x="9280" y="0"/>
-                  </a:lnTo>
-                  <a:lnTo>
-                    <a:pt x="6293" y="0"/>
-                  </a:lnTo>
-                  <a:close/>
-                  <a:moveTo>
-                    <a:pt x="5219" y="12129"/>
-                  </a:moveTo>
-                  <a:cubicBezTo>
-                    <a:pt x="5028" y="12129"/>
-                    <a:pt x="4873" y="12204"/>
-                    <a:pt x="4873" y="12293"/>
-                  </a:cubicBezTo>
-                  <a:cubicBezTo>
-                    <a:pt x="4873" y="12382"/>
-                    <a:pt x="5028" y="12457"/>
-                    <a:pt x="5219" y="12457"/>
-                  </a:cubicBezTo>
-                  <a:cubicBezTo>
-                    <a:pt x="5410" y="12457"/>
-                    <a:pt x="5566" y="12382"/>
-                    <a:pt x="5566" y="12293"/>
-                  </a:cubicBezTo>
-                  <a:cubicBezTo>
-                    <a:pt x="5566" y="12204"/>
-                    <a:pt x="5410" y="12129"/>
-                    <a:pt x="5219" y="12129"/>
-                  </a:cubicBezTo>
-                  <a:close/>
-                  <a:moveTo>
-                    <a:pt x="11712" y="13262"/>
-                  </a:moveTo>
-                  <a:cubicBezTo>
-                    <a:pt x="11521" y="13262"/>
-                    <a:pt x="11366" y="13374"/>
-                    <a:pt x="11366" y="13507"/>
-                  </a:cubicBezTo>
-                  <a:cubicBezTo>
-                    <a:pt x="11366" y="13641"/>
-                    <a:pt x="11521" y="13748"/>
-                    <a:pt x="11712" y="13748"/>
-                  </a:cubicBezTo>
-                  <a:cubicBezTo>
-                    <a:pt x="11903" y="13748"/>
-                    <a:pt x="12059" y="13641"/>
-                    <a:pt x="12059" y="13507"/>
-                  </a:cubicBezTo>
-                  <a:cubicBezTo>
-                    <a:pt x="12059" y="13374"/>
-                    <a:pt x="11903" y="13262"/>
-                    <a:pt x="11712" y="13262"/>
-                  </a:cubicBezTo>
-                  <a:close/>
-                  <a:moveTo>
-                    <a:pt x="10091" y="14394"/>
-                  </a:moveTo>
-                  <a:cubicBezTo>
-                    <a:pt x="9899" y="14394"/>
-                    <a:pt x="9744" y="14469"/>
-                    <a:pt x="9744" y="14558"/>
-                  </a:cubicBezTo>
-                  <a:cubicBezTo>
-                    <a:pt x="9744" y="14647"/>
-                    <a:pt x="9899" y="14717"/>
-                    <a:pt x="10091" y="14717"/>
-                  </a:cubicBezTo>
-                  <a:cubicBezTo>
-                    <a:pt x="10282" y="14717"/>
-                    <a:pt x="10437" y="14647"/>
-                    <a:pt x="10437" y="14558"/>
-                  </a:cubicBezTo>
-                  <a:cubicBezTo>
-                    <a:pt x="10437" y="14469"/>
-                    <a:pt x="10282" y="14394"/>
-                    <a:pt x="10091" y="14394"/>
-                  </a:cubicBezTo>
-                  <a:close/>
-                </a:path>
-              </a:pathLst>
-            </a:custGeom>
-            <a:ln w="12700" cap="flat">
-              <a:noFill/>
-              <a:miter lim="400000"/>
-            </a:ln>
-            <a:effectLst/>
-          </p:spPr>
-        </p:pic>
-        <p:pic>
-          <p:nvPicPr>
-            <p:cNvPr id="324" name="pasted-image.png" descr="pasted-image.png"/>
-            <p:cNvPicPr>
-              <a:picLocks noChangeAspect="1"/>
-            </p:cNvPicPr>
-            <p:nvPr/>
-          </p:nvPicPr>
-          <p:blipFill>
-            <a:blip r:embed="rId13"/>
-            <a:srcRect l="18439" t="11486" r="29796" b="6074"/>
-            <a:stretch>
-              <a:fillRect/>
-            </a:stretch>
-          </p:blipFill>
-          <p:spPr>
-            <a:xfrm>
-              <a:off x="891577" y="0"/>
-              <a:ext cx="973139" cy="1626791"/>
-            </a:xfrm>
-            <a:custGeom>
-              <a:avLst/>
-              <a:gdLst/>
-              <a:ahLst/>
-              <a:cxnLst>
-                <a:cxn ang="0">
-                  <a:pos x="wd2" y="hd2"/>
-                </a:cxn>
-                <a:cxn ang="5400000">
-                  <a:pos x="wd2" y="hd2"/>
-                </a:cxn>
-                <a:cxn ang="10800000">
-                  <a:pos x="wd2" y="hd2"/>
-                </a:cxn>
-                <a:cxn ang="16200000">
-                  <a:pos x="wd2" y="hd2"/>
-                </a:cxn>
-              </a:cxnLst>
-              <a:rect l="0" t="0" r="r" b="b"/>
-              <a:pathLst>
-                <a:path w="21600" h="21600" extrusionOk="0">
-                  <a:moveTo>
-                    <a:pt x="7435" y="0"/>
-                  </a:moveTo>
-                  <a:lnTo>
-                    <a:pt x="7347" y="485"/>
-                  </a:lnTo>
-                  <a:lnTo>
-                    <a:pt x="7250" y="975"/>
-                  </a:lnTo>
-                  <a:lnTo>
-                    <a:pt x="3629" y="1022"/>
-                  </a:lnTo>
-                  <a:lnTo>
-                    <a:pt x="0" y="1075"/>
-                  </a:lnTo>
-                  <a:lnTo>
-                    <a:pt x="0" y="2129"/>
-                  </a:lnTo>
-                  <a:lnTo>
-                    <a:pt x="0" y="3183"/>
-                  </a:lnTo>
-                  <a:lnTo>
-                    <a:pt x="8210" y="3230"/>
-                  </a:lnTo>
-                  <a:lnTo>
-                    <a:pt x="16429" y="3278"/>
-                  </a:lnTo>
-                  <a:lnTo>
-                    <a:pt x="16429" y="4337"/>
-                  </a:lnTo>
-                  <a:cubicBezTo>
-                    <a:pt x="16429" y="5362"/>
-                    <a:pt x="16396" y="5400"/>
-                    <a:pt x="15619" y="5454"/>
-                  </a:cubicBezTo>
-                  <a:lnTo>
-                    <a:pt x="14817" y="5512"/>
-                  </a:lnTo>
-                  <a:lnTo>
-                    <a:pt x="14729" y="8110"/>
-                  </a:lnTo>
-                  <a:lnTo>
-                    <a:pt x="14650" y="10713"/>
-                  </a:lnTo>
-                  <a:lnTo>
-                    <a:pt x="13857" y="10766"/>
-                  </a:lnTo>
-                  <a:cubicBezTo>
-                    <a:pt x="13117" y="10817"/>
-                    <a:pt x="13055" y="10892"/>
-                    <a:pt x="12870" y="11925"/>
-                  </a:cubicBezTo>
-                  <a:cubicBezTo>
-                    <a:pt x="12761" y="12534"/>
-                    <a:pt x="12717" y="13267"/>
-                    <a:pt x="12773" y="13553"/>
-                  </a:cubicBezTo>
-                  <a:cubicBezTo>
-                    <a:pt x="12866" y="14025"/>
-                    <a:pt x="12781" y="14078"/>
-                    <a:pt x="11919" y="14128"/>
-                  </a:cubicBezTo>
-                  <a:lnTo>
-                    <a:pt x="10967" y="14186"/>
-                  </a:lnTo>
-                  <a:lnTo>
-                    <a:pt x="10888" y="15809"/>
-                  </a:lnTo>
-                  <a:lnTo>
-                    <a:pt x="10800" y="17437"/>
-                  </a:lnTo>
-                  <a:lnTo>
-                    <a:pt x="9990" y="17495"/>
-                  </a:lnTo>
-                  <a:lnTo>
-                    <a:pt x="9170" y="17548"/>
-                  </a:lnTo>
-                  <a:lnTo>
-                    <a:pt x="9170" y="19576"/>
-                  </a:lnTo>
-                  <a:lnTo>
-                    <a:pt x="9170" y="21600"/>
-                  </a:lnTo>
-                  <a:lnTo>
-                    <a:pt x="14465" y="21600"/>
-                  </a:lnTo>
-                  <a:lnTo>
-                    <a:pt x="14553" y="21110"/>
-                  </a:lnTo>
-                  <a:cubicBezTo>
-                    <a:pt x="14625" y="20732"/>
-                    <a:pt x="14824" y="20615"/>
-                    <a:pt x="15434" y="20572"/>
-                  </a:cubicBezTo>
-                  <a:cubicBezTo>
-                    <a:pt x="16164" y="20522"/>
-                    <a:pt x="16225" y="20454"/>
-                    <a:pt x="16235" y="19640"/>
-                  </a:cubicBezTo>
-                  <a:cubicBezTo>
-                    <a:pt x="16249" y="18583"/>
-                    <a:pt x="16400" y="18412"/>
-                    <a:pt x="17319" y="18412"/>
-                  </a:cubicBezTo>
-                  <a:cubicBezTo>
-                    <a:pt x="17981" y="18412"/>
-                    <a:pt x="18029" y="18340"/>
-                    <a:pt x="18112" y="17305"/>
-                  </a:cubicBezTo>
-                  <a:cubicBezTo>
-                    <a:pt x="18204" y="16145"/>
-                    <a:pt x="18728" y="15786"/>
-                    <a:pt x="18887" y="16773"/>
-                  </a:cubicBezTo>
-                  <a:cubicBezTo>
-                    <a:pt x="18944" y="17129"/>
-                    <a:pt x="19143" y="17347"/>
-                    <a:pt x="19407" y="17347"/>
-                  </a:cubicBezTo>
-                  <a:cubicBezTo>
-                    <a:pt x="19728" y="17347"/>
-                    <a:pt x="19829" y="17091"/>
-                    <a:pt x="19829" y="16294"/>
-                  </a:cubicBezTo>
-                  <a:lnTo>
-                    <a:pt x="19829" y="15245"/>
-                  </a:lnTo>
-                  <a:lnTo>
-                    <a:pt x="18129" y="15192"/>
-                  </a:lnTo>
-                  <a:cubicBezTo>
-                    <a:pt x="16455" y="15140"/>
-                    <a:pt x="16429" y="15130"/>
-                    <a:pt x="16429" y="14607"/>
-                  </a:cubicBezTo>
-                  <a:cubicBezTo>
-                    <a:pt x="16429" y="14162"/>
-                    <a:pt x="16551" y="14063"/>
-                    <a:pt x="17222" y="14017"/>
-                  </a:cubicBezTo>
-                  <a:cubicBezTo>
-                    <a:pt x="17974" y="13965"/>
-                    <a:pt x="18029" y="13905"/>
-                    <a:pt x="18112" y="12958"/>
-                  </a:cubicBezTo>
-                  <a:cubicBezTo>
-                    <a:pt x="18200" y="11950"/>
-                    <a:pt x="18711" y="11630"/>
-                    <a:pt x="18887" y="12473"/>
-                  </a:cubicBezTo>
-                  <a:cubicBezTo>
-                    <a:pt x="18938" y="12720"/>
-                    <a:pt x="19169" y="12921"/>
-                    <a:pt x="19398" y="12921"/>
-                  </a:cubicBezTo>
-                  <a:cubicBezTo>
-                    <a:pt x="19734" y="12921"/>
-                    <a:pt x="19825" y="12403"/>
-                    <a:pt x="19891" y="10223"/>
-                  </a:cubicBezTo>
-                  <a:lnTo>
-                    <a:pt x="19979" y="7525"/>
-                  </a:lnTo>
-                  <a:lnTo>
-                    <a:pt x="20790" y="7467"/>
-                  </a:lnTo>
-                  <a:lnTo>
-                    <a:pt x="21600" y="7414"/>
-                  </a:lnTo>
-                  <a:lnTo>
-                    <a:pt x="21600" y="3705"/>
-                  </a:lnTo>
-                  <a:lnTo>
-                    <a:pt x="21600" y="0"/>
-                  </a:lnTo>
-                  <a:lnTo>
-                    <a:pt x="14517" y="0"/>
-                  </a:lnTo>
-                  <a:lnTo>
-                    <a:pt x="7435" y="0"/>
-                  </a:lnTo>
-                  <a:close/>
-                </a:path>
-              </a:pathLst>
-            </a:custGeom>
-            <a:ln w="12700" cap="flat">
-              <a:noFill/>
-              <a:miter lim="400000"/>
-            </a:ln>
-            <a:effectLst/>
-          </p:spPr>
-        </p:pic>
-      </p:grpSp>
-      <p:sp>
-        <p:nvSpPr>
-          <p:cNvPr id="326" name="FP:…"/>
-          <p:cNvSpPr txBox="1"/>
-          <p:nvPr/>
-        </p:nvSpPr>
-        <p:spPr>
-          <a:xfrm>
-            <a:off x="8537323" y="4360610"/>
-            <a:ext cx="3191025" cy="770930"/>
-          </a:xfrm>
-          <a:prstGeom prst="rect">
-            <a:avLst/>
-          </a:prstGeom>
-          <a:ln w="12700">
-            <a:miter lim="400000"/>
-          </a:ln>
-          <a:extLst>
-            <a:ext uri="{C572A759-6A51-4108-AA02-DFA0A04FC94B}">
-              <ma14:wrappingTextBoxFlag xmlns:ma14="http://schemas.microsoft.com/office/mac/drawingml/2011/main" xmlns:a14="http://schemas.microsoft.com/office/drawing/2010/main" xmlns:m="http://schemas.openxmlformats.org/officeDocument/2006/math" xmlns="" val="1"/>
-            </a:ext>
-          </a:extLst>
-        </p:spPr>
-        <p:txBody>
-          <a:bodyPr wrap="none" lIns="50800" tIns="50800" rIns="50800" bIns="50800" anchor="ctr">
-            <a:spAutoFit/>
-          </a:bodyPr>
-          <a:lstStyle/>
-          <a:p>
-            <a:pPr>
-              <a:defRPr sz="2400" b="1">
-                <a:latin typeface="Calibri"/>
-                <a:ea typeface="Calibri"/>
-                <a:cs typeface="Calibri"/>
-                <a:sym typeface="Calibri"/>
-              </a:defRPr>
-            </a:pPr>
-            <a:r>
-              <a:t>FP:</a:t>
-            </a:r>
-          </a:p>
-          <a:p>
-            <a:pPr>
-              <a:defRPr sz="2400">
-                <a:latin typeface="Calibri"/>
-                <a:ea typeface="Calibri"/>
-                <a:cs typeface="Calibri"/>
-                <a:sym typeface="Calibri"/>
-              </a:defRPr>
-            </a:pPr>
-            <a:r>
-              <a:t>voorspeld als 5, is geen 5</a:t>
-            </a:r>
-          </a:p>
-        </p:txBody>
-      </p:sp>
-      <p:sp>
-        <p:nvSpPr>
-          <p:cNvPr id="327" name="FN:…"/>
-          <p:cNvSpPr txBox="1"/>
-          <p:nvPr/>
-        </p:nvSpPr>
-        <p:spPr>
-          <a:xfrm>
-            <a:off x="3606089" y="5252757"/>
-            <a:ext cx="4121945" cy="770931"/>
-          </a:xfrm>
-          <a:prstGeom prst="rect">
-            <a:avLst/>
-          </a:prstGeom>
-          <a:ln w="12700">
-            <a:miter lim="400000"/>
-          </a:ln>
-          <a:extLst>
-            <a:ext uri="{C572A759-6A51-4108-AA02-DFA0A04FC94B}">
-              <ma14:wrappingTextBoxFlag xmlns:ma14="http://schemas.microsoft.com/office/mac/drawingml/2011/main" xmlns:a14="http://schemas.microsoft.com/office/drawing/2010/main" xmlns:m="http://schemas.openxmlformats.org/officeDocument/2006/math" xmlns="" val="1"/>
-            </a:ext>
-          </a:extLst>
-        </p:spPr>
-        <p:txBody>
-          <a:bodyPr wrap="none" lIns="50800" tIns="50800" rIns="50800" bIns="50800" anchor="ctr">
-            <a:spAutoFit/>
-          </a:bodyPr>
-          <a:lstStyle/>
-          <a:p>
-            <a:pPr>
-              <a:defRPr sz="2400" b="1">
-                <a:latin typeface="Calibri"/>
-                <a:ea typeface="Calibri"/>
-                <a:cs typeface="Calibri"/>
-                <a:sym typeface="Calibri"/>
-              </a:defRPr>
-            </a:pPr>
-            <a:r>
-              <a:t>FN: </a:t>
-            </a:r>
-          </a:p>
-          <a:p>
-            <a:pPr>
-              <a:defRPr sz="2400">
-                <a:latin typeface="Calibri"/>
-                <a:ea typeface="Calibri"/>
-                <a:cs typeface="Calibri"/>
-                <a:sym typeface="Calibri"/>
-              </a:defRPr>
-            </a:pPr>
-            <a:r>
-              <a:t>voorspeld als niet-5, is wel een 5</a:t>
-            </a:r>
-          </a:p>
-        </p:txBody>
-      </p:sp>
-      <p:sp>
-        <p:nvSpPr>
-          <p:cNvPr id="328" name="TN:…"/>
-          <p:cNvSpPr txBox="1"/>
-          <p:nvPr/>
-        </p:nvSpPr>
-        <p:spPr>
-          <a:xfrm>
-            <a:off x="3571942" y="4360610"/>
-            <a:ext cx="4286103" cy="770930"/>
-          </a:xfrm>
-          <a:prstGeom prst="rect">
-            <a:avLst/>
-          </a:prstGeom>
-          <a:ln w="12700">
-            <a:miter lim="400000"/>
-          </a:ln>
-          <a:extLst>
-            <a:ext uri="{C572A759-6A51-4108-AA02-DFA0A04FC94B}">
-              <ma14:wrappingTextBoxFlag xmlns:ma14="http://schemas.microsoft.com/office/mac/drawingml/2011/main" xmlns:a14="http://schemas.microsoft.com/office/drawing/2010/main" xmlns:m="http://schemas.openxmlformats.org/officeDocument/2006/math" xmlns="" val="1"/>
-            </a:ext>
-          </a:extLst>
-        </p:spPr>
-        <p:txBody>
-          <a:bodyPr wrap="none" lIns="50800" tIns="50800" rIns="50800" bIns="50800" anchor="ctr">
-            <a:spAutoFit/>
-          </a:bodyPr>
-          <a:lstStyle/>
-          <a:p>
-            <a:pPr>
-              <a:defRPr sz="2400" b="1">
-                <a:latin typeface="Calibri"/>
-                <a:ea typeface="Calibri"/>
-                <a:cs typeface="Calibri"/>
-                <a:sym typeface="Calibri"/>
-              </a:defRPr>
-            </a:pPr>
-            <a:r>
-              <a:t>TN:</a:t>
-            </a:r>
-          </a:p>
-          <a:p>
-            <a:pPr>
-              <a:defRPr sz="2400">
-                <a:latin typeface="Calibri"/>
-                <a:ea typeface="Calibri"/>
-                <a:cs typeface="Calibri"/>
-                <a:sym typeface="Calibri"/>
-              </a:defRPr>
-            </a:pPr>
-            <a:r>
-              <a:t>voorspeld als niet-5, is ook geen 5</a:t>
-            </a:r>
-          </a:p>
-        </p:txBody>
-      </p:sp>
-      <p:sp>
-        <p:nvSpPr>
-          <p:cNvPr id="329" name="TP:…"/>
-          <p:cNvSpPr txBox="1"/>
-          <p:nvPr/>
-        </p:nvSpPr>
-        <p:spPr>
-          <a:xfrm>
-            <a:off x="8337080" y="5252757"/>
-            <a:ext cx="3579020" cy="770931"/>
-          </a:xfrm>
-          <a:prstGeom prst="rect">
-            <a:avLst/>
-          </a:prstGeom>
-          <a:ln w="12700">
-            <a:miter lim="400000"/>
-          </a:ln>
-          <a:extLst>
-            <a:ext uri="{C572A759-6A51-4108-AA02-DFA0A04FC94B}">
-              <ma14:wrappingTextBoxFlag xmlns:ma14="http://schemas.microsoft.com/office/mac/drawingml/2011/main" xmlns:a14="http://schemas.microsoft.com/office/drawing/2010/main" xmlns:m="http://schemas.openxmlformats.org/officeDocument/2006/math" xmlns="" val="1"/>
-            </a:ext>
-          </a:extLst>
-        </p:spPr>
-        <p:txBody>
-          <a:bodyPr wrap="none" lIns="50800" tIns="50800" rIns="50800" bIns="50800" anchor="ctr">
-            <a:spAutoFit/>
-          </a:bodyPr>
-          <a:lstStyle/>
-          <a:p>
-            <a:pPr>
-              <a:defRPr sz="2400" b="1">
-                <a:latin typeface="Calibri"/>
-                <a:ea typeface="Calibri"/>
-                <a:cs typeface="Calibri"/>
-                <a:sym typeface="Calibri"/>
-              </a:defRPr>
-            </a:pPr>
-            <a:r>
-              <a:t>TP: </a:t>
-            </a:r>
-          </a:p>
-          <a:p>
-            <a:pPr>
-              <a:defRPr sz="2400">
-                <a:latin typeface="Calibri"/>
-                <a:ea typeface="Calibri"/>
-                <a:cs typeface="Calibri"/>
-                <a:sym typeface="Calibri"/>
-              </a:defRPr>
-            </a:pPr>
-            <a:r>
-              <a:t>voorspeld als 5, is ook een 5</a:t>
-            </a:r>
+            </a:lvl1pPr>
+          </a:lstStyle>
+          <a:p>
+            <a:r>
+              <a:t>ml:</a:t>
+            </a:r>
+            <a:r>
+              <a:rPr lang="nl-NL"/>
+              <a:t>hyperparameter tuning</a:t>
+            </a:r>
+            <a:endParaRPr/>
           </a:p>
         </p:txBody>
       </p:sp>
     </p:spTree>
+    <p:extLst>
+      <p:ext uri="{BB962C8B-B14F-4D97-AF65-F5344CB8AC3E}">
+        <p14:creationId xmlns:p14="http://schemas.microsoft.com/office/powerpoint/2010/main" val="2861103072"/>
+      </p:ext>
+    </p:extLst>
   </p:cSld>
   <p:clrMapOvr>
     <a:masterClrMapping/>
@@ -22245,7 +17758,7 @@
 </p:sld>
 </file>
 
-<file path=ppt/slides/slide36.xml><?xml version="1.0" encoding="utf-8"?>
+<file path=ppt/slides/slide37.xml><?xml version="1.0" encoding="utf-8"?>
 <p:sld xmlns:a="http://schemas.openxmlformats.org/drawingml/2006/main" xmlns:r="http://schemas.openxmlformats.org/officeDocument/2006/relationships" xmlns:p="http://schemas.openxmlformats.org/presentationml/2006/main">
   <p:cSld>
     <p:spTree>
@@ -22361,7 +17874,7 @@
 </p:sld>
 </file>
 
-<file path=ppt/slides/slide37.xml><?xml version="1.0" encoding="utf-8"?>
+<file path=ppt/slides/slide38.xml><?xml version="1.0" encoding="utf-8"?>
 <p:sld xmlns:a="http://schemas.openxmlformats.org/drawingml/2006/main" xmlns:r="http://schemas.openxmlformats.org/officeDocument/2006/relationships" xmlns:p="http://schemas.openxmlformats.org/presentationml/2006/main">
   <p:cSld>
     <p:spTree>
@@ -22429,7 +17942,7 @@
           <a:p>
             <a:r>
               <a:rPr lang="nl-NL"/>
-              <a:t>Denk terug aan de DBSCAN-opdracht</a:t>
+              <a:t>Bijvoorbeeld in de DBSCAN-opdracht (set 3, opgave 3)</a:t>
             </a:r>
           </a:p>
         </p:txBody>
@@ -22507,7 +18020,7 @@
 </p:sld>
 </file>
 
-<file path=ppt/slides/slide38.xml><?xml version="1.0" encoding="utf-8"?>
+<file path=ppt/slides/slide39.xml><?xml version="1.0" encoding="utf-8"?>
 <p:sld xmlns:a="http://schemas.openxmlformats.org/drawingml/2006/main" xmlns:r="http://schemas.openxmlformats.org/officeDocument/2006/relationships" xmlns:p="http://schemas.openxmlformats.org/presentationml/2006/main">
   <p:cSld>
     <p:spTree>
@@ -22644,142 +18157,6 @@
     <p:extLst>
       <p:ext uri="{BB962C8B-B14F-4D97-AF65-F5344CB8AC3E}">
         <p14:creationId xmlns:p14="http://schemas.microsoft.com/office/powerpoint/2010/main" val="700508302"/>
-      </p:ext>
-    </p:extLst>
-  </p:cSld>
-  <p:clrMapOvr>
-    <a:masterClrMapping/>
-  </p:clrMapOvr>
-</p:sld>
-</file>
-
-<file path=ppt/slides/slide39.xml><?xml version="1.0" encoding="utf-8"?>
-<p:sld xmlns:a="http://schemas.openxmlformats.org/drawingml/2006/main" xmlns:r="http://schemas.openxmlformats.org/officeDocument/2006/relationships" xmlns:p="http://schemas.openxmlformats.org/presentationml/2006/main">
-  <p:cSld>
-    <p:spTree>
-      <p:nvGrpSpPr>
-        <p:cNvPr id="1" name=""/>
-        <p:cNvGrpSpPr/>
-        <p:nvPr/>
-      </p:nvGrpSpPr>
-      <p:grpSpPr>
-        <a:xfrm>
-          <a:off x="0" y="0"/>
-          <a:ext cx="0" cy="0"/>
-          <a:chOff x="0" y="0"/>
-          <a:chExt cx="0" cy="0"/>
-        </a:xfrm>
-      </p:grpSpPr>
-      <p:sp>
-        <p:nvSpPr>
-          <p:cNvPr id="2" name="Titel 1">
-            <a:extLst>
-              <a:ext uri="{FF2B5EF4-FFF2-40B4-BE49-F238E27FC236}">
-                <a16:creationId xmlns:a16="http://schemas.microsoft.com/office/drawing/2014/main" id="{898840B0-D049-FBFD-830A-771A0B70EB21}"/>
-              </a:ext>
-            </a:extLst>
-          </p:cNvPr>
-          <p:cNvSpPr>
-            <a:spLocks noGrp="1"/>
-          </p:cNvSpPr>
-          <p:nvPr>
-            <p:ph type="title"/>
-          </p:nvPr>
-        </p:nvSpPr>
-        <p:spPr/>
-        <p:txBody>
-          <a:bodyPr/>
-          <a:lstStyle/>
-          <a:p>
-            <a:r>
-              <a:rPr lang="nl-NL"/>
-              <a:t>GridSearchCV</a:t>
-            </a:r>
-          </a:p>
-        </p:txBody>
-      </p:sp>
-      <p:sp>
-        <p:nvSpPr>
-          <p:cNvPr id="3" name="Tijdelijke aanduiding voor inhoud 2">
-            <a:extLst>
-              <a:ext uri="{FF2B5EF4-FFF2-40B4-BE49-F238E27FC236}">
-                <a16:creationId xmlns:a16="http://schemas.microsoft.com/office/drawing/2014/main" id="{0439FC56-0C97-F011-33FC-1F21DA206BE0}"/>
-              </a:ext>
-            </a:extLst>
-          </p:cNvPr>
-          <p:cNvSpPr>
-            <a:spLocks noGrp="1"/>
-          </p:cNvSpPr>
-          <p:nvPr>
-            <p:ph idx="1"/>
-          </p:nvPr>
-        </p:nvSpPr>
-        <p:spPr/>
-        <p:txBody>
-          <a:bodyPr/>
-          <a:lstStyle/>
-          <a:p>
-            <a:r>
-              <a:rPr lang="nl-NL"/>
-              <a:t>Probeert alle combinaties van de opgegeven parameters uit</a:t>
-            </a:r>
-          </a:p>
-          <a:p>
-            <a:pPr lvl="1"/>
-            <a:r>
-              <a:rPr lang="nl-NL"/>
-              <a:t>param_grid</a:t>
-            </a:r>
-          </a:p>
-          <a:p>
-            <a:r>
-              <a:rPr lang="nl-NL"/>
-              <a:t>Per combinatie Cross Validation met </a:t>
-            </a:r>
-            <a:r>
-              <a:rPr lang="nl-NL" i="1"/>
-              <a:t>cv</a:t>
-            </a:r>
-            <a:r>
-              <a:rPr lang="nl-NL"/>
-              <a:t> folds</a:t>
-            </a:r>
-          </a:p>
-          <a:p>
-            <a:r>
-              <a:rPr lang="nl-NL"/>
-              <a:t>Kan erg lang bezig zijn</a:t>
-            </a:r>
-          </a:p>
-          <a:p>
-            <a:pPr lvl="1"/>
-            <a:r>
-              <a:rPr lang="nl-NL"/>
-              <a:t>Toevoegen van een parameter met </a:t>
-            </a:r>
-            <a:r>
-              <a:rPr lang="nl-NL" i="1"/>
-              <a:t>n</a:t>
-            </a:r>
-            <a:r>
-              <a:rPr lang="nl-NL"/>
-              <a:t> waardes maakt doorlooptijd </a:t>
-            </a:r>
-            <a:r>
-              <a:rPr lang="nl-NL" i="1"/>
-              <a:t>n</a:t>
-            </a:r>
-            <a:r>
-              <a:rPr lang="nl-NL"/>
-              <a:t> x langer</a:t>
-            </a:r>
-          </a:p>
-        </p:txBody>
-      </p:sp>
-    </p:spTree>
-    <p:extLst>
-      <p:ext uri="{BB962C8B-B14F-4D97-AF65-F5344CB8AC3E}">
-        <p14:creationId xmlns:p14="http://schemas.microsoft.com/office/powerpoint/2010/main" val="1487951715"/>
       </p:ext>
     </p:extLst>
   </p:cSld>
@@ -22864,6 +18241,142 @@
           <p:cNvPr id="2" name="Titel 1">
             <a:extLst>
               <a:ext uri="{FF2B5EF4-FFF2-40B4-BE49-F238E27FC236}">
+                <a16:creationId xmlns:a16="http://schemas.microsoft.com/office/drawing/2014/main" id="{898840B0-D049-FBFD-830A-771A0B70EB21}"/>
+              </a:ext>
+            </a:extLst>
+          </p:cNvPr>
+          <p:cNvSpPr>
+            <a:spLocks noGrp="1"/>
+          </p:cNvSpPr>
+          <p:nvPr>
+            <p:ph type="title"/>
+          </p:nvPr>
+        </p:nvSpPr>
+        <p:spPr/>
+        <p:txBody>
+          <a:bodyPr/>
+          <a:lstStyle/>
+          <a:p>
+            <a:r>
+              <a:rPr lang="nl-NL"/>
+              <a:t>GridSearchCV</a:t>
+            </a:r>
+          </a:p>
+        </p:txBody>
+      </p:sp>
+      <p:sp>
+        <p:nvSpPr>
+          <p:cNvPr id="3" name="Tijdelijke aanduiding voor inhoud 2">
+            <a:extLst>
+              <a:ext uri="{FF2B5EF4-FFF2-40B4-BE49-F238E27FC236}">
+                <a16:creationId xmlns:a16="http://schemas.microsoft.com/office/drawing/2014/main" id="{0439FC56-0C97-F011-33FC-1F21DA206BE0}"/>
+              </a:ext>
+            </a:extLst>
+          </p:cNvPr>
+          <p:cNvSpPr>
+            <a:spLocks noGrp="1"/>
+          </p:cNvSpPr>
+          <p:nvPr>
+            <p:ph idx="1"/>
+          </p:nvPr>
+        </p:nvSpPr>
+        <p:spPr/>
+        <p:txBody>
+          <a:bodyPr/>
+          <a:lstStyle/>
+          <a:p>
+            <a:r>
+              <a:rPr lang="nl-NL"/>
+              <a:t>Probeert alle combinaties van de opgegeven parameters uit</a:t>
+            </a:r>
+          </a:p>
+          <a:p>
+            <a:pPr lvl="1"/>
+            <a:r>
+              <a:rPr lang="nl-NL"/>
+              <a:t>param_grid</a:t>
+            </a:r>
+          </a:p>
+          <a:p>
+            <a:r>
+              <a:rPr lang="nl-NL"/>
+              <a:t>Per combinatie Cross Validation met </a:t>
+            </a:r>
+            <a:r>
+              <a:rPr lang="nl-NL" i="1"/>
+              <a:t>cv</a:t>
+            </a:r>
+            <a:r>
+              <a:rPr lang="nl-NL"/>
+              <a:t> folds</a:t>
+            </a:r>
+          </a:p>
+          <a:p>
+            <a:r>
+              <a:rPr lang="nl-NL"/>
+              <a:t>Kan erg lang bezig zijn</a:t>
+            </a:r>
+          </a:p>
+          <a:p>
+            <a:pPr lvl="1"/>
+            <a:r>
+              <a:rPr lang="nl-NL"/>
+              <a:t>Toevoegen van een parameter met </a:t>
+            </a:r>
+            <a:r>
+              <a:rPr lang="nl-NL" i="1"/>
+              <a:t>n</a:t>
+            </a:r>
+            <a:r>
+              <a:rPr lang="nl-NL"/>
+              <a:t> waardes maakt doorlooptijd </a:t>
+            </a:r>
+            <a:r>
+              <a:rPr lang="nl-NL" i="1"/>
+              <a:t>n</a:t>
+            </a:r>
+            <a:r>
+              <a:rPr lang="nl-NL"/>
+              <a:t> x langer</a:t>
+            </a:r>
+          </a:p>
+        </p:txBody>
+      </p:sp>
+    </p:spTree>
+    <p:extLst>
+      <p:ext uri="{BB962C8B-B14F-4D97-AF65-F5344CB8AC3E}">
+        <p14:creationId xmlns:p14="http://schemas.microsoft.com/office/powerpoint/2010/main" val="1487951715"/>
+      </p:ext>
+    </p:extLst>
+  </p:cSld>
+  <p:clrMapOvr>
+    <a:masterClrMapping/>
+  </p:clrMapOvr>
+</p:sld>
+</file>
+
+<file path=ppt/slides/slide41.xml><?xml version="1.0" encoding="utf-8"?>
+<p:sld xmlns:a="http://schemas.openxmlformats.org/drawingml/2006/main" xmlns:r="http://schemas.openxmlformats.org/officeDocument/2006/relationships" xmlns:p="http://schemas.openxmlformats.org/presentationml/2006/main">
+  <p:cSld>
+    <p:spTree>
+      <p:nvGrpSpPr>
+        <p:cNvPr id="1" name=""/>
+        <p:cNvGrpSpPr/>
+        <p:nvPr/>
+      </p:nvGrpSpPr>
+      <p:grpSpPr>
+        <a:xfrm>
+          <a:off x="0" y="0"/>
+          <a:ext cx="0" cy="0"/>
+          <a:chOff x="0" y="0"/>
+          <a:chExt cx="0" cy="0"/>
+        </a:xfrm>
+      </p:grpSpPr>
+      <p:sp>
+        <p:nvSpPr>
+          <p:cNvPr id="2" name="Titel 1">
+            <a:extLst>
+              <a:ext uri="{FF2B5EF4-FFF2-40B4-BE49-F238E27FC236}">
                 <a16:creationId xmlns:a16="http://schemas.microsoft.com/office/drawing/2014/main" id="{76A6A133-4522-616C-F4D2-75E90D2C127A}"/>
               </a:ext>
             </a:extLst>
@@ -23161,7 +18674,7 @@
 </p:sld>
 </file>
 
-<file path=ppt/slides/slide41.xml><?xml version="1.0" encoding="utf-8"?>
+<file path=ppt/slides/slide42.xml><?xml version="1.0" encoding="utf-8"?>
 <p:sld xmlns:a="http://schemas.openxmlformats.org/drawingml/2006/main" xmlns:r="http://schemas.openxmlformats.org/officeDocument/2006/relationships" xmlns:p="http://schemas.openxmlformats.org/presentationml/2006/main">
   <p:cSld>
     <p:spTree>
@@ -23301,7 +18814,7 @@
 </p:sld>
 </file>
 
-<file path=ppt/slides/slide42.xml><?xml version="1.0" encoding="utf-8"?>
+<file path=ppt/slides/slide43.xml><?xml version="1.0" encoding="utf-8"?>
 <p:sld xmlns:a="http://schemas.openxmlformats.org/drawingml/2006/main" xmlns:r="http://schemas.openxmlformats.org/officeDocument/2006/relationships" xmlns:p="http://schemas.openxmlformats.org/presentationml/2006/main">
   <p:cSld>
     <p:spTree>
@@ -23623,7 +19136,7 @@
 </p:sld>
 </file>
 
-<file path=ppt/slides/slide43.xml><?xml version="1.0" encoding="utf-8"?>
+<file path=ppt/slides/slide44.xml><?xml version="1.0" encoding="utf-8"?>
 <p:sld xmlns:a="http://schemas.openxmlformats.org/drawingml/2006/main" xmlns:r="http://schemas.openxmlformats.org/officeDocument/2006/relationships" xmlns:p="http://schemas.openxmlformats.org/presentationml/2006/main">
   <p:cSld>
     <p:spTree>
@@ -23758,7 +19271,7 @@
 </p:sld>
 </file>
 
-<file path=ppt/slides/slide44.xml><?xml version="1.0" encoding="utf-8"?>
+<file path=ppt/slides/slide45.xml><?xml version="1.0" encoding="utf-8"?>
 <p:sld xmlns:a="http://schemas.openxmlformats.org/drawingml/2006/main" xmlns:r="http://schemas.openxmlformats.org/officeDocument/2006/relationships" xmlns:p="http://schemas.openxmlformats.org/presentationml/2006/main">
   <p:cSld>
     <p:spTree>
@@ -23876,7 +19389,7 @@
 </p:sld>
 </file>
 
-<file path=ppt/slides/slide45.xml><?xml version="1.0" encoding="utf-8"?>
+<file path=ppt/slides/slide46.xml><?xml version="1.0" encoding="utf-8"?>
 <p:sld xmlns:a="http://schemas.openxmlformats.org/drawingml/2006/main" xmlns:r="http://schemas.openxmlformats.org/officeDocument/2006/relationships" xmlns:p="http://schemas.openxmlformats.org/presentationml/2006/main">
   <p:cSld>
     <p:spTree>
@@ -24014,7 +19527,86 @@
 </p:sld>
 </file>
 
-<file path=ppt/slides/slide46.xml><?xml version="1.0" encoding="utf-8"?>
+<file path=ppt/slides/slide47.xml><?xml version="1.0" encoding="utf-8"?>
+<p:sld xmlns:a="http://schemas.openxmlformats.org/drawingml/2006/main" xmlns:r="http://schemas.openxmlformats.org/officeDocument/2006/relationships" xmlns:p="http://schemas.openxmlformats.org/presentationml/2006/main">
+  <p:cSld>
+    <p:spTree>
+      <p:nvGrpSpPr>
+        <p:cNvPr id="1" name=""/>
+        <p:cNvGrpSpPr/>
+        <p:nvPr/>
+      </p:nvGrpSpPr>
+      <p:grpSpPr>
+        <a:xfrm>
+          <a:off x="0" y="0"/>
+          <a:ext cx="0" cy="0"/>
+          <a:chOff x="0" y="0"/>
+          <a:chExt cx="0" cy="0"/>
+        </a:xfrm>
+      </p:grpSpPr>
+      <p:sp>
+        <p:nvSpPr>
+          <p:cNvPr id="122" name="ml:polynomial"/>
+          <p:cNvSpPr txBox="1"/>
+          <p:nvPr/>
+        </p:nvSpPr>
+        <p:spPr>
+          <a:xfrm>
+            <a:off x="1170014" y="4271506"/>
+            <a:ext cx="10664779" cy="1210588"/>
+          </a:xfrm>
+          <a:prstGeom prst="rect">
+            <a:avLst/>
+          </a:prstGeom>
+          <a:ln w="12700">
+            <a:miter lim="400000"/>
+          </a:ln>
+          <a:extLst>
+            <a:ext uri="{C572A759-6A51-4108-AA02-DFA0A04FC94B}">
+              <ma14:wrappingTextBoxFlag xmlns:ma14="http://schemas.microsoft.com/office/mac/drawingml/2011/main" xmlns:a14="http://schemas.microsoft.com/office/drawing/2010/main" xmlns:m="http://schemas.openxmlformats.org/officeDocument/2006/math" xmlns="" val="1"/>
+            </a:ext>
+          </a:extLst>
+        </p:spPr>
+        <p:txBody>
+          <a:bodyPr wrap="none" lIns="50800" tIns="50800" rIns="50800" bIns="50800" anchor="ctr">
+            <a:spAutoFit/>
+          </a:bodyPr>
+          <a:lstStyle>
+            <a:lvl1pPr>
+              <a:defRPr sz="7200">
+                <a:latin typeface="Menlo Regular"/>
+                <a:ea typeface="Menlo Regular"/>
+                <a:cs typeface="Menlo Regular"/>
+                <a:sym typeface="Menlo Regular"/>
+              </a:defRPr>
+            </a:lvl1pPr>
+          </a:lstStyle>
+          <a:p>
+            <a:r>
+              <a:t>ml:</a:t>
+            </a:r>
+            <a:r>
+              <a:rPr lang="nl-NL"/>
+              <a:t>dimensionality reduction</a:t>
+            </a:r>
+            <a:endParaRPr/>
+          </a:p>
+        </p:txBody>
+      </p:sp>
+    </p:spTree>
+    <p:extLst>
+      <p:ext uri="{BB962C8B-B14F-4D97-AF65-F5344CB8AC3E}">
+        <p14:creationId xmlns:p14="http://schemas.microsoft.com/office/powerpoint/2010/main" val="4040956659"/>
+      </p:ext>
+    </p:extLst>
+  </p:cSld>
+  <p:clrMapOvr>
+    <a:masterClrMapping/>
+  </p:clrMapOvr>
+</p:sld>
+</file>
+
+<file path=ppt/slides/slide48.xml><?xml version="1.0" encoding="utf-8"?>
 <p:sld xmlns:a="http://schemas.openxmlformats.org/drawingml/2006/main" xmlns:r="http://schemas.openxmlformats.org/officeDocument/2006/relationships" xmlns:p="http://schemas.openxmlformats.org/presentationml/2006/main">
   <p:cSld>
     <p:spTree>
@@ -24160,7 +19752,7 @@
 </p:sld>
 </file>
 
-<file path=ppt/slides/slide47.xml><?xml version="1.0" encoding="utf-8"?>
+<file path=ppt/slides/slide49.xml><?xml version="1.0" encoding="utf-8"?>
 <p:sld xmlns:a="http://schemas.openxmlformats.org/drawingml/2006/main" xmlns:r="http://schemas.openxmlformats.org/officeDocument/2006/relationships" xmlns:p="http://schemas.openxmlformats.org/presentationml/2006/main">
   <p:cSld>
     <p:spTree>
@@ -24327,280 +19919,6 @@
     <p:extLst>
       <p:ext uri="{BB962C8B-B14F-4D97-AF65-F5344CB8AC3E}">
         <p14:creationId xmlns:p14="http://schemas.microsoft.com/office/powerpoint/2010/main" val="3928319084"/>
-      </p:ext>
-    </p:extLst>
-  </p:cSld>
-  <p:clrMapOvr>
-    <a:masterClrMapping/>
-  </p:clrMapOvr>
-</p:sld>
-</file>
-
-<file path=ppt/slides/slide48.xml><?xml version="1.0" encoding="utf-8"?>
-<p:sld xmlns:a="http://schemas.openxmlformats.org/drawingml/2006/main" xmlns:r="http://schemas.openxmlformats.org/officeDocument/2006/relationships" xmlns:p="http://schemas.openxmlformats.org/presentationml/2006/main">
-  <p:cSld>
-    <p:spTree>
-      <p:nvGrpSpPr>
-        <p:cNvPr id="1" name=""/>
-        <p:cNvGrpSpPr/>
-        <p:nvPr/>
-      </p:nvGrpSpPr>
-      <p:grpSpPr>
-        <a:xfrm>
-          <a:off x="0" y="0"/>
-          <a:ext cx="0" cy="0"/>
-          <a:chOff x="0" y="0"/>
-          <a:chExt cx="0" cy="0"/>
-        </a:xfrm>
-      </p:grpSpPr>
-      <p:sp>
-        <p:nvSpPr>
-          <p:cNvPr id="2" name="Titel 1">
-            <a:extLst>
-              <a:ext uri="{FF2B5EF4-FFF2-40B4-BE49-F238E27FC236}">
-                <a16:creationId xmlns:a16="http://schemas.microsoft.com/office/drawing/2014/main" id="{A18A6A23-8C56-845B-CEE8-F7375A1A684B}"/>
-              </a:ext>
-            </a:extLst>
-          </p:cNvPr>
-          <p:cNvSpPr>
-            <a:spLocks noGrp="1"/>
-          </p:cNvSpPr>
-          <p:nvPr>
-            <p:ph type="title"/>
-          </p:nvPr>
-        </p:nvSpPr>
-        <p:spPr/>
-        <p:txBody>
-          <a:bodyPr/>
-          <a:lstStyle/>
-          <a:p>
-            <a:r>
-              <a:rPr lang="nl-NL"/>
-              <a:t>Curse of Dimensionality</a:t>
-            </a:r>
-          </a:p>
-        </p:txBody>
-      </p:sp>
-      <p:sp>
-        <p:nvSpPr>
-          <p:cNvPr id="3" name="Tijdelijke aanduiding voor inhoud 2">
-            <a:extLst>
-              <a:ext uri="{FF2B5EF4-FFF2-40B4-BE49-F238E27FC236}">
-                <a16:creationId xmlns:a16="http://schemas.microsoft.com/office/drawing/2014/main" id="{962C0F37-D388-0E24-E2BE-E7D454AC51CA}"/>
-              </a:ext>
-            </a:extLst>
-          </p:cNvPr>
-          <p:cNvSpPr>
-            <a:spLocks noGrp="1"/>
-          </p:cNvSpPr>
-          <p:nvPr>
-            <p:ph idx="1"/>
-          </p:nvPr>
-        </p:nvSpPr>
-        <p:spPr>
-          <a:xfrm>
-            <a:off x="894081" y="3166533"/>
-            <a:ext cx="6776227" cy="4641427"/>
-          </a:xfrm>
-        </p:spPr>
-        <p:txBody>
-          <a:bodyPr/>
-          <a:lstStyle/>
-          <a:p>
-            <a:r>
-              <a:rPr lang="nl-NL"/>
-              <a:t>Grafisch uitgebeeld</a:t>
-            </a:r>
-          </a:p>
-          <a:p>
-            <a:pPr lvl="1"/>
-            <a:r>
-              <a:rPr lang="nl-NL"/>
-              <a:t>Stel je een bol voor</a:t>
-            </a:r>
-          </a:p>
-          <a:p>
-            <a:r>
-              <a:rPr lang="nl-NL"/>
-              <a:t>Percentage binnenin de bol:</a:t>
-            </a:r>
-          </a:p>
-          <a:p>
-            <a:pPr lvl="1"/>
-            <a:r>
-              <a:rPr lang="nl-NL"/>
-              <a:t>2D-vlak door het midden van de bol: 79%</a:t>
-            </a:r>
-          </a:p>
-          <a:p>
-            <a:pPr lvl="1"/>
-            <a:r>
-              <a:rPr lang="nl-NL"/>
-              <a:t>3D-kubus om bol heen: 52%</a:t>
-            </a:r>
-          </a:p>
-          <a:p>
-            <a:pPr lvl="1"/>
-            <a:r>
-              <a:rPr lang="nl-NL"/>
-              <a:t>10D-hyperkubus: 0,25%</a:t>
-            </a:r>
-          </a:p>
-        </p:txBody>
-      </p:sp>
-      <p:pic>
-        <p:nvPicPr>
-          <p:cNvPr id="5" name="Afbeelding 4">
-            <a:extLst>
-              <a:ext uri="{FF2B5EF4-FFF2-40B4-BE49-F238E27FC236}">
-                <a16:creationId xmlns:a16="http://schemas.microsoft.com/office/drawing/2014/main" id="{1DE23E4D-2CBE-1869-88FA-A045F50BD6B7}"/>
-              </a:ext>
-            </a:extLst>
-          </p:cNvPr>
-          <p:cNvPicPr>
-            <a:picLocks noChangeAspect="1"/>
-          </p:cNvPicPr>
-          <p:nvPr/>
-        </p:nvPicPr>
-        <p:blipFill>
-          <a:blip r:embed="rId2"/>
-          <a:stretch>
-            <a:fillRect/>
-          </a:stretch>
-        </p:blipFill>
-        <p:spPr>
-          <a:xfrm>
-            <a:off x="7924427" y="3549609"/>
-            <a:ext cx="4707905" cy="4595325"/>
-          </a:xfrm>
-          <a:prstGeom prst="rect">
-            <a:avLst/>
-          </a:prstGeom>
-        </p:spPr>
-      </p:pic>
-    </p:spTree>
-    <p:extLst>
-      <p:ext uri="{BB962C8B-B14F-4D97-AF65-F5344CB8AC3E}">
-        <p14:creationId xmlns:p14="http://schemas.microsoft.com/office/powerpoint/2010/main" val="1464542466"/>
-      </p:ext>
-    </p:extLst>
-  </p:cSld>
-  <p:clrMapOvr>
-    <a:masterClrMapping/>
-  </p:clrMapOvr>
-</p:sld>
-</file>
-
-<file path=ppt/slides/slide49.xml><?xml version="1.0" encoding="utf-8"?>
-<p:sld xmlns:a="http://schemas.openxmlformats.org/drawingml/2006/main" xmlns:r="http://schemas.openxmlformats.org/officeDocument/2006/relationships" xmlns:p="http://schemas.openxmlformats.org/presentationml/2006/main">
-  <p:cSld>
-    <p:spTree>
-      <p:nvGrpSpPr>
-        <p:cNvPr id="1" name=""/>
-        <p:cNvGrpSpPr/>
-        <p:nvPr/>
-      </p:nvGrpSpPr>
-      <p:grpSpPr>
-        <a:xfrm>
-          <a:off x="0" y="0"/>
-          <a:ext cx="0" cy="0"/>
-          <a:chOff x="0" y="0"/>
-          <a:chExt cx="0" cy="0"/>
-        </a:xfrm>
-      </p:grpSpPr>
-      <p:sp>
-        <p:nvSpPr>
-          <p:cNvPr id="2" name="Titel 1">
-            <a:extLst>
-              <a:ext uri="{FF2B5EF4-FFF2-40B4-BE49-F238E27FC236}">
-                <a16:creationId xmlns:a16="http://schemas.microsoft.com/office/drawing/2014/main" id="{5897A41E-F22D-AB5F-DEE3-284EDFDAC696}"/>
-              </a:ext>
-            </a:extLst>
-          </p:cNvPr>
-          <p:cNvSpPr>
-            <a:spLocks noGrp="1"/>
-          </p:cNvSpPr>
-          <p:nvPr>
-            <p:ph type="title"/>
-          </p:nvPr>
-        </p:nvSpPr>
-        <p:spPr/>
-        <p:txBody>
-          <a:bodyPr/>
-          <a:lstStyle/>
-          <a:p>
-            <a:r>
-              <a:rPr lang="nl-NL"/>
-              <a:t>Dimensionaliteitsreductie</a:t>
-            </a:r>
-          </a:p>
-        </p:txBody>
-      </p:sp>
-      <p:sp>
-        <p:nvSpPr>
-          <p:cNvPr id="3" name="Tijdelijke aanduiding voor inhoud 2">
-            <a:extLst>
-              <a:ext uri="{FF2B5EF4-FFF2-40B4-BE49-F238E27FC236}">
-                <a16:creationId xmlns:a16="http://schemas.microsoft.com/office/drawing/2014/main" id="{9905F51F-A9F8-341B-F521-B1150F2606DD}"/>
-              </a:ext>
-            </a:extLst>
-          </p:cNvPr>
-          <p:cNvSpPr>
-            <a:spLocks noGrp="1"/>
-          </p:cNvSpPr>
-          <p:nvPr>
-            <p:ph idx="1"/>
-          </p:nvPr>
-        </p:nvSpPr>
-        <p:spPr/>
-        <p:txBody>
-          <a:bodyPr/>
-          <a:lstStyle/>
-          <a:p>
-            <a:r>
-              <a:rPr lang="nl-NL"/>
-              <a:t>Problemen met performance, clustering en overfitting</a:t>
-            </a:r>
-          </a:p>
-          <a:p>
-            <a:r>
-              <a:rPr lang="nl-NL"/>
-              <a:t>Daarom: aantal dimensies terugbrengen</a:t>
-            </a:r>
-          </a:p>
-          <a:p>
-            <a:r>
-              <a:rPr lang="nl-NL"/>
-              <a:t>Diverse technieken</a:t>
-            </a:r>
-          </a:p>
-          <a:p>
-            <a:pPr lvl="1"/>
-            <a:r>
-              <a:rPr lang="nl-NL"/>
-              <a:t>Projectie</a:t>
-            </a:r>
-          </a:p>
-          <a:p>
-            <a:pPr lvl="1"/>
-            <a:r>
-              <a:rPr lang="nl-NL"/>
-              <a:t>Manifold Learning</a:t>
-            </a:r>
-          </a:p>
-          <a:p>
-            <a:pPr lvl="1"/>
-            <a:r>
-              <a:rPr lang="nl-NL"/>
-              <a:t>Principal Components Analysis</a:t>
-            </a:r>
-          </a:p>
-        </p:txBody>
-      </p:sp>
-    </p:spTree>
-    <p:extLst>
-      <p:ext uri="{BB962C8B-B14F-4D97-AF65-F5344CB8AC3E}">
-        <p14:creationId xmlns:p14="http://schemas.microsoft.com/office/powerpoint/2010/main" val="4092464840"/>
       </p:ext>
     </p:extLst>
   </p:cSld>
@@ -24685,6 +20003,280 @@
           <p:cNvPr id="2" name="Titel 1">
             <a:extLst>
               <a:ext uri="{FF2B5EF4-FFF2-40B4-BE49-F238E27FC236}">
+                <a16:creationId xmlns:a16="http://schemas.microsoft.com/office/drawing/2014/main" id="{A18A6A23-8C56-845B-CEE8-F7375A1A684B}"/>
+              </a:ext>
+            </a:extLst>
+          </p:cNvPr>
+          <p:cNvSpPr>
+            <a:spLocks noGrp="1"/>
+          </p:cNvSpPr>
+          <p:nvPr>
+            <p:ph type="title"/>
+          </p:nvPr>
+        </p:nvSpPr>
+        <p:spPr/>
+        <p:txBody>
+          <a:bodyPr/>
+          <a:lstStyle/>
+          <a:p>
+            <a:r>
+              <a:rPr lang="nl-NL"/>
+              <a:t>Curse of Dimensionality</a:t>
+            </a:r>
+          </a:p>
+        </p:txBody>
+      </p:sp>
+      <p:sp>
+        <p:nvSpPr>
+          <p:cNvPr id="3" name="Tijdelijke aanduiding voor inhoud 2">
+            <a:extLst>
+              <a:ext uri="{FF2B5EF4-FFF2-40B4-BE49-F238E27FC236}">
+                <a16:creationId xmlns:a16="http://schemas.microsoft.com/office/drawing/2014/main" id="{962C0F37-D388-0E24-E2BE-E7D454AC51CA}"/>
+              </a:ext>
+            </a:extLst>
+          </p:cNvPr>
+          <p:cNvSpPr>
+            <a:spLocks noGrp="1"/>
+          </p:cNvSpPr>
+          <p:nvPr>
+            <p:ph idx="1"/>
+          </p:nvPr>
+        </p:nvSpPr>
+        <p:spPr>
+          <a:xfrm>
+            <a:off x="894081" y="3166533"/>
+            <a:ext cx="6776227" cy="4641427"/>
+          </a:xfrm>
+        </p:spPr>
+        <p:txBody>
+          <a:bodyPr/>
+          <a:lstStyle/>
+          <a:p>
+            <a:r>
+              <a:rPr lang="nl-NL"/>
+              <a:t>Grafisch uitgebeeld</a:t>
+            </a:r>
+          </a:p>
+          <a:p>
+            <a:pPr lvl="1"/>
+            <a:r>
+              <a:rPr lang="nl-NL"/>
+              <a:t>Stel je een bol voor</a:t>
+            </a:r>
+          </a:p>
+          <a:p>
+            <a:r>
+              <a:rPr lang="nl-NL"/>
+              <a:t>Percentage binnenin de bol:</a:t>
+            </a:r>
+          </a:p>
+          <a:p>
+            <a:pPr lvl="1"/>
+            <a:r>
+              <a:rPr lang="nl-NL"/>
+              <a:t>2D-vlak door het midden van de bol: 79%</a:t>
+            </a:r>
+          </a:p>
+          <a:p>
+            <a:pPr lvl="1"/>
+            <a:r>
+              <a:rPr lang="nl-NL"/>
+              <a:t>3D-kubus om bol heen: 52%</a:t>
+            </a:r>
+          </a:p>
+          <a:p>
+            <a:pPr lvl="1"/>
+            <a:r>
+              <a:rPr lang="nl-NL"/>
+              <a:t>10D-hyperkubus: 0,25%</a:t>
+            </a:r>
+          </a:p>
+        </p:txBody>
+      </p:sp>
+      <p:pic>
+        <p:nvPicPr>
+          <p:cNvPr id="5" name="Afbeelding 4">
+            <a:extLst>
+              <a:ext uri="{FF2B5EF4-FFF2-40B4-BE49-F238E27FC236}">
+                <a16:creationId xmlns:a16="http://schemas.microsoft.com/office/drawing/2014/main" id="{1DE23E4D-2CBE-1869-88FA-A045F50BD6B7}"/>
+              </a:ext>
+            </a:extLst>
+          </p:cNvPr>
+          <p:cNvPicPr>
+            <a:picLocks noChangeAspect="1"/>
+          </p:cNvPicPr>
+          <p:nvPr/>
+        </p:nvPicPr>
+        <p:blipFill>
+          <a:blip r:embed="rId2"/>
+          <a:stretch>
+            <a:fillRect/>
+          </a:stretch>
+        </p:blipFill>
+        <p:spPr>
+          <a:xfrm>
+            <a:off x="7924427" y="3549609"/>
+            <a:ext cx="4707905" cy="4595325"/>
+          </a:xfrm>
+          <a:prstGeom prst="rect">
+            <a:avLst/>
+          </a:prstGeom>
+        </p:spPr>
+      </p:pic>
+    </p:spTree>
+    <p:extLst>
+      <p:ext uri="{BB962C8B-B14F-4D97-AF65-F5344CB8AC3E}">
+        <p14:creationId xmlns:p14="http://schemas.microsoft.com/office/powerpoint/2010/main" val="1464542466"/>
+      </p:ext>
+    </p:extLst>
+  </p:cSld>
+  <p:clrMapOvr>
+    <a:masterClrMapping/>
+  </p:clrMapOvr>
+</p:sld>
+</file>
+
+<file path=ppt/slides/slide51.xml><?xml version="1.0" encoding="utf-8"?>
+<p:sld xmlns:a="http://schemas.openxmlformats.org/drawingml/2006/main" xmlns:r="http://schemas.openxmlformats.org/officeDocument/2006/relationships" xmlns:p="http://schemas.openxmlformats.org/presentationml/2006/main">
+  <p:cSld>
+    <p:spTree>
+      <p:nvGrpSpPr>
+        <p:cNvPr id="1" name=""/>
+        <p:cNvGrpSpPr/>
+        <p:nvPr/>
+      </p:nvGrpSpPr>
+      <p:grpSpPr>
+        <a:xfrm>
+          <a:off x="0" y="0"/>
+          <a:ext cx="0" cy="0"/>
+          <a:chOff x="0" y="0"/>
+          <a:chExt cx="0" cy="0"/>
+        </a:xfrm>
+      </p:grpSpPr>
+      <p:sp>
+        <p:nvSpPr>
+          <p:cNvPr id="2" name="Titel 1">
+            <a:extLst>
+              <a:ext uri="{FF2B5EF4-FFF2-40B4-BE49-F238E27FC236}">
+                <a16:creationId xmlns:a16="http://schemas.microsoft.com/office/drawing/2014/main" id="{5897A41E-F22D-AB5F-DEE3-284EDFDAC696}"/>
+              </a:ext>
+            </a:extLst>
+          </p:cNvPr>
+          <p:cNvSpPr>
+            <a:spLocks noGrp="1"/>
+          </p:cNvSpPr>
+          <p:nvPr>
+            <p:ph type="title"/>
+          </p:nvPr>
+        </p:nvSpPr>
+        <p:spPr/>
+        <p:txBody>
+          <a:bodyPr/>
+          <a:lstStyle/>
+          <a:p>
+            <a:r>
+              <a:rPr lang="nl-NL"/>
+              <a:t>Dimensionaliteitsreductie</a:t>
+            </a:r>
+          </a:p>
+        </p:txBody>
+      </p:sp>
+      <p:sp>
+        <p:nvSpPr>
+          <p:cNvPr id="3" name="Tijdelijke aanduiding voor inhoud 2">
+            <a:extLst>
+              <a:ext uri="{FF2B5EF4-FFF2-40B4-BE49-F238E27FC236}">
+                <a16:creationId xmlns:a16="http://schemas.microsoft.com/office/drawing/2014/main" id="{9905F51F-A9F8-341B-F521-B1150F2606DD}"/>
+              </a:ext>
+            </a:extLst>
+          </p:cNvPr>
+          <p:cNvSpPr>
+            <a:spLocks noGrp="1"/>
+          </p:cNvSpPr>
+          <p:nvPr>
+            <p:ph idx="1"/>
+          </p:nvPr>
+        </p:nvSpPr>
+        <p:spPr/>
+        <p:txBody>
+          <a:bodyPr/>
+          <a:lstStyle/>
+          <a:p>
+            <a:r>
+              <a:rPr lang="nl-NL"/>
+              <a:t>Problemen met performance, clustering en overfitting</a:t>
+            </a:r>
+          </a:p>
+          <a:p>
+            <a:r>
+              <a:rPr lang="nl-NL"/>
+              <a:t>Daarom: aantal dimensies terugbrengen</a:t>
+            </a:r>
+          </a:p>
+          <a:p>
+            <a:r>
+              <a:rPr lang="nl-NL"/>
+              <a:t>Diverse technieken</a:t>
+            </a:r>
+          </a:p>
+          <a:p>
+            <a:pPr lvl="1"/>
+            <a:r>
+              <a:rPr lang="nl-NL"/>
+              <a:t>Projectie</a:t>
+            </a:r>
+          </a:p>
+          <a:p>
+            <a:pPr lvl="1"/>
+            <a:r>
+              <a:rPr lang="nl-NL"/>
+              <a:t>Manifold Learning</a:t>
+            </a:r>
+          </a:p>
+          <a:p>
+            <a:pPr lvl="1"/>
+            <a:r>
+              <a:rPr lang="nl-NL"/>
+              <a:t>Principal Components Analysis</a:t>
+            </a:r>
+          </a:p>
+        </p:txBody>
+      </p:sp>
+    </p:spTree>
+    <p:extLst>
+      <p:ext uri="{BB962C8B-B14F-4D97-AF65-F5344CB8AC3E}">
+        <p14:creationId xmlns:p14="http://schemas.microsoft.com/office/powerpoint/2010/main" val="4092464840"/>
+      </p:ext>
+    </p:extLst>
+  </p:cSld>
+  <p:clrMapOvr>
+    <a:masterClrMapping/>
+  </p:clrMapOvr>
+</p:sld>
+</file>
+
+<file path=ppt/slides/slide52.xml><?xml version="1.0" encoding="utf-8"?>
+<p:sld xmlns:a="http://schemas.openxmlformats.org/drawingml/2006/main" xmlns:r="http://schemas.openxmlformats.org/officeDocument/2006/relationships" xmlns:p="http://schemas.openxmlformats.org/presentationml/2006/main">
+  <p:cSld>
+    <p:spTree>
+      <p:nvGrpSpPr>
+        <p:cNvPr id="1" name=""/>
+        <p:cNvGrpSpPr/>
+        <p:nvPr/>
+      </p:nvGrpSpPr>
+      <p:grpSpPr>
+        <a:xfrm>
+          <a:off x="0" y="0"/>
+          <a:ext cx="0" cy="0"/>
+          <a:chOff x="0" y="0"/>
+          <a:chExt cx="0" cy="0"/>
+        </a:xfrm>
+      </p:grpSpPr>
+      <p:sp>
+        <p:nvSpPr>
+          <p:cNvPr id="2" name="Titel 1">
+            <a:extLst>
+              <a:ext uri="{FF2B5EF4-FFF2-40B4-BE49-F238E27FC236}">
                 <a16:creationId xmlns:a16="http://schemas.microsoft.com/office/drawing/2014/main" id="{EECE31AD-5BD2-1313-7DFB-366DA2E723DE}"/>
               </a:ext>
             </a:extLst>
@@ -24768,7 +20360,7 @@
 </p:sld>
 </file>
 
-<file path=ppt/slides/slide51.xml><?xml version="1.0" encoding="utf-8"?>
+<file path=ppt/slides/slide53.xml><?xml version="1.0" encoding="utf-8"?>
 <p:sld xmlns:a="http://schemas.openxmlformats.org/drawingml/2006/main" xmlns:r="http://schemas.openxmlformats.org/officeDocument/2006/relationships" xmlns:p="http://schemas.openxmlformats.org/presentationml/2006/main">
   <p:cSld>
     <p:spTree>
@@ -25020,7 +20612,7 @@
 </p:sld>
 </file>
 
-<file path=ppt/slides/slide52.xml><?xml version="1.0" encoding="utf-8"?>
+<file path=ppt/slides/slide54.xml><?xml version="1.0" encoding="utf-8"?>
 <p:sld xmlns:a="http://schemas.openxmlformats.org/drawingml/2006/main" xmlns:r="http://schemas.openxmlformats.org/officeDocument/2006/relationships" xmlns:p="http://schemas.openxmlformats.org/presentationml/2006/main">
   <p:cSld>
     <p:spTree>
@@ -25267,7 +20859,7 @@
 </p:sld>
 </file>
 
-<file path=ppt/slides/slide53.xml><?xml version="1.0" encoding="utf-8"?>
+<file path=ppt/slides/slide55.xml><?xml version="1.0" encoding="utf-8"?>
 <p:sld xmlns:a="http://schemas.openxmlformats.org/drawingml/2006/main" xmlns:r="http://schemas.openxmlformats.org/officeDocument/2006/relationships" xmlns:p="http://schemas.openxmlformats.org/presentationml/2006/main">
   <p:cSld>
     <p:spTree>
@@ -25585,7 +21177,7 @@
 </p:sld>
 </file>
 
-<file path=ppt/slides/slide54.xml><?xml version="1.0" encoding="utf-8"?>
+<file path=ppt/slides/slide56.xml><?xml version="1.0" encoding="utf-8"?>
 <p:sld xmlns:a="http://schemas.openxmlformats.org/drawingml/2006/main" xmlns:r="http://schemas.openxmlformats.org/officeDocument/2006/relationships" xmlns:p="http://schemas.openxmlformats.org/presentationml/2006/main">
   <p:cSld>
     <p:spTree>
@@ -25809,7 +21401,7 @@
 </p:sld>
 </file>
 
-<file path=ppt/slides/slide55.xml><?xml version="1.0" encoding="utf-8"?>
+<file path=ppt/slides/slide57.xml><?xml version="1.0" encoding="utf-8"?>
 <p:sld xmlns:a="http://schemas.openxmlformats.org/drawingml/2006/main" xmlns:r="http://schemas.openxmlformats.org/officeDocument/2006/relationships" xmlns:p="http://schemas.openxmlformats.org/presentationml/2006/main">
   <p:cSld>
     <p:spTree>
@@ -25953,7 +21545,7 @@
 </p:sld>
 </file>
 
-<file path=ppt/slides/slide56.xml><?xml version="1.0" encoding="utf-8"?>
+<file path=ppt/slides/slide58.xml><?xml version="1.0" encoding="utf-8"?>
 <p:sld xmlns:a="http://schemas.openxmlformats.org/drawingml/2006/main" xmlns:r="http://schemas.openxmlformats.org/officeDocument/2006/relationships" xmlns:p="http://schemas.openxmlformats.org/presentationml/2006/main">
   <p:cSld>
     <p:spTree>

--- a/docs/lectures/wk5/ML_wk5_Modeleval_tuning-Dimred.pptx
+++ b/docs/lectures/wk5/ML_wk5_Modeleval_tuning-Dimred.pptx
@@ -6,67 +6,65 @@
     <p:sldMasterId id="2147483661" r:id="rId2"/>
   </p:sldMasterIdLst>
   <p:notesMasterIdLst>
-    <p:notesMasterId r:id="rId61"/>
+    <p:notesMasterId r:id="rId59"/>
   </p:notesMasterIdLst>
   <p:sldIdLst>
     <p:sldId id="256" r:id="rId3"/>
     <p:sldId id="257" r:id="rId4"/>
     <p:sldId id="258" r:id="rId5"/>
     <p:sldId id="259" r:id="rId6"/>
-    <p:sldId id="260" r:id="rId7"/>
-    <p:sldId id="261" r:id="rId8"/>
-    <p:sldId id="262" r:id="rId9"/>
-    <p:sldId id="263" r:id="rId10"/>
-    <p:sldId id="264" r:id="rId11"/>
-    <p:sldId id="265" r:id="rId12"/>
-    <p:sldId id="266" r:id="rId13"/>
-    <p:sldId id="267" r:id="rId14"/>
-    <p:sldId id="268" r:id="rId15"/>
-    <p:sldId id="269" r:id="rId16"/>
-    <p:sldId id="270" r:id="rId17"/>
-    <p:sldId id="271" r:id="rId18"/>
-    <p:sldId id="272" r:id="rId19"/>
-    <p:sldId id="273" r:id="rId20"/>
-    <p:sldId id="274" r:id="rId21"/>
-    <p:sldId id="275" r:id="rId22"/>
-    <p:sldId id="276" r:id="rId23"/>
-    <p:sldId id="277" r:id="rId24"/>
-    <p:sldId id="278" r:id="rId25"/>
-    <p:sldId id="279" r:id="rId26"/>
-    <p:sldId id="280" r:id="rId27"/>
-    <p:sldId id="281" r:id="rId28"/>
-    <p:sldId id="282" r:id="rId29"/>
-    <p:sldId id="283" r:id="rId30"/>
-    <p:sldId id="284" r:id="rId31"/>
-    <p:sldId id="285" r:id="rId32"/>
-    <p:sldId id="286" r:id="rId33"/>
-    <p:sldId id="287" r:id="rId34"/>
-    <p:sldId id="288" r:id="rId35"/>
-    <p:sldId id="289" r:id="rId36"/>
-    <p:sldId id="312" r:id="rId37"/>
-    <p:sldId id="313" r:id="rId38"/>
-    <p:sldId id="291" r:id="rId39"/>
-    <p:sldId id="292" r:id="rId40"/>
-    <p:sldId id="293" r:id="rId41"/>
-    <p:sldId id="294" r:id="rId42"/>
-    <p:sldId id="295" r:id="rId43"/>
-    <p:sldId id="296" r:id="rId44"/>
-    <p:sldId id="297" r:id="rId45"/>
-    <p:sldId id="298" r:id="rId46"/>
-    <p:sldId id="299" r:id="rId47"/>
-    <p:sldId id="300" r:id="rId48"/>
-    <p:sldId id="314" r:id="rId49"/>
-    <p:sldId id="301" r:id="rId50"/>
-    <p:sldId id="302" r:id="rId51"/>
-    <p:sldId id="303" r:id="rId52"/>
-    <p:sldId id="304" r:id="rId53"/>
-    <p:sldId id="305" r:id="rId54"/>
-    <p:sldId id="306" r:id="rId55"/>
-    <p:sldId id="307" r:id="rId56"/>
-    <p:sldId id="308" r:id="rId57"/>
-    <p:sldId id="309" r:id="rId58"/>
-    <p:sldId id="310" r:id="rId59"/>
-    <p:sldId id="311" r:id="rId60"/>
+    <p:sldId id="261" r:id="rId7"/>
+    <p:sldId id="262" r:id="rId8"/>
+    <p:sldId id="263" r:id="rId9"/>
+    <p:sldId id="264" r:id="rId10"/>
+    <p:sldId id="265" r:id="rId11"/>
+    <p:sldId id="266" r:id="rId12"/>
+    <p:sldId id="267" r:id="rId13"/>
+    <p:sldId id="268" r:id="rId14"/>
+    <p:sldId id="269" r:id="rId15"/>
+    <p:sldId id="270" r:id="rId16"/>
+    <p:sldId id="271" r:id="rId17"/>
+    <p:sldId id="272" r:id="rId18"/>
+    <p:sldId id="273" r:id="rId19"/>
+    <p:sldId id="274" r:id="rId20"/>
+    <p:sldId id="275" r:id="rId21"/>
+    <p:sldId id="276" r:id="rId22"/>
+    <p:sldId id="277" r:id="rId23"/>
+    <p:sldId id="278" r:id="rId24"/>
+    <p:sldId id="279" r:id="rId25"/>
+    <p:sldId id="280" r:id="rId26"/>
+    <p:sldId id="281" r:id="rId27"/>
+    <p:sldId id="282" r:id="rId28"/>
+    <p:sldId id="283" r:id="rId29"/>
+    <p:sldId id="284" r:id="rId30"/>
+    <p:sldId id="285" r:id="rId31"/>
+    <p:sldId id="286" r:id="rId32"/>
+    <p:sldId id="312" r:id="rId33"/>
+    <p:sldId id="313" r:id="rId34"/>
+    <p:sldId id="287" r:id="rId35"/>
+    <p:sldId id="291" r:id="rId36"/>
+    <p:sldId id="288" r:id="rId37"/>
+    <p:sldId id="292" r:id="rId38"/>
+    <p:sldId id="315" r:id="rId39"/>
+    <p:sldId id="294" r:id="rId40"/>
+    <p:sldId id="295" r:id="rId41"/>
+    <p:sldId id="296" r:id="rId42"/>
+    <p:sldId id="297" r:id="rId43"/>
+    <p:sldId id="298" r:id="rId44"/>
+    <p:sldId id="299" r:id="rId45"/>
+    <p:sldId id="300" r:id="rId46"/>
+    <p:sldId id="314" r:id="rId47"/>
+    <p:sldId id="301" r:id="rId48"/>
+    <p:sldId id="302" r:id="rId49"/>
+    <p:sldId id="303" r:id="rId50"/>
+    <p:sldId id="304" r:id="rId51"/>
+    <p:sldId id="305" r:id="rId52"/>
+    <p:sldId id="306" r:id="rId53"/>
+    <p:sldId id="307" r:id="rId54"/>
+    <p:sldId id="308" r:id="rId55"/>
+    <p:sldId id="309" r:id="rId56"/>
+    <p:sldId id="310" r:id="rId57"/>
+    <p:sldId id="311" r:id="rId58"/>
   </p:sldIdLst>
   <p:sldSz cx="13004800" cy="9753600"/>
   <p:notesSz cx="6858000" cy="9144000"/>
@@ -1129,7 +1127,7 @@
           <a:p>
             <a:fld id="{E43C3D67-E41A-49CD-A81C-4E2A886E7BC5}" type="datetimeFigureOut">
               <a:rPr lang="nl-NL" smtClean="0"/>
-              <a:t>1-10-2024</a:t>
+              <a:t>7-10-2024</a:t>
             </a:fld>
             <a:endParaRPr lang="nl-NL"/>
           </a:p>
@@ -1349,7 +1347,7 @@
           <a:p>
             <a:fld id="{E43C3D67-E41A-49CD-A81C-4E2A886E7BC5}" type="datetimeFigureOut">
               <a:rPr lang="nl-NL" smtClean="0"/>
-              <a:t>1-10-2024</a:t>
+              <a:t>7-10-2024</a:t>
             </a:fld>
             <a:endParaRPr lang="nl-NL"/>
           </a:p>
@@ -1547,7 +1545,7 @@
           <a:p>
             <a:fld id="{E43C3D67-E41A-49CD-A81C-4E2A886E7BC5}" type="datetimeFigureOut">
               <a:rPr lang="nl-NL" smtClean="0"/>
-              <a:t>1-10-2024</a:t>
+              <a:t>7-10-2024</a:t>
             </a:fld>
             <a:endParaRPr lang="nl-NL"/>
           </a:p>
@@ -1822,7 +1820,7 @@
           <a:p>
             <a:fld id="{E43C3D67-E41A-49CD-A81C-4E2A886E7BC5}" type="datetimeFigureOut">
               <a:rPr lang="nl-NL" smtClean="0"/>
-              <a:t>1-10-2024</a:t>
+              <a:t>7-10-2024</a:t>
             </a:fld>
             <a:endParaRPr lang="nl-NL"/>
           </a:p>
@@ -2087,7 +2085,7 @@
           <a:p>
             <a:fld id="{E43C3D67-E41A-49CD-A81C-4E2A886E7BC5}" type="datetimeFigureOut">
               <a:rPr lang="nl-NL" smtClean="0"/>
-              <a:t>1-10-2024</a:t>
+              <a:t>7-10-2024</a:t>
             </a:fld>
             <a:endParaRPr lang="nl-NL"/>
           </a:p>
@@ -2499,7 +2497,7 @@
           <a:p>
             <a:fld id="{E43C3D67-E41A-49CD-A81C-4E2A886E7BC5}" type="datetimeFigureOut">
               <a:rPr lang="nl-NL" smtClean="0"/>
-              <a:t>1-10-2024</a:t>
+              <a:t>7-10-2024</a:t>
             </a:fld>
             <a:endParaRPr lang="nl-NL"/>
           </a:p>
@@ -2640,7 +2638,7 @@
           <a:p>
             <a:fld id="{E43C3D67-E41A-49CD-A81C-4E2A886E7BC5}" type="datetimeFigureOut">
               <a:rPr lang="nl-NL" smtClean="0"/>
-              <a:t>1-10-2024</a:t>
+              <a:t>7-10-2024</a:t>
             </a:fld>
             <a:endParaRPr lang="nl-NL"/>
           </a:p>
@@ -2961,7 +2959,7 @@
           <a:p>
             <a:fld id="{E43C3D67-E41A-49CD-A81C-4E2A886E7BC5}" type="datetimeFigureOut">
               <a:rPr lang="nl-NL" smtClean="0"/>
-              <a:t>1-10-2024</a:t>
+              <a:t>7-10-2024</a:t>
             </a:fld>
             <a:endParaRPr lang="nl-NL"/>
           </a:p>
@@ -3272,7 +3270,7 @@
           <a:p>
             <a:fld id="{E43C3D67-E41A-49CD-A81C-4E2A886E7BC5}" type="datetimeFigureOut">
               <a:rPr lang="nl-NL" smtClean="0"/>
-              <a:t>1-10-2024</a:t>
+              <a:t>7-10-2024</a:t>
             </a:fld>
             <a:endParaRPr lang="nl-NL"/>
           </a:p>
@@ -3560,7 +3558,7 @@
           <a:p>
             <a:fld id="{E43C3D67-E41A-49CD-A81C-4E2A886E7BC5}" type="datetimeFigureOut">
               <a:rPr lang="nl-NL" smtClean="0"/>
-              <a:t>1-10-2024</a:t>
+              <a:t>7-10-2024</a:t>
             </a:fld>
             <a:endParaRPr lang="nl-NL"/>
           </a:p>
@@ -3758,7 +3756,7 @@
           <a:p>
             <a:fld id="{E43C3D67-E41A-49CD-A81C-4E2A886E7BC5}" type="datetimeFigureOut">
               <a:rPr lang="nl-NL" smtClean="0"/>
-              <a:t>1-10-2024</a:t>
+              <a:t>7-10-2024</a:t>
             </a:fld>
             <a:endParaRPr lang="nl-NL"/>
           </a:p>
@@ -3966,7 +3964,7 @@
           <a:p>
             <a:fld id="{E43C3D67-E41A-49CD-A81C-4E2A886E7BC5}" type="datetimeFigureOut">
               <a:rPr lang="nl-NL" smtClean="0"/>
-              <a:t>1-10-2024</a:t>
+              <a:t>7-10-2024</a:t>
             </a:fld>
             <a:endParaRPr lang="nl-NL"/>
           </a:p>
@@ -5070,7 +5068,7 @@
           </a:ln>
           <a:extLst>
             <a:ext uri="{C572A759-6A51-4108-AA02-DFA0A04FC94B}">
-              <ma14:wrappingTextBoxFlag xmlns:ma14="http://schemas.microsoft.com/office/mac/drawingml/2011/main" xmlns:a14="http://schemas.microsoft.com/office/drawing/2010/main" xmlns:m="http://schemas.openxmlformats.org/officeDocument/2006/math" xmlns="" val="1"/>
+              <ma14:wrappingTextBoxFlag xmlns="" xmlns:m="http://schemas.openxmlformats.org/officeDocument/2006/math" xmlns:a14="http://schemas.microsoft.com/office/drawing/2010/main" xmlns:ma14="http://schemas.microsoft.com/office/mac/drawingml/2011/main" val="1"/>
             </a:ext>
           </a:extLst>
         </p:spPr>
@@ -5109,7 +5107,7 @@
           </a:ln>
           <a:extLst>
             <a:ext uri="{C572A759-6A51-4108-AA02-DFA0A04FC94B}">
-              <ma14:wrappingTextBoxFlag xmlns:ma14="http://schemas.microsoft.com/office/mac/drawingml/2011/main" xmlns:a14="http://schemas.microsoft.com/office/drawing/2010/main" xmlns:m="http://schemas.openxmlformats.org/officeDocument/2006/math" xmlns="" val="1"/>
+              <ma14:wrappingTextBoxFlag xmlns="" xmlns:m="http://schemas.openxmlformats.org/officeDocument/2006/math" xmlns:a14="http://schemas.microsoft.com/office/drawing/2010/main" xmlns:ma14="http://schemas.microsoft.com/office/mac/drawingml/2011/main" val="1"/>
             </a:ext>
           </a:extLst>
         </p:spPr>
@@ -6088,7 +6086,7 @@
           <a:p>
             <a:fld id="{E43C3D67-E41A-49CD-A81C-4E2A886E7BC5}" type="datetimeFigureOut">
               <a:rPr lang="nl-NL" smtClean="0"/>
-              <a:t>1-10-2024</a:t>
+              <a:t>7-10-2024</a:t>
             </a:fld>
             <a:endParaRPr lang="nl-NL"/>
           </a:p>
@@ -6552,7 +6550,7 @@
           </a:ln>
           <a:extLst>
             <a:ext uri="{C572A759-6A51-4108-AA02-DFA0A04FC94B}">
-              <ma14:wrappingTextBoxFlag xmlns:ma14="http://schemas.microsoft.com/office/mac/drawingml/2011/main" xmlns:a14="http://schemas.microsoft.com/office/drawing/2010/main" xmlns:m="http://schemas.openxmlformats.org/officeDocument/2006/math" xmlns="" val="1"/>
+              <ma14:wrappingTextBoxFlag xmlns="" xmlns:m="http://schemas.openxmlformats.org/officeDocument/2006/math" xmlns:a14="http://schemas.microsoft.com/office/drawing/2010/main" xmlns:ma14="http://schemas.microsoft.com/office/mac/drawingml/2011/main" val="1"/>
             </a:ext>
           </a:extLst>
         </p:spPr>
@@ -6604,59 +6602,6 @@
 </file>
 
 <file path=ppt/slides/slide10.xml><?xml version="1.0" encoding="utf-8"?>
-<p:sld xmlns:a="http://schemas.openxmlformats.org/drawingml/2006/main" xmlns:r="http://schemas.openxmlformats.org/officeDocument/2006/relationships" xmlns:p="http://schemas.openxmlformats.org/presentationml/2006/main">
-  <p:cSld>
-    <p:spTree>
-      <p:nvGrpSpPr>
-        <p:cNvPr id="1" name=""/>
-        <p:cNvGrpSpPr/>
-        <p:nvPr/>
-      </p:nvGrpSpPr>
-      <p:grpSpPr>
-        <a:xfrm>
-          <a:off x="0" y="0"/>
-          <a:ext cx="0" cy="0"/>
-          <a:chOff x="0" y="0"/>
-          <a:chExt cx="0" cy="0"/>
-        </a:xfrm>
-      </p:grpSpPr>
-      <p:pic>
-        <p:nvPicPr>
-          <p:cNvPr id="138" name="pasted-image.png" descr="pasted-image.png"/>
-          <p:cNvPicPr>
-            <a:picLocks/>
-          </p:cNvPicPr>
-          <p:nvPr/>
-        </p:nvPicPr>
-        <p:blipFill>
-          <a:blip r:embed="rId2"/>
-          <a:stretch>
-            <a:fillRect/>
-          </a:stretch>
-        </p:blipFill>
-        <p:spPr>
-          <a:xfrm>
-            <a:off x="19049" y="355600"/>
-            <a:ext cx="12966701" cy="9042400"/>
-          </a:xfrm>
-          <a:prstGeom prst="rect">
-            <a:avLst/>
-          </a:prstGeom>
-          <a:ln w="12700">
-            <a:miter lim="400000"/>
-          </a:ln>
-        </p:spPr>
-      </p:pic>
-    </p:spTree>
-  </p:cSld>
-  <p:clrMapOvr>
-    <a:masterClrMapping/>
-  </p:clrMapOvr>
-  <p:transition spd="med"/>
-</p:sld>
-</file>
-
-<file path=ppt/slides/slide11.xml><?xml version="1.0" encoding="utf-8"?>
 <p:sld xmlns:a="http://schemas.openxmlformats.org/drawingml/2006/main" xmlns:r="http://schemas.openxmlformats.org/officeDocument/2006/relationships" xmlns:p="http://schemas.openxmlformats.org/presentationml/2006/main">
   <p:cSld>
     <p:spTree>
@@ -6692,7 +6637,7 @@
           </a:ln>
           <a:extLst>
             <a:ext uri="{C572A759-6A51-4108-AA02-DFA0A04FC94B}">
-              <ma14:wrappingTextBoxFlag xmlns:ma14="http://schemas.microsoft.com/office/mac/drawingml/2011/main" xmlns:a14="http://schemas.microsoft.com/office/drawing/2010/main" xmlns:m="http://schemas.openxmlformats.org/officeDocument/2006/math" xmlns="" val="1"/>
+              <ma14:wrappingTextBoxFlag xmlns="" xmlns:m="http://schemas.openxmlformats.org/officeDocument/2006/math" xmlns:a14="http://schemas.microsoft.com/office/drawing/2010/main" xmlns:ma14="http://schemas.microsoft.com/office/mac/drawingml/2011/main" val="1"/>
             </a:ext>
           </a:extLst>
         </p:spPr>
@@ -6736,7 +6681,7 @@
           </a:ln>
           <a:extLst>
             <a:ext uri="{C572A759-6A51-4108-AA02-DFA0A04FC94B}">
-              <ma14:wrappingTextBoxFlag xmlns:ma14="http://schemas.microsoft.com/office/mac/drawingml/2011/main" xmlns:a14="http://schemas.microsoft.com/office/drawing/2010/main" xmlns:m="http://schemas.openxmlformats.org/officeDocument/2006/math" xmlns="" val="1"/>
+              <ma14:wrappingTextBoxFlag xmlns="" xmlns:m="http://schemas.openxmlformats.org/officeDocument/2006/math" xmlns:a14="http://schemas.microsoft.com/office/drawing/2010/main" xmlns:ma14="http://schemas.microsoft.com/office/mac/drawingml/2011/main" val="1"/>
             </a:ext>
           </a:extLst>
         </p:spPr>
@@ -6783,7 +6728,7 @@
           </a:ln>
           <a:extLst>
             <a:ext uri="{C572A759-6A51-4108-AA02-DFA0A04FC94B}">
-              <ma14:wrappingTextBoxFlag xmlns:ma14="http://schemas.microsoft.com/office/mac/drawingml/2011/main" xmlns:a14="http://schemas.microsoft.com/office/drawing/2010/main" xmlns:m="http://schemas.openxmlformats.org/officeDocument/2006/math" xmlns="" val="1"/>
+              <ma14:wrappingTextBoxFlag xmlns="" xmlns:m="http://schemas.openxmlformats.org/officeDocument/2006/math" xmlns:a14="http://schemas.microsoft.com/office/drawing/2010/main" xmlns:ma14="http://schemas.microsoft.com/office/mac/drawingml/2011/main" val="1"/>
             </a:ext>
           </a:extLst>
         </p:spPr>
@@ -6827,7 +6772,7 @@
           </a:ln>
           <a:extLst>
             <a:ext uri="{C572A759-6A51-4108-AA02-DFA0A04FC94B}">
-              <ma14:wrappingTextBoxFlag xmlns:ma14="http://schemas.microsoft.com/office/mac/drawingml/2011/main" xmlns:a14="http://schemas.microsoft.com/office/drawing/2010/main" xmlns:m="http://schemas.openxmlformats.org/officeDocument/2006/math" xmlns="" val="1"/>
+              <ma14:wrappingTextBoxFlag xmlns="" xmlns:m="http://schemas.openxmlformats.org/officeDocument/2006/math" xmlns:a14="http://schemas.microsoft.com/office/drawing/2010/main" xmlns:ma14="http://schemas.microsoft.com/office/mac/drawingml/2011/main" val="1"/>
             </a:ext>
           </a:extLst>
         </p:spPr>
@@ -6877,7 +6822,7 @@
           </a:ln>
           <a:extLst>
             <a:ext uri="{C572A759-6A51-4108-AA02-DFA0A04FC94B}">
-              <ma14:wrappingTextBoxFlag xmlns:ma14="http://schemas.microsoft.com/office/mac/drawingml/2011/main" xmlns:a14="http://schemas.microsoft.com/office/drawing/2010/main" xmlns:m="http://schemas.openxmlformats.org/officeDocument/2006/math" xmlns="" val="1"/>
+              <ma14:wrappingTextBoxFlag xmlns="" xmlns:m="http://schemas.openxmlformats.org/officeDocument/2006/math" xmlns:a14="http://schemas.microsoft.com/office/drawing/2010/main" xmlns:ma14="http://schemas.microsoft.com/office/mac/drawingml/2011/main" val="1"/>
             </a:ext>
           </a:extLst>
         </p:spPr>
@@ -6972,7 +6917,7 @@
             <a:effectLst/>
             <a:extLst>
               <a:ext uri="{C572A759-6A51-4108-AA02-DFA0A04FC94B}">
-                <ma14:wrappingTextBoxFlag xmlns:ma14="http://schemas.microsoft.com/office/mac/drawingml/2011/main" xmlns:a14="http://schemas.microsoft.com/office/drawing/2010/main" xmlns:m="http://schemas.openxmlformats.org/officeDocument/2006/math" xmlns="" val="1"/>
+                <ma14:wrappingTextBoxFlag xmlns="" xmlns:m="http://schemas.openxmlformats.org/officeDocument/2006/math" xmlns:a14="http://schemas.microsoft.com/office/drawing/2010/main" xmlns:ma14="http://schemas.microsoft.com/office/mac/drawingml/2011/main" val="1"/>
               </a:ext>
             </a:extLst>
           </p:spPr>
@@ -7036,7 +6981,7 @@
 </p:sld>
 </file>
 
-<file path=ppt/slides/slide12.xml><?xml version="1.0" encoding="utf-8"?>
+<file path=ppt/slides/slide11.xml><?xml version="1.0" encoding="utf-8"?>
 <p:sld xmlns:a="http://schemas.openxmlformats.org/drawingml/2006/main" xmlns:r="http://schemas.openxmlformats.org/officeDocument/2006/relationships" xmlns:p="http://schemas.openxmlformats.org/presentationml/2006/main">
   <p:cSld>
     <p:spTree>
@@ -7072,7 +7017,7 @@
           </a:ln>
           <a:extLst>
             <a:ext uri="{C572A759-6A51-4108-AA02-DFA0A04FC94B}">
-              <ma14:wrappingTextBoxFlag xmlns:ma14="http://schemas.microsoft.com/office/mac/drawingml/2011/main" xmlns:a14="http://schemas.microsoft.com/office/drawing/2010/main" xmlns:m="http://schemas.openxmlformats.org/officeDocument/2006/math" xmlns="" val="1"/>
+              <ma14:wrappingTextBoxFlag xmlns="" xmlns:m="http://schemas.openxmlformats.org/officeDocument/2006/math" xmlns:a14="http://schemas.microsoft.com/office/drawing/2010/main" xmlns:ma14="http://schemas.microsoft.com/office/mac/drawingml/2011/main" val="1"/>
             </a:ext>
           </a:extLst>
         </p:spPr>
@@ -7170,7 +7115,7 @@
           </a:ln>
           <a:extLst>
             <a:ext uri="{C572A759-6A51-4108-AA02-DFA0A04FC94B}">
-              <ma14:wrappingTextBoxFlag xmlns:ma14="http://schemas.microsoft.com/office/mac/drawingml/2011/main" xmlns:a14="http://schemas.microsoft.com/office/drawing/2010/main" xmlns:m="http://schemas.openxmlformats.org/officeDocument/2006/math" xmlns="" val="1"/>
+              <ma14:wrappingTextBoxFlag xmlns="" xmlns:m="http://schemas.openxmlformats.org/officeDocument/2006/math" xmlns:a14="http://schemas.microsoft.com/office/drawing/2010/main" xmlns:ma14="http://schemas.microsoft.com/office/mac/drawingml/2011/main" val="1"/>
             </a:ext>
           </a:extLst>
         </p:spPr>
@@ -7204,7 +7149,7 @@
 </p:sld>
 </file>
 
-<file path=ppt/slides/slide13.xml><?xml version="1.0" encoding="utf-8"?>
+<file path=ppt/slides/slide12.xml><?xml version="1.0" encoding="utf-8"?>
 <p:sld xmlns:a="http://schemas.openxmlformats.org/drawingml/2006/main" xmlns:r="http://schemas.openxmlformats.org/officeDocument/2006/relationships" xmlns:p="http://schemas.openxmlformats.org/presentationml/2006/main">
   <p:cSld>
     <p:spTree>
@@ -7267,7 +7212,7 @@
           </a:ln>
           <a:extLst>
             <a:ext uri="{C572A759-6A51-4108-AA02-DFA0A04FC94B}">
-              <ma14:wrappingTextBoxFlag xmlns:ma14="http://schemas.microsoft.com/office/mac/drawingml/2011/main" xmlns:a14="http://schemas.microsoft.com/office/drawing/2010/main" xmlns:m="http://schemas.openxmlformats.org/officeDocument/2006/math" xmlns="" val="1"/>
+              <ma14:wrappingTextBoxFlag xmlns="" xmlns:m="http://schemas.openxmlformats.org/officeDocument/2006/math" xmlns:a14="http://schemas.microsoft.com/office/drawing/2010/main" xmlns:ma14="http://schemas.microsoft.com/office/mac/drawingml/2011/main" val="1"/>
             </a:ext>
           </a:extLst>
         </p:spPr>
@@ -7296,7 +7241,7 @@
 </p:sld>
 </file>
 
-<file path=ppt/slides/slide14.xml><?xml version="1.0" encoding="utf-8"?>
+<file path=ppt/slides/slide13.xml><?xml version="1.0" encoding="utf-8"?>
 <p:sld xmlns:a="http://schemas.openxmlformats.org/drawingml/2006/main" xmlns:r="http://schemas.openxmlformats.org/officeDocument/2006/relationships" xmlns:p="http://schemas.openxmlformats.org/presentationml/2006/main">
   <p:cSld>
     <p:spTree>
@@ -7332,7 +7277,7 @@
           </a:ln>
           <a:extLst>
             <a:ext uri="{C572A759-6A51-4108-AA02-DFA0A04FC94B}">
-              <ma14:wrappingTextBoxFlag xmlns:ma14="http://schemas.microsoft.com/office/mac/drawingml/2011/main" xmlns:a14="http://schemas.microsoft.com/office/drawing/2010/main" xmlns:m="http://schemas.openxmlformats.org/officeDocument/2006/math" xmlns="" val="1"/>
+              <ma14:wrappingTextBoxFlag xmlns="" xmlns:m="http://schemas.openxmlformats.org/officeDocument/2006/math" xmlns:a14="http://schemas.microsoft.com/office/drawing/2010/main" xmlns:ma14="http://schemas.microsoft.com/office/mac/drawingml/2011/main" val="1"/>
             </a:ext>
           </a:extLst>
         </p:spPr>
@@ -7378,7 +7323,7 @@
 </p:sld>
 </file>
 
-<file path=ppt/slides/slide15.xml><?xml version="1.0" encoding="utf-8"?>
+<file path=ppt/slides/slide14.xml><?xml version="1.0" encoding="utf-8"?>
 <p:sld xmlns:a="http://schemas.openxmlformats.org/drawingml/2006/main" xmlns:r="http://schemas.openxmlformats.org/officeDocument/2006/relationships" xmlns:p="http://schemas.openxmlformats.org/presentationml/2006/main">
   <p:cSld>
     <p:spTree>
@@ -7431,7 +7376,7 @@
 </p:sld>
 </file>
 
-<file path=ppt/slides/slide16.xml><?xml version="1.0" encoding="utf-8"?>
+<file path=ppt/slides/slide15.xml><?xml version="1.0" encoding="utf-8"?>
 <p:sld xmlns:a="http://schemas.openxmlformats.org/drawingml/2006/main" xmlns:r="http://schemas.openxmlformats.org/officeDocument/2006/relationships" xmlns:p="http://schemas.openxmlformats.org/presentationml/2006/main">
   <p:cSld>
     <p:spTree>
@@ -7494,7 +7439,7 @@
           </a:ln>
           <a:extLst>
             <a:ext uri="{C572A759-6A51-4108-AA02-DFA0A04FC94B}">
-              <ma14:wrappingTextBoxFlag xmlns:ma14="http://schemas.microsoft.com/office/mac/drawingml/2011/main" xmlns:a14="http://schemas.microsoft.com/office/drawing/2010/main" xmlns:m="http://schemas.openxmlformats.org/officeDocument/2006/math" xmlns="" val="1"/>
+              <ma14:wrappingTextBoxFlag xmlns="" xmlns:m="http://schemas.openxmlformats.org/officeDocument/2006/math" xmlns:a14="http://schemas.microsoft.com/office/drawing/2010/main" xmlns:ma14="http://schemas.microsoft.com/office/mac/drawingml/2011/main" val="1"/>
             </a:ext>
           </a:extLst>
         </p:spPr>
@@ -7548,7 +7493,7 @@
 </p:sld>
 </file>
 
-<file path=ppt/slides/slide17.xml><?xml version="1.0" encoding="utf-8"?>
+<file path=ppt/slides/slide16.xml><?xml version="1.0" encoding="utf-8"?>
 <p:sld xmlns:a="http://schemas.openxmlformats.org/drawingml/2006/main" xmlns:r="http://schemas.openxmlformats.org/officeDocument/2006/relationships" xmlns:p="http://schemas.openxmlformats.org/presentationml/2006/main">
   <p:cSld>
     <p:spTree>
@@ -7601,7 +7546,7 @@
             <a:effectLst/>
             <a:extLst>
               <a:ext uri="{C572A759-6A51-4108-AA02-DFA0A04FC94B}">
-                <ma14:wrappingTextBoxFlag xmlns:ma14="http://schemas.microsoft.com/office/mac/drawingml/2011/main" xmlns:a14="http://schemas.microsoft.com/office/drawing/2010/main" xmlns:m="http://schemas.openxmlformats.org/officeDocument/2006/math" xmlns="" val="1"/>
+                <ma14:wrappingTextBoxFlag xmlns="" xmlns:m="http://schemas.openxmlformats.org/officeDocument/2006/math" xmlns:a14="http://schemas.microsoft.com/office/drawing/2010/main" xmlns:ma14="http://schemas.microsoft.com/office/mac/drawingml/2011/main" val="1"/>
               </a:ext>
             </a:extLst>
           </p:spPr>
@@ -7692,7 +7637,7 @@
             <a:effectLst/>
             <a:extLst>
               <a:ext uri="{C572A759-6A51-4108-AA02-DFA0A04FC94B}">
-                <ma14:wrappingTextBoxFlag xmlns:ma14="http://schemas.microsoft.com/office/mac/drawingml/2011/main" xmlns:a14="http://schemas.microsoft.com/office/drawing/2010/main" xmlns:m="http://schemas.openxmlformats.org/officeDocument/2006/math" xmlns="" val="1"/>
+                <ma14:wrappingTextBoxFlag xmlns="" xmlns:m="http://schemas.openxmlformats.org/officeDocument/2006/math" xmlns:a14="http://schemas.microsoft.com/office/drawing/2010/main" xmlns:ma14="http://schemas.microsoft.com/office/mac/drawingml/2011/main" val="1"/>
               </a:ext>
             </a:extLst>
           </p:spPr>
@@ -7768,7 +7713,7 @@
             <a:effectLst/>
             <a:extLst>
               <a:ext uri="{C572A759-6A51-4108-AA02-DFA0A04FC94B}">
-                <ma14:wrappingTextBoxFlag xmlns:ma14="http://schemas.microsoft.com/office/mac/drawingml/2011/main" xmlns:a14="http://schemas.microsoft.com/office/drawing/2010/main" xmlns:m="http://schemas.openxmlformats.org/officeDocument/2006/math" xmlns="" val="1"/>
+                <ma14:wrappingTextBoxFlag xmlns="" xmlns:m="http://schemas.openxmlformats.org/officeDocument/2006/math" xmlns:a14="http://schemas.microsoft.com/office/drawing/2010/main" xmlns:ma14="http://schemas.microsoft.com/office/mac/drawingml/2011/main" val="1"/>
               </a:ext>
             </a:extLst>
           </p:spPr>
@@ -7830,7 +7775,7 @@
             <a:effectLst/>
             <a:extLst>
               <a:ext uri="{C572A759-6A51-4108-AA02-DFA0A04FC94B}">
-                <ma14:wrappingTextBoxFlag xmlns:ma14="http://schemas.microsoft.com/office/mac/drawingml/2011/main" xmlns:a14="http://schemas.microsoft.com/office/drawing/2010/main" xmlns:m="http://schemas.openxmlformats.org/officeDocument/2006/math" xmlns="" val="1"/>
+                <ma14:wrappingTextBoxFlag xmlns="" xmlns:m="http://schemas.openxmlformats.org/officeDocument/2006/math" xmlns:a14="http://schemas.microsoft.com/office/drawing/2010/main" xmlns:ma14="http://schemas.microsoft.com/office/mac/drawingml/2011/main" val="1"/>
               </a:ext>
             </a:extLst>
           </p:spPr>
@@ -7921,7 +7866,7 @@
             <a:effectLst/>
             <a:extLst>
               <a:ext uri="{C572A759-6A51-4108-AA02-DFA0A04FC94B}">
-                <ma14:wrappingTextBoxFlag xmlns:ma14="http://schemas.microsoft.com/office/mac/drawingml/2011/main" xmlns:a14="http://schemas.microsoft.com/office/drawing/2010/main" xmlns:m="http://schemas.openxmlformats.org/officeDocument/2006/math" xmlns="" val="1"/>
+                <ma14:wrappingTextBoxFlag xmlns="" xmlns:m="http://schemas.openxmlformats.org/officeDocument/2006/math" xmlns:a14="http://schemas.microsoft.com/office/drawing/2010/main" xmlns:ma14="http://schemas.microsoft.com/office/mac/drawingml/2011/main" val="1"/>
               </a:ext>
             </a:extLst>
           </p:spPr>
@@ -7997,7 +7942,7 @@
 </p:sld>
 </file>
 
-<file path=ppt/slides/slide18.xml><?xml version="1.0" encoding="utf-8"?>
+<file path=ppt/slides/slide17.xml><?xml version="1.0" encoding="utf-8"?>
 <p:sld xmlns:a="http://schemas.openxmlformats.org/drawingml/2006/main" xmlns:r="http://schemas.openxmlformats.org/officeDocument/2006/relationships" xmlns:p="http://schemas.openxmlformats.org/presentationml/2006/main">
   <p:cSld>
     <p:spTree>
@@ -8050,7 +7995,7 @@
 </p:sld>
 </file>
 
-<file path=ppt/slides/slide19.xml><?xml version="1.0" encoding="utf-8"?>
+<file path=ppt/slides/slide18.xml><?xml version="1.0" encoding="utf-8"?>
 <p:sld xmlns:a="http://schemas.openxmlformats.org/drawingml/2006/main" xmlns:r="http://schemas.openxmlformats.org/officeDocument/2006/relationships" xmlns:p="http://schemas.openxmlformats.org/presentationml/2006/main">
   <p:cSld>
     <p:spTree>
@@ -8150,7 +8095,7 @@
           </a:ln>
           <a:extLst>
             <a:ext uri="{C572A759-6A51-4108-AA02-DFA0A04FC94B}">
-              <ma14:wrappingTextBoxFlag xmlns:ma14="http://schemas.microsoft.com/office/mac/drawingml/2011/main" xmlns:a14="http://schemas.microsoft.com/office/drawing/2010/main" xmlns:m="http://schemas.openxmlformats.org/officeDocument/2006/math" xmlns="" val="1"/>
+              <ma14:wrappingTextBoxFlag xmlns="" xmlns:m="http://schemas.openxmlformats.org/officeDocument/2006/math" xmlns:a14="http://schemas.microsoft.com/office/drawing/2010/main" xmlns:ma14="http://schemas.microsoft.com/office/mac/drawingml/2011/main" val="1"/>
             </a:ext>
           </a:extLst>
         </p:spPr>
@@ -8205,7 +8150,7 @@
           </a:ln>
           <a:extLst>
             <a:ext uri="{C572A759-6A51-4108-AA02-DFA0A04FC94B}">
-              <ma14:wrappingTextBoxFlag xmlns:ma14="http://schemas.microsoft.com/office/mac/drawingml/2011/main" xmlns:a14="http://schemas.microsoft.com/office/drawing/2010/main" xmlns:m="http://schemas.openxmlformats.org/officeDocument/2006/math" xmlns="" val="1"/>
+              <ma14:wrappingTextBoxFlag xmlns="" xmlns:m="http://schemas.openxmlformats.org/officeDocument/2006/math" xmlns:a14="http://schemas.microsoft.com/office/drawing/2010/main" xmlns:ma14="http://schemas.microsoft.com/office/mac/drawingml/2011/main" val="1"/>
             </a:ext>
           </a:extLst>
         </p:spPr>
@@ -8250,77 +8195,7 @@
 </p:sld>
 </file>
 
-<file path=ppt/slides/slide2.xml><?xml version="1.0" encoding="utf-8"?>
-<p:sld xmlns:a="http://schemas.openxmlformats.org/drawingml/2006/main" xmlns:r="http://schemas.openxmlformats.org/officeDocument/2006/relationships" xmlns:p="http://schemas.openxmlformats.org/presentationml/2006/main">
-  <p:cSld>
-    <p:spTree>
-      <p:nvGrpSpPr>
-        <p:cNvPr id="1" name=""/>
-        <p:cNvGrpSpPr/>
-        <p:nvPr/>
-      </p:nvGrpSpPr>
-      <p:grpSpPr>
-        <a:xfrm>
-          <a:off x="0" y="0"/>
-          <a:ext cx="0" cy="0"/>
-          <a:chOff x="0" y="0"/>
-          <a:chExt cx="0" cy="0"/>
-        </a:xfrm>
-      </p:grpSpPr>
-      <p:sp>
-        <p:nvSpPr>
-          <p:cNvPr id="122" name="ml:polynomial"/>
-          <p:cNvSpPr txBox="1"/>
-          <p:nvPr/>
-        </p:nvSpPr>
-        <p:spPr>
-          <a:xfrm>
-            <a:off x="2866900" y="4292599"/>
-            <a:ext cx="7270999" cy="1168401"/>
-          </a:xfrm>
-          <a:prstGeom prst="rect">
-            <a:avLst/>
-          </a:prstGeom>
-          <a:ln w="12700">
-            <a:miter lim="400000"/>
-          </a:ln>
-          <a:extLst>
-            <a:ext uri="{C572A759-6A51-4108-AA02-DFA0A04FC94B}">
-              <ma14:wrappingTextBoxFlag xmlns:ma14="http://schemas.microsoft.com/office/mac/drawingml/2011/main" xmlns:a14="http://schemas.microsoft.com/office/drawing/2010/main" xmlns:m="http://schemas.openxmlformats.org/officeDocument/2006/math" xmlns="" val="1"/>
-            </a:ext>
-          </a:extLst>
-        </p:spPr>
-        <p:txBody>
-          <a:bodyPr wrap="none" lIns="50800" tIns="50800" rIns="50800" bIns="50800" anchor="ctr">
-            <a:spAutoFit/>
-          </a:bodyPr>
-          <a:lstStyle>
-            <a:lvl1pPr>
-              <a:defRPr sz="7200">
-                <a:latin typeface="Menlo Regular"/>
-                <a:ea typeface="Menlo Regular"/>
-                <a:cs typeface="Menlo Regular"/>
-                <a:sym typeface="Menlo Regular"/>
-              </a:defRPr>
-            </a:lvl1pPr>
-          </a:lstStyle>
-          <a:p>
-            <a:r>
-              <a:t>ml:polynomial</a:t>
-            </a:r>
-          </a:p>
-        </p:txBody>
-      </p:sp>
-    </p:spTree>
-  </p:cSld>
-  <p:clrMapOvr>
-    <a:masterClrMapping/>
-  </p:clrMapOvr>
-  <p:transition spd="med"/>
-</p:sld>
-</file>
-
-<file path=ppt/slides/slide20.xml><?xml version="1.0" encoding="utf-8"?>
+<file path=ppt/slides/slide19.xml><?xml version="1.0" encoding="utf-8"?>
 <p:sld xmlns:a="http://schemas.openxmlformats.org/drawingml/2006/main" xmlns:r="http://schemas.openxmlformats.org/officeDocument/2006/relationships" xmlns:p="http://schemas.openxmlformats.org/presentationml/2006/main" show="0">
   <p:cSld>
     <p:spTree>
@@ -8373,7 +8248,77 @@
 </p:sld>
 </file>
 
-<file path=ppt/slides/slide21.xml><?xml version="1.0" encoding="utf-8"?>
+<file path=ppt/slides/slide2.xml><?xml version="1.0" encoding="utf-8"?>
+<p:sld xmlns:a="http://schemas.openxmlformats.org/drawingml/2006/main" xmlns:r="http://schemas.openxmlformats.org/officeDocument/2006/relationships" xmlns:p="http://schemas.openxmlformats.org/presentationml/2006/main">
+  <p:cSld>
+    <p:spTree>
+      <p:nvGrpSpPr>
+        <p:cNvPr id="1" name=""/>
+        <p:cNvGrpSpPr/>
+        <p:nvPr/>
+      </p:nvGrpSpPr>
+      <p:grpSpPr>
+        <a:xfrm>
+          <a:off x="0" y="0"/>
+          <a:ext cx="0" cy="0"/>
+          <a:chOff x="0" y="0"/>
+          <a:chExt cx="0" cy="0"/>
+        </a:xfrm>
+      </p:grpSpPr>
+      <p:sp>
+        <p:nvSpPr>
+          <p:cNvPr id="122" name="ml:polynomial"/>
+          <p:cNvSpPr txBox="1"/>
+          <p:nvPr/>
+        </p:nvSpPr>
+        <p:spPr>
+          <a:xfrm>
+            <a:off x="2866900" y="4292599"/>
+            <a:ext cx="7270999" cy="1168401"/>
+          </a:xfrm>
+          <a:prstGeom prst="rect">
+            <a:avLst/>
+          </a:prstGeom>
+          <a:ln w="12700">
+            <a:miter lim="400000"/>
+          </a:ln>
+          <a:extLst>
+            <a:ext uri="{C572A759-6A51-4108-AA02-DFA0A04FC94B}">
+              <ma14:wrappingTextBoxFlag xmlns="" xmlns:m="http://schemas.openxmlformats.org/officeDocument/2006/math" xmlns:a14="http://schemas.microsoft.com/office/drawing/2010/main" xmlns:ma14="http://schemas.microsoft.com/office/mac/drawingml/2011/main" val="1"/>
+            </a:ext>
+          </a:extLst>
+        </p:spPr>
+        <p:txBody>
+          <a:bodyPr wrap="none" lIns="50800" tIns="50800" rIns="50800" bIns="50800" anchor="ctr">
+            <a:spAutoFit/>
+          </a:bodyPr>
+          <a:lstStyle>
+            <a:lvl1pPr>
+              <a:defRPr sz="7200">
+                <a:latin typeface="Menlo Regular"/>
+                <a:ea typeface="Menlo Regular"/>
+                <a:cs typeface="Menlo Regular"/>
+                <a:sym typeface="Menlo Regular"/>
+              </a:defRPr>
+            </a:lvl1pPr>
+          </a:lstStyle>
+          <a:p>
+            <a:r>
+              <a:t>ml:polynomial</a:t>
+            </a:r>
+          </a:p>
+        </p:txBody>
+      </p:sp>
+    </p:spTree>
+  </p:cSld>
+  <p:clrMapOvr>
+    <a:masterClrMapping/>
+  </p:clrMapOvr>
+  <p:transition spd="med"/>
+</p:sld>
+</file>
+
+<file path=ppt/slides/slide20.xml><?xml version="1.0" encoding="utf-8"?>
 <p:sld xmlns:a="http://schemas.openxmlformats.org/drawingml/2006/main" xmlns:r="http://schemas.openxmlformats.org/officeDocument/2006/relationships" xmlns:p="http://schemas.openxmlformats.org/presentationml/2006/main">
   <p:cSld>
     <p:spTree>
@@ -8409,7 +8354,7 @@
           </a:ln>
           <a:extLst>
             <a:ext uri="{C572A759-6A51-4108-AA02-DFA0A04FC94B}">
-              <ma14:wrappingTextBoxFlag xmlns:ma14="http://schemas.microsoft.com/office/mac/drawingml/2011/main" xmlns:a14="http://schemas.microsoft.com/office/drawing/2010/main" xmlns:m="http://schemas.openxmlformats.org/officeDocument/2006/math" xmlns="" val="1"/>
+              <ma14:wrappingTextBoxFlag xmlns="" xmlns:m="http://schemas.openxmlformats.org/officeDocument/2006/math" xmlns:a14="http://schemas.microsoft.com/office/drawing/2010/main" xmlns:ma14="http://schemas.microsoft.com/office/mac/drawingml/2011/main" val="1"/>
             </a:ext>
           </a:extLst>
         </p:spPr>
@@ -8443,7 +8388,7 @@
 </p:sld>
 </file>
 
-<file path=ppt/slides/slide22.xml><?xml version="1.0" encoding="utf-8"?>
+<file path=ppt/slides/slide21.xml><?xml version="1.0" encoding="utf-8"?>
 <p:sld xmlns:a="http://schemas.openxmlformats.org/drawingml/2006/main" xmlns:r="http://schemas.openxmlformats.org/officeDocument/2006/relationships" xmlns:p="http://schemas.openxmlformats.org/presentationml/2006/main">
   <p:cSld>
     <p:spTree>
@@ -8541,7 +8486,7 @@
             <a:effectLst/>
             <a:extLst>
               <a:ext uri="{C572A759-6A51-4108-AA02-DFA0A04FC94B}">
-                <ma14:wrappingTextBoxFlag xmlns:ma14="http://schemas.microsoft.com/office/mac/drawingml/2011/main" xmlns:a14="http://schemas.microsoft.com/office/drawing/2010/main" xmlns:m="http://schemas.openxmlformats.org/officeDocument/2006/math" xmlns="" val="1"/>
+                <ma14:wrappingTextBoxFlag xmlns="" xmlns:m="http://schemas.openxmlformats.org/officeDocument/2006/math" xmlns:a14="http://schemas.microsoft.com/office/drawing/2010/main" xmlns:ma14="http://schemas.microsoft.com/office/mac/drawingml/2011/main" val="1"/>
               </a:ext>
             </a:extLst>
           </p:spPr>
@@ -8651,7 +8596,7 @@
             <a:effectLst/>
             <a:extLst>
               <a:ext uri="{C572A759-6A51-4108-AA02-DFA0A04FC94B}">
-                <ma14:wrappingTextBoxFlag xmlns:ma14="http://schemas.microsoft.com/office/mac/drawingml/2011/main" xmlns:a14="http://schemas.microsoft.com/office/drawing/2010/main" xmlns:m="http://schemas.openxmlformats.org/officeDocument/2006/math" xmlns="" val="1"/>
+                <ma14:wrappingTextBoxFlag xmlns="" xmlns:m="http://schemas.openxmlformats.org/officeDocument/2006/math" xmlns:a14="http://schemas.microsoft.com/office/drawing/2010/main" xmlns:ma14="http://schemas.microsoft.com/office/mac/drawingml/2011/main" val="1"/>
               </a:ext>
             </a:extLst>
           </p:spPr>
@@ -8761,7 +8706,7 @@
             <a:effectLst/>
             <a:extLst>
               <a:ext uri="{C572A759-6A51-4108-AA02-DFA0A04FC94B}">
-                <ma14:wrappingTextBoxFlag xmlns:ma14="http://schemas.microsoft.com/office/mac/drawingml/2011/main" xmlns:a14="http://schemas.microsoft.com/office/drawing/2010/main" xmlns:m="http://schemas.openxmlformats.org/officeDocument/2006/math" xmlns="" val="1"/>
+                <ma14:wrappingTextBoxFlag xmlns="" xmlns:m="http://schemas.openxmlformats.org/officeDocument/2006/math" xmlns:a14="http://schemas.microsoft.com/office/drawing/2010/main" xmlns:ma14="http://schemas.microsoft.com/office/mac/drawingml/2011/main" val="1"/>
               </a:ext>
             </a:extLst>
           </p:spPr>
@@ -8879,7 +8824,7 @@
           </a:ln>
           <a:extLst>
             <a:ext uri="{C572A759-6A51-4108-AA02-DFA0A04FC94B}">
-              <ma14:wrappingTextBoxFlag xmlns:ma14="http://schemas.microsoft.com/office/mac/drawingml/2011/main" xmlns:a14="http://schemas.microsoft.com/office/drawing/2010/main" xmlns:m="http://schemas.openxmlformats.org/officeDocument/2006/math" xmlns="" val="1"/>
+              <ma14:wrappingTextBoxFlag xmlns="" xmlns:m="http://schemas.openxmlformats.org/officeDocument/2006/math" xmlns:a14="http://schemas.microsoft.com/office/drawing/2010/main" xmlns:ma14="http://schemas.microsoft.com/office/mac/drawingml/2011/main" val="1"/>
             </a:ext>
           </a:extLst>
         </p:spPr>
@@ -8926,7 +8871,7 @@
           </a:ln>
           <a:extLst>
             <a:ext uri="{C572A759-6A51-4108-AA02-DFA0A04FC94B}">
-              <ma14:wrappingTextBoxFlag xmlns:ma14="http://schemas.microsoft.com/office/mac/drawingml/2011/main" xmlns:a14="http://schemas.microsoft.com/office/drawing/2010/main" xmlns:m="http://schemas.openxmlformats.org/officeDocument/2006/math" xmlns="" val="1"/>
+              <ma14:wrappingTextBoxFlag xmlns="" xmlns:m="http://schemas.openxmlformats.org/officeDocument/2006/math" xmlns:a14="http://schemas.microsoft.com/office/drawing/2010/main" xmlns:ma14="http://schemas.microsoft.com/office/mac/drawingml/2011/main" val="1"/>
             </a:ext>
           </a:extLst>
         </p:spPr>
@@ -8973,7 +8918,7 @@
           </a:ln>
           <a:extLst>
             <a:ext uri="{C572A759-6A51-4108-AA02-DFA0A04FC94B}">
-              <ma14:wrappingTextBoxFlag xmlns:ma14="http://schemas.microsoft.com/office/mac/drawingml/2011/main" xmlns:a14="http://schemas.microsoft.com/office/drawing/2010/main" xmlns:m="http://schemas.openxmlformats.org/officeDocument/2006/math" xmlns="" val="1"/>
+              <ma14:wrappingTextBoxFlag xmlns="" xmlns:m="http://schemas.openxmlformats.org/officeDocument/2006/math" xmlns:a14="http://schemas.microsoft.com/office/drawing/2010/main" xmlns:ma14="http://schemas.microsoft.com/office/mac/drawingml/2011/main" val="1"/>
             </a:ext>
           </a:extLst>
         </p:spPr>
@@ -9081,7 +9026,7 @@
             <a:effectLst/>
             <a:extLst>
               <a:ext uri="{C572A759-6A51-4108-AA02-DFA0A04FC94B}">
-                <ma14:wrappingTextBoxFlag xmlns:ma14="http://schemas.microsoft.com/office/mac/drawingml/2011/main" xmlns:a14="http://schemas.microsoft.com/office/drawing/2010/main" xmlns:m="http://schemas.openxmlformats.org/officeDocument/2006/math" xmlns="" val="1"/>
+                <ma14:wrappingTextBoxFlag xmlns="" xmlns:m="http://schemas.openxmlformats.org/officeDocument/2006/math" xmlns:a14="http://schemas.microsoft.com/office/drawing/2010/main" xmlns:ma14="http://schemas.microsoft.com/office/mac/drawingml/2011/main" val="1"/>
               </a:ext>
             </a:extLst>
           </p:spPr>
@@ -9119,7 +9064,7 @@
 </p:sld>
 </file>
 
-<file path=ppt/slides/slide23.xml><?xml version="1.0" encoding="utf-8"?>
+<file path=ppt/slides/slide22.xml><?xml version="1.0" encoding="utf-8"?>
 <p:sld xmlns:a="http://schemas.openxmlformats.org/drawingml/2006/main" xmlns:r="http://schemas.openxmlformats.org/officeDocument/2006/relationships" xmlns:p="http://schemas.openxmlformats.org/presentationml/2006/main">
   <p:cSld>
     <p:spTree>
@@ -9225,7 +9170,7 @@
           </a:ln>
           <a:extLst>
             <a:ext uri="{C572A759-6A51-4108-AA02-DFA0A04FC94B}">
-              <ma14:wrappingTextBoxFlag xmlns:ma14="http://schemas.microsoft.com/office/mac/drawingml/2011/main" xmlns:a14="http://schemas.microsoft.com/office/drawing/2010/main" xmlns:m="http://schemas.openxmlformats.org/officeDocument/2006/math" xmlns="" val="1"/>
+              <ma14:wrappingTextBoxFlag xmlns="" xmlns:m="http://schemas.openxmlformats.org/officeDocument/2006/math" xmlns:a14="http://schemas.microsoft.com/office/drawing/2010/main" xmlns:ma14="http://schemas.microsoft.com/office/mac/drawingml/2011/main" val="1"/>
             </a:ext>
           </a:extLst>
         </p:spPr>
@@ -9272,7 +9217,7 @@
           </a:ln>
           <a:extLst>
             <a:ext uri="{C572A759-6A51-4108-AA02-DFA0A04FC94B}">
-              <ma14:wrappingTextBoxFlag xmlns:ma14="http://schemas.microsoft.com/office/mac/drawingml/2011/main" xmlns:a14="http://schemas.microsoft.com/office/drawing/2010/main" xmlns:m="http://schemas.openxmlformats.org/officeDocument/2006/math" xmlns="" val="1"/>
+              <ma14:wrappingTextBoxFlag xmlns="" xmlns:m="http://schemas.openxmlformats.org/officeDocument/2006/math" xmlns:a14="http://schemas.microsoft.com/office/drawing/2010/main" xmlns:ma14="http://schemas.microsoft.com/office/mac/drawingml/2011/main" val="1"/>
             </a:ext>
           </a:extLst>
         </p:spPr>
@@ -9319,7 +9264,7 @@
           </a:ln>
           <a:extLst>
             <a:ext uri="{C572A759-6A51-4108-AA02-DFA0A04FC94B}">
-              <ma14:wrappingTextBoxFlag xmlns:ma14="http://schemas.microsoft.com/office/mac/drawingml/2011/main" xmlns:a14="http://schemas.microsoft.com/office/drawing/2010/main" xmlns:m="http://schemas.openxmlformats.org/officeDocument/2006/math" xmlns="" val="1"/>
+              <ma14:wrappingTextBoxFlag xmlns="" xmlns:m="http://schemas.openxmlformats.org/officeDocument/2006/math" xmlns:a14="http://schemas.microsoft.com/office/drawing/2010/main" xmlns:ma14="http://schemas.microsoft.com/office/mac/drawingml/2011/main" val="1"/>
             </a:ext>
           </a:extLst>
         </p:spPr>
@@ -9375,7 +9320,7 @@
           </a:ln>
           <a:extLst>
             <a:ext uri="{C572A759-6A51-4108-AA02-DFA0A04FC94B}">
-              <ma14:wrappingTextBoxFlag xmlns:ma14="http://schemas.microsoft.com/office/mac/drawingml/2011/main" xmlns:a14="http://schemas.microsoft.com/office/drawing/2010/main" xmlns:m="http://schemas.openxmlformats.org/officeDocument/2006/math" xmlns="" val="1"/>
+              <ma14:wrappingTextBoxFlag xmlns="" xmlns:m="http://schemas.openxmlformats.org/officeDocument/2006/math" xmlns:a14="http://schemas.microsoft.com/office/drawing/2010/main" xmlns:ma14="http://schemas.microsoft.com/office/mac/drawingml/2011/main" val="1"/>
             </a:ext>
           </a:extLst>
         </p:spPr>
@@ -9431,7 +9376,7 @@
           </a:ln>
           <a:extLst>
             <a:ext uri="{C572A759-6A51-4108-AA02-DFA0A04FC94B}">
-              <ma14:wrappingTextBoxFlag xmlns:ma14="http://schemas.microsoft.com/office/mac/drawingml/2011/main" xmlns:a14="http://schemas.microsoft.com/office/drawing/2010/main" xmlns:m="http://schemas.openxmlformats.org/officeDocument/2006/math" xmlns="" val="1"/>
+              <ma14:wrappingTextBoxFlag xmlns="" xmlns:m="http://schemas.openxmlformats.org/officeDocument/2006/math" xmlns:a14="http://schemas.microsoft.com/office/drawing/2010/main" xmlns:ma14="http://schemas.microsoft.com/office/mac/drawingml/2011/main" val="1"/>
             </a:ext>
           </a:extLst>
         </p:spPr>
@@ -9487,7 +9432,7 @@
           </a:ln>
           <a:extLst>
             <a:ext uri="{C572A759-6A51-4108-AA02-DFA0A04FC94B}">
-              <ma14:wrappingTextBoxFlag xmlns:ma14="http://schemas.microsoft.com/office/mac/drawingml/2011/main" xmlns:a14="http://schemas.microsoft.com/office/drawing/2010/main" xmlns:m="http://schemas.openxmlformats.org/officeDocument/2006/math" xmlns="" val="1"/>
+              <ma14:wrappingTextBoxFlag xmlns="" xmlns:m="http://schemas.openxmlformats.org/officeDocument/2006/math" xmlns:a14="http://schemas.microsoft.com/office/drawing/2010/main" xmlns:ma14="http://schemas.microsoft.com/office/mac/drawingml/2011/main" val="1"/>
             </a:ext>
           </a:extLst>
         </p:spPr>
@@ -9857,7 +9802,7 @@
 </p:sld>
 </file>
 
-<file path=ppt/slides/slide24.xml><?xml version="1.0" encoding="utf-8"?>
+<file path=ppt/slides/slide23.xml><?xml version="1.0" encoding="utf-8"?>
 <p:sld xmlns:a="http://schemas.openxmlformats.org/drawingml/2006/main" xmlns:r="http://schemas.openxmlformats.org/officeDocument/2006/relationships" xmlns:p="http://schemas.openxmlformats.org/presentationml/2006/main">
   <p:cSld>
     <p:spTree>
@@ -13465,7 +13410,7 @@
           </a:ln>
           <a:extLst>
             <a:ext uri="{C572A759-6A51-4108-AA02-DFA0A04FC94B}">
-              <ma14:wrappingTextBoxFlag xmlns:ma14="http://schemas.microsoft.com/office/mac/drawingml/2011/main" xmlns:a14="http://schemas.microsoft.com/office/drawing/2010/main" xmlns:m="http://schemas.openxmlformats.org/officeDocument/2006/math" xmlns="" val="1"/>
+              <ma14:wrappingTextBoxFlag xmlns="" xmlns:m="http://schemas.openxmlformats.org/officeDocument/2006/math" xmlns:a14="http://schemas.microsoft.com/office/drawing/2010/main" xmlns:ma14="http://schemas.microsoft.com/office/mac/drawingml/2011/main" val="1"/>
             </a:ext>
           </a:extLst>
         </p:spPr>
@@ -13512,7 +13457,7 @@
           </a:ln>
           <a:extLst>
             <a:ext uri="{C572A759-6A51-4108-AA02-DFA0A04FC94B}">
-              <ma14:wrappingTextBoxFlag xmlns:ma14="http://schemas.microsoft.com/office/mac/drawingml/2011/main" xmlns:a14="http://schemas.microsoft.com/office/drawing/2010/main" xmlns:m="http://schemas.openxmlformats.org/officeDocument/2006/math" xmlns="" val="1"/>
+              <ma14:wrappingTextBoxFlag xmlns="" xmlns:m="http://schemas.openxmlformats.org/officeDocument/2006/math" xmlns:a14="http://schemas.microsoft.com/office/drawing/2010/main" xmlns:ma14="http://schemas.microsoft.com/office/mac/drawingml/2011/main" val="1"/>
             </a:ext>
           </a:extLst>
         </p:spPr>
@@ -13559,7 +13504,7 @@
           </a:ln>
           <a:extLst>
             <a:ext uri="{C572A759-6A51-4108-AA02-DFA0A04FC94B}">
-              <ma14:wrappingTextBoxFlag xmlns:ma14="http://schemas.microsoft.com/office/mac/drawingml/2011/main" xmlns:a14="http://schemas.microsoft.com/office/drawing/2010/main" xmlns:m="http://schemas.openxmlformats.org/officeDocument/2006/math" xmlns="" val="1"/>
+              <ma14:wrappingTextBoxFlag xmlns="" xmlns:m="http://schemas.openxmlformats.org/officeDocument/2006/math" xmlns:a14="http://schemas.microsoft.com/office/drawing/2010/main" xmlns:ma14="http://schemas.microsoft.com/office/mac/drawingml/2011/main" val="1"/>
             </a:ext>
           </a:extLst>
         </p:spPr>
@@ -14640,7 +14585,7 @@
             <a:effectLst/>
             <a:extLst>
               <a:ext uri="{C572A759-6A51-4108-AA02-DFA0A04FC94B}">
-                <ma14:wrappingTextBoxFlag xmlns:ma14="http://schemas.microsoft.com/office/mac/drawingml/2011/main" xmlns:a14="http://schemas.microsoft.com/office/drawing/2010/main" xmlns:m="http://schemas.openxmlformats.org/officeDocument/2006/math" xmlns="" val="1"/>
+                <ma14:wrappingTextBoxFlag xmlns="" xmlns:m="http://schemas.openxmlformats.org/officeDocument/2006/math" xmlns:a14="http://schemas.microsoft.com/office/drawing/2010/main" xmlns:ma14="http://schemas.microsoft.com/office/mac/drawingml/2011/main" val="1"/>
               </a:ext>
             </a:extLst>
           </p:spPr>
@@ -14765,7 +14710,7 @@
             <a:effectLst/>
             <a:extLst>
               <a:ext uri="{C572A759-6A51-4108-AA02-DFA0A04FC94B}">
-                <ma14:wrappingTextBoxFlag xmlns:ma14="http://schemas.microsoft.com/office/mac/drawingml/2011/main" xmlns:a14="http://schemas.microsoft.com/office/drawing/2010/main" xmlns:m="http://schemas.openxmlformats.org/officeDocument/2006/math" xmlns="" val="1"/>
+                <ma14:wrappingTextBoxFlag xmlns="" xmlns:m="http://schemas.openxmlformats.org/officeDocument/2006/math" xmlns:a14="http://schemas.microsoft.com/office/drawing/2010/main" xmlns:ma14="http://schemas.microsoft.com/office/mac/drawingml/2011/main" val="1"/>
               </a:ext>
             </a:extLst>
           </p:spPr>
@@ -14890,7 +14835,7 @@
             <a:effectLst/>
             <a:extLst>
               <a:ext uri="{C572A759-6A51-4108-AA02-DFA0A04FC94B}">
-                <ma14:wrappingTextBoxFlag xmlns:ma14="http://schemas.microsoft.com/office/mac/drawingml/2011/main" xmlns:a14="http://schemas.microsoft.com/office/drawing/2010/main" xmlns:m="http://schemas.openxmlformats.org/officeDocument/2006/math" xmlns="" val="1"/>
+                <ma14:wrappingTextBoxFlag xmlns="" xmlns:m="http://schemas.openxmlformats.org/officeDocument/2006/math" xmlns:a14="http://schemas.microsoft.com/office/drawing/2010/main" xmlns:ma14="http://schemas.microsoft.com/office/mac/drawingml/2011/main" val="1"/>
               </a:ext>
             </a:extLst>
           </p:spPr>
@@ -15014,7 +14959,7 @@
             <a:effectLst/>
             <a:extLst>
               <a:ext uri="{C572A759-6A51-4108-AA02-DFA0A04FC94B}">
-                <ma14:wrappingTextBoxFlag xmlns:ma14="http://schemas.microsoft.com/office/mac/drawingml/2011/main" xmlns:a14="http://schemas.microsoft.com/office/drawing/2010/main" xmlns:m="http://schemas.openxmlformats.org/officeDocument/2006/math" xmlns="" val="1"/>
+                <ma14:wrappingTextBoxFlag xmlns="" xmlns:m="http://schemas.openxmlformats.org/officeDocument/2006/math" xmlns:a14="http://schemas.microsoft.com/office/drawing/2010/main" xmlns:ma14="http://schemas.microsoft.com/office/mac/drawingml/2011/main" val="1"/>
               </a:ext>
             </a:extLst>
           </p:spPr>
@@ -15067,7 +15012,7 @@
 </p:sld>
 </file>
 
-<file path=ppt/slides/slide25.xml><?xml version="1.0" encoding="utf-8"?>
+<file path=ppt/slides/slide24.xml><?xml version="1.0" encoding="utf-8"?>
 <p:sld xmlns:a="http://schemas.openxmlformats.org/drawingml/2006/main" xmlns:r="http://schemas.openxmlformats.org/officeDocument/2006/relationships" xmlns:p="http://schemas.openxmlformats.org/presentationml/2006/main">
   <p:cSld>
     <p:spTree>
@@ -15358,7 +15303,7 @@
           </a:ln>
           <a:extLst>
             <a:ext uri="{C572A759-6A51-4108-AA02-DFA0A04FC94B}">
-              <ma14:wrappingTextBoxFlag xmlns:ma14="http://schemas.microsoft.com/office/mac/drawingml/2011/main" xmlns:a14="http://schemas.microsoft.com/office/drawing/2010/main" xmlns:m="http://schemas.openxmlformats.org/officeDocument/2006/math" xmlns="" val="1"/>
+              <ma14:wrappingTextBoxFlag xmlns="" xmlns:m="http://schemas.openxmlformats.org/officeDocument/2006/math" xmlns:a14="http://schemas.microsoft.com/office/drawing/2010/main" xmlns:ma14="http://schemas.microsoft.com/office/mac/drawingml/2011/main" val="1"/>
             </a:ext>
           </a:extLst>
         </p:spPr>
@@ -15392,7 +15337,7 @@
 </p:sld>
 </file>
 
-<file path=ppt/slides/slide26.xml><?xml version="1.0" encoding="utf-8"?>
+<file path=ppt/slides/slide25.xml><?xml version="1.0" encoding="utf-8"?>
 <p:sld xmlns:a="http://schemas.openxmlformats.org/drawingml/2006/main" xmlns:r="http://schemas.openxmlformats.org/officeDocument/2006/relationships" xmlns:p="http://schemas.openxmlformats.org/presentationml/2006/main">
   <p:cSld>
     <p:spTree>
@@ -15526,7 +15471,7 @@
 </p:sld>
 </file>
 
-<file path=ppt/slides/slide27.xml><?xml version="1.0" encoding="utf-8"?>
+<file path=ppt/slides/slide26.xml><?xml version="1.0" encoding="utf-8"?>
 <p:sld xmlns:a="http://schemas.openxmlformats.org/drawingml/2006/main" xmlns:r="http://schemas.openxmlformats.org/officeDocument/2006/relationships" xmlns:p="http://schemas.openxmlformats.org/presentationml/2006/main">
   <p:cSld>
     <p:spTree>
@@ -16203,7 +16148,7 @@
 </p:sld>
 </file>
 
-<file path=ppt/slides/slide28.xml><?xml version="1.0" encoding="utf-8"?>
+<file path=ppt/slides/slide27.xml><?xml version="1.0" encoding="utf-8"?>
 <p:sld xmlns:a="http://schemas.openxmlformats.org/drawingml/2006/main" xmlns:r="http://schemas.openxmlformats.org/officeDocument/2006/relationships" xmlns:p="http://schemas.openxmlformats.org/presentationml/2006/main">
   <p:cSld>
     <p:spTree>
@@ -16239,7 +16184,7 @@
           </a:ln>
           <a:extLst>
             <a:ext uri="{C572A759-6A51-4108-AA02-DFA0A04FC94B}">
-              <ma14:wrappingTextBoxFlag xmlns:ma14="http://schemas.microsoft.com/office/mac/drawingml/2011/main" xmlns:a14="http://schemas.microsoft.com/office/drawing/2010/main" xmlns:m="http://schemas.openxmlformats.org/officeDocument/2006/math" xmlns="" val="1"/>
+              <ma14:wrappingTextBoxFlag xmlns="" xmlns:m="http://schemas.openxmlformats.org/officeDocument/2006/math" xmlns:a14="http://schemas.microsoft.com/office/drawing/2010/main" xmlns:ma14="http://schemas.microsoft.com/office/mac/drawingml/2011/main" val="1"/>
             </a:ext>
           </a:extLst>
         </p:spPr>
@@ -16378,7 +16323,7 @@
           </a:ln>
           <a:extLst>
             <a:ext uri="{C572A759-6A51-4108-AA02-DFA0A04FC94B}">
-              <ma14:wrappingTextBoxFlag xmlns:ma14="http://schemas.microsoft.com/office/mac/drawingml/2011/main" xmlns:a14="http://schemas.microsoft.com/office/drawing/2010/main" xmlns:m="http://schemas.openxmlformats.org/officeDocument/2006/math" xmlns="" val="1"/>
+              <ma14:wrappingTextBoxFlag xmlns="" xmlns:m="http://schemas.openxmlformats.org/officeDocument/2006/math" xmlns:a14="http://schemas.microsoft.com/office/drawing/2010/main" xmlns:ma14="http://schemas.microsoft.com/office/mac/drawingml/2011/main" val="1"/>
             </a:ext>
           </a:extLst>
         </p:spPr>
@@ -16433,7 +16378,7 @@
           </a:ln>
           <a:extLst>
             <a:ext uri="{C572A759-6A51-4108-AA02-DFA0A04FC94B}">
-              <ma14:wrappingTextBoxFlag xmlns:ma14="http://schemas.microsoft.com/office/mac/drawingml/2011/main" xmlns:a14="http://schemas.microsoft.com/office/drawing/2010/main" xmlns:m="http://schemas.openxmlformats.org/officeDocument/2006/math" xmlns="" val="1"/>
+              <ma14:wrappingTextBoxFlag xmlns="" xmlns:m="http://schemas.openxmlformats.org/officeDocument/2006/math" xmlns:a14="http://schemas.microsoft.com/office/drawing/2010/main" xmlns:ma14="http://schemas.microsoft.com/office/mac/drawingml/2011/main" val="1"/>
             </a:ext>
           </a:extLst>
         </p:spPr>
@@ -16478,7 +16423,7 @@
 </p:sld>
 </file>
 
-<file path=ppt/slides/slide29.xml><?xml version="1.0" encoding="utf-8"?>
+<file path=ppt/slides/slide28.xml><?xml version="1.0" encoding="utf-8"?>
 <p:sld xmlns:a="http://schemas.openxmlformats.org/drawingml/2006/main" xmlns:r="http://schemas.openxmlformats.org/officeDocument/2006/relationships" xmlns:p="http://schemas.openxmlformats.org/presentationml/2006/main">
   <p:cSld>
     <p:spTree>
@@ -16522,6 +16467,206 @@
           </a:ln>
         </p:spPr>
       </p:pic>
+    </p:spTree>
+  </p:cSld>
+  <p:clrMapOvr>
+    <a:masterClrMapping/>
+  </p:clrMapOvr>
+  <p:transition spd="med"/>
+</p:sld>
+</file>
+
+<file path=ppt/slides/slide29.xml><?xml version="1.0" encoding="utf-8"?>
+<p:sld xmlns:a="http://schemas.openxmlformats.org/drawingml/2006/main" xmlns:r="http://schemas.openxmlformats.org/officeDocument/2006/relationships" xmlns:p="http://schemas.openxmlformats.org/presentationml/2006/main">
+  <p:cSld>
+    <p:spTree>
+      <p:nvGrpSpPr>
+        <p:cNvPr id="1" name=""/>
+        <p:cNvGrpSpPr/>
+        <p:nvPr/>
+      </p:nvGrpSpPr>
+      <p:grpSpPr>
+        <a:xfrm>
+          <a:off x="0" y="0"/>
+          <a:ext cx="0" cy="0"/>
+          <a:chOff x="0" y="0"/>
+          <a:chExt cx="0" cy="0"/>
+        </a:xfrm>
+      </p:grpSpPr>
+      <p:sp>
+        <p:nvSpPr>
+          <p:cNvPr id="281" name="Lijn"/>
+          <p:cNvSpPr/>
+          <p:nvPr/>
+        </p:nvSpPr>
+        <p:spPr>
+          <a:xfrm flipV="1">
+            <a:off x="1936482" y="1459216"/>
+            <a:ext cx="1" cy="6835168"/>
+          </a:xfrm>
+          <a:prstGeom prst="line">
+            <a:avLst/>
+          </a:prstGeom>
+          <a:ln w="25400">
+            <a:solidFill>
+              <a:srgbClr val="000000"/>
+            </a:solidFill>
+            <a:miter lim="400000"/>
+          </a:ln>
+        </p:spPr>
+        <p:txBody>
+          <a:bodyPr lIns="50800" tIns="50800" rIns="50800" bIns="50800" anchor="ctr"/>
+          <a:lstStyle/>
+          <a:p>
+            <a:pPr>
+              <a:defRPr sz="2400"/>
+            </a:pPr>
+            <a:endParaRPr/>
+          </a:p>
+        </p:txBody>
+      </p:sp>
+      <p:sp>
+        <p:nvSpPr>
+          <p:cNvPr id="282" name="Lijn"/>
+          <p:cNvSpPr/>
+          <p:nvPr/>
+        </p:nvSpPr>
+        <p:spPr>
+          <a:xfrm>
+            <a:off x="1071443" y="7761174"/>
+            <a:ext cx="10494179" cy="1"/>
+          </a:xfrm>
+          <a:prstGeom prst="line">
+            <a:avLst/>
+          </a:prstGeom>
+          <a:ln w="25400">
+            <a:solidFill>
+              <a:srgbClr val="000000"/>
+            </a:solidFill>
+            <a:miter lim="400000"/>
+          </a:ln>
+        </p:spPr>
+        <p:txBody>
+          <a:bodyPr lIns="50800" tIns="50800" rIns="50800" bIns="50800" anchor="ctr"/>
+          <a:lstStyle/>
+          <a:p>
+            <a:pPr>
+              <a:defRPr sz="2400"/>
+            </a:pPr>
+            <a:endParaRPr/>
+          </a:p>
+        </p:txBody>
+      </p:sp>
+      <p:sp>
+        <p:nvSpPr>
+          <p:cNvPr id="283" name="TPR →"/>
+          <p:cNvSpPr txBox="1"/>
+          <p:nvPr/>
+        </p:nvSpPr>
+        <p:spPr>
+          <a:xfrm rot="16200000">
+            <a:off x="526278" y="4006965"/>
+            <a:ext cx="1485454" cy="665560"/>
+          </a:xfrm>
+          <a:prstGeom prst="rect">
+            <a:avLst/>
+          </a:prstGeom>
+          <a:ln w="12700">
+            <a:miter lim="400000"/>
+          </a:ln>
+          <a:extLst>
+            <a:ext uri="{C572A759-6A51-4108-AA02-DFA0A04FC94B}">
+              <ma14:wrappingTextBoxFlag xmlns="" xmlns:m="http://schemas.openxmlformats.org/officeDocument/2006/math" xmlns:a14="http://schemas.microsoft.com/office/drawing/2010/main" xmlns:ma14="http://schemas.microsoft.com/office/mac/drawingml/2011/main" val="1"/>
+            </a:ext>
+          </a:extLst>
+        </p:spPr>
+        <p:txBody>
+          <a:bodyPr wrap="none" lIns="50800" tIns="50800" rIns="50800" bIns="50800" anchor="ctr">
+            <a:spAutoFit/>
+          </a:bodyPr>
+          <a:lstStyle/>
+          <a:p>
+            <a:pPr>
+              <a:defRPr>
+                <a:latin typeface="Calibri"/>
+                <a:ea typeface="Calibri"/>
+                <a:cs typeface="Calibri"/>
+                <a:sym typeface="Calibri"/>
+              </a:defRPr>
+            </a:pPr>
+            <a:r>
+              <a:t>TPR </a:t>
+            </a:r>
+            <a:r>
+              <a:rPr>
+                <a:latin typeface="Helvetica"/>
+                <a:ea typeface="Helvetica"/>
+                <a:cs typeface="Helvetica"/>
+                <a:sym typeface="Helvetica"/>
+              </a:rPr>
+              <a:t>→</a:t>
+            </a:r>
+            <a:r>
+              <a:t> </a:t>
+            </a:r>
+          </a:p>
+        </p:txBody>
+      </p:sp>
+      <p:sp>
+        <p:nvSpPr>
+          <p:cNvPr id="284" name="FPR →"/>
+          <p:cNvSpPr txBox="1"/>
+          <p:nvPr/>
+        </p:nvSpPr>
+        <p:spPr>
+          <a:xfrm>
+            <a:off x="5766035" y="8218662"/>
+            <a:ext cx="1472730" cy="665561"/>
+          </a:xfrm>
+          <a:prstGeom prst="rect">
+            <a:avLst/>
+          </a:prstGeom>
+          <a:ln w="12700">
+            <a:miter lim="400000"/>
+          </a:ln>
+          <a:extLst>
+            <a:ext uri="{C572A759-6A51-4108-AA02-DFA0A04FC94B}">
+              <ma14:wrappingTextBoxFlag xmlns="" xmlns:m="http://schemas.openxmlformats.org/officeDocument/2006/math" xmlns:a14="http://schemas.microsoft.com/office/drawing/2010/main" xmlns:ma14="http://schemas.microsoft.com/office/mac/drawingml/2011/main" val="1"/>
+            </a:ext>
+          </a:extLst>
+        </p:spPr>
+        <p:txBody>
+          <a:bodyPr wrap="none" lIns="50800" tIns="50800" rIns="50800" bIns="50800" anchor="ctr">
+            <a:spAutoFit/>
+          </a:bodyPr>
+          <a:lstStyle/>
+          <a:p>
+            <a:pPr>
+              <a:defRPr>
+                <a:latin typeface="Calibri"/>
+                <a:ea typeface="Calibri"/>
+                <a:cs typeface="Calibri"/>
+                <a:sym typeface="Calibri"/>
+              </a:defRPr>
+            </a:pPr>
+            <a:r>
+              <a:t>FPR </a:t>
+            </a:r>
+            <a:r>
+              <a:rPr>
+                <a:latin typeface="Helvetica"/>
+                <a:ea typeface="Helvetica"/>
+                <a:cs typeface="Helvetica"/>
+                <a:sym typeface="Helvetica"/>
+              </a:rPr>
+              <a:t>→</a:t>
+            </a:r>
+            <a:r>
+              <a:t> </a:t>
+            </a:r>
+          </a:p>
+        </p:txBody>
+      </p:sp>
     </p:spTree>
   </p:cSld>
   <p:clrMapOvr>
@@ -16601,80 +16746,24 @@
           <a:chExt cx="0" cy="0"/>
         </a:xfrm>
       </p:grpSpPr>
-      <p:sp>
-        <p:nvSpPr>
-          <p:cNvPr id="281" name="Lijn"/>
-          <p:cNvSpPr/>
+      <p:pic>
+        <p:nvPicPr>
+          <p:cNvPr id="286" name="pasted-image.png" descr="pasted-image.png"/>
+          <p:cNvPicPr>
+            <a:picLocks noChangeAspect="1"/>
+          </p:cNvPicPr>
           <p:nvPr/>
-        </p:nvSpPr>
-        <p:spPr>
-          <a:xfrm flipV="1">
-            <a:off x="1936482" y="1459216"/>
-            <a:ext cx="1" cy="6835168"/>
-          </a:xfrm>
-          <a:prstGeom prst="line">
-            <a:avLst/>
-          </a:prstGeom>
-          <a:ln w="25400">
-            <a:solidFill>
-              <a:srgbClr val="000000"/>
-            </a:solidFill>
-            <a:miter lim="400000"/>
-          </a:ln>
-        </p:spPr>
-        <p:txBody>
-          <a:bodyPr lIns="50800" tIns="50800" rIns="50800" bIns="50800" anchor="ctr"/>
-          <a:lstStyle/>
-          <a:p>
-            <a:pPr>
-              <a:defRPr sz="2400"/>
-            </a:pPr>
-            <a:endParaRPr/>
-          </a:p>
-        </p:txBody>
-      </p:sp>
-      <p:sp>
-        <p:nvSpPr>
-          <p:cNvPr id="282" name="Lijn"/>
-          <p:cNvSpPr/>
-          <p:nvPr/>
-        </p:nvSpPr>
+        </p:nvPicPr>
+        <p:blipFill>
+          <a:blip r:embed="rId2"/>
+          <a:stretch>
+            <a:fillRect/>
+          </a:stretch>
+        </p:blipFill>
         <p:spPr>
           <a:xfrm>
-            <a:off x="1071443" y="7761174"/>
-            <a:ext cx="10494179" cy="1"/>
-          </a:xfrm>
-          <a:prstGeom prst="line">
-            <a:avLst/>
-          </a:prstGeom>
-          <a:ln w="25400">
-            <a:solidFill>
-              <a:srgbClr val="000000"/>
-            </a:solidFill>
-            <a:miter lim="400000"/>
-          </a:ln>
-        </p:spPr>
-        <p:txBody>
-          <a:bodyPr lIns="50800" tIns="50800" rIns="50800" bIns="50800" anchor="ctr"/>
-          <a:lstStyle/>
-          <a:p>
-            <a:pPr>
-              <a:defRPr sz="2400"/>
-            </a:pPr>
-            <a:endParaRPr/>
-          </a:p>
-        </p:txBody>
-      </p:sp>
-      <p:sp>
-        <p:nvSpPr>
-          <p:cNvPr id="283" name="TPR →"/>
-          <p:cNvSpPr txBox="1"/>
-          <p:nvPr/>
-        </p:nvSpPr>
-        <p:spPr>
-          <a:xfrm rot="16200000">
-            <a:off x="526278" y="4006965"/>
-            <a:ext cx="1485454" cy="665560"/>
+            <a:off x="304435" y="195737"/>
+            <a:ext cx="12395930" cy="9362126"/>
           </a:xfrm>
           <a:prstGeom prst="rect">
             <a:avLst/>
@@ -16682,96 +16771,90 @@
           <a:ln w="12700">
             <a:miter lim="400000"/>
           </a:ln>
-          <a:extLst>
-            <a:ext uri="{C572A759-6A51-4108-AA02-DFA0A04FC94B}">
-              <ma14:wrappingTextBoxFlag xmlns:ma14="http://schemas.microsoft.com/office/mac/drawingml/2011/main" xmlns:a14="http://schemas.microsoft.com/office/drawing/2010/main" xmlns:m="http://schemas.openxmlformats.org/officeDocument/2006/math" xmlns="" val="1"/>
-            </a:ext>
-          </a:extLst>
         </p:spPr>
-        <p:txBody>
-          <a:bodyPr wrap="none" lIns="50800" tIns="50800" rIns="50800" bIns="50800" anchor="ctr">
-            <a:spAutoFit/>
-          </a:bodyPr>
-          <a:lstStyle/>
-          <a:p>
-            <a:pPr>
-              <a:defRPr>
-                <a:latin typeface="Calibri"/>
-                <a:ea typeface="Calibri"/>
-                <a:cs typeface="Calibri"/>
-                <a:sym typeface="Calibri"/>
-              </a:defRPr>
-            </a:pPr>
-            <a:r>
-              <a:t>TPR </a:t>
-            </a:r>
-            <a:r>
-              <a:rPr>
-                <a:latin typeface="Helvetica"/>
-                <a:ea typeface="Helvetica"/>
-                <a:cs typeface="Helvetica"/>
-                <a:sym typeface="Helvetica"/>
-              </a:rPr>
-              <a:t>→</a:t>
-            </a:r>
-            <a:r>
-              <a:t> </a:t>
-            </a:r>
-          </a:p>
-        </p:txBody>
-      </p:sp>
+      </p:pic>
       <p:sp>
         <p:nvSpPr>
-          <p:cNvPr id="284" name="FPR →"/>
+          <p:cNvPr id="2" name="Tekstvak 1">
+            <a:extLst>
+              <a:ext uri="{FF2B5EF4-FFF2-40B4-BE49-F238E27FC236}">
+                <a16:creationId xmlns:a16="http://schemas.microsoft.com/office/drawing/2014/main" id="{9762CDEC-F16A-3E94-9516-C3ED6284D26E}"/>
+              </a:ext>
+            </a:extLst>
+          </p:cNvPr>
           <p:cNvSpPr txBox="1"/>
           <p:nvPr/>
         </p:nvSpPr>
         <p:spPr>
           <a:xfrm>
-            <a:off x="5766035" y="8218662"/>
-            <a:ext cx="1472730" cy="665561"/>
+            <a:off x="5140037" y="8835430"/>
+            <a:ext cx="1279236" cy="492443"/>
           </a:xfrm>
           <a:prstGeom prst="rect">
             <a:avLst/>
           </a:prstGeom>
-          <a:ln w="12700">
+          <a:solidFill>
+            <a:schemeClr val="bg1"/>
+          </a:solidFill>
+          <a:ln w="12700" cap="flat">
+            <a:noFill/>
             <a:miter lim="400000"/>
           </a:ln>
-          <a:extLst>
-            <a:ext uri="{C572A759-6A51-4108-AA02-DFA0A04FC94B}">
-              <ma14:wrappingTextBoxFlag xmlns:ma14="http://schemas.microsoft.com/office/mac/drawingml/2011/main" xmlns:a14="http://schemas.microsoft.com/office/drawing/2010/main" xmlns:m="http://schemas.openxmlformats.org/officeDocument/2006/math" xmlns="" val="1"/>
-            </a:ext>
-          </a:extLst>
+          <a:effectLst/>
+          <a:sp3d/>
         </p:spPr>
+        <p:style>
+          <a:lnRef idx="0">
+            <a:scrgbClr r="0" g="0" b="0"/>
+          </a:lnRef>
+          <a:fillRef idx="0">
+            <a:scrgbClr r="0" g="0" b="0"/>
+          </a:fillRef>
+          <a:effectRef idx="0">
+            <a:scrgbClr r="0" g="0" b="0"/>
+          </a:effectRef>
+          <a:fontRef idx="none"/>
+        </p:style>
         <p:txBody>
-          <a:bodyPr wrap="none" lIns="50800" tIns="50800" rIns="50800" bIns="50800" anchor="ctr">
+          <a:bodyPr rot="0" spcFirstLastPara="1" vertOverflow="overflow" horzOverflow="overflow" vert="horz" wrap="square" lIns="0" tIns="0" rIns="0" bIns="0" numCol="1" spcCol="38100" rtlCol="0" anchor="ctr">
             <a:spAutoFit/>
           </a:bodyPr>
           <a:lstStyle/>
           <a:p>
-            <a:pPr>
-              <a:defRPr>
-                <a:latin typeface="Calibri"/>
-                <a:ea typeface="Calibri"/>
-                <a:cs typeface="Calibri"/>
-                <a:sym typeface="Calibri"/>
-              </a:defRPr>
+            <a:pPr marL="0" marR="0" indent="0" algn="ctr" defTabSz="584200" rtl="0" fontAlgn="auto" latinLnBrk="0" hangingPunct="0">
+              <a:lnSpc>
+                <a:spcPct val="100000"/>
+              </a:lnSpc>
+              <a:spcBef>
+                <a:spcPts val="0"/>
+              </a:spcBef>
+              <a:spcAft>
+                <a:spcPts val="0"/>
+              </a:spcAft>
+              <a:buClrTx/>
+              <a:buSzTx/>
+              <a:buFontTx/>
+              <a:buNone/>
+              <a:tabLst/>
             </a:pPr>
             <a:r>
-              <a:t>FPR </a:t>
-            </a:r>
-            <a:r>
-              <a:rPr>
-                <a:latin typeface="Helvetica"/>
-                <a:ea typeface="Helvetica"/>
-                <a:cs typeface="Helvetica"/>
-                <a:sym typeface="Helvetica"/>
-              </a:rPr>
-              <a:t>→</a:t>
-            </a:r>
-            <a:r>
-              <a:t> </a:t>
-            </a:r>
+              <a:rPr lang="nl-NL" sz="3200" b="1"/>
+              <a:t>False</a:t>
+            </a:r>
+            <a:endParaRPr kumimoji="0" lang="nl-NL" sz="3200" b="1" i="0" u="none" strike="noStrike" cap="none" spc="0" normalizeH="0" baseline="0">
+              <a:ln>
+                <a:noFill/>
+              </a:ln>
+              <a:solidFill>
+                <a:srgbClr val="000000"/>
+              </a:solidFill>
+              <a:effectLst/>
+              <a:uFillTx/>
+              <a:latin typeface="+mn-lt"/>
+              <a:ea typeface="+mn-ea"/>
+              <a:cs typeface="+mn-cs"/>
+              <a:sym typeface="Helvetica Light"/>
+            </a:endParaRPr>
           </a:p>
         </p:txBody>
       </p:sp>
@@ -16801,24 +16884,157 @@
           <a:chExt cx="0" cy="0"/>
         </a:xfrm>
       </p:grpSpPr>
+      <p:sp>
+        <p:nvSpPr>
+          <p:cNvPr id="2" name="Titel 1">
+            <a:extLst>
+              <a:ext uri="{FF2B5EF4-FFF2-40B4-BE49-F238E27FC236}">
+                <a16:creationId xmlns:a16="http://schemas.microsoft.com/office/drawing/2014/main" id="{C2666C07-C5E4-6621-6695-051C40E575F3}"/>
+              </a:ext>
+            </a:extLst>
+          </p:cNvPr>
+          <p:cNvSpPr>
+            <a:spLocks noGrp="1"/>
+          </p:cNvSpPr>
+          <p:nvPr>
+            <p:ph type="title"/>
+          </p:nvPr>
+        </p:nvSpPr>
+        <p:spPr/>
+        <p:txBody>
+          <a:bodyPr/>
+          <a:lstStyle/>
+          <a:p>
+            <a:r>
+              <a:rPr lang="nl-NL"/>
+              <a:t>Intermezzo: live coding</a:t>
+            </a:r>
+          </a:p>
+        </p:txBody>
+      </p:sp>
+      <p:sp>
+        <p:nvSpPr>
+          <p:cNvPr id="3" name="Tijdelijke aanduiding voor inhoud 2">
+            <a:extLst>
+              <a:ext uri="{FF2B5EF4-FFF2-40B4-BE49-F238E27FC236}">
+                <a16:creationId xmlns:a16="http://schemas.microsoft.com/office/drawing/2014/main" id="{1E900621-D636-23B8-651C-B20206A2ADF4}"/>
+              </a:ext>
+            </a:extLst>
+          </p:cNvPr>
+          <p:cNvSpPr>
+            <a:spLocks noGrp="1"/>
+          </p:cNvSpPr>
+          <p:nvPr>
+            <p:ph idx="1"/>
+          </p:nvPr>
+        </p:nvSpPr>
+        <p:spPr>
+          <a:xfrm>
+            <a:off x="894080" y="3166534"/>
+            <a:ext cx="11216640" cy="798826"/>
+          </a:xfrm>
+        </p:spPr>
+        <p:txBody>
+          <a:bodyPr/>
+          <a:lstStyle/>
+          <a:p>
+            <a:pPr marL="0" indent="0" algn="ctr">
+              <a:buNone/>
+            </a:pPr>
+            <a:r>
+              <a:rPr lang="nl-NL"/>
+              <a:t>Notebook over Modelevaluatie</a:t>
+            </a:r>
+          </a:p>
+        </p:txBody>
+      </p:sp>
       <p:pic>
         <p:nvPicPr>
-          <p:cNvPr id="286" name="pasted-image.png" descr="pasted-image.png"/>
+          <p:cNvPr id="2050" name="Picture 2" descr="Technology - Logos Download">
+            <a:extLst>
+              <a:ext uri="{FF2B5EF4-FFF2-40B4-BE49-F238E27FC236}">
+                <a16:creationId xmlns:a16="http://schemas.microsoft.com/office/drawing/2014/main" id="{5541AD79-57AF-EB5C-7DD7-04948C4525D7}"/>
+              </a:ext>
+            </a:extLst>
+          </p:cNvPr>
           <p:cNvPicPr>
-            <a:picLocks noChangeAspect="1"/>
+            <a:picLocks noChangeAspect="1" noChangeArrowheads="1"/>
           </p:cNvPicPr>
           <p:nvPr/>
         </p:nvPicPr>
         <p:blipFill>
-          <a:blip r:embed="rId2"/>
+          <a:blip r:embed="rId2" cstate="print">
+            <a:extLst>
+              <a:ext uri="{28A0092B-C50C-407E-A947-70E740481C1C}">
+                <a14:useLocalDpi xmlns:a14="http://schemas.microsoft.com/office/drawing/2010/main" val="0"/>
+              </a:ext>
+            </a:extLst>
+          </a:blip>
+          <a:srcRect/>
           <a:stretch>
             <a:fillRect/>
           </a:stretch>
         </p:blipFill>
+        <p:spPr bwMode="auto">
+          <a:xfrm>
+            <a:off x="5465608" y="4876801"/>
+            <a:ext cx="2073585" cy="2428929"/>
+          </a:xfrm>
+          <a:prstGeom prst="rect">
+            <a:avLst/>
+          </a:prstGeom>
+          <a:noFill/>
+          <a:extLst>
+            <a:ext uri="{909E8E84-426E-40DD-AFC4-6F175D3DCCD1}">
+              <a14:hiddenFill xmlns:a14="http://schemas.microsoft.com/office/drawing/2010/main">
+                <a:solidFill>
+                  <a:srgbClr val="FFFFFF"/>
+                </a:solidFill>
+              </a14:hiddenFill>
+            </a:ext>
+          </a:extLst>
+        </p:spPr>
+      </p:pic>
+    </p:spTree>
+    <p:extLst>
+      <p:ext uri="{BB962C8B-B14F-4D97-AF65-F5344CB8AC3E}">
+        <p14:creationId xmlns:p14="http://schemas.microsoft.com/office/powerpoint/2010/main" val="2260764535"/>
+      </p:ext>
+    </p:extLst>
+  </p:cSld>
+  <p:clrMapOvr>
+    <a:masterClrMapping/>
+  </p:clrMapOvr>
+</p:sld>
+</file>
+
+<file path=ppt/slides/slide32.xml><?xml version="1.0" encoding="utf-8"?>
+<p:sld xmlns:a="http://schemas.openxmlformats.org/drawingml/2006/main" xmlns:r="http://schemas.openxmlformats.org/officeDocument/2006/relationships" xmlns:p="http://schemas.openxmlformats.org/presentationml/2006/main">
+  <p:cSld>
+    <p:spTree>
+      <p:nvGrpSpPr>
+        <p:cNvPr id="1" name=""/>
+        <p:cNvGrpSpPr/>
+        <p:nvPr/>
+      </p:nvGrpSpPr>
+      <p:grpSpPr>
+        <a:xfrm>
+          <a:off x="0" y="0"/>
+          <a:ext cx="0" cy="0"/>
+          <a:chOff x="0" y="0"/>
+          <a:chExt cx="0" cy="0"/>
+        </a:xfrm>
+      </p:grpSpPr>
+      <p:sp>
+        <p:nvSpPr>
+          <p:cNvPr id="122" name="ml:polynomial"/>
+          <p:cNvSpPr txBox="1"/>
+          <p:nvPr/>
+        </p:nvSpPr>
         <p:spPr>
           <a:xfrm>
-            <a:off x="304435" y="195737"/>
-            <a:ext cx="12395930" cy="9362126"/>
+            <a:off x="1465770" y="4271506"/>
+            <a:ext cx="10073270" cy="1210588"/>
           </a:xfrm>
           <a:prstGeom prst="rect">
             <a:avLst/>
@@ -16826,9 +17042,44 @@
           <a:ln w="12700">
             <a:miter lim="400000"/>
           </a:ln>
+          <a:extLst>
+            <a:ext uri="{C572A759-6A51-4108-AA02-DFA0A04FC94B}">
+              <ma14:wrappingTextBoxFlag xmlns="" xmlns:m="http://schemas.openxmlformats.org/officeDocument/2006/math" xmlns:a14="http://schemas.microsoft.com/office/drawing/2010/main" xmlns:ma14="http://schemas.microsoft.com/office/mac/drawingml/2011/main" val="1"/>
+            </a:ext>
+          </a:extLst>
         </p:spPr>
-      </p:pic>
+        <p:txBody>
+          <a:bodyPr wrap="none" lIns="50800" tIns="50800" rIns="50800" bIns="50800" anchor="ctr">
+            <a:spAutoFit/>
+          </a:bodyPr>
+          <a:lstStyle>
+            <a:lvl1pPr>
+              <a:defRPr sz="7200">
+                <a:latin typeface="Menlo Regular"/>
+                <a:ea typeface="Menlo Regular"/>
+                <a:cs typeface="Menlo Regular"/>
+                <a:sym typeface="Menlo Regular"/>
+              </a:defRPr>
+            </a:lvl1pPr>
+          </a:lstStyle>
+          <a:p>
+            <a:r>
+              <a:t>ml:</a:t>
+            </a:r>
+            <a:r>
+              <a:rPr lang="nl-NL"/>
+              <a:t>hyperparameter tuning</a:t>
+            </a:r>
+            <a:endParaRPr/>
+          </a:p>
+        </p:txBody>
+      </p:sp>
     </p:spTree>
+    <p:extLst>
+      <p:ext uri="{BB962C8B-B14F-4D97-AF65-F5344CB8AC3E}">
+        <p14:creationId xmlns:p14="http://schemas.microsoft.com/office/powerpoint/2010/main" val="2861103072"/>
+      </p:ext>
+    </p:extLst>
   </p:cSld>
   <p:clrMapOvr>
     <a:masterClrMapping/>
@@ -16837,7 +17088,7 @@
 </p:sld>
 </file>
 
-<file path=ppt/slides/slide32.xml><?xml version="1.0" encoding="utf-8"?>
+<file path=ppt/slides/slide33.xml><?xml version="1.0" encoding="utf-8"?>
 <p:sld xmlns:a="http://schemas.openxmlformats.org/drawingml/2006/main" xmlns:r="http://schemas.openxmlformats.org/officeDocument/2006/relationships" xmlns:p="http://schemas.openxmlformats.org/presentationml/2006/main">
   <p:cSld>
     <p:spTree>
@@ -16873,7 +17124,7 @@
           </a:ln>
           <a:extLst>
             <a:ext uri="{C572A759-6A51-4108-AA02-DFA0A04FC94B}">
-              <ma14:wrappingTextBoxFlag xmlns:ma14="http://schemas.microsoft.com/office/mac/drawingml/2011/main" xmlns:a14="http://schemas.microsoft.com/office/drawing/2010/main" xmlns:m="http://schemas.openxmlformats.org/officeDocument/2006/math" xmlns="" val="1"/>
+              <ma14:wrappingTextBoxFlag xmlns="" xmlns:m="http://schemas.openxmlformats.org/officeDocument/2006/math" xmlns:a14="http://schemas.microsoft.com/office/drawing/2010/main" xmlns:ma14="http://schemas.microsoft.com/office/mac/drawingml/2011/main" val="1"/>
             </a:ext>
           </a:extLst>
         </p:spPr>
@@ -16968,7 +17219,7 @@
             <a:effectLst/>
             <a:extLst>
               <a:ext uri="{C572A759-6A51-4108-AA02-DFA0A04FC94B}">
-                <ma14:wrappingTextBoxFlag xmlns:ma14="http://schemas.microsoft.com/office/mac/drawingml/2011/main" xmlns:a14="http://schemas.microsoft.com/office/drawing/2010/main" xmlns:m="http://schemas.openxmlformats.org/officeDocument/2006/math" xmlns="" val="1"/>
+                <ma14:wrappingTextBoxFlag xmlns="" xmlns:m="http://schemas.openxmlformats.org/officeDocument/2006/math" xmlns:a14="http://schemas.microsoft.com/office/drawing/2010/main" xmlns:ma14="http://schemas.microsoft.com/office/mac/drawingml/2011/main" val="1"/>
               </a:ext>
             </a:extLst>
           </p:spPr>
@@ -17078,7 +17329,7 @@
             <a:effectLst/>
             <a:extLst>
               <a:ext uri="{C572A759-6A51-4108-AA02-DFA0A04FC94B}">
-                <ma14:wrappingTextBoxFlag xmlns:ma14="http://schemas.microsoft.com/office/mac/drawingml/2011/main" xmlns:a14="http://schemas.microsoft.com/office/drawing/2010/main" xmlns:m="http://schemas.openxmlformats.org/officeDocument/2006/math" xmlns="" val="1"/>
+                <ma14:wrappingTextBoxFlag xmlns="" xmlns:m="http://schemas.openxmlformats.org/officeDocument/2006/math" xmlns:a14="http://schemas.microsoft.com/office/drawing/2010/main" xmlns:ma14="http://schemas.microsoft.com/office/mac/drawingml/2011/main" val="1"/>
               </a:ext>
             </a:extLst>
           </p:spPr>
@@ -17123,7 +17374,7 @@
           </a:ln>
           <a:extLst>
             <a:ext uri="{C572A759-6A51-4108-AA02-DFA0A04FC94B}">
-              <ma14:wrappingTextBoxFlag xmlns:ma14="http://schemas.microsoft.com/office/mac/drawingml/2011/main" xmlns:a14="http://schemas.microsoft.com/office/drawing/2010/main" xmlns:m="http://schemas.openxmlformats.org/officeDocument/2006/math" xmlns="" val="1"/>
+              <ma14:wrappingTextBoxFlag xmlns="" xmlns:m="http://schemas.openxmlformats.org/officeDocument/2006/math" xmlns:a14="http://schemas.microsoft.com/office/drawing/2010/main" xmlns:ma14="http://schemas.microsoft.com/office/mac/drawingml/2011/main" val="1"/>
             </a:ext>
           </a:extLst>
         </p:spPr>
@@ -17167,7 +17418,7 @@
           </a:ln>
           <a:extLst>
             <a:ext uri="{C572A759-6A51-4108-AA02-DFA0A04FC94B}">
-              <ma14:wrappingTextBoxFlag xmlns:ma14="http://schemas.microsoft.com/office/mac/drawingml/2011/main" xmlns:a14="http://schemas.microsoft.com/office/drawing/2010/main" xmlns:m="http://schemas.openxmlformats.org/officeDocument/2006/math" xmlns="" val="1"/>
+              <ma14:wrappingTextBoxFlag xmlns="" xmlns:m="http://schemas.openxmlformats.org/officeDocument/2006/math" xmlns:a14="http://schemas.microsoft.com/office/drawing/2010/main" xmlns:ma14="http://schemas.microsoft.com/office/mac/drawingml/2011/main" val="1"/>
             </a:ext>
           </a:extLst>
         </p:spPr>
@@ -17211,7 +17462,7 @@
           </a:ln>
           <a:extLst>
             <a:ext uri="{C572A759-6A51-4108-AA02-DFA0A04FC94B}">
-              <ma14:wrappingTextBoxFlag xmlns:ma14="http://schemas.microsoft.com/office/mac/drawingml/2011/main" xmlns:a14="http://schemas.microsoft.com/office/drawing/2010/main" xmlns:m="http://schemas.openxmlformats.org/officeDocument/2006/math" xmlns="" val="1"/>
+              <ma14:wrappingTextBoxFlag xmlns="" xmlns:m="http://schemas.openxmlformats.org/officeDocument/2006/math" xmlns:a14="http://schemas.microsoft.com/office/drawing/2010/main" xmlns:ma14="http://schemas.microsoft.com/office/mac/drawingml/2011/main" val="1"/>
             </a:ext>
           </a:extLst>
         </p:spPr>
@@ -17255,7 +17506,7 @@
           </a:ln>
           <a:extLst>
             <a:ext uri="{C572A759-6A51-4108-AA02-DFA0A04FC94B}">
-              <ma14:wrappingTextBoxFlag xmlns:ma14="http://schemas.microsoft.com/office/mac/drawingml/2011/main" xmlns:a14="http://schemas.microsoft.com/office/drawing/2010/main" xmlns:m="http://schemas.openxmlformats.org/officeDocument/2006/math" xmlns="" val="1"/>
+              <ma14:wrappingTextBoxFlag xmlns="" xmlns:m="http://schemas.openxmlformats.org/officeDocument/2006/math" xmlns:a14="http://schemas.microsoft.com/office/drawing/2010/main" xmlns:ma14="http://schemas.microsoft.com/office/mac/drawingml/2011/main" val="1"/>
             </a:ext>
           </a:extLst>
         </p:spPr>
@@ -17299,7 +17550,7 @@
           </a:ln>
           <a:extLst>
             <a:ext uri="{C572A759-6A51-4108-AA02-DFA0A04FC94B}">
-              <ma14:wrappingTextBoxFlag xmlns:ma14="http://schemas.microsoft.com/office/mac/drawingml/2011/main" xmlns:a14="http://schemas.microsoft.com/office/drawing/2010/main" xmlns:m="http://schemas.openxmlformats.org/officeDocument/2006/math" xmlns="" val="1"/>
+              <ma14:wrappingTextBoxFlag xmlns="" xmlns:m="http://schemas.openxmlformats.org/officeDocument/2006/math" xmlns:a14="http://schemas.microsoft.com/office/drawing/2010/main" xmlns:ma14="http://schemas.microsoft.com/office/mac/drawingml/2011/main" val="1"/>
             </a:ext>
           </a:extLst>
         </p:spPr>
@@ -17333,7 +17584,123 @@
 </p:sld>
 </file>
 
-<file path=ppt/slides/slide33.xml><?xml version="1.0" encoding="utf-8"?>
+<file path=ppt/slides/slide34.xml><?xml version="1.0" encoding="utf-8"?>
+<p:sld xmlns:a="http://schemas.openxmlformats.org/drawingml/2006/main" xmlns:r="http://schemas.openxmlformats.org/officeDocument/2006/relationships" xmlns:p="http://schemas.openxmlformats.org/presentationml/2006/main">
+  <p:cSld>
+    <p:spTree>
+      <p:nvGrpSpPr>
+        <p:cNvPr id="1" name=""/>
+        <p:cNvGrpSpPr/>
+        <p:nvPr/>
+      </p:nvGrpSpPr>
+      <p:grpSpPr>
+        <a:xfrm>
+          <a:off x="0" y="0"/>
+          <a:ext cx="0" cy="0"/>
+          <a:chOff x="0" y="0"/>
+          <a:chExt cx="0" cy="0"/>
+        </a:xfrm>
+      </p:grpSpPr>
+      <p:sp>
+        <p:nvSpPr>
+          <p:cNvPr id="2" name="Titel 1">
+            <a:extLst>
+              <a:ext uri="{FF2B5EF4-FFF2-40B4-BE49-F238E27FC236}">
+                <a16:creationId xmlns:a16="http://schemas.microsoft.com/office/drawing/2014/main" id="{96239233-6266-ACC4-FF67-BEFD799CD02D}"/>
+              </a:ext>
+            </a:extLst>
+          </p:cNvPr>
+          <p:cNvSpPr>
+            <a:spLocks noGrp="1"/>
+          </p:cNvSpPr>
+          <p:nvPr>
+            <p:ph type="title"/>
+          </p:nvPr>
+        </p:nvSpPr>
+        <p:spPr/>
+        <p:txBody>
+          <a:bodyPr/>
+          <a:lstStyle/>
+          <a:p>
+            <a:r>
+              <a:rPr lang="nl-NL"/>
+              <a:t>Hyperparameter tuning</a:t>
+            </a:r>
+          </a:p>
+        </p:txBody>
+      </p:sp>
+      <p:sp>
+        <p:nvSpPr>
+          <p:cNvPr id="3" name="Tijdelijke aanduiding voor inhoud 2">
+            <a:extLst>
+              <a:ext uri="{FF2B5EF4-FFF2-40B4-BE49-F238E27FC236}">
+                <a16:creationId xmlns:a16="http://schemas.microsoft.com/office/drawing/2014/main" id="{E56F92E7-BF62-313D-462D-375DB8A79B44}"/>
+              </a:ext>
+            </a:extLst>
+          </p:cNvPr>
+          <p:cNvSpPr>
+            <a:spLocks noGrp="1"/>
+          </p:cNvSpPr>
+          <p:nvPr>
+            <p:ph idx="1"/>
+          </p:nvPr>
+        </p:nvSpPr>
+        <p:spPr/>
+        <p:txBody>
+          <a:bodyPr/>
+          <a:lstStyle/>
+          <a:p>
+            <a:r>
+              <a:rPr lang="nl-NL" b="1"/>
+              <a:t>Hyper</a:t>
+            </a:r>
+            <a:r>
+              <a:rPr lang="nl-NL"/>
+              <a:t>parameters</a:t>
+            </a:r>
+          </a:p>
+          <a:p>
+            <a:pPr lvl="1"/>
+            <a:r>
+              <a:rPr lang="nl-NL"/>
+              <a:t>Parameters van het model, niet van de data</a:t>
+            </a:r>
+          </a:p>
+          <a:p>
+            <a:pPr lvl="1"/>
+            <a:r>
+              <a:rPr lang="nl-NL"/>
+              <a:t>Bijv. SVC: kernel, degree, C, gamma…</a:t>
+            </a:r>
+          </a:p>
+          <a:p>
+            <a:r>
+              <a:rPr lang="nl-NL"/>
+              <a:t>Vraag: welke combinatie van hyperparameters is de beste voor mijn ML-model?</a:t>
+            </a:r>
+          </a:p>
+          <a:p>
+            <a:r>
+              <a:rPr lang="nl-NL"/>
+              <a:t>Oplossing: gebruik ML!</a:t>
+            </a:r>
+          </a:p>
+        </p:txBody>
+      </p:sp>
+    </p:spTree>
+    <p:extLst>
+      <p:ext uri="{BB962C8B-B14F-4D97-AF65-F5344CB8AC3E}">
+        <p14:creationId xmlns:p14="http://schemas.microsoft.com/office/powerpoint/2010/main" val="1927753270"/>
+      </p:ext>
+    </p:extLst>
+  </p:cSld>
+  <p:clrMapOvr>
+    <a:masterClrMapping/>
+  </p:clrMapOvr>
+</p:sld>
+</file>
+
+<file path=ppt/slides/slide35.xml><?xml version="1.0" encoding="utf-8"?>
 <p:sld xmlns:a="http://schemas.openxmlformats.org/drawingml/2006/main" xmlns:r="http://schemas.openxmlformats.org/officeDocument/2006/relationships" xmlns:p="http://schemas.openxmlformats.org/presentationml/2006/main">
   <p:cSld>
     <p:spTree>
@@ -17396,7 +17763,7 @@
           </a:ln>
           <a:extLst>
             <a:ext uri="{C572A759-6A51-4108-AA02-DFA0A04FC94B}">
-              <ma14:wrappingTextBoxFlag xmlns:ma14="http://schemas.microsoft.com/office/mac/drawingml/2011/main" xmlns:a14="http://schemas.microsoft.com/office/drawing/2010/main" xmlns:m="http://schemas.openxmlformats.org/officeDocument/2006/math" xmlns="" val="1"/>
+              <ma14:wrappingTextBoxFlag xmlns="" xmlns:m="http://schemas.openxmlformats.org/officeDocument/2006/math" xmlns:a14="http://schemas.microsoft.com/office/drawing/2010/main" xmlns:ma14="http://schemas.microsoft.com/office/mac/drawingml/2011/main" val="1"/>
             </a:ext>
           </a:extLst>
         </p:spPr>
@@ -17430,451 +17797,7 @@
 </p:sld>
 </file>
 
-<file path=ppt/slides/slide34.xml><?xml version="1.0" encoding="utf-8"?>
-<p:sld xmlns:a="http://schemas.openxmlformats.org/drawingml/2006/main" xmlns:r="http://schemas.openxmlformats.org/officeDocument/2006/relationships" xmlns:p="http://schemas.openxmlformats.org/presentationml/2006/main">
-  <p:cSld>
-    <p:spTree>
-      <p:nvGrpSpPr>
-        <p:cNvPr id="1" name=""/>
-        <p:cNvGrpSpPr/>
-        <p:nvPr/>
-      </p:nvGrpSpPr>
-      <p:grpSpPr>
-        <a:xfrm>
-          <a:off x="0" y="0"/>
-          <a:ext cx="0" cy="0"/>
-          <a:chOff x="0" y="0"/>
-          <a:chExt cx="0" cy="0"/>
-        </a:xfrm>
-      </p:grpSpPr>
-      <p:pic>
-        <p:nvPicPr>
-          <p:cNvPr id="302" name="pasted-image.png" descr="pasted-image.png"/>
-          <p:cNvPicPr>
-            <a:picLocks noChangeAspect="1"/>
-          </p:cNvPicPr>
-          <p:nvPr/>
-        </p:nvPicPr>
-        <p:blipFill>
-          <a:blip r:embed="rId2"/>
-          <a:stretch>
-            <a:fillRect/>
-          </a:stretch>
-        </p:blipFill>
-        <p:spPr>
-          <a:xfrm>
-            <a:off x="4875645" y="1921659"/>
-            <a:ext cx="3253509" cy="1179397"/>
-          </a:xfrm>
-          <a:prstGeom prst="rect">
-            <a:avLst/>
-          </a:prstGeom>
-          <a:ln w="12700">
-            <a:miter lim="400000"/>
-          </a:ln>
-        </p:spPr>
-      </p:pic>
-      <p:pic>
-        <p:nvPicPr>
-          <p:cNvPr id="303" name="pasted-image.png" descr="pasted-image.png"/>
-          <p:cNvPicPr>
-            <a:picLocks noChangeAspect="1"/>
-          </p:cNvPicPr>
-          <p:nvPr/>
-        </p:nvPicPr>
-        <p:blipFill>
-          <a:blip r:embed="rId3"/>
-          <a:stretch>
-            <a:fillRect/>
-          </a:stretch>
-        </p:blipFill>
-        <p:spPr>
-          <a:xfrm>
-            <a:off x="5105400" y="3714750"/>
-            <a:ext cx="2794000" cy="2324100"/>
-          </a:xfrm>
-          <a:prstGeom prst="rect">
-            <a:avLst/>
-          </a:prstGeom>
-          <a:ln w="12700">
-            <a:miter lim="400000"/>
-          </a:ln>
-        </p:spPr>
-      </p:pic>
-      <p:pic>
-        <p:nvPicPr>
-          <p:cNvPr id="304" name="pasted-image.png" descr="pasted-image.png"/>
-          <p:cNvPicPr>
-            <a:picLocks noChangeAspect="1"/>
-          </p:cNvPicPr>
-          <p:nvPr/>
-        </p:nvPicPr>
-        <p:blipFill>
-          <a:blip r:embed="rId4"/>
-          <a:stretch>
-            <a:fillRect/>
-          </a:stretch>
-        </p:blipFill>
-        <p:spPr>
-          <a:xfrm>
-            <a:off x="5721611" y="7049048"/>
-            <a:ext cx="1561578" cy="1561578"/>
-          </a:xfrm>
-          <a:prstGeom prst="rect">
-            <a:avLst/>
-          </a:prstGeom>
-          <a:ln w="12700">
-            <a:miter lim="400000"/>
-          </a:ln>
-        </p:spPr>
-      </p:pic>
-    </p:spTree>
-  </p:cSld>
-  <p:clrMapOvr>
-    <a:masterClrMapping/>
-  </p:clrMapOvr>
-  <p:transition spd="med"/>
-</p:sld>
-</file>
-
-<file path=ppt/slides/slide35.xml><?xml version="1.0" encoding="utf-8"?>
-<p:sld xmlns:a="http://schemas.openxmlformats.org/drawingml/2006/main" xmlns:r="http://schemas.openxmlformats.org/officeDocument/2006/relationships" xmlns:p="http://schemas.openxmlformats.org/presentationml/2006/main">
-  <p:cSld>
-    <p:spTree>
-      <p:nvGrpSpPr>
-        <p:cNvPr id="1" name=""/>
-        <p:cNvGrpSpPr/>
-        <p:nvPr/>
-      </p:nvGrpSpPr>
-      <p:grpSpPr>
-        <a:xfrm>
-          <a:off x="0" y="0"/>
-          <a:ext cx="0" cy="0"/>
-          <a:chOff x="0" y="0"/>
-          <a:chExt cx="0" cy="0"/>
-        </a:xfrm>
-      </p:grpSpPr>
-      <p:sp>
-        <p:nvSpPr>
-          <p:cNvPr id="2" name="Titel 1">
-            <a:extLst>
-              <a:ext uri="{FF2B5EF4-FFF2-40B4-BE49-F238E27FC236}">
-                <a16:creationId xmlns:a16="http://schemas.microsoft.com/office/drawing/2014/main" id="{C2666C07-C5E4-6621-6695-051C40E575F3}"/>
-              </a:ext>
-            </a:extLst>
-          </p:cNvPr>
-          <p:cNvSpPr>
-            <a:spLocks noGrp="1"/>
-          </p:cNvSpPr>
-          <p:nvPr>
-            <p:ph type="title"/>
-          </p:nvPr>
-        </p:nvSpPr>
-        <p:spPr/>
-        <p:txBody>
-          <a:bodyPr/>
-          <a:lstStyle/>
-          <a:p>
-            <a:r>
-              <a:rPr lang="nl-NL"/>
-              <a:t>Intermezzo: live coding</a:t>
-            </a:r>
-          </a:p>
-        </p:txBody>
-      </p:sp>
-      <p:sp>
-        <p:nvSpPr>
-          <p:cNvPr id="3" name="Tijdelijke aanduiding voor inhoud 2">
-            <a:extLst>
-              <a:ext uri="{FF2B5EF4-FFF2-40B4-BE49-F238E27FC236}">
-                <a16:creationId xmlns:a16="http://schemas.microsoft.com/office/drawing/2014/main" id="{1E900621-D636-23B8-651C-B20206A2ADF4}"/>
-              </a:ext>
-            </a:extLst>
-          </p:cNvPr>
-          <p:cNvSpPr>
-            <a:spLocks noGrp="1"/>
-          </p:cNvSpPr>
-          <p:nvPr>
-            <p:ph idx="1"/>
-          </p:nvPr>
-        </p:nvSpPr>
-        <p:spPr>
-          <a:xfrm>
-            <a:off x="894080" y="3166534"/>
-            <a:ext cx="11216640" cy="798826"/>
-          </a:xfrm>
-        </p:spPr>
-        <p:txBody>
-          <a:bodyPr/>
-          <a:lstStyle/>
-          <a:p>
-            <a:pPr marL="0" indent="0" algn="ctr">
-              <a:buNone/>
-            </a:pPr>
-            <a:r>
-              <a:rPr lang="nl-NL"/>
-              <a:t>Notebook over Modelevaluatie</a:t>
-            </a:r>
-          </a:p>
-        </p:txBody>
-      </p:sp>
-      <p:pic>
-        <p:nvPicPr>
-          <p:cNvPr id="2050" name="Picture 2" descr="Technology - Logos Download">
-            <a:extLst>
-              <a:ext uri="{FF2B5EF4-FFF2-40B4-BE49-F238E27FC236}">
-                <a16:creationId xmlns:a16="http://schemas.microsoft.com/office/drawing/2014/main" id="{5541AD79-57AF-EB5C-7DD7-04948C4525D7}"/>
-              </a:ext>
-            </a:extLst>
-          </p:cNvPr>
-          <p:cNvPicPr>
-            <a:picLocks noChangeAspect="1" noChangeArrowheads="1"/>
-          </p:cNvPicPr>
-          <p:nvPr/>
-        </p:nvPicPr>
-        <p:blipFill>
-          <a:blip r:embed="rId2" cstate="print">
-            <a:extLst>
-              <a:ext uri="{28A0092B-C50C-407E-A947-70E740481C1C}">
-                <a14:useLocalDpi xmlns:a14="http://schemas.microsoft.com/office/drawing/2010/main" val="0"/>
-              </a:ext>
-            </a:extLst>
-          </a:blip>
-          <a:srcRect/>
-          <a:stretch>
-            <a:fillRect/>
-          </a:stretch>
-        </p:blipFill>
-        <p:spPr bwMode="auto">
-          <a:xfrm>
-            <a:off x="5465608" y="4876801"/>
-            <a:ext cx="2073585" cy="2428929"/>
-          </a:xfrm>
-          <a:prstGeom prst="rect">
-            <a:avLst/>
-          </a:prstGeom>
-          <a:noFill/>
-          <a:extLst>
-            <a:ext uri="{909E8E84-426E-40DD-AFC4-6F175D3DCCD1}">
-              <a14:hiddenFill xmlns:a14="http://schemas.microsoft.com/office/drawing/2010/main">
-                <a:solidFill>
-                  <a:srgbClr val="FFFFFF"/>
-                </a:solidFill>
-              </a14:hiddenFill>
-            </a:ext>
-          </a:extLst>
-        </p:spPr>
-      </p:pic>
-    </p:spTree>
-    <p:extLst>
-      <p:ext uri="{BB962C8B-B14F-4D97-AF65-F5344CB8AC3E}">
-        <p14:creationId xmlns:p14="http://schemas.microsoft.com/office/powerpoint/2010/main" val="2260764535"/>
-      </p:ext>
-    </p:extLst>
-  </p:cSld>
-  <p:clrMapOvr>
-    <a:masterClrMapping/>
-  </p:clrMapOvr>
-</p:sld>
-</file>
-
 <file path=ppt/slides/slide36.xml><?xml version="1.0" encoding="utf-8"?>
-<p:sld xmlns:a="http://schemas.openxmlformats.org/drawingml/2006/main" xmlns:r="http://schemas.openxmlformats.org/officeDocument/2006/relationships" xmlns:p="http://schemas.openxmlformats.org/presentationml/2006/main">
-  <p:cSld>
-    <p:spTree>
-      <p:nvGrpSpPr>
-        <p:cNvPr id="1" name=""/>
-        <p:cNvGrpSpPr/>
-        <p:nvPr/>
-      </p:nvGrpSpPr>
-      <p:grpSpPr>
-        <a:xfrm>
-          <a:off x="0" y="0"/>
-          <a:ext cx="0" cy="0"/>
-          <a:chOff x="0" y="0"/>
-          <a:chExt cx="0" cy="0"/>
-        </a:xfrm>
-      </p:grpSpPr>
-      <p:sp>
-        <p:nvSpPr>
-          <p:cNvPr id="122" name="ml:polynomial"/>
-          <p:cNvSpPr txBox="1"/>
-          <p:nvPr/>
-        </p:nvSpPr>
-        <p:spPr>
-          <a:xfrm>
-            <a:off x="1465770" y="4271506"/>
-            <a:ext cx="10073270" cy="1210588"/>
-          </a:xfrm>
-          <a:prstGeom prst="rect">
-            <a:avLst/>
-          </a:prstGeom>
-          <a:ln w="12700">
-            <a:miter lim="400000"/>
-          </a:ln>
-          <a:extLst>
-            <a:ext uri="{C572A759-6A51-4108-AA02-DFA0A04FC94B}">
-              <ma14:wrappingTextBoxFlag xmlns:ma14="http://schemas.microsoft.com/office/mac/drawingml/2011/main" xmlns:a14="http://schemas.microsoft.com/office/drawing/2010/main" xmlns:m="http://schemas.openxmlformats.org/officeDocument/2006/math" xmlns="" val="1"/>
-            </a:ext>
-          </a:extLst>
-        </p:spPr>
-        <p:txBody>
-          <a:bodyPr wrap="none" lIns="50800" tIns="50800" rIns="50800" bIns="50800" anchor="ctr">
-            <a:spAutoFit/>
-          </a:bodyPr>
-          <a:lstStyle>
-            <a:lvl1pPr>
-              <a:defRPr sz="7200">
-                <a:latin typeface="Menlo Regular"/>
-                <a:ea typeface="Menlo Regular"/>
-                <a:cs typeface="Menlo Regular"/>
-                <a:sym typeface="Menlo Regular"/>
-              </a:defRPr>
-            </a:lvl1pPr>
-          </a:lstStyle>
-          <a:p>
-            <a:r>
-              <a:t>ml:</a:t>
-            </a:r>
-            <a:r>
-              <a:rPr lang="nl-NL"/>
-              <a:t>hyperparameter tuning</a:t>
-            </a:r>
-            <a:endParaRPr/>
-          </a:p>
-        </p:txBody>
-      </p:sp>
-    </p:spTree>
-    <p:extLst>
-      <p:ext uri="{BB962C8B-B14F-4D97-AF65-F5344CB8AC3E}">
-        <p14:creationId xmlns:p14="http://schemas.microsoft.com/office/powerpoint/2010/main" val="2861103072"/>
-      </p:ext>
-    </p:extLst>
-  </p:cSld>
-  <p:clrMapOvr>
-    <a:masterClrMapping/>
-  </p:clrMapOvr>
-  <p:transition spd="med"/>
-</p:sld>
-</file>
-
-<file path=ppt/slides/slide37.xml><?xml version="1.0" encoding="utf-8"?>
-<p:sld xmlns:a="http://schemas.openxmlformats.org/drawingml/2006/main" xmlns:r="http://schemas.openxmlformats.org/officeDocument/2006/relationships" xmlns:p="http://schemas.openxmlformats.org/presentationml/2006/main">
-  <p:cSld>
-    <p:spTree>
-      <p:nvGrpSpPr>
-        <p:cNvPr id="1" name=""/>
-        <p:cNvGrpSpPr/>
-        <p:nvPr/>
-      </p:nvGrpSpPr>
-      <p:grpSpPr>
-        <a:xfrm>
-          <a:off x="0" y="0"/>
-          <a:ext cx="0" cy="0"/>
-          <a:chOff x="0" y="0"/>
-          <a:chExt cx="0" cy="0"/>
-        </a:xfrm>
-      </p:grpSpPr>
-      <p:sp>
-        <p:nvSpPr>
-          <p:cNvPr id="2" name="Titel 1">
-            <a:extLst>
-              <a:ext uri="{FF2B5EF4-FFF2-40B4-BE49-F238E27FC236}">
-                <a16:creationId xmlns:a16="http://schemas.microsoft.com/office/drawing/2014/main" id="{96239233-6266-ACC4-FF67-BEFD799CD02D}"/>
-              </a:ext>
-            </a:extLst>
-          </p:cNvPr>
-          <p:cNvSpPr>
-            <a:spLocks noGrp="1"/>
-          </p:cNvSpPr>
-          <p:nvPr>
-            <p:ph type="title"/>
-          </p:nvPr>
-        </p:nvSpPr>
-        <p:spPr/>
-        <p:txBody>
-          <a:bodyPr/>
-          <a:lstStyle/>
-          <a:p>
-            <a:r>
-              <a:rPr lang="nl-NL"/>
-              <a:t>Hyperparameter tuning</a:t>
-            </a:r>
-          </a:p>
-        </p:txBody>
-      </p:sp>
-      <p:sp>
-        <p:nvSpPr>
-          <p:cNvPr id="3" name="Tijdelijke aanduiding voor inhoud 2">
-            <a:extLst>
-              <a:ext uri="{FF2B5EF4-FFF2-40B4-BE49-F238E27FC236}">
-                <a16:creationId xmlns:a16="http://schemas.microsoft.com/office/drawing/2014/main" id="{E56F92E7-BF62-313D-462D-375DB8A79B44}"/>
-              </a:ext>
-            </a:extLst>
-          </p:cNvPr>
-          <p:cNvSpPr>
-            <a:spLocks noGrp="1"/>
-          </p:cNvSpPr>
-          <p:nvPr>
-            <p:ph idx="1"/>
-          </p:nvPr>
-        </p:nvSpPr>
-        <p:spPr/>
-        <p:txBody>
-          <a:bodyPr/>
-          <a:lstStyle/>
-          <a:p>
-            <a:r>
-              <a:rPr lang="nl-NL" b="1"/>
-              <a:t>Hyper</a:t>
-            </a:r>
-            <a:r>
-              <a:rPr lang="nl-NL"/>
-              <a:t>parameters</a:t>
-            </a:r>
-          </a:p>
-          <a:p>
-            <a:pPr lvl="1"/>
-            <a:r>
-              <a:rPr lang="nl-NL"/>
-              <a:t>Parameters van het model, niet van de data</a:t>
-            </a:r>
-          </a:p>
-          <a:p>
-            <a:pPr lvl="1"/>
-            <a:r>
-              <a:rPr lang="nl-NL"/>
-              <a:t>Bijv. SVC: kernel, degree, C, gamma…</a:t>
-            </a:r>
-          </a:p>
-          <a:p>
-            <a:r>
-              <a:rPr lang="nl-NL"/>
-              <a:t>Vraag: welke combinatie van hyperparameters is de beste voor mijn ML-model?</a:t>
-            </a:r>
-          </a:p>
-          <a:p>
-            <a:r>
-              <a:rPr lang="nl-NL"/>
-              <a:t>Oplossing: gebruik ML!</a:t>
-            </a:r>
-          </a:p>
-        </p:txBody>
-      </p:sp>
-    </p:spTree>
-    <p:extLst>
-      <p:ext uri="{BB962C8B-B14F-4D97-AF65-F5344CB8AC3E}">
-        <p14:creationId xmlns:p14="http://schemas.microsoft.com/office/powerpoint/2010/main" val="1927753270"/>
-      </p:ext>
-    </p:extLst>
-  </p:cSld>
-  <p:clrMapOvr>
-    <a:masterClrMapping/>
-  </p:clrMapOvr>
-</p:sld>
-</file>
-
-<file path=ppt/slides/slide38.xml><?xml version="1.0" encoding="utf-8"?>
 <p:sld xmlns:a="http://schemas.openxmlformats.org/drawingml/2006/main" xmlns:r="http://schemas.openxmlformats.org/officeDocument/2006/relationships" xmlns:p="http://schemas.openxmlformats.org/presentationml/2006/main">
   <p:cSld>
     <p:spTree>
@@ -18020,6 +17943,275 @@
 </p:sld>
 </file>
 
+<file path=ppt/slides/slide37.xml><?xml version="1.0" encoding="utf-8"?>
+<p:sld xmlns:a="http://schemas.openxmlformats.org/drawingml/2006/main" xmlns:r="http://schemas.openxmlformats.org/officeDocument/2006/relationships" xmlns:p="http://schemas.openxmlformats.org/presentationml/2006/main">
+  <p:cSld>
+    <p:spTree>
+      <p:nvGrpSpPr>
+        <p:cNvPr id="1" name=""/>
+        <p:cNvGrpSpPr/>
+        <p:nvPr/>
+      </p:nvGrpSpPr>
+      <p:grpSpPr>
+        <a:xfrm>
+          <a:off x="0" y="0"/>
+          <a:ext cx="0" cy="0"/>
+          <a:chOff x="0" y="0"/>
+          <a:chExt cx="0" cy="0"/>
+        </a:xfrm>
+      </p:grpSpPr>
+      <p:pic>
+        <p:nvPicPr>
+          <p:cNvPr id="161" name="pasted-image.png" descr="pasted-image.png"/>
+          <p:cNvPicPr>
+            <a:picLocks noChangeAspect="1"/>
+          </p:cNvPicPr>
+          <p:nvPr/>
+        </p:nvPicPr>
+        <p:blipFill>
+          <a:blip r:embed="rId2"/>
+          <a:stretch>
+            <a:fillRect/>
+          </a:stretch>
+        </p:blipFill>
+        <p:spPr>
+          <a:xfrm>
+            <a:off x="446889" y="2351806"/>
+            <a:ext cx="12111022" cy="5837388"/>
+          </a:xfrm>
+          <a:prstGeom prst="rect">
+            <a:avLst/>
+          </a:prstGeom>
+          <a:ln w="12700">
+            <a:miter lim="400000"/>
+          </a:ln>
+        </p:spPr>
+      </p:pic>
+      <p:sp>
+        <p:nvSpPr>
+          <p:cNvPr id="162" name="https://towardsdatascience.com/cross-validation-a-beginners-guide-5b8ca04962cd"/>
+          <p:cNvSpPr txBox="1"/>
+          <p:nvPr/>
+        </p:nvSpPr>
+        <p:spPr>
+          <a:xfrm>
+            <a:off x="6173405" y="9380070"/>
+            <a:ext cx="6757798" cy="317501"/>
+          </a:xfrm>
+          <a:prstGeom prst="rect">
+            <a:avLst/>
+          </a:prstGeom>
+          <a:ln w="12700">
+            <a:miter lim="400000"/>
+          </a:ln>
+          <a:extLst>
+            <a:ext uri="{C572A759-6A51-4108-AA02-DFA0A04FC94B}">
+              <ma14:wrappingTextBoxFlag xmlns:ma14="http://schemas.microsoft.com/office/mac/drawingml/2011/main" xmlns:a14="http://schemas.microsoft.com/office/drawing/2010/main" xmlns:m="http://schemas.openxmlformats.org/officeDocument/2006/math" xmlns="" val="1"/>
+            </a:ext>
+          </a:extLst>
+        </p:spPr>
+        <p:txBody>
+          <a:bodyPr wrap="none" lIns="50800" tIns="50800" rIns="50800" bIns="50800" anchor="ctr">
+            <a:spAutoFit/>
+          </a:bodyPr>
+          <a:lstStyle>
+            <a:lvl1pPr>
+              <a:defRPr sz="1400"/>
+            </a:lvl1pPr>
+          </a:lstStyle>
+          <a:p>
+            <a:r>
+              <a:t>https://towardsdatascience.com/cross-validation-a-beginners-guide-5b8ca04962cd</a:t>
+            </a:r>
+          </a:p>
+        </p:txBody>
+      </p:sp>
+      <p:sp>
+        <p:nvSpPr>
+          <p:cNvPr id="163" name="Cross-validation"/>
+          <p:cNvSpPr txBox="1">
+            <a:spLocks noGrp="1"/>
+          </p:cNvSpPr>
+          <p:nvPr>
+            <p:ph type="title" idx="4294967295"/>
+          </p:nvPr>
+        </p:nvSpPr>
+        <p:spPr>
+          <a:prstGeom prst="rect">
+            <a:avLst/>
+          </a:prstGeom>
+        </p:spPr>
+        <p:txBody>
+          <a:bodyPr>
+            <a:normAutofit/>
+          </a:bodyPr>
+          <a:lstStyle/>
+          <a:p>
+            <a:r>
+              <a:rPr sz="6600"/>
+              <a:t>C</a:t>
+            </a:r>
+            <a:r>
+              <a:rPr lang="nl-NL" sz="6600"/>
+              <a:t>V = C</a:t>
+            </a:r>
+            <a:r>
+              <a:rPr sz="6600"/>
+              <a:t>ross-validation</a:t>
+            </a:r>
+          </a:p>
+        </p:txBody>
+      </p:sp>
+    </p:spTree>
+    <p:extLst>
+      <p:ext uri="{BB962C8B-B14F-4D97-AF65-F5344CB8AC3E}">
+        <p14:creationId xmlns:p14="http://schemas.microsoft.com/office/powerpoint/2010/main" val="94114685"/>
+      </p:ext>
+    </p:extLst>
+  </p:cSld>
+  <p:clrMapOvr>
+    <a:masterClrMapping/>
+  </p:clrMapOvr>
+  <p:transition spd="med"/>
+</p:sld>
+</file>
+
+<file path=ppt/slides/slide38.xml><?xml version="1.0" encoding="utf-8"?>
+<p:sld xmlns:a="http://schemas.openxmlformats.org/drawingml/2006/main" xmlns:r="http://schemas.openxmlformats.org/officeDocument/2006/relationships" xmlns:p="http://schemas.openxmlformats.org/presentationml/2006/main">
+  <p:cSld>
+    <p:spTree>
+      <p:nvGrpSpPr>
+        <p:cNvPr id="1" name=""/>
+        <p:cNvGrpSpPr/>
+        <p:nvPr/>
+      </p:nvGrpSpPr>
+      <p:grpSpPr>
+        <a:xfrm>
+          <a:off x="0" y="0"/>
+          <a:ext cx="0" cy="0"/>
+          <a:chOff x="0" y="0"/>
+          <a:chExt cx="0" cy="0"/>
+        </a:xfrm>
+      </p:grpSpPr>
+      <p:sp>
+        <p:nvSpPr>
+          <p:cNvPr id="2" name="Titel 1">
+            <a:extLst>
+              <a:ext uri="{FF2B5EF4-FFF2-40B4-BE49-F238E27FC236}">
+                <a16:creationId xmlns:a16="http://schemas.microsoft.com/office/drawing/2014/main" id="{898840B0-D049-FBFD-830A-771A0B70EB21}"/>
+              </a:ext>
+            </a:extLst>
+          </p:cNvPr>
+          <p:cNvSpPr>
+            <a:spLocks noGrp="1"/>
+          </p:cNvSpPr>
+          <p:nvPr>
+            <p:ph type="title"/>
+          </p:nvPr>
+        </p:nvSpPr>
+        <p:spPr/>
+        <p:txBody>
+          <a:bodyPr/>
+          <a:lstStyle/>
+          <a:p>
+            <a:r>
+              <a:rPr lang="nl-NL"/>
+              <a:t>GridSearchCV</a:t>
+            </a:r>
+          </a:p>
+        </p:txBody>
+      </p:sp>
+      <p:sp>
+        <p:nvSpPr>
+          <p:cNvPr id="3" name="Tijdelijke aanduiding voor inhoud 2">
+            <a:extLst>
+              <a:ext uri="{FF2B5EF4-FFF2-40B4-BE49-F238E27FC236}">
+                <a16:creationId xmlns:a16="http://schemas.microsoft.com/office/drawing/2014/main" id="{0439FC56-0C97-F011-33FC-1F21DA206BE0}"/>
+              </a:ext>
+            </a:extLst>
+          </p:cNvPr>
+          <p:cNvSpPr>
+            <a:spLocks noGrp="1"/>
+          </p:cNvSpPr>
+          <p:nvPr>
+            <p:ph idx="1"/>
+          </p:nvPr>
+        </p:nvSpPr>
+        <p:spPr/>
+        <p:txBody>
+          <a:bodyPr/>
+          <a:lstStyle/>
+          <a:p>
+            <a:r>
+              <a:rPr lang="nl-NL"/>
+              <a:t>Probeert alle combinaties van de opgegeven parameters uit</a:t>
+            </a:r>
+          </a:p>
+          <a:p>
+            <a:pPr lvl="1"/>
+            <a:r>
+              <a:rPr lang="nl-NL"/>
+              <a:t>param_grid</a:t>
+            </a:r>
+          </a:p>
+          <a:p>
+            <a:r>
+              <a:rPr lang="nl-NL"/>
+              <a:t>Per combinatie Cross Validation met </a:t>
+            </a:r>
+            <a:r>
+              <a:rPr lang="nl-NL" i="1"/>
+              <a:t>cv</a:t>
+            </a:r>
+            <a:r>
+              <a:rPr lang="nl-NL"/>
+              <a:t> folds</a:t>
+            </a:r>
+          </a:p>
+          <a:p>
+            <a:r>
+              <a:rPr lang="nl-NL"/>
+              <a:t>Kan erg lang bezig zijn</a:t>
+            </a:r>
+          </a:p>
+          <a:p>
+            <a:pPr lvl="1"/>
+            <a:r>
+              <a:rPr lang="nl-NL"/>
+              <a:t>Toevoegen van een parameter met </a:t>
+            </a:r>
+            <a:r>
+              <a:rPr lang="nl-NL" i="1"/>
+              <a:t>n</a:t>
+            </a:r>
+            <a:r>
+              <a:rPr lang="nl-NL"/>
+              <a:t> waardes maakt doorlooptijd </a:t>
+            </a:r>
+            <a:r>
+              <a:rPr lang="nl-NL" i="1"/>
+              <a:t>n</a:t>
+            </a:r>
+            <a:r>
+              <a:rPr lang="nl-NL"/>
+              <a:t> x langer</a:t>
+            </a:r>
+          </a:p>
+        </p:txBody>
+      </p:sp>
+    </p:spTree>
+    <p:extLst>
+      <p:ext uri="{BB962C8B-B14F-4D97-AF65-F5344CB8AC3E}">
+        <p14:creationId xmlns:p14="http://schemas.microsoft.com/office/powerpoint/2010/main" val="1487951715"/>
+      </p:ext>
+    </p:extLst>
+  </p:cSld>
+  <p:clrMapOvr>
+    <a:masterClrMapping/>
+  </p:clrMapOvr>
+</p:sld>
+</file>
+
 <file path=ppt/slides/slide39.xml><?xml version="1.0" encoding="utf-8"?>
 <p:sld xmlns:a="http://schemas.openxmlformats.org/drawingml/2006/main" xmlns:r="http://schemas.openxmlformats.org/officeDocument/2006/relationships" xmlns:p="http://schemas.openxmlformats.org/presentationml/2006/main">
   <p:cSld>
@@ -18042,7 +18234,7 @@
           <p:cNvPr id="2" name="Titel 1">
             <a:extLst>
               <a:ext uri="{FF2B5EF4-FFF2-40B4-BE49-F238E27FC236}">
-                <a16:creationId xmlns:a16="http://schemas.microsoft.com/office/drawing/2014/main" id="{3FFB3B84-ACF9-832C-0796-514FA2D0AB0E}"/>
+                <a16:creationId xmlns:a16="http://schemas.microsoft.com/office/drawing/2014/main" id="{76A6A133-4522-616C-F4D2-75E90D2C127A}"/>
               </a:ext>
             </a:extLst>
           </p:cNvPr>
@@ -18060,103 +18252,276 @@
           <a:p>
             <a:r>
               <a:rPr lang="nl-NL"/>
-              <a:t>CV = Cross Validation</a:t>
+              <a:t>GridSearchCV in code</a:t>
+            </a:r>
+          </a:p>
+        </p:txBody>
+      </p:sp>
+      <p:sp>
+        <p:nvSpPr>
+          <p:cNvPr id="3" name="Tijdelijke aanduiding voor inhoud 2">
+            <a:extLst>
+              <a:ext uri="{FF2B5EF4-FFF2-40B4-BE49-F238E27FC236}">
+                <a16:creationId xmlns:a16="http://schemas.microsoft.com/office/drawing/2014/main" id="{51F1E47C-1425-90D2-2565-AC91A6B9F31B}"/>
+              </a:ext>
+            </a:extLst>
+          </p:cNvPr>
+          <p:cNvSpPr>
+            <a:spLocks noGrp="1"/>
+          </p:cNvSpPr>
+          <p:nvPr>
+            <p:ph idx="1"/>
+          </p:nvPr>
+        </p:nvSpPr>
+        <p:spPr>
+          <a:xfrm>
+            <a:off x="894080" y="5225610"/>
+            <a:ext cx="11216640" cy="2931161"/>
+          </a:xfrm>
+        </p:spPr>
+        <p:txBody>
+          <a:bodyPr/>
+          <a:lstStyle/>
+          <a:p>
+            <a:r>
+              <a:rPr lang="nl-NL"/>
+              <a:t>Na het fitten zijn o.a. op te vragen:</a:t>
+            </a:r>
+          </a:p>
+          <a:p>
+            <a:pPr lvl="1"/>
+            <a:r>
+              <a:rPr lang="nl-NL"/>
+              <a:t>cv_results_</a:t>
+            </a:r>
+          </a:p>
+          <a:p>
+            <a:pPr lvl="1"/>
+            <a:r>
+              <a:rPr lang="nl-NL"/>
+              <a:t>best_score_</a:t>
+            </a:r>
+          </a:p>
+          <a:p>
+            <a:pPr lvl="1"/>
+            <a:r>
+              <a:rPr lang="nl-NL"/>
+              <a:t>best_params_</a:t>
+            </a:r>
+          </a:p>
+          <a:p>
+            <a:r>
+              <a:rPr lang="nl-NL"/>
+              <a:t>Voorbeeld zometeen in Notebook</a:t>
             </a:r>
           </a:p>
         </p:txBody>
       </p:sp>
       <p:pic>
         <p:nvPicPr>
-          <p:cNvPr id="1026" name="Picture 2">
+          <p:cNvPr id="5" name="Afbeelding 4">
             <a:extLst>
               <a:ext uri="{FF2B5EF4-FFF2-40B4-BE49-F238E27FC236}">
-                <a16:creationId xmlns:a16="http://schemas.microsoft.com/office/drawing/2014/main" id="{BD5C95FF-57E8-336B-6716-2CCB7C3FC25B}"/>
+                <a16:creationId xmlns:a16="http://schemas.microsoft.com/office/drawing/2014/main" id="{9C0F1219-87BD-EF24-518C-42B8C0805AAE}"/>
               </a:ext>
             </a:extLst>
           </p:cNvPr>
           <p:cNvPicPr>
-            <a:picLocks noChangeAspect="1" noChangeArrowheads="1"/>
+            <a:picLocks noChangeAspect="1"/>
           </p:cNvPicPr>
           <p:nvPr/>
         </p:nvPicPr>
         <p:blipFill>
-          <a:blip r:embed="rId2" cstate="print">
-            <a:extLst>
-              <a:ext uri="{28A0092B-C50C-407E-A947-70E740481C1C}">
-                <a14:useLocalDpi xmlns:a14="http://schemas.microsoft.com/office/drawing/2010/main" val="0"/>
-              </a:ext>
-            </a:extLst>
-          </a:blip>
-          <a:srcRect/>
+          <a:blip r:embed="rId2"/>
           <a:stretch>
             <a:fillRect/>
           </a:stretch>
         </p:blipFill>
-        <p:spPr bwMode="auto">
+        <p:spPr>
           <a:xfrm>
-            <a:off x="894081" y="3252960"/>
-            <a:ext cx="8863376" cy="4876011"/>
+            <a:off x="384060" y="3022601"/>
+            <a:ext cx="11990474" cy="1747764"/>
           </a:xfrm>
           <a:prstGeom prst="rect">
             <a:avLst/>
           </a:prstGeom>
-          <a:noFill/>
-          <a:extLst>
-            <a:ext uri="{909E8E84-426E-40DD-AFC4-6F175D3DCCD1}">
-              <a14:hiddenFill xmlns:a14="http://schemas.microsoft.com/office/drawing/2010/main">
-                <a:solidFill>
-                  <a:srgbClr val="FFFFFF"/>
-                </a:solidFill>
-              </a14:hiddenFill>
-            </a:ext>
-          </a:extLst>
         </p:spPr>
       </p:pic>
       <p:sp>
         <p:nvSpPr>
-          <p:cNvPr id="4" name="Tekstvak 3">
+          <p:cNvPr id="6" name="Ovaal 5">
             <a:extLst>
               <a:ext uri="{FF2B5EF4-FFF2-40B4-BE49-F238E27FC236}">
-                <a16:creationId xmlns:a16="http://schemas.microsoft.com/office/drawing/2014/main" id="{F641520D-50FC-BF3E-EAC6-65660E573FF7}"/>
+                <a16:creationId xmlns:a16="http://schemas.microsoft.com/office/drawing/2014/main" id="{F135CB59-A087-49C9-D5B3-1569A81979C0}"/>
               </a:ext>
             </a:extLst>
           </p:cNvPr>
-          <p:cNvSpPr txBox="1"/>
+          <p:cNvSpPr/>
           <p:nvPr/>
         </p:nvSpPr>
         <p:spPr>
           <a:xfrm>
-            <a:off x="9757457" y="7735017"/>
-            <a:ext cx="2784037" cy="387798"/>
+            <a:off x="5009373" y="3974829"/>
+            <a:ext cx="2177988" cy="461706"/>
           </a:xfrm>
-          <a:prstGeom prst="rect">
+          <a:prstGeom prst="ellipse">
             <a:avLst/>
           </a:prstGeom>
           <a:noFill/>
+          <a:ln w="28575">
+            <a:solidFill>
+              <a:srgbClr val="FF0000"/>
+            </a:solidFill>
+          </a:ln>
         </p:spPr>
+        <p:style>
+          <a:lnRef idx="2">
+            <a:schemeClr val="accent1">
+              <a:shade val="15000"/>
+            </a:schemeClr>
+          </a:lnRef>
+          <a:fillRef idx="1">
+            <a:schemeClr val="accent1"/>
+          </a:fillRef>
+          <a:effectRef idx="0">
+            <a:schemeClr val="accent1"/>
+          </a:effectRef>
+          <a:fontRef idx="minor">
+            <a:schemeClr val="lt1"/>
+          </a:fontRef>
+        </p:style>
         <p:txBody>
-          <a:bodyPr wrap="square" rtlCol="0">
-            <a:spAutoFit/>
-          </a:bodyPr>
+          <a:bodyPr rtlCol="0" anchor="ctr"/>
           <a:lstStyle/>
           <a:p>
-            <a:pPr algn="l" defTabSz="975390" hangingPunct="1"/>
-            <a:r>
-              <a:rPr lang="nl-NL" sz="1920" i="1" kern="1200">
-                <a:solidFill>
-                  <a:prstClr val="black"/>
-                </a:solidFill>
-                <a:latin typeface="Calibri" panose="020F0502020204030204"/>
-              </a:rPr>
-              <a:t>Bron: medium.com</a:t>
-            </a:r>
+            <a:pPr defTabSz="975390" hangingPunct="1"/>
+            <a:endParaRPr lang="nl-NL" sz="1920" kern="1200">
+              <a:solidFill>
+                <a:prstClr val="white"/>
+              </a:solidFill>
+              <a:latin typeface="Calibri" panose="020F0502020204030204"/>
+            </a:endParaRPr>
+          </a:p>
+        </p:txBody>
+      </p:sp>
+      <p:sp>
+        <p:nvSpPr>
+          <p:cNvPr id="7" name="Ovaal 6">
+            <a:extLst>
+              <a:ext uri="{FF2B5EF4-FFF2-40B4-BE49-F238E27FC236}">
+                <a16:creationId xmlns:a16="http://schemas.microsoft.com/office/drawing/2014/main" id="{39C9CDE6-499B-0659-3F8D-3D78688A7419}"/>
+              </a:ext>
+            </a:extLst>
+          </p:cNvPr>
+          <p:cNvSpPr/>
+          <p:nvPr/>
+        </p:nvSpPr>
+        <p:spPr>
+          <a:xfrm>
+            <a:off x="10823656" y="3974829"/>
+            <a:ext cx="1079524" cy="461706"/>
+          </a:xfrm>
+          <a:prstGeom prst="ellipse">
+            <a:avLst/>
+          </a:prstGeom>
+          <a:noFill/>
+          <a:ln w="28575">
+            <a:solidFill>
+              <a:srgbClr val="FF0000"/>
+            </a:solidFill>
+          </a:ln>
+        </p:spPr>
+        <p:style>
+          <a:lnRef idx="2">
+            <a:schemeClr val="accent1">
+              <a:shade val="15000"/>
+            </a:schemeClr>
+          </a:lnRef>
+          <a:fillRef idx="1">
+            <a:schemeClr val="accent1"/>
+          </a:fillRef>
+          <a:effectRef idx="0">
+            <a:schemeClr val="accent1"/>
+          </a:effectRef>
+          <a:fontRef idx="minor">
+            <a:schemeClr val="lt1"/>
+          </a:fontRef>
+        </p:style>
+        <p:txBody>
+          <a:bodyPr rtlCol="0" anchor="ctr"/>
+          <a:lstStyle/>
+          <a:p>
+            <a:pPr defTabSz="975390" hangingPunct="1"/>
+            <a:endParaRPr lang="nl-NL" sz="1920" kern="1200">
+              <a:solidFill>
+                <a:prstClr val="white"/>
+              </a:solidFill>
+              <a:latin typeface="Calibri" panose="020F0502020204030204"/>
+            </a:endParaRPr>
+          </a:p>
+        </p:txBody>
+      </p:sp>
+      <p:sp>
+        <p:nvSpPr>
+          <p:cNvPr id="8" name="Ovaal 7">
+            <a:extLst>
+              <a:ext uri="{FF2B5EF4-FFF2-40B4-BE49-F238E27FC236}">
+                <a16:creationId xmlns:a16="http://schemas.microsoft.com/office/drawing/2014/main" id="{880E9701-2A76-918E-A777-33A620D65757}"/>
+              </a:ext>
+            </a:extLst>
+          </p:cNvPr>
+          <p:cNvSpPr/>
+          <p:nvPr/>
+        </p:nvSpPr>
+        <p:spPr>
+          <a:xfrm>
+            <a:off x="454537" y="4305430"/>
+            <a:ext cx="1164751" cy="461706"/>
+          </a:xfrm>
+          <a:prstGeom prst="ellipse">
+            <a:avLst/>
+          </a:prstGeom>
+          <a:noFill/>
+          <a:ln w="28575">
+            <a:solidFill>
+              <a:srgbClr val="FF0000"/>
+            </a:solidFill>
+          </a:ln>
+        </p:spPr>
+        <p:style>
+          <a:lnRef idx="2">
+            <a:schemeClr val="accent1">
+              <a:shade val="15000"/>
+            </a:schemeClr>
+          </a:lnRef>
+          <a:fillRef idx="1">
+            <a:schemeClr val="accent1"/>
+          </a:fillRef>
+          <a:effectRef idx="0">
+            <a:schemeClr val="accent1"/>
+          </a:effectRef>
+          <a:fontRef idx="minor">
+            <a:schemeClr val="lt1"/>
+          </a:fontRef>
+        </p:style>
+        <p:txBody>
+          <a:bodyPr rtlCol="0" anchor="ctr"/>
+          <a:lstStyle/>
+          <a:p>
+            <a:pPr defTabSz="975390" hangingPunct="1"/>
+            <a:endParaRPr lang="nl-NL" sz="1920" kern="1200">
+              <a:solidFill>
+                <a:prstClr val="white"/>
+              </a:solidFill>
+              <a:latin typeface="Calibri" panose="020F0502020204030204"/>
+            </a:endParaRPr>
           </a:p>
         </p:txBody>
       </p:sp>
     </p:spTree>
     <p:extLst>
       <p:ext uri="{BB962C8B-B14F-4D97-AF65-F5344CB8AC3E}">
-        <p14:creationId xmlns:p14="http://schemas.microsoft.com/office/powerpoint/2010/main" val="700508302"/>
+        <p14:creationId xmlns:p14="http://schemas.microsoft.com/office/powerpoint/2010/main" val="1215871647"/>
       </p:ext>
     </p:extLst>
   </p:cSld>
@@ -18241,461 +18606,6 @@
           <p:cNvPr id="2" name="Titel 1">
             <a:extLst>
               <a:ext uri="{FF2B5EF4-FFF2-40B4-BE49-F238E27FC236}">
-                <a16:creationId xmlns:a16="http://schemas.microsoft.com/office/drawing/2014/main" id="{898840B0-D049-FBFD-830A-771A0B70EB21}"/>
-              </a:ext>
-            </a:extLst>
-          </p:cNvPr>
-          <p:cNvSpPr>
-            <a:spLocks noGrp="1"/>
-          </p:cNvSpPr>
-          <p:nvPr>
-            <p:ph type="title"/>
-          </p:nvPr>
-        </p:nvSpPr>
-        <p:spPr/>
-        <p:txBody>
-          <a:bodyPr/>
-          <a:lstStyle/>
-          <a:p>
-            <a:r>
-              <a:rPr lang="nl-NL"/>
-              <a:t>GridSearchCV</a:t>
-            </a:r>
-          </a:p>
-        </p:txBody>
-      </p:sp>
-      <p:sp>
-        <p:nvSpPr>
-          <p:cNvPr id="3" name="Tijdelijke aanduiding voor inhoud 2">
-            <a:extLst>
-              <a:ext uri="{FF2B5EF4-FFF2-40B4-BE49-F238E27FC236}">
-                <a16:creationId xmlns:a16="http://schemas.microsoft.com/office/drawing/2014/main" id="{0439FC56-0C97-F011-33FC-1F21DA206BE0}"/>
-              </a:ext>
-            </a:extLst>
-          </p:cNvPr>
-          <p:cNvSpPr>
-            <a:spLocks noGrp="1"/>
-          </p:cNvSpPr>
-          <p:nvPr>
-            <p:ph idx="1"/>
-          </p:nvPr>
-        </p:nvSpPr>
-        <p:spPr/>
-        <p:txBody>
-          <a:bodyPr/>
-          <a:lstStyle/>
-          <a:p>
-            <a:r>
-              <a:rPr lang="nl-NL"/>
-              <a:t>Probeert alle combinaties van de opgegeven parameters uit</a:t>
-            </a:r>
-          </a:p>
-          <a:p>
-            <a:pPr lvl="1"/>
-            <a:r>
-              <a:rPr lang="nl-NL"/>
-              <a:t>param_grid</a:t>
-            </a:r>
-          </a:p>
-          <a:p>
-            <a:r>
-              <a:rPr lang="nl-NL"/>
-              <a:t>Per combinatie Cross Validation met </a:t>
-            </a:r>
-            <a:r>
-              <a:rPr lang="nl-NL" i="1"/>
-              <a:t>cv</a:t>
-            </a:r>
-            <a:r>
-              <a:rPr lang="nl-NL"/>
-              <a:t> folds</a:t>
-            </a:r>
-          </a:p>
-          <a:p>
-            <a:r>
-              <a:rPr lang="nl-NL"/>
-              <a:t>Kan erg lang bezig zijn</a:t>
-            </a:r>
-          </a:p>
-          <a:p>
-            <a:pPr lvl="1"/>
-            <a:r>
-              <a:rPr lang="nl-NL"/>
-              <a:t>Toevoegen van een parameter met </a:t>
-            </a:r>
-            <a:r>
-              <a:rPr lang="nl-NL" i="1"/>
-              <a:t>n</a:t>
-            </a:r>
-            <a:r>
-              <a:rPr lang="nl-NL"/>
-              <a:t> waardes maakt doorlooptijd </a:t>
-            </a:r>
-            <a:r>
-              <a:rPr lang="nl-NL" i="1"/>
-              <a:t>n</a:t>
-            </a:r>
-            <a:r>
-              <a:rPr lang="nl-NL"/>
-              <a:t> x langer</a:t>
-            </a:r>
-          </a:p>
-        </p:txBody>
-      </p:sp>
-    </p:spTree>
-    <p:extLst>
-      <p:ext uri="{BB962C8B-B14F-4D97-AF65-F5344CB8AC3E}">
-        <p14:creationId xmlns:p14="http://schemas.microsoft.com/office/powerpoint/2010/main" val="1487951715"/>
-      </p:ext>
-    </p:extLst>
-  </p:cSld>
-  <p:clrMapOvr>
-    <a:masterClrMapping/>
-  </p:clrMapOvr>
-</p:sld>
-</file>
-
-<file path=ppt/slides/slide41.xml><?xml version="1.0" encoding="utf-8"?>
-<p:sld xmlns:a="http://schemas.openxmlformats.org/drawingml/2006/main" xmlns:r="http://schemas.openxmlformats.org/officeDocument/2006/relationships" xmlns:p="http://schemas.openxmlformats.org/presentationml/2006/main">
-  <p:cSld>
-    <p:spTree>
-      <p:nvGrpSpPr>
-        <p:cNvPr id="1" name=""/>
-        <p:cNvGrpSpPr/>
-        <p:nvPr/>
-      </p:nvGrpSpPr>
-      <p:grpSpPr>
-        <a:xfrm>
-          <a:off x="0" y="0"/>
-          <a:ext cx="0" cy="0"/>
-          <a:chOff x="0" y="0"/>
-          <a:chExt cx="0" cy="0"/>
-        </a:xfrm>
-      </p:grpSpPr>
-      <p:sp>
-        <p:nvSpPr>
-          <p:cNvPr id="2" name="Titel 1">
-            <a:extLst>
-              <a:ext uri="{FF2B5EF4-FFF2-40B4-BE49-F238E27FC236}">
-                <a16:creationId xmlns:a16="http://schemas.microsoft.com/office/drawing/2014/main" id="{76A6A133-4522-616C-F4D2-75E90D2C127A}"/>
-              </a:ext>
-            </a:extLst>
-          </p:cNvPr>
-          <p:cNvSpPr>
-            <a:spLocks noGrp="1"/>
-          </p:cNvSpPr>
-          <p:nvPr>
-            <p:ph type="title"/>
-          </p:nvPr>
-        </p:nvSpPr>
-        <p:spPr/>
-        <p:txBody>
-          <a:bodyPr/>
-          <a:lstStyle/>
-          <a:p>
-            <a:r>
-              <a:rPr lang="nl-NL"/>
-              <a:t>GridSearchCV in code</a:t>
-            </a:r>
-          </a:p>
-        </p:txBody>
-      </p:sp>
-      <p:sp>
-        <p:nvSpPr>
-          <p:cNvPr id="3" name="Tijdelijke aanduiding voor inhoud 2">
-            <a:extLst>
-              <a:ext uri="{FF2B5EF4-FFF2-40B4-BE49-F238E27FC236}">
-                <a16:creationId xmlns:a16="http://schemas.microsoft.com/office/drawing/2014/main" id="{51F1E47C-1425-90D2-2565-AC91A6B9F31B}"/>
-              </a:ext>
-            </a:extLst>
-          </p:cNvPr>
-          <p:cNvSpPr>
-            <a:spLocks noGrp="1"/>
-          </p:cNvSpPr>
-          <p:nvPr>
-            <p:ph idx="1"/>
-          </p:nvPr>
-        </p:nvSpPr>
-        <p:spPr>
-          <a:xfrm>
-            <a:off x="894080" y="5225610"/>
-            <a:ext cx="11216640" cy="2931161"/>
-          </a:xfrm>
-        </p:spPr>
-        <p:txBody>
-          <a:bodyPr/>
-          <a:lstStyle/>
-          <a:p>
-            <a:r>
-              <a:rPr lang="nl-NL"/>
-              <a:t>Na het fitten zijn o.a. op te vragen:</a:t>
-            </a:r>
-          </a:p>
-          <a:p>
-            <a:pPr lvl="1"/>
-            <a:r>
-              <a:rPr lang="nl-NL"/>
-              <a:t>cv_results_</a:t>
-            </a:r>
-          </a:p>
-          <a:p>
-            <a:pPr lvl="1"/>
-            <a:r>
-              <a:rPr lang="nl-NL"/>
-              <a:t>best_score_</a:t>
-            </a:r>
-          </a:p>
-          <a:p>
-            <a:pPr lvl="1"/>
-            <a:r>
-              <a:rPr lang="nl-NL"/>
-              <a:t>best_params_</a:t>
-            </a:r>
-          </a:p>
-          <a:p>
-            <a:r>
-              <a:rPr lang="nl-NL"/>
-              <a:t>Voorbeeld in Notebook</a:t>
-            </a:r>
-          </a:p>
-        </p:txBody>
-      </p:sp>
-      <p:pic>
-        <p:nvPicPr>
-          <p:cNvPr id="5" name="Afbeelding 4">
-            <a:extLst>
-              <a:ext uri="{FF2B5EF4-FFF2-40B4-BE49-F238E27FC236}">
-                <a16:creationId xmlns:a16="http://schemas.microsoft.com/office/drawing/2014/main" id="{9C0F1219-87BD-EF24-518C-42B8C0805AAE}"/>
-              </a:ext>
-            </a:extLst>
-          </p:cNvPr>
-          <p:cNvPicPr>
-            <a:picLocks noChangeAspect="1"/>
-          </p:cNvPicPr>
-          <p:nvPr/>
-        </p:nvPicPr>
-        <p:blipFill>
-          <a:blip r:embed="rId2"/>
-          <a:stretch>
-            <a:fillRect/>
-          </a:stretch>
-        </p:blipFill>
-        <p:spPr>
-          <a:xfrm>
-            <a:off x="384060" y="3022601"/>
-            <a:ext cx="11990474" cy="1747764"/>
-          </a:xfrm>
-          <a:prstGeom prst="rect">
-            <a:avLst/>
-          </a:prstGeom>
-        </p:spPr>
-      </p:pic>
-      <p:sp>
-        <p:nvSpPr>
-          <p:cNvPr id="6" name="Ovaal 5">
-            <a:extLst>
-              <a:ext uri="{FF2B5EF4-FFF2-40B4-BE49-F238E27FC236}">
-                <a16:creationId xmlns:a16="http://schemas.microsoft.com/office/drawing/2014/main" id="{F135CB59-A087-49C9-D5B3-1569A81979C0}"/>
-              </a:ext>
-            </a:extLst>
-          </p:cNvPr>
-          <p:cNvSpPr/>
-          <p:nvPr/>
-        </p:nvSpPr>
-        <p:spPr>
-          <a:xfrm>
-            <a:off x="5009373" y="3974829"/>
-            <a:ext cx="2177988" cy="461706"/>
-          </a:xfrm>
-          <a:prstGeom prst="ellipse">
-            <a:avLst/>
-          </a:prstGeom>
-          <a:noFill/>
-          <a:ln w="28575">
-            <a:solidFill>
-              <a:srgbClr val="FF0000"/>
-            </a:solidFill>
-          </a:ln>
-        </p:spPr>
-        <p:style>
-          <a:lnRef idx="2">
-            <a:schemeClr val="accent1">
-              <a:shade val="15000"/>
-            </a:schemeClr>
-          </a:lnRef>
-          <a:fillRef idx="1">
-            <a:schemeClr val="accent1"/>
-          </a:fillRef>
-          <a:effectRef idx="0">
-            <a:schemeClr val="accent1"/>
-          </a:effectRef>
-          <a:fontRef idx="minor">
-            <a:schemeClr val="lt1"/>
-          </a:fontRef>
-        </p:style>
-        <p:txBody>
-          <a:bodyPr rtlCol="0" anchor="ctr"/>
-          <a:lstStyle/>
-          <a:p>
-            <a:pPr defTabSz="975390" hangingPunct="1"/>
-            <a:endParaRPr lang="nl-NL" sz="1920" kern="1200">
-              <a:solidFill>
-                <a:prstClr val="white"/>
-              </a:solidFill>
-              <a:latin typeface="Calibri" panose="020F0502020204030204"/>
-            </a:endParaRPr>
-          </a:p>
-        </p:txBody>
-      </p:sp>
-      <p:sp>
-        <p:nvSpPr>
-          <p:cNvPr id="7" name="Ovaal 6">
-            <a:extLst>
-              <a:ext uri="{FF2B5EF4-FFF2-40B4-BE49-F238E27FC236}">
-                <a16:creationId xmlns:a16="http://schemas.microsoft.com/office/drawing/2014/main" id="{39C9CDE6-499B-0659-3F8D-3D78688A7419}"/>
-              </a:ext>
-            </a:extLst>
-          </p:cNvPr>
-          <p:cNvSpPr/>
-          <p:nvPr/>
-        </p:nvSpPr>
-        <p:spPr>
-          <a:xfrm>
-            <a:off x="10823656" y="3974829"/>
-            <a:ext cx="1079524" cy="461706"/>
-          </a:xfrm>
-          <a:prstGeom prst="ellipse">
-            <a:avLst/>
-          </a:prstGeom>
-          <a:noFill/>
-          <a:ln w="28575">
-            <a:solidFill>
-              <a:srgbClr val="FF0000"/>
-            </a:solidFill>
-          </a:ln>
-        </p:spPr>
-        <p:style>
-          <a:lnRef idx="2">
-            <a:schemeClr val="accent1">
-              <a:shade val="15000"/>
-            </a:schemeClr>
-          </a:lnRef>
-          <a:fillRef idx="1">
-            <a:schemeClr val="accent1"/>
-          </a:fillRef>
-          <a:effectRef idx="0">
-            <a:schemeClr val="accent1"/>
-          </a:effectRef>
-          <a:fontRef idx="minor">
-            <a:schemeClr val="lt1"/>
-          </a:fontRef>
-        </p:style>
-        <p:txBody>
-          <a:bodyPr rtlCol="0" anchor="ctr"/>
-          <a:lstStyle/>
-          <a:p>
-            <a:pPr defTabSz="975390" hangingPunct="1"/>
-            <a:endParaRPr lang="nl-NL" sz="1920" kern="1200">
-              <a:solidFill>
-                <a:prstClr val="white"/>
-              </a:solidFill>
-              <a:latin typeface="Calibri" panose="020F0502020204030204"/>
-            </a:endParaRPr>
-          </a:p>
-        </p:txBody>
-      </p:sp>
-      <p:sp>
-        <p:nvSpPr>
-          <p:cNvPr id="8" name="Ovaal 7">
-            <a:extLst>
-              <a:ext uri="{FF2B5EF4-FFF2-40B4-BE49-F238E27FC236}">
-                <a16:creationId xmlns:a16="http://schemas.microsoft.com/office/drawing/2014/main" id="{880E9701-2A76-918E-A777-33A620D65757}"/>
-              </a:ext>
-            </a:extLst>
-          </p:cNvPr>
-          <p:cNvSpPr/>
-          <p:nvPr/>
-        </p:nvSpPr>
-        <p:spPr>
-          <a:xfrm>
-            <a:off x="454537" y="4305430"/>
-            <a:ext cx="1164751" cy="461706"/>
-          </a:xfrm>
-          <a:prstGeom prst="ellipse">
-            <a:avLst/>
-          </a:prstGeom>
-          <a:noFill/>
-          <a:ln w="28575">
-            <a:solidFill>
-              <a:srgbClr val="FF0000"/>
-            </a:solidFill>
-          </a:ln>
-        </p:spPr>
-        <p:style>
-          <a:lnRef idx="2">
-            <a:schemeClr val="accent1">
-              <a:shade val="15000"/>
-            </a:schemeClr>
-          </a:lnRef>
-          <a:fillRef idx="1">
-            <a:schemeClr val="accent1"/>
-          </a:fillRef>
-          <a:effectRef idx="0">
-            <a:schemeClr val="accent1"/>
-          </a:effectRef>
-          <a:fontRef idx="minor">
-            <a:schemeClr val="lt1"/>
-          </a:fontRef>
-        </p:style>
-        <p:txBody>
-          <a:bodyPr rtlCol="0" anchor="ctr"/>
-          <a:lstStyle/>
-          <a:p>
-            <a:pPr defTabSz="975390" hangingPunct="1"/>
-            <a:endParaRPr lang="nl-NL" sz="1920" kern="1200">
-              <a:solidFill>
-                <a:prstClr val="white"/>
-              </a:solidFill>
-              <a:latin typeface="Calibri" panose="020F0502020204030204"/>
-            </a:endParaRPr>
-          </a:p>
-        </p:txBody>
-      </p:sp>
-    </p:spTree>
-    <p:extLst>
-      <p:ext uri="{BB962C8B-B14F-4D97-AF65-F5344CB8AC3E}">
-        <p14:creationId xmlns:p14="http://schemas.microsoft.com/office/powerpoint/2010/main" val="1215871647"/>
-      </p:ext>
-    </p:extLst>
-  </p:cSld>
-  <p:clrMapOvr>
-    <a:masterClrMapping/>
-  </p:clrMapOvr>
-</p:sld>
-</file>
-
-<file path=ppt/slides/slide42.xml><?xml version="1.0" encoding="utf-8"?>
-<p:sld xmlns:a="http://schemas.openxmlformats.org/drawingml/2006/main" xmlns:r="http://schemas.openxmlformats.org/officeDocument/2006/relationships" xmlns:p="http://schemas.openxmlformats.org/presentationml/2006/main">
-  <p:cSld>
-    <p:spTree>
-      <p:nvGrpSpPr>
-        <p:cNvPr id="1" name=""/>
-        <p:cNvGrpSpPr/>
-        <p:nvPr/>
-      </p:nvGrpSpPr>
-      <p:grpSpPr>
-        <a:xfrm>
-          <a:off x="0" y="0"/>
-          <a:ext cx="0" cy="0"/>
-          <a:chOff x="0" y="0"/>
-          <a:chExt cx="0" cy="0"/>
-        </a:xfrm>
-      </p:grpSpPr>
-      <p:sp>
-        <p:nvSpPr>
-          <p:cNvPr id="2" name="Titel 1">
-            <a:extLst>
-              <a:ext uri="{FF2B5EF4-FFF2-40B4-BE49-F238E27FC236}">
                 <a16:creationId xmlns:a16="http://schemas.microsoft.com/office/drawing/2014/main" id="{3FE860AA-8902-86F3-120B-4D7D7F693E8D}"/>
               </a:ext>
             </a:extLst>
@@ -18762,7 +18672,15 @@
             <a:pPr lvl="1"/>
             <a:r>
               <a:rPr lang="nl-NL"/>
-              <a:t>Van continue variabelen kan hiermee elke waarde aan bod komen</a:t>
+              <a:t>Van continue variabelen </a:t>
+            </a:r>
+            <a:r>
+              <a:rPr lang="nl-NL" i="1"/>
+              <a:t>kan</a:t>
+            </a:r>
+            <a:r>
+              <a:rPr lang="nl-NL"/>
+              <a:t> hiermee elke waarde aan bod komen</a:t>
             </a:r>
           </a:p>
           <a:p>
@@ -18814,7 +18732,7 @@
 </p:sld>
 </file>
 
-<file path=ppt/slides/slide43.xml><?xml version="1.0" encoding="utf-8"?>
+<file path=ppt/slides/slide41.xml><?xml version="1.0" encoding="utf-8"?>
 <p:sld xmlns:a="http://schemas.openxmlformats.org/drawingml/2006/main" xmlns:r="http://schemas.openxmlformats.org/officeDocument/2006/relationships" xmlns:p="http://schemas.openxmlformats.org/presentationml/2006/main">
   <p:cSld>
     <p:spTree>
@@ -19136,7 +19054,7 @@
 </p:sld>
 </file>
 
-<file path=ppt/slides/slide44.xml><?xml version="1.0" encoding="utf-8"?>
+<file path=ppt/slides/slide42.xml><?xml version="1.0" encoding="utf-8"?>
 <p:sld xmlns:a="http://schemas.openxmlformats.org/drawingml/2006/main" xmlns:r="http://schemas.openxmlformats.org/officeDocument/2006/relationships" xmlns:p="http://schemas.openxmlformats.org/presentationml/2006/main">
   <p:cSld>
     <p:spTree>
@@ -19253,7 +19171,21 @@
             <a:pPr lvl="1"/>
             <a:r>
               <a:rPr lang="nl-NL"/>
-              <a:t>Elke ronde minder modellen en een grotere trainingsset = meer resources</a:t>
+              <a:t>Elke ronde minder modellen…</a:t>
+            </a:r>
+          </a:p>
+          <a:p>
+            <a:pPr lvl="1"/>
+            <a:r>
+              <a:rPr lang="nl-NL"/>
+              <a:t>…en dus een grotere trainingsset mogelijk…</a:t>
+            </a:r>
+          </a:p>
+          <a:p>
+            <a:pPr lvl="1"/>
+            <a:r>
+              <a:rPr lang="nl-NL"/>
+              <a:t>…want meer resources beschikbaar</a:t>
             </a:r>
           </a:p>
         </p:txBody>
@@ -19271,7 +19203,7 @@
 </p:sld>
 </file>
 
-<file path=ppt/slides/slide45.xml><?xml version="1.0" encoding="utf-8"?>
+<file path=ppt/slides/slide43.xml><?xml version="1.0" encoding="utf-8"?>
 <p:sld xmlns:a="http://schemas.openxmlformats.org/drawingml/2006/main" xmlns:r="http://schemas.openxmlformats.org/officeDocument/2006/relationships" xmlns:p="http://schemas.openxmlformats.org/presentationml/2006/main">
   <p:cSld>
     <p:spTree>
@@ -19389,7 +19321,7 @@
 </p:sld>
 </file>
 
-<file path=ppt/slides/slide46.xml><?xml version="1.0" encoding="utf-8"?>
+<file path=ppt/slides/slide44.xml><?xml version="1.0" encoding="utf-8"?>
 <p:sld xmlns:a="http://schemas.openxmlformats.org/drawingml/2006/main" xmlns:r="http://schemas.openxmlformats.org/officeDocument/2006/relationships" xmlns:p="http://schemas.openxmlformats.org/presentationml/2006/main">
   <p:cSld>
     <p:spTree>
@@ -19527,7 +19459,7 @@
 </p:sld>
 </file>
 
-<file path=ppt/slides/slide47.xml><?xml version="1.0" encoding="utf-8"?>
+<file path=ppt/slides/slide45.xml><?xml version="1.0" encoding="utf-8"?>
 <p:sld xmlns:a="http://schemas.openxmlformats.org/drawingml/2006/main" xmlns:r="http://schemas.openxmlformats.org/officeDocument/2006/relationships" xmlns:p="http://schemas.openxmlformats.org/presentationml/2006/main">
   <p:cSld>
     <p:spTree>
@@ -19563,7 +19495,7 @@
           </a:ln>
           <a:extLst>
             <a:ext uri="{C572A759-6A51-4108-AA02-DFA0A04FC94B}">
-              <ma14:wrappingTextBoxFlag xmlns:ma14="http://schemas.microsoft.com/office/mac/drawingml/2011/main" xmlns:a14="http://schemas.microsoft.com/office/drawing/2010/main" xmlns:m="http://schemas.openxmlformats.org/officeDocument/2006/math" xmlns="" val="1"/>
+              <ma14:wrappingTextBoxFlag xmlns="" xmlns:m="http://schemas.openxmlformats.org/officeDocument/2006/math" xmlns:a14="http://schemas.microsoft.com/office/drawing/2010/main" xmlns:ma14="http://schemas.microsoft.com/office/mac/drawingml/2011/main" val="1"/>
             </a:ext>
           </a:extLst>
         </p:spPr>
@@ -19606,7 +19538,7 @@
 </p:sld>
 </file>
 
-<file path=ppt/slides/slide48.xml><?xml version="1.0" encoding="utf-8"?>
+<file path=ppt/slides/slide46.xml><?xml version="1.0" encoding="utf-8"?>
 <p:sld xmlns:a="http://schemas.openxmlformats.org/drawingml/2006/main" xmlns:r="http://schemas.openxmlformats.org/officeDocument/2006/relationships" xmlns:p="http://schemas.openxmlformats.org/presentationml/2006/main">
   <p:cSld>
     <p:spTree>
@@ -19752,7 +19684,7 @@
 </p:sld>
 </file>
 
-<file path=ppt/slides/slide49.xml><?xml version="1.0" encoding="utf-8"?>
+<file path=ppt/slides/slide47.xml><?xml version="1.0" encoding="utf-8"?>
 <p:sld xmlns:a="http://schemas.openxmlformats.org/drawingml/2006/main" xmlns:r="http://schemas.openxmlformats.org/officeDocument/2006/relationships" xmlns:p="http://schemas.openxmlformats.org/presentationml/2006/main">
   <p:cSld>
     <p:spTree>
@@ -19928,60 +19860,7 @@
 </p:sld>
 </file>
 
-<file path=ppt/slides/slide5.xml><?xml version="1.0" encoding="utf-8"?>
-<p:sld xmlns:a="http://schemas.openxmlformats.org/drawingml/2006/main" xmlns:r="http://schemas.openxmlformats.org/officeDocument/2006/relationships" xmlns:p="http://schemas.openxmlformats.org/presentationml/2006/main">
-  <p:cSld>
-    <p:spTree>
-      <p:nvGrpSpPr>
-        <p:cNvPr id="1" name=""/>
-        <p:cNvGrpSpPr/>
-        <p:nvPr/>
-      </p:nvGrpSpPr>
-      <p:grpSpPr>
-        <a:xfrm>
-          <a:off x="0" y="0"/>
-          <a:ext cx="0" cy="0"/>
-          <a:chOff x="0" y="0"/>
-          <a:chExt cx="0" cy="0"/>
-        </a:xfrm>
-      </p:grpSpPr>
-      <p:pic>
-        <p:nvPicPr>
-          <p:cNvPr id="128" name="pasted-image.png" descr="pasted-image.png"/>
-          <p:cNvPicPr>
-            <a:picLocks noChangeAspect="1"/>
-          </p:cNvPicPr>
-          <p:nvPr/>
-        </p:nvPicPr>
-        <p:blipFill>
-          <a:blip r:embed="rId2"/>
-          <a:stretch>
-            <a:fillRect/>
-          </a:stretch>
-        </p:blipFill>
-        <p:spPr>
-          <a:xfrm>
-            <a:off x="1295536" y="308815"/>
-            <a:ext cx="10413728" cy="9135970"/>
-          </a:xfrm>
-          <a:prstGeom prst="rect">
-            <a:avLst/>
-          </a:prstGeom>
-          <a:ln w="12700">
-            <a:miter lim="400000"/>
-          </a:ln>
-        </p:spPr>
-      </p:pic>
-    </p:spTree>
-  </p:cSld>
-  <p:clrMapOvr>
-    <a:masterClrMapping/>
-  </p:clrMapOvr>
-  <p:transition spd="med"/>
-</p:sld>
-</file>
-
-<file path=ppt/slides/slide50.xml><?xml version="1.0" encoding="utf-8"?>
+<file path=ppt/slides/slide48.xml><?xml version="1.0" encoding="utf-8"?>
 <p:sld xmlns:a="http://schemas.openxmlformats.org/drawingml/2006/main" xmlns:r="http://schemas.openxmlformats.org/officeDocument/2006/relationships" xmlns:p="http://schemas.openxmlformats.org/presentationml/2006/main">
   <p:cSld>
     <p:spTree>
@@ -20021,7 +19900,7 @@
           <a:p>
             <a:r>
               <a:rPr lang="nl-NL"/>
-              <a:t>Curse of Dimensionality</a:t>
+              <a:t>Curse of Dimensionality (2)</a:t>
             </a:r>
           </a:p>
         </p:txBody>
@@ -20136,7 +20015,7 @@
 </p:sld>
 </file>
 
-<file path=ppt/slides/slide51.xml><?xml version="1.0" encoding="utf-8"?>
+<file path=ppt/slides/slide49.xml><?xml version="1.0" encoding="utf-8"?>
 <p:sld xmlns:a="http://schemas.openxmlformats.org/drawingml/2006/main" xmlns:r="http://schemas.openxmlformats.org/officeDocument/2006/relationships" xmlns:p="http://schemas.openxmlformats.org/presentationml/2006/main">
   <p:cSld>
     <p:spTree>
@@ -20255,7 +20134,60 @@
 </p:sld>
 </file>
 
-<file path=ppt/slides/slide52.xml><?xml version="1.0" encoding="utf-8"?>
+<file path=ppt/slides/slide5.xml><?xml version="1.0" encoding="utf-8"?>
+<p:sld xmlns:a="http://schemas.openxmlformats.org/drawingml/2006/main" xmlns:r="http://schemas.openxmlformats.org/officeDocument/2006/relationships" xmlns:p="http://schemas.openxmlformats.org/presentationml/2006/main">
+  <p:cSld>
+    <p:spTree>
+      <p:nvGrpSpPr>
+        <p:cNvPr id="1" name=""/>
+        <p:cNvGrpSpPr/>
+        <p:nvPr/>
+      </p:nvGrpSpPr>
+      <p:grpSpPr>
+        <a:xfrm>
+          <a:off x="0" y="0"/>
+          <a:ext cx="0" cy="0"/>
+          <a:chOff x="0" y="0"/>
+          <a:chExt cx="0" cy="0"/>
+        </a:xfrm>
+      </p:grpSpPr>
+      <p:pic>
+        <p:nvPicPr>
+          <p:cNvPr id="130" name="pasted-image.png" descr="pasted-image.png"/>
+          <p:cNvPicPr>
+            <a:picLocks noChangeAspect="1"/>
+          </p:cNvPicPr>
+          <p:nvPr/>
+        </p:nvPicPr>
+        <p:blipFill>
+          <a:blip r:embed="rId2"/>
+          <a:stretch>
+            <a:fillRect/>
+          </a:stretch>
+        </p:blipFill>
+        <p:spPr>
+          <a:xfrm>
+            <a:off x="960130" y="-1"/>
+            <a:ext cx="11084540" cy="9753601"/>
+          </a:xfrm>
+          <a:prstGeom prst="rect">
+            <a:avLst/>
+          </a:prstGeom>
+          <a:ln w="12700">
+            <a:miter lim="400000"/>
+          </a:ln>
+        </p:spPr>
+      </p:pic>
+    </p:spTree>
+  </p:cSld>
+  <p:clrMapOvr>
+    <a:masterClrMapping/>
+  </p:clrMapOvr>
+  <p:transition spd="med"/>
+</p:sld>
+</file>
+
+<file path=ppt/slides/slide50.xml><?xml version="1.0" encoding="utf-8"?>
 <p:sld xmlns:a="http://schemas.openxmlformats.org/drawingml/2006/main" xmlns:r="http://schemas.openxmlformats.org/officeDocument/2006/relationships" xmlns:p="http://schemas.openxmlformats.org/presentationml/2006/main">
   <p:cSld>
     <p:spTree>
@@ -20360,7 +20292,7 @@
 </p:sld>
 </file>
 
-<file path=ppt/slides/slide53.xml><?xml version="1.0" encoding="utf-8"?>
+<file path=ppt/slides/slide51.xml><?xml version="1.0" encoding="utf-8"?>
 <p:sld xmlns:a="http://schemas.openxmlformats.org/drawingml/2006/main" xmlns:r="http://schemas.openxmlformats.org/officeDocument/2006/relationships" xmlns:p="http://schemas.openxmlformats.org/presentationml/2006/main">
   <p:cSld>
     <p:spTree>
@@ -20612,7 +20544,7 @@
 </p:sld>
 </file>
 
-<file path=ppt/slides/slide54.xml><?xml version="1.0" encoding="utf-8"?>
+<file path=ppt/slides/slide52.xml><?xml version="1.0" encoding="utf-8"?>
 <p:sld xmlns:a="http://schemas.openxmlformats.org/drawingml/2006/main" xmlns:r="http://schemas.openxmlformats.org/officeDocument/2006/relationships" xmlns:p="http://schemas.openxmlformats.org/presentationml/2006/main">
   <p:cSld>
     <p:spTree>
@@ -20859,7 +20791,7 @@
 </p:sld>
 </file>
 
-<file path=ppt/slides/slide55.xml><?xml version="1.0" encoding="utf-8"?>
+<file path=ppt/slides/slide53.xml><?xml version="1.0" encoding="utf-8"?>
 <p:sld xmlns:a="http://schemas.openxmlformats.org/drawingml/2006/main" xmlns:r="http://schemas.openxmlformats.org/officeDocument/2006/relationships" xmlns:p="http://schemas.openxmlformats.org/presentationml/2006/main">
   <p:cSld>
     <p:spTree>
@@ -21177,7 +21109,7 @@
 </p:sld>
 </file>
 
-<file path=ppt/slides/slide56.xml><?xml version="1.0" encoding="utf-8"?>
+<file path=ppt/slides/slide54.xml><?xml version="1.0" encoding="utf-8"?>
 <p:sld xmlns:a="http://schemas.openxmlformats.org/drawingml/2006/main" xmlns:r="http://schemas.openxmlformats.org/officeDocument/2006/relationships" xmlns:p="http://schemas.openxmlformats.org/presentationml/2006/main">
   <p:cSld>
     <p:spTree>
@@ -21401,7 +21333,7 @@
 </p:sld>
 </file>
 
-<file path=ppt/slides/slide57.xml><?xml version="1.0" encoding="utf-8"?>
+<file path=ppt/slides/slide55.xml><?xml version="1.0" encoding="utf-8"?>
 <p:sld xmlns:a="http://schemas.openxmlformats.org/drawingml/2006/main" xmlns:r="http://schemas.openxmlformats.org/officeDocument/2006/relationships" xmlns:p="http://schemas.openxmlformats.org/presentationml/2006/main">
   <p:cSld>
     <p:spTree>
@@ -21545,7 +21477,7 @@
 </p:sld>
 </file>
 
-<file path=ppt/slides/slide58.xml><?xml version="1.0" encoding="utf-8"?>
+<file path=ppt/slides/slide56.xml><?xml version="1.0" encoding="utf-8"?>
 <p:sld xmlns:a="http://schemas.openxmlformats.org/drawingml/2006/main" xmlns:r="http://schemas.openxmlformats.org/officeDocument/2006/relationships" xmlns:p="http://schemas.openxmlformats.org/presentationml/2006/main">
   <p:cSld>
     <p:spTree>
@@ -21749,7 +21681,7 @@
       </p:grpSpPr>
       <p:pic>
         <p:nvPicPr>
-          <p:cNvPr id="130" name="pasted-image.png" descr="pasted-image.png"/>
+          <p:cNvPr id="132" name="pasted-image.png" descr="pasted-image.png"/>
           <p:cNvPicPr>
             <a:picLocks noChangeAspect="1"/>
           </p:cNvPicPr>
@@ -21763,8 +21695,8 @@
         </p:blipFill>
         <p:spPr>
           <a:xfrm>
-            <a:off x="960130" y="-1"/>
-            <a:ext cx="11084540" cy="9753601"/>
+            <a:off x="1126430" y="112408"/>
+            <a:ext cx="10751940" cy="9528784"/>
           </a:xfrm>
           <a:prstGeom prst="rect">
             <a:avLst/>
@@ -21800,59 +21732,6 @@
           <a:chExt cx="0" cy="0"/>
         </a:xfrm>
       </p:grpSpPr>
-      <p:pic>
-        <p:nvPicPr>
-          <p:cNvPr id="132" name="pasted-image.png" descr="pasted-image.png"/>
-          <p:cNvPicPr>
-            <a:picLocks noChangeAspect="1"/>
-          </p:cNvPicPr>
-          <p:nvPr/>
-        </p:nvPicPr>
-        <p:blipFill>
-          <a:blip r:embed="rId2"/>
-          <a:stretch>
-            <a:fillRect/>
-          </a:stretch>
-        </p:blipFill>
-        <p:spPr>
-          <a:xfrm>
-            <a:off x="1126430" y="112408"/>
-            <a:ext cx="10751940" cy="9528784"/>
-          </a:xfrm>
-          <a:prstGeom prst="rect">
-            <a:avLst/>
-          </a:prstGeom>
-          <a:ln w="12700">
-            <a:miter lim="400000"/>
-          </a:ln>
-        </p:spPr>
-      </p:pic>
-    </p:spTree>
-  </p:cSld>
-  <p:clrMapOvr>
-    <a:masterClrMapping/>
-  </p:clrMapOvr>
-  <p:transition spd="med"/>
-</p:sld>
-</file>
-
-<file path=ppt/slides/slide8.xml><?xml version="1.0" encoding="utf-8"?>
-<p:sld xmlns:a="http://schemas.openxmlformats.org/drawingml/2006/main" xmlns:r="http://schemas.openxmlformats.org/officeDocument/2006/relationships" xmlns:p="http://schemas.openxmlformats.org/presentationml/2006/main">
-  <p:cSld>
-    <p:spTree>
-      <p:nvGrpSpPr>
-        <p:cNvPr id="1" name=""/>
-        <p:cNvGrpSpPr/>
-        <p:nvPr/>
-      </p:nvGrpSpPr>
-      <p:grpSpPr>
-        <a:xfrm>
-          <a:off x="0" y="0"/>
-          <a:ext cx="0" cy="0"/>
-          <a:chOff x="0" y="0"/>
-          <a:chExt cx="0" cy="0"/>
-        </a:xfrm>
-      </p:grpSpPr>
       <p:sp>
         <p:nvSpPr>
           <p:cNvPr id="134" name="ml:overfitting and underfitting"/>
@@ -21872,7 +21751,7 @@
           </a:ln>
           <a:extLst>
             <a:ext uri="{C572A759-6A51-4108-AA02-DFA0A04FC94B}">
-              <ma14:wrappingTextBoxFlag xmlns:ma14="http://schemas.microsoft.com/office/mac/drawingml/2011/main" xmlns:a14="http://schemas.microsoft.com/office/drawing/2010/main" xmlns:m="http://schemas.openxmlformats.org/officeDocument/2006/math" xmlns="" val="1"/>
+              <ma14:wrappingTextBoxFlag xmlns="" xmlns:m="http://schemas.openxmlformats.org/officeDocument/2006/math" xmlns:a14="http://schemas.microsoft.com/office/drawing/2010/main" xmlns:ma14="http://schemas.microsoft.com/office/mac/drawingml/2011/main" val="1"/>
             </a:ext>
           </a:extLst>
         </p:spPr>
@@ -21906,7 +21785,7 @@
 </p:sld>
 </file>
 
-<file path=ppt/slides/slide9.xml><?xml version="1.0" encoding="utf-8"?>
+<file path=ppt/slides/slide8.xml><?xml version="1.0" encoding="utf-8"?>
 <p:sld xmlns:a="http://schemas.openxmlformats.org/drawingml/2006/main" xmlns:r="http://schemas.openxmlformats.org/officeDocument/2006/relationships" xmlns:p="http://schemas.openxmlformats.org/presentationml/2006/main">
   <p:cSld>
     <p:spTree>
@@ -21941,6 +21820,59 @@
           <a:xfrm>
             <a:off x="17641" y="358121"/>
             <a:ext cx="12969518" cy="9037358"/>
+          </a:xfrm>
+          <a:prstGeom prst="rect">
+            <a:avLst/>
+          </a:prstGeom>
+          <a:ln w="12700">
+            <a:miter lim="400000"/>
+          </a:ln>
+        </p:spPr>
+      </p:pic>
+    </p:spTree>
+  </p:cSld>
+  <p:clrMapOvr>
+    <a:masterClrMapping/>
+  </p:clrMapOvr>
+  <p:transition spd="med"/>
+</p:sld>
+</file>
+
+<file path=ppt/slides/slide9.xml><?xml version="1.0" encoding="utf-8"?>
+<p:sld xmlns:a="http://schemas.openxmlformats.org/drawingml/2006/main" xmlns:r="http://schemas.openxmlformats.org/officeDocument/2006/relationships" xmlns:p="http://schemas.openxmlformats.org/presentationml/2006/main">
+  <p:cSld>
+    <p:spTree>
+      <p:nvGrpSpPr>
+        <p:cNvPr id="1" name=""/>
+        <p:cNvGrpSpPr/>
+        <p:nvPr/>
+      </p:nvGrpSpPr>
+      <p:grpSpPr>
+        <a:xfrm>
+          <a:off x="0" y="0"/>
+          <a:ext cx="0" cy="0"/>
+          <a:chOff x="0" y="0"/>
+          <a:chExt cx="0" cy="0"/>
+        </a:xfrm>
+      </p:grpSpPr>
+      <p:pic>
+        <p:nvPicPr>
+          <p:cNvPr id="138" name="pasted-image.png" descr="pasted-image.png"/>
+          <p:cNvPicPr>
+            <a:picLocks/>
+          </p:cNvPicPr>
+          <p:nvPr/>
+        </p:nvPicPr>
+        <p:blipFill>
+          <a:blip r:embed="rId2"/>
+          <a:stretch>
+            <a:fillRect/>
+          </a:stretch>
+        </p:blipFill>
+        <p:spPr>
+          <a:xfrm>
+            <a:off x="19049" y="355600"/>
+            <a:ext cx="12966701" cy="9042400"/>
           </a:xfrm>
           <a:prstGeom prst="rect">
             <a:avLst/>
